--- a/Presentatie SignalR.pptx
+++ b/Presentatie SignalR.pptx
@@ -5,12 +5,27 @@
     <p:sldMasterId id="2147483689" r:id="rId1"/>
   </p:sldMasterIdLst>
   <p:notesMasterIdLst>
-    <p:notesMasterId r:id="rId5"/>
+    <p:notesMasterId r:id="rId20"/>
   </p:notesMasterIdLst>
   <p:sldIdLst>
     <p:sldId id="259" r:id="rId2"/>
     <p:sldId id="260" r:id="rId3"/>
-    <p:sldId id="362" r:id="rId4"/>
+    <p:sldId id="363" r:id="rId4"/>
+    <p:sldId id="372" r:id="rId5"/>
+    <p:sldId id="365" r:id="rId6"/>
+    <p:sldId id="371" r:id="rId7"/>
+    <p:sldId id="373" r:id="rId8"/>
+    <p:sldId id="374" r:id="rId9"/>
+    <p:sldId id="377" r:id="rId10"/>
+    <p:sldId id="378" r:id="rId11"/>
+    <p:sldId id="381" r:id="rId12"/>
+    <p:sldId id="382" r:id="rId13"/>
+    <p:sldId id="383" r:id="rId14"/>
+    <p:sldId id="375" r:id="rId15"/>
+    <p:sldId id="376" r:id="rId16"/>
+    <p:sldId id="379" r:id="rId17"/>
+    <p:sldId id="380" r:id="rId18"/>
+    <p:sldId id="362" r:id="rId19"/>
   </p:sldIdLst>
   <p:sldSz cx="12192000" cy="6858000"/>
   <p:notesSz cx="6858000" cy="9144000"/>
@@ -3506,7 +3521,7 @@
           <a:p>
             <a:fld id="{4C6F93D7-F280-41E0-9E85-027AD68093A5}" type="datetimeFigureOut">
               <a:rPr lang="nl-NL"/>
-              <a:t>11-3-2023</a:t>
+              <a:t>15-4-2023</a:t>
             </a:fld>
             <a:endParaRPr lang="nl-NL"/>
           </a:p>
@@ -3771,6 +3786,94 @@
     </a:lvl9pPr>
   </p:notesStyle>
 </p:notesMaster>
+</file>
+
+<file path=ppt/notesSlides/notesSlide1.xml><?xml version="1.0" encoding="utf-8"?>
+<p:notes xmlns:a="http://schemas.openxmlformats.org/drawingml/2006/main" xmlns:r="http://schemas.openxmlformats.org/officeDocument/2006/relationships" xmlns:p="http://schemas.openxmlformats.org/presentationml/2006/main">
+  <p:cSld>
+    <p:spTree>
+      <p:nvGrpSpPr>
+        <p:cNvPr id="1" name=""/>
+        <p:cNvGrpSpPr/>
+        <p:nvPr/>
+      </p:nvGrpSpPr>
+      <p:grpSpPr>
+        <a:xfrm>
+          <a:off x="0" y="0"/>
+          <a:ext cx="0" cy="0"/>
+          <a:chOff x="0" y="0"/>
+          <a:chExt cx="0" cy="0"/>
+        </a:xfrm>
+      </p:grpSpPr>
+      <p:sp>
+        <p:nvSpPr>
+          <p:cNvPr id="2" name="Slide Image Placeholder 1"/>
+          <p:cNvSpPr>
+            <a:spLocks noGrp="1" noRot="1" noChangeAspect="1"/>
+          </p:cNvSpPr>
+          <p:nvPr>
+            <p:ph type="sldImg"/>
+          </p:nvPr>
+        </p:nvSpPr>
+        <p:spPr/>
+      </p:sp>
+      <p:sp>
+        <p:nvSpPr>
+          <p:cNvPr id="3" name="Notes Placeholder 2"/>
+          <p:cNvSpPr>
+            <a:spLocks noGrp="1"/>
+          </p:cNvSpPr>
+          <p:nvPr>
+            <p:ph type="body" idx="1"/>
+          </p:nvPr>
+        </p:nvSpPr>
+        <p:spPr/>
+        <p:txBody>
+          <a:bodyPr/>
+          <a:lstStyle/>
+          <a:p>
+            <a:r>
+              <a:rPr lang="en-GB" dirty="0" err="1"/>
+              <a:t>qsdfqsdfqsdfqsdfqsdf</a:t>
+            </a:r>
+            <a:endParaRPr lang="en-BE" dirty="0"/>
+          </a:p>
+        </p:txBody>
+      </p:sp>
+      <p:sp>
+        <p:nvSpPr>
+          <p:cNvPr id="4" name="Slide Number Placeholder 3"/>
+          <p:cNvSpPr>
+            <a:spLocks noGrp="1"/>
+          </p:cNvSpPr>
+          <p:nvPr>
+            <p:ph type="sldNum" sz="quarter" idx="5"/>
+          </p:nvPr>
+        </p:nvSpPr>
+        <p:spPr/>
+        <p:txBody>
+          <a:bodyPr/>
+          <a:lstStyle/>
+          <a:p>
+            <a:fld id="{F94200CE-EDD4-4F5B-B70B-389CFFB72452}" type="slidenum">
+              <a:rPr lang="nl-NL" smtClean="0"/>
+              <a:t>1</a:t>
+            </a:fld>
+            <a:endParaRPr lang="nl-NL"/>
+          </a:p>
+        </p:txBody>
+      </p:sp>
+    </p:spTree>
+    <p:extLst>
+      <p:ext uri="{BB962C8B-B14F-4D97-AF65-F5344CB8AC3E}">
+        <p14:creationId xmlns:p14="http://schemas.microsoft.com/office/powerpoint/2010/main" val="2834883624"/>
+      </p:ext>
+    </p:extLst>
+  </p:cSld>
+  <p:clrMapOvr>
+    <a:masterClrMapping/>
+  </p:clrMapOvr>
+</p:notes>
 </file>
 
 <file path=ppt/slideLayouts/slideLayout1.xml><?xml version="1.0" encoding="utf-8"?>
@@ -6513,8 +6616,31 @@
           <a:lstStyle/>
           <a:p>
             <a:r>
+              <a:rPr lang="en-US" dirty="0"/>
+              <a:t>Christophe Mathieu</a:t>
+            </a:r>
+            <a:endParaRPr lang="nl-NL" dirty="0"/>
+          </a:p>
+        </p:txBody>
+      </p:sp>
+      <p:sp>
+        <p:nvSpPr>
+          <p:cNvPr id="3" name="Title 2"/>
+          <p:cNvSpPr>
+            <a:spLocks noGrp="1"/>
+          </p:cNvSpPr>
+          <p:nvPr>
+            <p:ph type="title"/>
+          </p:nvPr>
+        </p:nvSpPr>
+        <p:spPr/>
+        <p:txBody>
+          <a:bodyPr/>
+          <a:lstStyle/>
+          <a:p>
+            <a:r>
               <a:rPr lang="en-US" dirty="0" err="1"/>
-              <a:t>Ouassim</a:t>
+              <a:t>Opdracht</a:t>
             </a:r>
             <a:r>
               <a:rPr lang="en-US" dirty="0"/>
@@ -6522,34 +6648,23 @@
             </a:r>
             <a:r>
               <a:rPr lang="en-US" dirty="0" err="1"/>
-              <a:t>Abdellaoui</a:t>
+              <a:t>presentatie</a:t>
             </a:r>
             <a:r>
               <a:rPr lang="en-US" dirty="0"/>
-              <a:t> &amp; Christophe Mathieu</a:t>
-            </a:r>
-            <a:endParaRPr lang="nl-NL" dirty="0"/>
-          </a:p>
-        </p:txBody>
-      </p:sp>
-      <p:sp>
-        <p:nvSpPr>
-          <p:cNvPr id="3" name="Title 2"/>
-          <p:cNvSpPr>
-            <a:spLocks noGrp="1"/>
-          </p:cNvSpPr>
-          <p:nvPr>
-            <p:ph type="title"/>
-          </p:nvPr>
-        </p:nvSpPr>
-        <p:spPr/>
-        <p:txBody>
-          <a:bodyPr/>
-          <a:lstStyle/>
-          <a:p>
+              <a:t> </a:t>
+            </a:r>
             <a:r>
               <a:rPr lang="en-US" dirty="0" err="1"/>
-              <a:t>Signalr</a:t>
+              <a:t>en</a:t>
+            </a:r>
+            <a:r>
+              <a:rPr lang="en-US" dirty="0"/>
+              <a:t> </a:t>
+            </a:r>
+            <a:r>
+              <a:rPr lang="en-US"/>
+              <a:t>presenteren</a:t>
             </a:r>
             <a:endParaRPr lang="nl-NL" dirty="0"/>
           </a:p>
@@ -6602,6 +6717,1348 @@
     <p:extLst>
       <p:ext uri="{BB962C8B-B14F-4D97-AF65-F5344CB8AC3E}">
         <p14:creationId xmlns:p14="http://schemas.microsoft.com/office/powerpoint/2010/main" val="4121140145"/>
+      </p:ext>
+    </p:extLst>
+  </p:cSld>
+  <p:clrMapOvr>
+    <a:masterClrMapping/>
+  </p:clrMapOvr>
+</p:sld>
+</file>
+
+<file path=ppt/slides/slide10.xml><?xml version="1.0" encoding="utf-8"?>
+<p:sld xmlns:a="http://schemas.openxmlformats.org/drawingml/2006/main" xmlns:r="http://schemas.openxmlformats.org/officeDocument/2006/relationships" xmlns:p="http://schemas.openxmlformats.org/presentationml/2006/main">
+  <p:cSld>
+    <p:spTree>
+      <p:nvGrpSpPr>
+        <p:cNvPr id="1" name=""/>
+        <p:cNvGrpSpPr/>
+        <p:nvPr/>
+      </p:nvGrpSpPr>
+      <p:grpSpPr>
+        <a:xfrm>
+          <a:off x="0" y="0"/>
+          <a:ext cx="0" cy="0"/>
+          <a:chOff x="0" y="0"/>
+          <a:chExt cx="0" cy="0"/>
+        </a:xfrm>
+      </p:grpSpPr>
+      <p:sp>
+        <p:nvSpPr>
+          <p:cNvPr id="2" name="Content Placeholder 1">
+            <a:extLst>
+              <a:ext uri="{FF2B5EF4-FFF2-40B4-BE49-F238E27FC236}">
+                <a16:creationId xmlns:a16="http://schemas.microsoft.com/office/drawing/2014/main" id="{49C96621-DDA2-43EB-9F25-F650BD381CFB}"/>
+              </a:ext>
+            </a:extLst>
+          </p:cNvPr>
+          <p:cNvSpPr>
+            <a:spLocks noGrp="1"/>
+          </p:cNvSpPr>
+          <p:nvPr>
+            <p:ph idx="1"/>
+          </p:nvPr>
+        </p:nvSpPr>
+        <p:spPr/>
+        <p:txBody>
+          <a:bodyPr/>
+          <a:lstStyle/>
+          <a:p>
+            <a:r>
+              <a:rPr lang="en-US"/>
+              <a:t>WebSocket</a:t>
+            </a:r>
+          </a:p>
+          <a:p>
+            <a:endParaRPr lang="en-US" dirty="0"/>
+          </a:p>
+        </p:txBody>
+      </p:sp>
+      <p:sp>
+        <p:nvSpPr>
+          <p:cNvPr id="3" name="Title 2">
+            <a:extLst>
+              <a:ext uri="{FF2B5EF4-FFF2-40B4-BE49-F238E27FC236}">
+                <a16:creationId xmlns:a16="http://schemas.microsoft.com/office/drawing/2014/main" id="{B6282170-58B5-437A-B277-73F7EDEEAC48}"/>
+              </a:ext>
+            </a:extLst>
+          </p:cNvPr>
+          <p:cNvSpPr>
+            <a:spLocks noGrp="1"/>
+          </p:cNvSpPr>
+          <p:nvPr>
+            <p:ph type="title"/>
+          </p:nvPr>
+        </p:nvSpPr>
+        <p:spPr/>
+        <p:txBody>
+          <a:bodyPr/>
+          <a:lstStyle/>
+          <a:p>
+            <a:r>
+              <a:rPr lang="en-US" dirty="0" err="1"/>
+              <a:t>Belangrijkste</a:t>
+            </a:r>
+            <a:r>
+              <a:rPr lang="en-US" dirty="0"/>
+              <a:t> features – </a:t>
+            </a:r>
+            <a:r>
+              <a:rPr lang="en-US" dirty="0" err="1"/>
+              <a:t>verbindingsbeheer</a:t>
+            </a:r>
+            <a:r>
+              <a:rPr lang="en-US" dirty="0"/>
+              <a:t> </a:t>
+            </a:r>
+            <a:r>
+              <a:rPr lang="en-US" dirty="0" err="1"/>
+              <a:t>automatisch</a:t>
+            </a:r>
+            <a:endParaRPr lang="en-US" dirty="0"/>
+          </a:p>
+        </p:txBody>
+      </p:sp>
+      <p:sp>
+        <p:nvSpPr>
+          <p:cNvPr id="4" name="Slide Number Placeholder 3">
+            <a:extLst>
+              <a:ext uri="{FF2B5EF4-FFF2-40B4-BE49-F238E27FC236}">
+                <a16:creationId xmlns:a16="http://schemas.microsoft.com/office/drawing/2014/main" id="{49FE6B9F-285D-4793-8608-D799E7E68B2C}"/>
+              </a:ext>
+            </a:extLst>
+          </p:cNvPr>
+          <p:cNvSpPr>
+            <a:spLocks noGrp="1"/>
+          </p:cNvSpPr>
+          <p:nvPr>
+            <p:ph type="sldNum" sz="quarter" idx="11"/>
+          </p:nvPr>
+        </p:nvSpPr>
+        <p:spPr/>
+        <p:txBody>
+          <a:bodyPr/>
+          <a:lstStyle/>
+          <a:p>
+            <a:fld id="{3B80295F-48CD-49FC-897A-CCEC919B8070}" type="slidenum">
+              <a:rPr lang="nl-BE" smtClean="0"/>
+              <a:pPr/>
+              <a:t>10</a:t>
+            </a:fld>
+            <a:endParaRPr lang="nl-BE"/>
+          </a:p>
+        </p:txBody>
+      </p:sp>
+      <p:sp>
+        <p:nvSpPr>
+          <p:cNvPr id="5" name="Footer Placeholder 4">
+            <a:extLst>
+              <a:ext uri="{FF2B5EF4-FFF2-40B4-BE49-F238E27FC236}">
+                <a16:creationId xmlns:a16="http://schemas.microsoft.com/office/drawing/2014/main" id="{03929003-0463-45B4-ACDA-5F5D41FBEC6A}"/>
+              </a:ext>
+            </a:extLst>
+          </p:cNvPr>
+          <p:cNvSpPr>
+            <a:spLocks noGrp="1"/>
+          </p:cNvSpPr>
+          <p:nvPr>
+            <p:ph type="ftr" sz="quarter" idx="12"/>
+          </p:nvPr>
+        </p:nvSpPr>
+        <p:spPr/>
+        <p:txBody>
+          <a:bodyPr/>
+          <a:lstStyle/>
+          <a:p>
+            <a:endParaRPr lang="nl-BE" dirty="0"/>
+          </a:p>
+        </p:txBody>
+      </p:sp>
+    </p:spTree>
+    <p:extLst>
+      <p:ext uri="{BB962C8B-B14F-4D97-AF65-F5344CB8AC3E}">
+        <p14:creationId xmlns:p14="http://schemas.microsoft.com/office/powerpoint/2010/main" val="4266284385"/>
+      </p:ext>
+    </p:extLst>
+  </p:cSld>
+  <p:clrMapOvr>
+    <a:masterClrMapping/>
+  </p:clrMapOvr>
+</p:sld>
+</file>
+
+<file path=ppt/slides/slide11.xml><?xml version="1.0" encoding="utf-8"?>
+<p:sld xmlns:a="http://schemas.openxmlformats.org/drawingml/2006/main" xmlns:r="http://schemas.openxmlformats.org/officeDocument/2006/relationships" xmlns:p="http://schemas.openxmlformats.org/presentationml/2006/main">
+  <p:cSld>
+    <p:spTree>
+      <p:nvGrpSpPr>
+        <p:cNvPr id="1" name=""/>
+        <p:cNvGrpSpPr/>
+        <p:nvPr/>
+      </p:nvGrpSpPr>
+      <p:grpSpPr>
+        <a:xfrm>
+          <a:off x="0" y="0"/>
+          <a:ext cx="0" cy="0"/>
+          <a:chOff x="0" y="0"/>
+          <a:chExt cx="0" cy="0"/>
+        </a:xfrm>
+      </p:grpSpPr>
+      <p:sp>
+        <p:nvSpPr>
+          <p:cNvPr id="2" name="Content Placeholder 1">
+            <a:extLst>
+              <a:ext uri="{FF2B5EF4-FFF2-40B4-BE49-F238E27FC236}">
+                <a16:creationId xmlns:a16="http://schemas.microsoft.com/office/drawing/2014/main" id="{49C96621-DDA2-43EB-9F25-F650BD381CFB}"/>
+              </a:ext>
+            </a:extLst>
+          </p:cNvPr>
+          <p:cNvSpPr>
+            <a:spLocks noGrp="1"/>
+          </p:cNvSpPr>
+          <p:nvPr>
+            <p:ph idx="1"/>
+          </p:nvPr>
+        </p:nvSpPr>
+        <p:spPr/>
+        <p:txBody>
+          <a:bodyPr/>
+          <a:lstStyle/>
+          <a:p>
+            <a:endParaRPr lang="en-US" dirty="0"/>
+          </a:p>
+        </p:txBody>
+      </p:sp>
+      <p:sp>
+        <p:nvSpPr>
+          <p:cNvPr id="3" name="Title 2">
+            <a:extLst>
+              <a:ext uri="{FF2B5EF4-FFF2-40B4-BE49-F238E27FC236}">
+                <a16:creationId xmlns:a16="http://schemas.microsoft.com/office/drawing/2014/main" id="{B6282170-58B5-437A-B277-73F7EDEEAC48}"/>
+              </a:ext>
+            </a:extLst>
+          </p:cNvPr>
+          <p:cNvSpPr>
+            <a:spLocks noGrp="1"/>
+          </p:cNvSpPr>
+          <p:nvPr>
+            <p:ph type="title"/>
+          </p:nvPr>
+        </p:nvSpPr>
+        <p:spPr/>
+        <p:txBody>
+          <a:bodyPr/>
+          <a:lstStyle/>
+          <a:p>
+            <a:r>
+              <a:rPr lang="en-US" dirty="0" err="1"/>
+              <a:t>Belangrijkste</a:t>
+            </a:r>
+            <a:r>
+              <a:rPr lang="en-US" dirty="0"/>
+              <a:t> features – </a:t>
+            </a:r>
+            <a:br>
+              <a:rPr lang="en-US" dirty="0"/>
+            </a:br>
+            <a:r>
+              <a:rPr lang="en-US" dirty="0" err="1"/>
+              <a:t>berichten</a:t>
+            </a:r>
+            <a:r>
+              <a:rPr lang="en-US" dirty="0"/>
+              <a:t> </a:t>
+            </a:r>
+            <a:r>
+              <a:rPr lang="en-US" dirty="0" err="1"/>
+              <a:t>versturen</a:t>
+            </a:r>
+            <a:endParaRPr lang="en-US" dirty="0"/>
+          </a:p>
+        </p:txBody>
+      </p:sp>
+      <p:sp>
+        <p:nvSpPr>
+          <p:cNvPr id="4" name="Slide Number Placeholder 3">
+            <a:extLst>
+              <a:ext uri="{FF2B5EF4-FFF2-40B4-BE49-F238E27FC236}">
+                <a16:creationId xmlns:a16="http://schemas.microsoft.com/office/drawing/2014/main" id="{49FE6B9F-285D-4793-8608-D799E7E68B2C}"/>
+              </a:ext>
+            </a:extLst>
+          </p:cNvPr>
+          <p:cNvSpPr>
+            <a:spLocks noGrp="1"/>
+          </p:cNvSpPr>
+          <p:nvPr>
+            <p:ph type="sldNum" sz="quarter" idx="11"/>
+          </p:nvPr>
+        </p:nvSpPr>
+        <p:spPr/>
+        <p:txBody>
+          <a:bodyPr/>
+          <a:lstStyle/>
+          <a:p>
+            <a:fld id="{3B80295F-48CD-49FC-897A-CCEC919B8070}" type="slidenum">
+              <a:rPr lang="nl-BE" smtClean="0"/>
+              <a:pPr/>
+              <a:t>11</a:t>
+            </a:fld>
+            <a:endParaRPr lang="nl-BE"/>
+          </a:p>
+        </p:txBody>
+      </p:sp>
+      <p:sp>
+        <p:nvSpPr>
+          <p:cNvPr id="5" name="Footer Placeholder 4">
+            <a:extLst>
+              <a:ext uri="{FF2B5EF4-FFF2-40B4-BE49-F238E27FC236}">
+                <a16:creationId xmlns:a16="http://schemas.microsoft.com/office/drawing/2014/main" id="{03929003-0463-45B4-ACDA-5F5D41FBEC6A}"/>
+              </a:ext>
+            </a:extLst>
+          </p:cNvPr>
+          <p:cNvSpPr>
+            <a:spLocks noGrp="1"/>
+          </p:cNvSpPr>
+          <p:nvPr>
+            <p:ph type="ftr" sz="quarter" idx="12"/>
+          </p:nvPr>
+        </p:nvSpPr>
+        <p:spPr/>
+        <p:txBody>
+          <a:bodyPr/>
+          <a:lstStyle/>
+          <a:p>
+            <a:endParaRPr lang="nl-BE" dirty="0"/>
+          </a:p>
+        </p:txBody>
+      </p:sp>
+    </p:spTree>
+    <p:extLst>
+      <p:ext uri="{BB962C8B-B14F-4D97-AF65-F5344CB8AC3E}">
+        <p14:creationId xmlns:p14="http://schemas.microsoft.com/office/powerpoint/2010/main" val="847505491"/>
+      </p:ext>
+    </p:extLst>
+  </p:cSld>
+  <p:clrMapOvr>
+    <a:masterClrMapping/>
+  </p:clrMapOvr>
+</p:sld>
+</file>
+
+<file path=ppt/slides/slide12.xml><?xml version="1.0" encoding="utf-8"?>
+<p:sld xmlns:a="http://schemas.openxmlformats.org/drawingml/2006/main" xmlns:r="http://schemas.openxmlformats.org/officeDocument/2006/relationships" xmlns:p="http://schemas.openxmlformats.org/presentationml/2006/main">
+  <p:cSld>
+    <p:spTree>
+      <p:nvGrpSpPr>
+        <p:cNvPr id="1" name=""/>
+        <p:cNvGrpSpPr/>
+        <p:nvPr/>
+      </p:nvGrpSpPr>
+      <p:grpSpPr>
+        <a:xfrm>
+          <a:off x="0" y="0"/>
+          <a:ext cx="0" cy="0"/>
+          <a:chOff x="0" y="0"/>
+          <a:chExt cx="0" cy="0"/>
+        </a:xfrm>
+      </p:grpSpPr>
+      <p:sp>
+        <p:nvSpPr>
+          <p:cNvPr id="2" name="Content Placeholder 1">
+            <a:extLst>
+              <a:ext uri="{FF2B5EF4-FFF2-40B4-BE49-F238E27FC236}">
+                <a16:creationId xmlns:a16="http://schemas.microsoft.com/office/drawing/2014/main" id="{49C96621-DDA2-43EB-9F25-F650BD381CFB}"/>
+              </a:ext>
+            </a:extLst>
+          </p:cNvPr>
+          <p:cNvSpPr>
+            <a:spLocks noGrp="1"/>
+          </p:cNvSpPr>
+          <p:nvPr>
+            <p:ph idx="1"/>
+          </p:nvPr>
+        </p:nvSpPr>
+        <p:spPr/>
+        <p:txBody>
+          <a:bodyPr/>
+          <a:lstStyle/>
+          <a:p>
+            <a:endParaRPr lang="en-US" dirty="0"/>
+          </a:p>
+        </p:txBody>
+      </p:sp>
+      <p:sp>
+        <p:nvSpPr>
+          <p:cNvPr id="3" name="Title 2">
+            <a:extLst>
+              <a:ext uri="{FF2B5EF4-FFF2-40B4-BE49-F238E27FC236}">
+                <a16:creationId xmlns:a16="http://schemas.microsoft.com/office/drawing/2014/main" id="{B6282170-58B5-437A-B277-73F7EDEEAC48}"/>
+              </a:ext>
+            </a:extLst>
+          </p:cNvPr>
+          <p:cNvSpPr>
+            <a:spLocks noGrp="1"/>
+          </p:cNvSpPr>
+          <p:nvPr>
+            <p:ph type="title"/>
+          </p:nvPr>
+        </p:nvSpPr>
+        <p:spPr/>
+        <p:txBody>
+          <a:bodyPr/>
+          <a:lstStyle/>
+          <a:p>
+            <a:r>
+              <a:rPr lang="en-US" dirty="0" err="1"/>
+              <a:t>Belangrijkste</a:t>
+            </a:r>
+            <a:r>
+              <a:rPr lang="en-US" dirty="0"/>
+              <a:t> features – </a:t>
+            </a:r>
+            <a:br>
+              <a:rPr lang="en-US" dirty="0"/>
+            </a:br>
+            <a:r>
+              <a:rPr lang="en-US" dirty="0" err="1"/>
+              <a:t>schalen</a:t>
+            </a:r>
+            <a:r>
+              <a:rPr lang="en-US" dirty="0"/>
+              <a:t> </a:t>
+            </a:r>
+            <a:r>
+              <a:rPr lang="en-US" dirty="0" err="1"/>
+              <a:t>naar</a:t>
+            </a:r>
+            <a:r>
+              <a:rPr lang="en-US" dirty="0"/>
+              <a:t> </a:t>
+            </a:r>
+            <a:r>
+              <a:rPr lang="en-US" dirty="0" err="1"/>
+              <a:t>trafiek</a:t>
+            </a:r>
+            <a:endParaRPr lang="en-US" dirty="0"/>
+          </a:p>
+        </p:txBody>
+      </p:sp>
+      <p:sp>
+        <p:nvSpPr>
+          <p:cNvPr id="4" name="Slide Number Placeholder 3">
+            <a:extLst>
+              <a:ext uri="{FF2B5EF4-FFF2-40B4-BE49-F238E27FC236}">
+                <a16:creationId xmlns:a16="http://schemas.microsoft.com/office/drawing/2014/main" id="{49FE6B9F-285D-4793-8608-D799E7E68B2C}"/>
+              </a:ext>
+            </a:extLst>
+          </p:cNvPr>
+          <p:cNvSpPr>
+            <a:spLocks noGrp="1"/>
+          </p:cNvSpPr>
+          <p:nvPr>
+            <p:ph type="sldNum" sz="quarter" idx="11"/>
+          </p:nvPr>
+        </p:nvSpPr>
+        <p:spPr/>
+        <p:txBody>
+          <a:bodyPr/>
+          <a:lstStyle/>
+          <a:p>
+            <a:fld id="{3B80295F-48CD-49FC-897A-CCEC919B8070}" type="slidenum">
+              <a:rPr lang="nl-BE" smtClean="0"/>
+              <a:pPr/>
+              <a:t>12</a:t>
+            </a:fld>
+            <a:endParaRPr lang="nl-BE"/>
+          </a:p>
+        </p:txBody>
+      </p:sp>
+      <p:sp>
+        <p:nvSpPr>
+          <p:cNvPr id="5" name="Footer Placeholder 4">
+            <a:extLst>
+              <a:ext uri="{FF2B5EF4-FFF2-40B4-BE49-F238E27FC236}">
+                <a16:creationId xmlns:a16="http://schemas.microsoft.com/office/drawing/2014/main" id="{03929003-0463-45B4-ACDA-5F5D41FBEC6A}"/>
+              </a:ext>
+            </a:extLst>
+          </p:cNvPr>
+          <p:cNvSpPr>
+            <a:spLocks noGrp="1"/>
+          </p:cNvSpPr>
+          <p:nvPr>
+            <p:ph type="ftr" sz="quarter" idx="12"/>
+          </p:nvPr>
+        </p:nvSpPr>
+        <p:spPr/>
+        <p:txBody>
+          <a:bodyPr/>
+          <a:lstStyle/>
+          <a:p>
+            <a:endParaRPr lang="nl-BE" dirty="0"/>
+          </a:p>
+        </p:txBody>
+      </p:sp>
+    </p:spTree>
+    <p:extLst>
+      <p:ext uri="{BB962C8B-B14F-4D97-AF65-F5344CB8AC3E}">
+        <p14:creationId xmlns:p14="http://schemas.microsoft.com/office/powerpoint/2010/main" val="731961765"/>
+      </p:ext>
+    </p:extLst>
+  </p:cSld>
+  <p:clrMapOvr>
+    <a:masterClrMapping/>
+  </p:clrMapOvr>
+</p:sld>
+</file>
+
+<file path=ppt/slides/slide13.xml><?xml version="1.0" encoding="utf-8"?>
+<p:sld xmlns:a="http://schemas.openxmlformats.org/drawingml/2006/main" xmlns:r="http://schemas.openxmlformats.org/officeDocument/2006/relationships" xmlns:p="http://schemas.openxmlformats.org/presentationml/2006/main">
+  <p:cSld>
+    <p:spTree>
+      <p:nvGrpSpPr>
+        <p:cNvPr id="1" name=""/>
+        <p:cNvGrpSpPr/>
+        <p:nvPr/>
+      </p:nvGrpSpPr>
+      <p:grpSpPr>
+        <a:xfrm>
+          <a:off x="0" y="0"/>
+          <a:ext cx="0" cy="0"/>
+          <a:chOff x="0" y="0"/>
+          <a:chExt cx="0" cy="0"/>
+        </a:xfrm>
+      </p:grpSpPr>
+      <p:sp>
+        <p:nvSpPr>
+          <p:cNvPr id="2" name="Content Placeholder 1">
+            <a:extLst>
+              <a:ext uri="{FF2B5EF4-FFF2-40B4-BE49-F238E27FC236}">
+                <a16:creationId xmlns:a16="http://schemas.microsoft.com/office/drawing/2014/main" id="{49C96621-DDA2-43EB-9F25-F650BD381CFB}"/>
+              </a:ext>
+            </a:extLst>
+          </p:cNvPr>
+          <p:cNvSpPr>
+            <a:spLocks noGrp="1"/>
+          </p:cNvSpPr>
+          <p:nvPr>
+            <p:ph idx="1"/>
+          </p:nvPr>
+        </p:nvSpPr>
+        <p:spPr/>
+        <p:txBody>
+          <a:bodyPr/>
+          <a:lstStyle/>
+          <a:p>
+            <a:endParaRPr lang="en-US" dirty="0"/>
+          </a:p>
+        </p:txBody>
+      </p:sp>
+      <p:sp>
+        <p:nvSpPr>
+          <p:cNvPr id="3" name="Title 2">
+            <a:extLst>
+              <a:ext uri="{FF2B5EF4-FFF2-40B4-BE49-F238E27FC236}">
+                <a16:creationId xmlns:a16="http://schemas.microsoft.com/office/drawing/2014/main" id="{B6282170-58B5-437A-B277-73F7EDEEAC48}"/>
+              </a:ext>
+            </a:extLst>
+          </p:cNvPr>
+          <p:cNvSpPr>
+            <a:spLocks noGrp="1"/>
+          </p:cNvSpPr>
+          <p:nvPr>
+            <p:ph type="title"/>
+          </p:nvPr>
+        </p:nvSpPr>
+        <p:spPr/>
+        <p:txBody>
+          <a:bodyPr/>
+          <a:lstStyle/>
+          <a:p>
+            <a:r>
+              <a:rPr lang="en-US" dirty="0" err="1"/>
+              <a:t>Belangrijkste</a:t>
+            </a:r>
+            <a:r>
+              <a:rPr lang="en-US" dirty="0"/>
+              <a:t> features – </a:t>
+            </a:r>
+            <a:br>
+              <a:rPr lang="en-US" dirty="0"/>
+            </a:br>
+            <a:r>
+              <a:rPr lang="en-US" dirty="0" err="1"/>
+              <a:t>signalr</a:t>
+            </a:r>
+            <a:r>
+              <a:rPr lang="en-US" dirty="0"/>
+              <a:t> hub protocol</a:t>
+            </a:r>
+          </a:p>
+        </p:txBody>
+      </p:sp>
+      <p:sp>
+        <p:nvSpPr>
+          <p:cNvPr id="4" name="Slide Number Placeholder 3">
+            <a:extLst>
+              <a:ext uri="{FF2B5EF4-FFF2-40B4-BE49-F238E27FC236}">
+                <a16:creationId xmlns:a16="http://schemas.microsoft.com/office/drawing/2014/main" id="{49FE6B9F-285D-4793-8608-D799E7E68B2C}"/>
+              </a:ext>
+            </a:extLst>
+          </p:cNvPr>
+          <p:cNvSpPr>
+            <a:spLocks noGrp="1"/>
+          </p:cNvSpPr>
+          <p:nvPr>
+            <p:ph type="sldNum" sz="quarter" idx="11"/>
+          </p:nvPr>
+        </p:nvSpPr>
+        <p:spPr/>
+        <p:txBody>
+          <a:bodyPr/>
+          <a:lstStyle/>
+          <a:p>
+            <a:fld id="{3B80295F-48CD-49FC-897A-CCEC919B8070}" type="slidenum">
+              <a:rPr lang="nl-BE" smtClean="0"/>
+              <a:pPr/>
+              <a:t>13</a:t>
+            </a:fld>
+            <a:endParaRPr lang="nl-BE"/>
+          </a:p>
+        </p:txBody>
+      </p:sp>
+      <p:sp>
+        <p:nvSpPr>
+          <p:cNvPr id="5" name="Footer Placeholder 4">
+            <a:extLst>
+              <a:ext uri="{FF2B5EF4-FFF2-40B4-BE49-F238E27FC236}">
+                <a16:creationId xmlns:a16="http://schemas.microsoft.com/office/drawing/2014/main" id="{03929003-0463-45B4-ACDA-5F5D41FBEC6A}"/>
+              </a:ext>
+            </a:extLst>
+          </p:cNvPr>
+          <p:cNvSpPr>
+            <a:spLocks noGrp="1"/>
+          </p:cNvSpPr>
+          <p:nvPr>
+            <p:ph type="ftr" sz="quarter" idx="12"/>
+          </p:nvPr>
+        </p:nvSpPr>
+        <p:spPr/>
+        <p:txBody>
+          <a:bodyPr/>
+          <a:lstStyle/>
+          <a:p>
+            <a:endParaRPr lang="nl-BE" dirty="0"/>
+          </a:p>
+        </p:txBody>
+      </p:sp>
+    </p:spTree>
+    <p:extLst>
+      <p:ext uri="{BB962C8B-B14F-4D97-AF65-F5344CB8AC3E}">
+        <p14:creationId xmlns:p14="http://schemas.microsoft.com/office/powerpoint/2010/main" val="173598060"/>
+      </p:ext>
+    </p:extLst>
+  </p:cSld>
+  <p:clrMapOvr>
+    <a:masterClrMapping/>
+  </p:clrMapOvr>
+</p:sld>
+</file>
+
+<file path=ppt/slides/slide14.xml><?xml version="1.0" encoding="utf-8"?>
+<p:sld xmlns:a="http://schemas.openxmlformats.org/drawingml/2006/main" xmlns:r="http://schemas.openxmlformats.org/officeDocument/2006/relationships" xmlns:p="http://schemas.openxmlformats.org/presentationml/2006/main">
+  <p:cSld>
+    <p:spTree>
+      <p:nvGrpSpPr>
+        <p:cNvPr id="1" name=""/>
+        <p:cNvGrpSpPr/>
+        <p:nvPr/>
+      </p:nvGrpSpPr>
+      <p:grpSpPr>
+        <a:xfrm>
+          <a:off x="0" y="0"/>
+          <a:ext cx="0" cy="0"/>
+          <a:chOff x="0" y="0"/>
+          <a:chExt cx="0" cy="0"/>
+        </a:xfrm>
+      </p:grpSpPr>
+      <p:sp>
+        <p:nvSpPr>
+          <p:cNvPr id="3" name="Title 2">
+            <a:extLst>
+              <a:ext uri="{FF2B5EF4-FFF2-40B4-BE49-F238E27FC236}">
+                <a16:creationId xmlns:a16="http://schemas.microsoft.com/office/drawing/2014/main" id="{2F42C553-B592-4464-A4B7-5EC8988D45F6}"/>
+              </a:ext>
+            </a:extLst>
+          </p:cNvPr>
+          <p:cNvSpPr>
+            <a:spLocks noGrp="1"/>
+          </p:cNvSpPr>
+          <p:nvPr>
+            <p:ph type="title"/>
+          </p:nvPr>
+        </p:nvSpPr>
+        <p:spPr/>
+        <p:txBody>
+          <a:bodyPr/>
+          <a:lstStyle/>
+          <a:p>
+            <a:r>
+              <a:rPr lang="en-US" dirty="0"/>
+              <a:t>WebSocket vs </a:t>
+            </a:r>
+            <a:r>
+              <a:rPr lang="en-US" dirty="0" err="1"/>
+              <a:t>signalr</a:t>
+            </a:r>
+            <a:endParaRPr lang="en-US" dirty="0"/>
+          </a:p>
+        </p:txBody>
+      </p:sp>
+      <p:sp>
+        <p:nvSpPr>
+          <p:cNvPr id="4" name="Footer Placeholder 3">
+            <a:extLst>
+              <a:ext uri="{FF2B5EF4-FFF2-40B4-BE49-F238E27FC236}">
+                <a16:creationId xmlns:a16="http://schemas.microsoft.com/office/drawing/2014/main" id="{9E41C3BC-E4E5-4D29-AD12-A6D8868395CD}"/>
+              </a:ext>
+            </a:extLst>
+          </p:cNvPr>
+          <p:cNvSpPr>
+            <a:spLocks noGrp="1"/>
+          </p:cNvSpPr>
+          <p:nvPr>
+            <p:ph type="ftr" sz="quarter" idx="12"/>
+          </p:nvPr>
+        </p:nvSpPr>
+        <p:spPr/>
+        <p:txBody>
+          <a:bodyPr/>
+          <a:lstStyle/>
+          <a:p>
+            <a:endParaRPr lang="nl-BE"/>
+          </a:p>
+        </p:txBody>
+      </p:sp>
+      <p:sp>
+        <p:nvSpPr>
+          <p:cNvPr id="5" name="Slide Number Placeholder 4">
+            <a:extLst>
+              <a:ext uri="{FF2B5EF4-FFF2-40B4-BE49-F238E27FC236}">
+                <a16:creationId xmlns:a16="http://schemas.microsoft.com/office/drawing/2014/main" id="{4E55B2F2-EDCE-4E6D-A170-16EBD9623D13}"/>
+              </a:ext>
+            </a:extLst>
+          </p:cNvPr>
+          <p:cNvSpPr>
+            <a:spLocks noGrp="1"/>
+          </p:cNvSpPr>
+          <p:nvPr>
+            <p:ph type="sldNum" sz="quarter" idx="11"/>
+          </p:nvPr>
+        </p:nvSpPr>
+        <p:spPr/>
+        <p:txBody>
+          <a:bodyPr/>
+          <a:lstStyle/>
+          <a:p>
+            <a:fld id="{3B80295F-48CD-49FC-897A-CCEC919B8070}" type="slidenum">
+              <a:rPr lang="nl-BE" smtClean="0"/>
+              <a:pPr/>
+              <a:t>14</a:t>
+            </a:fld>
+            <a:endParaRPr lang="nl-BE"/>
+          </a:p>
+        </p:txBody>
+      </p:sp>
+    </p:spTree>
+    <p:extLst>
+      <p:ext uri="{BB962C8B-B14F-4D97-AF65-F5344CB8AC3E}">
+        <p14:creationId xmlns:p14="http://schemas.microsoft.com/office/powerpoint/2010/main" val="1578344666"/>
+      </p:ext>
+    </p:extLst>
+  </p:cSld>
+  <p:clrMapOvr>
+    <a:masterClrMapping/>
+  </p:clrMapOvr>
+</p:sld>
+</file>
+
+<file path=ppt/slides/slide15.xml><?xml version="1.0" encoding="utf-8"?>
+<p:sld xmlns:a="http://schemas.openxmlformats.org/drawingml/2006/main" xmlns:r="http://schemas.openxmlformats.org/officeDocument/2006/relationships" xmlns:p="http://schemas.openxmlformats.org/presentationml/2006/main">
+  <p:cSld>
+    <p:spTree>
+      <p:nvGrpSpPr>
+        <p:cNvPr id="1" name=""/>
+        <p:cNvGrpSpPr/>
+        <p:nvPr/>
+      </p:nvGrpSpPr>
+      <p:grpSpPr>
+        <a:xfrm>
+          <a:off x="0" y="0"/>
+          <a:ext cx="0" cy="0"/>
+          <a:chOff x="0" y="0"/>
+          <a:chExt cx="0" cy="0"/>
+        </a:xfrm>
+      </p:grpSpPr>
+      <p:sp>
+        <p:nvSpPr>
+          <p:cNvPr id="2" name="Content Placeholder 1">
+            <a:extLst>
+              <a:ext uri="{FF2B5EF4-FFF2-40B4-BE49-F238E27FC236}">
+                <a16:creationId xmlns:a16="http://schemas.microsoft.com/office/drawing/2014/main" id="{49C96621-DDA2-43EB-9F25-F650BD381CFB}"/>
+              </a:ext>
+            </a:extLst>
+          </p:cNvPr>
+          <p:cNvSpPr>
+            <a:spLocks noGrp="1"/>
+          </p:cNvSpPr>
+          <p:nvPr>
+            <p:ph idx="1"/>
+          </p:nvPr>
+        </p:nvSpPr>
+        <p:spPr/>
+        <p:txBody>
+          <a:bodyPr/>
+          <a:lstStyle/>
+          <a:p>
+            <a:endParaRPr lang="en-US" dirty="0"/>
+          </a:p>
+        </p:txBody>
+      </p:sp>
+      <p:sp>
+        <p:nvSpPr>
+          <p:cNvPr id="3" name="Title 2">
+            <a:extLst>
+              <a:ext uri="{FF2B5EF4-FFF2-40B4-BE49-F238E27FC236}">
+                <a16:creationId xmlns:a16="http://schemas.microsoft.com/office/drawing/2014/main" id="{B6282170-58B5-437A-B277-73F7EDEEAC48}"/>
+              </a:ext>
+            </a:extLst>
+          </p:cNvPr>
+          <p:cNvSpPr>
+            <a:spLocks noGrp="1"/>
+          </p:cNvSpPr>
+          <p:nvPr>
+            <p:ph type="title"/>
+          </p:nvPr>
+        </p:nvSpPr>
+        <p:spPr/>
+        <p:txBody>
+          <a:bodyPr/>
+          <a:lstStyle/>
+          <a:p>
+            <a:r>
+              <a:rPr lang="en-US" dirty="0" err="1"/>
+              <a:t>Websocket</a:t>
+            </a:r>
+            <a:r>
+              <a:rPr lang="en-US" dirty="0"/>
+              <a:t> vs </a:t>
+            </a:r>
+            <a:r>
+              <a:rPr lang="en-US" dirty="0" err="1"/>
+              <a:t>signalr</a:t>
+            </a:r>
+            <a:endParaRPr lang="en-US" dirty="0"/>
+          </a:p>
+        </p:txBody>
+      </p:sp>
+      <p:sp>
+        <p:nvSpPr>
+          <p:cNvPr id="4" name="Slide Number Placeholder 3">
+            <a:extLst>
+              <a:ext uri="{FF2B5EF4-FFF2-40B4-BE49-F238E27FC236}">
+                <a16:creationId xmlns:a16="http://schemas.microsoft.com/office/drawing/2014/main" id="{49FE6B9F-285D-4793-8608-D799E7E68B2C}"/>
+              </a:ext>
+            </a:extLst>
+          </p:cNvPr>
+          <p:cNvSpPr>
+            <a:spLocks noGrp="1"/>
+          </p:cNvSpPr>
+          <p:nvPr>
+            <p:ph type="sldNum" sz="quarter" idx="11"/>
+          </p:nvPr>
+        </p:nvSpPr>
+        <p:spPr/>
+        <p:txBody>
+          <a:bodyPr/>
+          <a:lstStyle/>
+          <a:p>
+            <a:fld id="{3B80295F-48CD-49FC-897A-CCEC919B8070}" type="slidenum">
+              <a:rPr lang="nl-BE" smtClean="0"/>
+              <a:pPr/>
+              <a:t>15</a:t>
+            </a:fld>
+            <a:endParaRPr lang="nl-BE"/>
+          </a:p>
+        </p:txBody>
+      </p:sp>
+      <p:sp>
+        <p:nvSpPr>
+          <p:cNvPr id="5" name="Footer Placeholder 4">
+            <a:extLst>
+              <a:ext uri="{FF2B5EF4-FFF2-40B4-BE49-F238E27FC236}">
+                <a16:creationId xmlns:a16="http://schemas.microsoft.com/office/drawing/2014/main" id="{03929003-0463-45B4-ACDA-5F5D41FBEC6A}"/>
+              </a:ext>
+            </a:extLst>
+          </p:cNvPr>
+          <p:cNvSpPr>
+            <a:spLocks noGrp="1"/>
+          </p:cNvSpPr>
+          <p:nvPr>
+            <p:ph type="ftr" sz="quarter" idx="12"/>
+          </p:nvPr>
+        </p:nvSpPr>
+        <p:spPr/>
+        <p:txBody>
+          <a:bodyPr/>
+          <a:lstStyle/>
+          <a:p>
+            <a:endParaRPr lang="nl-BE" dirty="0"/>
+          </a:p>
+        </p:txBody>
+      </p:sp>
+    </p:spTree>
+    <p:extLst>
+      <p:ext uri="{BB962C8B-B14F-4D97-AF65-F5344CB8AC3E}">
+        <p14:creationId xmlns:p14="http://schemas.microsoft.com/office/powerpoint/2010/main" val="1894062114"/>
+      </p:ext>
+    </p:extLst>
+  </p:cSld>
+  <p:clrMapOvr>
+    <a:masterClrMapping/>
+  </p:clrMapOvr>
+</p:sld>
+</file>
+
+<file path=ppt/slides/slide16.xml><?xml version="1.0" encoding="utf-8"?>
+<p:sld xmlns:a="http://schemas.openxmlformats.org/drawingml/2006/main" xmlns:r="http://schemas.openxmlformats.org/officeDocument/2006/relationships" xmlns:p="http://schemas.openxmlformats.org/presentationml/2006/main">
+  <p:cSld>
+    <p:spTree>
+      <p:nvGrpSpPr>
+        <p:cNvPr id="1" name=""/>
+        <p:cNvGrpSpPr/>
+        <p:nvPr/>
+      </p:nvGrpSpPr>
+      <p:grpSpPr>
+        <a:xfrm>
+          <a:off x="0" y="0"/>
+          <a:ext cx="0" cy="0"/>
+          <a:chOff x="0" y="0"/>
+          <a:chExt cx="0" cy="0"/>
+        </a:xfrm>
+      </p:grpSpPr>
+      <p:sp>
+        <p:nvSpPr>
+          <p:cNvPr id="3" name="Title 2">
+            <a:extLst>
+              <a:ext uri="{FF2B5EF4-FFF2-40B4-BE49-F238E27FC236}">
+                <a16:creationId xmlns:a16="http://schemas.microsoft.com/office/drawing/2014/main" id="{2F42C553-B592-4464-A4B7-5EC8988D45F6}"/>
+              </a:ext>
+            </a:extLst>
+          </p:cNvPr>
+          <p:cNvSpPr>
+            <a:spLocks noGrp="1"/>
+          </p:cNvSpPr>
+          <p:nvPr>
+            <p:ph type="title"/>
+          </p:nvPr>
+        </p:nvSpPr>
+        <p:spPr/>
+        <p:txBody>
+          <a:bodyPr/>
+          <a:lstStyle/>
+          <a:p>
+            <a:r>
+              <a:rPr lang="en-US" dirty="0" err="1"/>
+              <a:t>toekomst</a:t>
+            </a:r>
+            <a:endParaRPr lang="en-US" dirty="0"/>
+          </a:p>
+        </p:txBody>
+      </p:sp>
+      <p:sp>
+        <p:nvSpPr>
+          <p:cNvPr id="4" name="Footer Placeholder 3">
+            <a:extLst>
+              <a:ext uri="{FF2B5EF4-FFF2-40B4-BE49-F238E27FC236}">
+                <a16:creationId xmlns:a16="http://schemas.microsoft.com/office/drawing/2014/main" id="{9E41C3BC-E4E5-4D29-AD12-A6D8868395CD}"/>
+              </a:ext>
+            </a:extLst>
+          </p:cNvPr>
+          <p:cNvSpPr>
+            <a:spLocks noGrp="1"/>
+          </p:cNvSpPr>
+          <p:nvPr>
+            <p:ph type="ftr" sz="quarter" idx="12"/>
+          </p:nvPr>
+        </p:nvSpPr>
+        <p:spPr/>
+        <p:txBody>
+          <a:bodyPr/>
+          <a:lstStyle/>
+          <a:p>
+            <a:endParaRPr lang="nl-BE"/>
+          </a:p>
+        </p:txBody>
+      </p:sp>
+      <p:sp>
+        <p:nvSpPr>
+          <p:cNvPr id="5" name="Slide Number Placeholder 4">
+            <a:extLst>
+              <a:ext uri="{FF2B5EF4-FFF2-40B4-BE49-F238E27FC236}">
+                <a16:creationId xmlns:a16="http://schemas.microsoft.com/office/drawing/2014/main" id="{4E55B2F2-EDCE-4E6D-A170-16EBD9623D13}"/>
+              </a:ext>
+            </a:extLst>
+          </p:cNvPr>
+          <p:cNvSpPr>
+            <a:spLocks noGrp="1"/>
+          </p:cNvSpPr>
+          <p:nvPr>
+            <p:ph type="sldNum" sz="quarter" idx="11"/>
+          </p:nvPr>
+        </p:nvSpPr>
+        <p:spPr/>
+        <p:txBody>
+          <a:bodyPr/>
+          <a:lstStyle/>
+          <a:p>
+            <a:fld id="{3B80295F-48CD-49FC-897A-CCEC919B8070}" type="slidenum">
+              <a:rPr lang="nl-BE" smtClean="0"/>
+              <a:pPr/>
+              <a:t>16</a:t>
+            </a:fld>
+            <a:endParaRPr lang="nl-BE"/>
+          </a:p>
+        </p:txBody>
+      </p:sp>
+    </p:spTree>
+    <p:extLst>
+      <p:ext uri="{BB962C8B-B14F-4D97-AF65-F5344CB8AC3E}">
+        <p14:creationId xmlns:p14="http://schemas.microsoft.com/office/powerpoint/2010/main" val="1616728586"/>
+      </p:ext>
+    </p:extLst>
+  </p:cSld>
+  <p:clrMapOvr>
+    <a:masterClrMapping/>
+  </p:clrMapOvr>
+</p:sld>
+</file>
+
+<file path=ppt/slides/slide17.xml><?xml version="1.0" encoding="utf-8"?>
+<p:sld xmlns:a="http://schemas.openxmlformats.org/drawingml/2006/main" xmlns:r="http://schemas.openxmlformats.org/officeDocument/2006/relationships" xmlns:p="http://schemas.openxmlformats.org/presentationml/2006/main">
+  <p:cSld>
+    <p:spTree>
+      <p:nvGrpSpPr>
+        <p:cNvPr id="1" name=""/>
+        <p:cNvGrpSpPr/>
+        <p:nvPr/>
+      </p:nvGrpSpPr>
+      <p:grpSpPr>
+        <a:xfrm>
+          <a:off x="0" y="0"/>
+          <a:ext cx="0" cy="0"/>
+          <a:chOff x="0" y="0"/>
+          <a:chExt cx="0" cy="0"/>
+        </a:xfrm>
+      </p:grpSpPr>
+      <p:sp>
+        <p:nvSpPr>
+          <p:cNvPr id="2" name="Content Placeholder 1">
+            <a:extLst>
+              <a:ext uri="{FF2B5EF4-FFF2-40B4-BE49-F238E27FC236}">
+                <a16:creationId xmlns:a16="http://schemas.microsoft.com/office/drawing/2014/main" id="{49C96621-DDA2-43EB-9F25-F650BD381CFB}"/>
+              </a:ext>
+            </a:extLst>
+          </p:cNvPr>
+          <p:cNvSpPr>
+            <a:spLocks noGrp="1"/>
+          </p:cNvSpPr>
+          <p:nvPr>
+            <p:ph idx="1"/>
+          </p:nvPr>
+        </p:nvSpPr>
+        <p:spPr/>
+        <p:txBody>
+          <a:bodyPr/>
+          <a:lstStyle/>
+          <a:p>
+            <a:endParaRPr lang="en-US" dirty="0"/>
+          </a:p>
+        </p:txBody>
+      </p:sp>
+      <p:sp>
+        <p:nvSpPr>
+          <p:cNvPr id="3" name="Title 2">
+            <a:extLst>
+              <a:ext uri="{FF2B5EF4-FFF2-40B4-BE49-F238E27FC236}">
+                <a16:creationId xmlns:a16="http://schemas.microsoft.com/office/drawing/2014/main" id="{B6282170-58B5-437A-B277-73F7EDEEAC48}"/>
+              </a:ext>
+            </a:extLst>
+          </p:cNvPr>
+          <p:cNvSpPr>
+            <a:spLocks noGrp="1"/>
+          </p:cNvSpPr>
+          <p:nvPr>
+            <p:ph type="title"/>
+          </p:nvPr>
+        </p:nvSpPr>
+        <p:spPr/>
+        <p:txBody>
+          <a:bodyPr/>
+          <a:lstStyle/>
+          <a:p>
+            <a:r>
+              <a:rPr lang="en-US" dirty="0" err="1"/>
+              <a:t>toekomst</a:t>
+            </a:r>
+            <a:endParaRPr lang="en-US" dirty="0"/>
+          </a:p>
+        </p:txBody>
+      </p:sp>
+      <p:sp>
+        <p:nvSpPr>
+          <p:cNvPr id="4" name="Slide Number Placeholder 3">
+            <a:extLst>
+              <a:ext uri="{FF2B5EF4-FFF2-40B4-BE49-F238E27FC236}">
+                <a16:creationId xmlns:a16="http://schemas.microsoft.com/office/drawing/2014/main" id="{49FE6B9F-285D-4793-8608-D799E7E68B2C}"/>
+              </a:ext>
+            </a:extLst>
+          </p:cNvPr>
+          <p:cNvSpPr>
+            <a:spLocks noGrp="1"/>
+          </p:cNvSpPr>
+          <p:nvPr>
+            <p:ph type="sldNum" sz="quarter" idx="11"/>
+          </p:nvPr>
+        </p:nvSpPr>
+        <p:spPr/>
+        <p:txBody>
+          <a:bodyPr/>
+          <a:lstStyle/>
+          <a:p>
+            <a:fld id="{3B80295F-48CD-49FC-897A-CCEC919B8070}" type="slidenum">
+              <a:rPr lang="nl-BE" smtClean="0"/>
+              <a:pPr/>
+              <a:t>17</a:t>
+            </a:fld>
+            <a:endParaRPr lang="nl-BE"/>
+          </a:p>
+        </p:txBody>
+      </p:sp>
+      <p:sp>
+        <p:nvSpPr>
+          <p:cNvPr id="5" name="Footer Placeholder 4">
+            <a:extLst>
+              <a:ext uri="{FF2B5EF4-FFF2-40B4-BE49-F238E27FC236}">
+                <a16:creationId xmlns:a16="http://schemas.microsoft.com/office/drawing/2014/main" id="{03929003-0463-45B4-ACDA-5F5D41FBEC6A}"/>
+              </a:ext>
+            </a:extLst>
+          </p:cNvPr>
+          <p:cNvSpPr>
+            <a:spLocks noGrp="1"/>
+          </p:cNvSpPr>
+          <p:nvPr>
+            <p:ph type="ftr" sz="quarter" idx="12"/>
+          </p:nvPr>
+        </p:nvSpPr>
+        <p:spPr/>
+        <p:txBody>
+          <a:bodyPr/>
+          <a:lstStyle/>
+          <a:p>
+            <a:endParaRPr lang="nl-BE" dirty="0"/>
+          </a:p>
+        </p:txBody>
+      </p:sp>
+    </p:spTree>
+    <p:extLst>
+      <p:ext uri="{BB962C8B-B14F-4D97-AF65-F5344CB8AC3E}">
+        <p14:creationId xmlns:p14="http://schemas.microsoft.com/office/powerpoint/2010/main" val="4129453725"/>
+      </p:ext>
+    </p:extLst>
+  </p:cSld>
+  <p:clrMapOvr>
+    <a:masterClrMapping/>
+  </p:clrMapOvr>
+</p:sld>
+</file>
+
+<file path=ppt/slides/slide18.xml><?xml version="1.0" encoding="utf-8"?>
+<p:sld xmlns:a="http://schemas.openxmlformats.org/drawingml/2006/main" xmlns:r="http://schemas.openxmlformats.org/officeDocument/2006/relationships" xmlns:p="http://schemas.openxmlformats.org/presentationml/2006/main">
+  <p:cSld>
+    <p:spTree>
+      <p:nvGrpSpPr>
+        <p:cNvPr id="1" name=""/>
+        <p:cNvGrpSpPr/>
+        <p:nvPr/>
+      </p:nvGrpSpPr>
+      <p:grpSpPr>
+        <a:xfrm>
+          <a:off x="0" y="0"/>
+          <a:ext cx="0" cy="0"/>
+          <a:chOff x="0" y="0"/>
+          <a:chExt cx="0" cy="0"/>
+        </a:xfrm>
+      </p:grpSpPr>
+      <p:sp>
+        <p:nvSpPr>
+          <p:cNvPr id="2" name="Subtitle 1">
+            <a:extLst>
+              <a:ext uri="{FF2B5EF4-FFF2-40B4-BE49-F238E27FC236}">
+                <a16:creationId xmlns:a16="http://schemas.microsoft.com/office/drawing/2014/main" id="{3D2AD652-BD94-4869-85EB-51F39D4946F6}"/>
+              </a:ext>
+            </a:extLst>
+          </p:cNvPr>
+          <p:cNvSpPr>
+            <a:spLocks noGrp="1"/>
+          </p:cNvSpPr>
+          <p:nvPr>
+            <p:ph type="subTitle" idx="1"/>
+          </p:nvPr>
+        </p:nvSpPr>
+        <p:spPr/>
+        <p:txBody>
+          <a:bodyPr/>
+          <a:lstStyle/>
+          <a:p>
+            <a:r>
+              <a:rPr lang="en-US" dirty="0" err="1"/>
+              <a:t>Zijn</a:t>
+            </a:r>
+            <a:r>
+              <a:rPr lang="en-US" dirty="0"/>
+              <a:t> er </a:t>
+            </a:r>
+            <a:r>
+              <a:rPr lang="en-US" dirty="0" err="1"/>
+              <a:t>nog</a:t>
+            </a:r>
+            <a:r>
+              <a:rPr lang="en-US" dirty="0"/>
+              <a:t> </a:t>
+            </a:r>
+            <a:r>
+              <a:rPr lang="en-US" dirty="0" err="1"/>
+              <a:t>vragen</a:t>
+            </a:r>
+            <a:r>
+              <a:rPr lang="en-US" dirty="0"/>
+              <a:t>?</a:t>
+            </a:r>
+          </a:p>
+        </p:txBody>
+      </p:sp>
+      <p:sp>
+        <p:nvSpPr>
+          <p:cNvPr id="3" name="Title 2">
+            <a:extLst>
+              <a:ext uri="{FF2B5EF4-FFF2-40B4-BE49-F238E27FC236}">
+                <a16:creationId xmlns:a16="http://schemas.microsoft.com/office/drawing/2014/main" id="{2F42C553-B592-4464-A4B7-5EC8988D45F6}"/>
+              </a:ext>
+            </a:extLst>
+          </p:cNvPr>
+          <p:cNvSpPr>
+            <a:spLocks noGrp="1"/>
+          </p:cNvSpPr>
+          <p:nvPr>
+            <p:ph type="title"/>
+          </p:nvPr>
+        </p:nvSpPr>
+        <p:spPr/>
+        <p:txBody>
+          <a:bodyPr/>
+          <a:lstStyle/>
+          <a:p>
+            <a:r>
+              <a:rPr lang="en-US" dirty="0" err="1"/>
+              <a:t>Bedankt</a:t>
+            </a:r>
+            <a:r>
+              <a:rPr lang="en-US" dirty="0"/>
+              <a:t> </a:t>
+            </a:r>
+            <a:r>
+              <a:rPr lang="en-US" dirty="0" err="1"/>
+              <a:t>voor</a:t>
+            </a:r>
+            <a:r>
+              <a:rPr lang="en-US" dirty="0"/>
+              <a:t> </a:t>
+            </a:r>
+            <a:r>
+              <a:rPr lang="en-US" dirty="0" err="1"/>
+              <a:t>jullie</a:t>
+            </a:r>
+            <a:r>
+              <a:rPr lang="en-US" dirty="0"/>
+              <a:t> </a:t>
+            </a:r>
+            <a:r>
+              <a:rPr lang="en-US" dirty="0" err="1"/>
+              <a:t>aandacht</a:t>
+            </a:r>
+            <a:endParaRPr lang="en-US" dirty="0"/>
+          </a:p>
+        </p:txBody>
+      </p:sp>
+      <p:sp>
+        <p:nvSpPr>
+          <p:cNvPr id="4" name="Footer Placeholder 3">
+            <a:extLst>
+              <a:ext uri="{FF2B5EF4-FFF2-40B4-BE49-F238E27FC236}">
+                <a16:creationId xmlns:a16="http://schemas.microsoft.com/office/drawing/2014/main" id="{9E41C3BC-E4E5-4D29-AD12-A6D8868395CD}"/>
+              </a:ext>
+            </a:extLst>
+          </p:cNvPr>
+          <p:cNvSpPr>
+            <a:spLocks noGrp="1"/>
+          </p:cNvSpPr>
+          <p:nvPr>
+            <p:ph type="ftr" sz="quarter" idx="12"/>
+          </p:nvPr>
+        </p:nvSpPr>
+        <p:spPr/>
+        <p:txBody>
+          <a:bodyPr/>
+          <a:lstStyle/>
+          <a:p>
+            <a:endParaRPr lang="nl-BE"/>
+          </a:p>
+        </p:txBody>
+      </p:sp>
+      <p:sp>
+        <p:nvSpPr>
+          <p:cNvPr id="5" name="Slide Number Placeholder 4">
+            <a:extLst>
+              <a:ext uri="{FF2B5EF4-FFF2-40B4-BE49-F238E27FC236}">
+                <a16:creationId xmlns:a16="http://schemas.microsoft.com/office/drawing/2014/main" id="{4E55B2F2-EDCE-4E6D-A170-16EBD9623D13}"/>
+              </a:ext>
+            </a:extLst>
+          </p:cNvPr>
+          <p:cNvSpPr>
+            <a:spLocks noGrp="1"/>
+          </p:cNvSpPr>
+          <p:nvPr>
+            <p:ph type="sldNum" sz="quarter" idx="11"/>
+          </p:nvPr>
+        </p:nvSpPr>
+        <p:spPr/>
+        <p:txBody>
+          <a:bodyPr/>
+          <a:lstStyle/>
+          <a:p>
+            <a:fld id="{3B80295F-48CD-49FC-897A-CCEC919B8070}" type="slidenum">
+              <a:rPr lang="nl-BE" smtClean="0"/>
+              <a:pPr/>
+              <a:t>18</a:t>
+            </a:fld>
+            <a:endParaRPr lang="nl-BE"/>
+          </a:p>
+        </p:txBody>
+      </p:sp>
+    </p:spTree>
+    <p:extLst>
+      <p:ext uri="{BB962C8B-B14F-4D97-AF65-F5344CB8AC3E}">
+        <p14:creationId xmlns:p14="http://schemas.microsoft.com/office/powerpoint/2010/main" val="2722286816"/>
       </p:ext>
     </p:extLst>
   </p:cSld>
@@ -6650,8 +8107,72 @@
           <a:lstStyle/>
           <a:p>
             <a:r>
+              <a:rPr lang="en-US" dirty="0"/>
+              <a:t>Intro</a:t>
+            </a:r>
+          </a:p>
+          <a:p>
+            <a:r>
+              <a:rPr lang="en-US" dirty="0" err="1"/>
+              <a:t>Ontstaan</a:t>
+            </a:r>
+            <a:endParaRPr lang="en-US" dirty="0"/>
+          </a:p>
+          <a:p>
+            <a:r>
+              <a:rPr lang="en-US" dirty="0" err="1"/>
+              <a:t>Gebruik</a:t>
+            </a:r>
+            <a:endParaRPr lang="en-US" dirty="0"/>
+          </a:p>
+          <a:p>
+            <a:r>
+              <a:rPr lang="en-US" dirty="0" err="1"/>
+              <a:t>Voor</a:t>
+            </a:r>
+            <a:r>
+              <a:rPr lang="en-US" dirty="0"/>
+              <a:t>- </a:t>
+            </a:r>
+            <a:r>
+              <a:rPr lang="en-US" dirty="0" err="1"/>
+              <a:t>en</a:t>
+            </a:r>
+            <a:r>
+              <a:rPr lang="en-US" dirty="0"/>
+              <a:t> </a:t>
+            </a:r>
+            <a:r>
+              <a:rPr lang="en-US" dirty="0" err="1"/>
+              <a:t>nadelen</a:t>
+            </a:r>
+            <a:endParaRPr lang="en-US" dirty="0"/>
+          </a:p>
+          <a:p>
+            <a:r>
+              <a:rPr lang="en-US" dirty="0" err="1"/>
+              <a:t>Belangrijkste</a:t>
+            </a:r>
+            <a:r>
+              <a:rPr lang="en-US" dirty="0"/>
+              <a:t> features</a:t>
+            </a:r>
+          </a:p>
+          <a:p>
+            <a:r>
+              <a:rPr lang="en-US" dirty="0"/>
+              <a:t>WebSocket vs </a:t>
+            </a:r>
+            <a:r>
               <a:rPr lang="en-US" dirty="0" err="1"/>
               <a:t>SignalR</a:t>
+            </a:r>
+            <a:endParaRPr lang="en-US" dirty="0"/>
+          </a:p>
+          <a:p>
+            <a:r>
+              <a:rPr lang="en-US" dirty="0" err="1"/>
+              <a:t>Toekomst</a:t>
             </a:r>
             <a:endParaRPr lang="en-US" dirty="0"/>
           </a:p>
@@ -6773,54 +8294,6 @@
       </p:grpSpPr>
       <p:sp>
         <p:nvSpPr>
-          <p:cNvPr id="2" name="Subtitle 1">
-            <a:extLst>
-              <a:ext uri="{FF2B5EF4-FFF2-40B4-BE49-F238E27FC236}">
-                <a16:creationId xmlns:a16="http://schemas.microsoft.com/office/drawing/2014/main" id="{3D2AD652-BD94-4869-85EB-51F39D4946F6}"/>
-              </a:ext>
-            </a:extLst>
-          </p:cNvPr>
-          <p:cNvSpPr>
-            <a:spLocks noGrp="1"/>
-          </p:cNvSpPr>
-          <p:nvPr>
-            <p:ph type="subTitle" idx="1"/>
-          </p:nvPr>
-        </p:nvSpPr>
-        <p:spPr/>
-        <p:txBody>
-          <a:bodyPr/>
-          <a:lstStyle/>
-          <a:p>
-            <a:r>
-              <a:rPr lang="en-US" dirty="0" err="1"/>
-              <a:t>Zijn</a:t>
-            </a:r>
-            <a:r>
-              <a:rPr lang="en-US" dirty="0"/>
-              <a:t> er </a:t>
-            </a:r>
-            <a:r>
-              <a:rPr lang="en-US" dirty="0" err="1"/>
-              <a:t>nog</a:t>
-            </a:r>
-            <a:r>
-              <a:rPr lang="en-US" dirty="0"/>
-              <a:t> </a:t>
-            </a:r>
-            <a:r>
-              <a:rPr lang="en-US" dirty="0" err="1"/>
-              <a:t>vragen</a:t>
-            </a:r>
-            <a:r>
-              <a:rPr lang="en-US" dirty="0"/>
-              <a:t>?</a:t>
-            </a:r>
-          </a:p>
-        </p:txBody>
-      </p:sp>
-      <p:sp>
-        <p:nvSpPr>
           <p:cNvPr id="3" name="Title 2">
             <a:extLst>
               <a:ext uri="{FF2B5EF4-FFF2-40B4-BE49-F238E27FC236}">
@@ -6841,34 +8314,9 @@
           <a:lstStyle/>
           <a:p>
             <a:r>
-              <a:rPr lang="en-US" dirty="0" err="1"/>
-              <a:t>Bedankt</a:t>
-            </a:r>
-            <a:r>
               <a:rPr lang="en-US" dirty="0"/>
-              <a:t> </a:t>
-            </a:r>
-            <a:r>
-              <a:rPr lang="en-US" dirty="0" err="1"/>
-              <a:t>voor</a:t>
-            </a:r>
-            <a:r>
-              <a:rPr lang="en-US" dirty="0"/>
-              <a:t> </a:t>
-            </a:r>
-            <a:r>
-              <a:rPr lang="en-US" dirty="0" err="1"/>
-              <a:t>uw</a:t>
-            </a:r>
-            <a:r>
-              <a:rPr lang="en-US" dirty="0"/>
-              <a:t> </a:t>
-            </a:r>
-            <a:r>
-              <a:rPr lang="en-US" dirty="0" err="1"/>
-              <a:t>aandacht</a:t>
-            </a:r>
-            <a:endParaRPr lang="en-US" dirty="0"/>
+              <a:t>Intro</a:t>
+            </a:r>
           </a:p>
         </p:txBody>
       </p:sp>
@@ -6930,7 +8378,896 @@
     </p:spTree>
     <p:extLst>
       <p:ext uri="{BB962C8B-B14F-4D97-AF65-F5344CB8AC3E}">
-        <p14:creationId xmlns:p14="http://schemas.microsoft.com/office/powerpoint/2010/main" val="2722286816"/>
+        <p14:creationId xmlns:p14="http://schemas.microsoft.com/office/powerpoint/2010/main" val="369415250"/>
+      </p:ext>
+    </p:extLst>
+  </p:cSld>
+  <p:clrMapOvr>
+    <a:masterClrMapping/>
+  </p:clrMapOvr>
+</p:sld>
+</file>
+
+<file path=ppt/slides/slide4.xml><?xml version="1.0" encoding="utf-8"?>
+<p:sld xmlns:a="http://schemas.openxmlformats.org/drawingml/2006/main" xmlns:r="http://schemas.openxmlformats.org/officeDocument/2006/relationships" xmlns:p="http://schemas.openxmlformats.org/presentationml/2006/main">
+  <p:cSld>
+    <p:spTree>
+      <p:nvGrpSpPr>
+        <p:cNvPr id="1" name=""/>
+        <p:cNvGrpSpPr/>
+        <p:nvPr/>
+      </p:nvGrpSpPr>
+      <p:grpSpPr>
+        <a:xfrm>
+          <a:off x="0" y="0"/>
+          <a:ext cx="0" cy="0"/>
+          <a:chOff x="0" y="0"/>
+          <a:chExt cx="0" cy="0"/>
+        </a:xfrm>
+      </p:grpSpPr>
+      <p:sp>
+        <p:nvSpPr>
+          <p:cNvPr id="2" name="Content Placeholder 1">
+            <a:extLst>
+              <a:ext uri="{FF2B5EF4-FFF2-40B4-BE49-F238E27FC236}">
+                <a16:creationId xmlns:a16="http://schemas.microsoft.com/office/drawing/2014/main" id="{76BC1146-311A-449B-870B-D7F2638BC8F4}"/>
+              </a:ext>
+            </a:extLst>
+          </p:cNvPr>
+          <p:cNvSpPr>
+            <a:spLocks noGrp="1"/>
+          </p:cNvSpPr>
+          <p:nvPr>
+            <p:ph idx="1"/>
+          </p:nvPr>
+        </p:nvSpPr>
+        <p:spPr/>
+        <p:txBody>
+          <a:bodyPr/>
+          <a:lstStyle/>
+          <a:p>
+            <a:r>
+              <a:rPr lang="en-US" dirty="0"/>
+              <a:t>Open-source </a:t>
+            </a:r>
+            <a:r>
+              <a:rPr lang="en-US" dirty="0" err="1"/>
+              <a:t>bibliotheek</a:t>
+            </a:r>
+            <a:endParaRPr lang="en-US" dirty="0"/>
+          </a:p>
+          <a:p>
+            <a:r>
+              <a:rPr lang="en-US" dirty="0"/>
+              <a:t>Real-time </a:t>
+            </a:r>
+            <a:r>
+              <a:rPr lang="en-US" dirty="0" err="1"/>
+              <a:t>functionaliteit</a:t>
+            </a:r>
+            <a:endParaRPr lang="en-US" dirty="0"/>
+          </a:p>
+          <a:p>
+            <a:r>
+              <a:rPr lang="en-US" dirty="0" err="1"/>
+              <a:t>Servercode</a:t>
+            </a:r>
+            <a:r>
+              <a:rPr lang="en-US" dirty="0"/>
+              <a:t> </a:t>
+            </a:r>
+            <a:r>
+              <a:rPr lang="en-US" dirty="0" err="1"/>
+              <a:t>naar</a:t>
+            </a:r>
+            <a:r>
+              <a:rPr lang="en-US" dirty="0"/>
+              <a:t> client </a:t>
+            </a:r>
+            <a:r>
+              <a:rPr lang="en-US" dirty="0" err="1"/>
+              <a:t>pushen</a:t>
+            </a:r>
+            <a:endParaRPr lang="en-US" dirty="0"/>
+          </a:p>
+        </p:txBody>
+      </p:sp>
+      <p:sp>
+        <p:nvSpPr>
+          <p:cNvPr id="3" name="Title 2">
+            <a:extLst>
+              <a:ext uri="{FF2B5EF4-FFF2-40B4-BE49-F238E27FC236}">
+                <a16:creationId xmlns:a16="http://schemas.microsoft.com/office/drawing/2014/main" id="{74CC1E54-0ECB-4E6B-BB90-76FB7497D75A}"/>
+              </a:ext>
+            </a:extLst>
+          </p:cNvPr>
+          <p:cNvSpPr>
+            <a:spLocks noGrp="1"/>
+          </p:cNvSpPr>
+          <p:nvPr>
+            <p:ph type="title"/>
+          </p:nvPr>
+        </p:nvSpPr>
+        <p:spPr/>
+        <p:txBody>
+          <a:bodyPr/>
+          <a:lstStyle/>
+          <a:p>
+            <a:r>
+              <a:rPr lang="en-US" dirty="0" err="1"/>
+              <a:t>Inhoud</a:t>
+            </a:r>
+            <a:endParaRPr lang="en-US" dirty="0"/>
+          </a:p>
+        </p:txBody>
+      </p:sp>
+      <p:sp>
+        <p:nvSpPr>
+          <p:cNvPr id="4" name="Slide Number Placeholder 3">
+            <a:extLst>
+              <a:ext uri="{FF2B5EF4-FFF2-40B4-BE49-F238E27FC236}">
+                <a16:creationId xmlns:a16="http://schemas.microsoft.com/office/drawing/2014/main" id="{684819F7-C752-447C-9C96-C1220B322397}"/>
+              </a:ext>
+            </a:extLst>
+          </p:cNvPr>
+          <p:cNvSpPr>
+            <a:spLocks noGrp="1"/>
+          </p:cNvSpPr>
+          <p:nvPr>
+            <p:ph type="sldNum" sz="quarter" idx="11"/>
+          </p:nvPr>
+        </p:nvSpPr>
+        <p:spPr/>
+        <p:txBody>
+          <a:bodyPr/>
+          <a:lstStyle/>
+          <a:p>
+            <a:fld id="{3B80295F-48CD-49FC-897A-CCEC919B8070}" type="slidenum">
+              <a:rPr lang="nl-BE" smtClean="0"/>
+              <a:pPr/>
+              <a:t>4</a:t>
+            </a:fld>
+            <a:endParaRPr lang="nl-BE"/>
+          </a:p>
+        </p:txBody>
+      </p:sp>
+      <p:sp>
+        <p:nvSpPr>
+          <p:cNvPr id="5" name="Footer Placeholder 4">
+            <a:extLst>
+              <a:ext uri="{FF2B5EF4-FFF2-40B4-BE49-F238E27FC236}">
+                <a16:creationId xmlns:a16="http://schemas.microsoft.com/office/drawing/2014/main" id="{229AB6D9-8A45-4E93-8E70-416FACF7FF62}"/>
+              </a:ext>
+            </a:extLst>
+          </p:cNvPr>
+          <p:cNvSpPr>
+            <a:spLocks noGrp="1"/>
+          </p:cNvSpPr>
+          <p:nvPr>
+            <p:ph type="ftr" sz="quarter" idx="12"/>
+          </p:nvPr>
+        </p:nvSpPr>
+        <p:spPr/>
+        <p:txBody>
+          <a:bodyPr/>
+          <a:lstStyle/>
+          <a:p>
+            <a:endParaRPr lang="nl-BE"/>
+          </a:p>
+        </p:txBody>
+      </p:sp>
+    </p:spTree>
+    <p:extLst>
+      <p:ext uri="{BB962C8B-B14F-4D97-AF65-F5344CB8AC3E}">
+        <p14:creationId xmlns:p14="http://schemas.microsoft.com/office/powerpoint/2010/main" val="2552270661"/>
+      </p:ext>
+    </p:extLst>
+  </p:cSld>
+  <p:clrMapOvr>
+    <a:masterClrMapping/>
+  </p:clrMapOvr>
+</p:sld>
+</file>
+
+<file path=ppt/slides/slide5.xml><?xml version="1.0" encoding="utf-8"?>
+<p:sld xmlns:a="http://schemas.openxmlformats.org/drawingml/2006/main" xmlns:r="http://schemas.openxmlformats.org/officeDocument/2006/relationships" xmlns:p="http://schemas.openxmlformats.org/presentationml/2006/main">
+  <p:cSld>
+    <p:spTree>
+      <p:nvGrpSpPr>
+        <p:cNvPr id="1" name=""/>
+        <p:cNvGrpSpPr/>
+        <p:nvPr/>
+      </p:nvGrpSpPr>
+      <p:grpSpPr>
+        <a:xfrm>
+          <a:off x="0" y="0"/>
+          <a:ext cx="0" cy="0"/>
+          <a:chOff x="0" y="0"/>
+          <a:chExt cx="0" cy="0"/>
+        </a:xfrm>
+      </p:grpSpPr>
+      <p:sp>
+        <p:nvSpPr>
+          <p:cNvPr id="3" name="Title 2">
+            <a:extLst>
+              <a:ext uri="{FF2B5EF4-FFF2-40B4-BE49-F238E27FC236}">
+                <a16:creationId xmlns:a16="http://schemas.microsoft.com/office/drawing/2014/main" id="{2F42C553-B592-4464-A4B7-5EC8988D45F6}"/>
+              </a:ext>
+            </a:extLst>
+          </p:cNvPr>
+          <p:cNvSpPr>
+            <a:spLocks noGrp="1"/>
+          </p:cNvSpPr>
+          <p:nvPr>
+            <p:ph type="title"/>
+          </p:nvPr>
+        </p:nvSpPr>
+        <p:spPr/>
+        <p:txBody>
+          <a:bodyPr/>
+          <a:lstStyle/>
+          <a:p>
+            <a:r>
+              <a:rPr lang="en-US" dirty="0" err="1"/>
+              <a:t>ontstaan</a:t>
+            </a:r>
+            <a:endParaRPr lang="en-US" dirty="0"/>
+          </a:p>
+        </p:txBody>
+      </p:sp>
+      <p:sp>
+        <p:nvSpPr>
+          <p:cNvPr id="4" name="Footer Placeholder 3">
+            <a:extLst>
+              <a:ext uri="{FF2B5EF4-FFF2-40B4-BE49-F238E27FC236}">
+                <a16:creationId xmlns:a16="http://schemas.microsoft.com/office/drawing/2014/main" id="{9E41C3BC-E4E5-4D29-AD12-A6D8868395CD}"/>
+              </a:ext>
+            </a:extLst>
+          </p:cNvPr>
+          <p:cNvSpPr>
+            <a:spLocks noGrp="1"/>
+          </p:cNvSpPr>
+          <p:nvPr>
+            <p:ph type="ftr" sz="quarter" idx="12"/>
+          </p:nvPr>
+        </p:nvSpPr>
+        <p:spPr/>
+        <p:txBody>
+          <a:bodyPr/>
+          <a:lstStyle/>
+          <a:p>
+            <a:endParaRPr lang="nl-BE"/>
+          </a:p>
+        </p:txBody>
+      </p:sp>
+      <p:sp>
+        <p:nvSpPr>
+          <p:cNvPr id="5" name="Slide Number Placeholder 4">
+            <a:extLst>
+              <a:ext uri="{FF2B5EF4-FFF2-40B4-BE49-F238E27FC236}">
+                <a16:creationId xmlns:a16="http://schemas.microsoft.com/office/drawing/2014/main" id="{4E55B2F2-EDCE-4E6D-A170-16EBD9623D13}"/>
+              </a:ext>
+            </a:extLst>
+          </p:cNvPr>
+          <p:cNvSpPr>
+            <a:spLocks noGrp="1"/>
+          </p:cNvSpPr>
+          <p:nvPr>
+            <p:ph type="sldNum" sz="quarter" idx="11"/>
+          </p:nvPr>
+        </p:nvSpPr>
+        <p:spPr/>
+        <p:txBody>
+          <a:bodyPr/>
+          <a:lstStyle/>
+          <a:p>
+            <a:fld id="{3B80295F-48CD-49FC-897A-CCEC919B8070}" type="slidenum">
+              <a:rPr lang="nl-BE" smtClean="0"/>
+              <a:pPr/>
+              <a:t>5</a:t>
+            </a:fld>
+            <a:endParaRPr lang="nl-BE"/>
+          </a:p>
+        </p:txBody>
+      </p:sp>
+    </p:spTree>
+    <p:extLst>
+      <p:ext uri="{BB962C8B-B14F-4D97-AF65-F5344CB8AC3E}">
+        <p14:creationId xmlns:p14="http://schemas.microsoft.com/office/powerpoint/2010/main" val="2442908129"/>
+      </p:ext>
+    </p:extLst>
+  </p:cSld>
+  <p:clrMapOvr>
+    <a:masterClrMapping/>
+  </p:clrMapOvr>
+</p:sld>
+</file>
+
+<file path=ppt/slides/slide6.xml><?xml version="1.0" encoding="utf-8"?>
+<p:sld xmlns:a="http://schemas.openxmlformats.org/drawingml/2006/main" xmlns:r="http://schemas.openxmlformats.org/officeDocument/2006/relationships" xmlns:p="http://schemas.openxmlformats.org/presentationml/2006/main">
+  <p:cSld>
+    <p:spTree>
+      <p:nvGrpSpPr>
+        <p:cNvPr id="1" name=""/>
+        <p:cNvGrpSpPr/>
+        <p:nvPr/>
+      </p:nvGrpSpPr>
+      <p:grpSpPr>
+        <a:xfrm>
+          <a:off x="0" y="0"/>
+          <a:ext cx="0" cy="0"/>
+          <a:chOff x="0" y="0"/>
+          <a:chExt cx="0" cy="0"/>
+        </a:xfrm>
+      </p:grpSpPr>
+      <p:sp>
+        <p:nvSpPr>
+          <p:cNvPr id="2" name="Content Placeholder 1">
+            <a:extLst>
+              <a:ext uri="{FF2B5EF4-FFF2-40B4-BE49-F238E27FC236}">
+                <a16:creationId xmlns:a16="http://schemas.microsoft.com/office/drawing/2014/main" id="{49C96621-DDA2-43EB-9F25-F650BD381CFB}"/>
+              </a:ext>
+            </a:extLst>
+          </p:cNvPr>
+          <p:cNvSpPr>
+            <a:spLocks noGrp="1"/>
+          </p:cNvSpPr>
+          <p:nvPr>
+            <p:ph idx="1"/>
+          </p:nvPr>
+        </p:nvSpPr>
+        <p:spPr/>
+        <p:txBody>
+          <a:bodyPr/>
+          <a:lstStyle/>
+          <a:p>
+            <a:r>
+              <a:rPr lang="en-US" dirty="0"/>
+              <a:t>2011 – David Fowler &amp; Damian Edwards</a:t>
+            </a:r>
+          </a:p>
+          <a:p>
+            <a:r>
+              <a:rPr lang="en-US" dirty="0"/>
+              <a:t>2013 ASP.NET</a:t>
+            </a:r>
+          </a:p>
+          <a:p>
+            <a:r>
+              <a:rPr lang="en-US" dirty="0"/>
+              <a:t>WebSocket</a:t>
+            </a:r>
+          </a:p>
+          <a:p>
+            <a:r>
+              <a:rPr lang="en-US" dirty="0" err="1"/>
+              <a:t>Meeste</a:t>
+            </a:r>
+            <a:r>
+              <a:rPr lang="en-US" dirty="0"/>
+              <a:t> browsers </a:t>
+            </a:r>
+            <a:r>
+              <a:rPr lang="en-US" dirty="0" err="1"/>
+              <a:t>ondersteunden</a:t>
+            </a:r>
+            <a:r>
+              <a:rPr lang="en-US" dirty="0"/>
+              <a:t> </a:t>
+            </a:r>
+            <a:r>
+              <a:rPr lang="en-US" dirty="0" err="1"/>
+              <a:t>dit</a:t>
+            </a:r>
+            <a:r>
+              <a:rPr lang="en-US" dirty="0"/>
+              <a:t> </a:t>
+            </a:r>
+            <a:r>
+              <a:rPr lang="en-US" dirty="0" err="1"/>
+              <a:t>niet</a:t>
+            </a:r>
+            <a:endParaRPr lang="en-US" dirty="0"/>
+          </a:p>
+          <a:p>
+            <a:r>
+              <a:rPr lang="en-US" dirty="0"/>
+              <a:t>AJAX (long) Polling</a:t>
+            </a:r>
+          </a:p>
+          <a:p>
+            <a:r>
+              <a:rPr lang="en-US" dirty="0"/>
+              <a:t>Server-sent events</a:t>
+            </a:r>
+          </a:p>
+          <a:p>
+            <a:endParaRPr lang="en-US" dirty="0"/>
+          </a:p>
+        </p:txBody>
+      </p:sp>
+      <p:sp>
+        <p:nvSpPr>
+          <p:cNvPr id="3" name="Title 2">
+            <a:extLst>
+              <a:ext uri="{FF2B5EF4-FFF2-40B4-BE49-F238E27FC236}">
+                <a16:creationId xmlns:a16="http://schemas.microsoft.com/office/drawing/2014/main" id="{B6282170-58B5-437A-B277-73F7EDEEAC48}"/>
+              </a:ext>
+            </a:extLst>
+          </p:cNvPr>
+          <p:cNvSpPr>
+            <a:spLocks noGrp="1"/>
+          </p:cNvSpPr>
+          <p:nvPr>
+            <p:ph type="title"/>
+          </p:nvPr>
+        </p:nvSpPr>
+        <p:spPr/>
+        <p:txBody>
+          <a:bodyPr/>
+          <a:lstStyle/>
+          <a:p>
+            <a:r>
+              <a:rPr lang="en-US" dirty="0" err="1"/>
+              <a:t>ontstaan</a:t>
+            </a:r>
+            <a:endParaRPr lang="en-US" dirty="0"/>
+          </a:p>
+        </p:txBody>
+      </p:sp>
+      <p:sp>
+        <p:nvSpPr>
+          <p:cNvPr id="4" name="Slide Number Placeholder 3">
+            <a:extLst>
+              <a:ext uri="{FF2B5EF4-FFF2-40B4-BE49-F238E27FC236}">
+                <a16:creationId xmlns:a16="http://schemas.microsoft.com/office/drawing/2014/main" id="{49FE6B9F-285D-4793-8608-D799E7E68B2C}"/>
+              </a:ext>
+            </a:extLst>
+          </p:cNvPr>
+          <p:cNvSpPr>
+            <a:spLocks noGrp="1"/>
+          </p:cNvSpPr>
+          <p:nvPr>
+            <p:ph type="sldNum" sz="quarter" idx="11"/>
+          </p:nvPr>
+        </p:nvSpPr>
+        <p:spPr/>
+        <p:txBody>
+          <a:bodyPr/>
+          <a:lstStyle/>
+          <a:p>
+            <a:fld id="{3B80295F-48CD-49FC-897A-CCEC919B8070}" type="slidenum">
+              <a:rPr lang="nl-BE" smtClean="0"/>
+              <a:pPr/>
+              <a:t>6</a:t>
+            </a:fld>
+            <a:endParaRPr lang="nl-BE"/>
+          </a:p>
+        </p:txBody>
+      </p:sp>
+      <p:sp>
+        <p:nvSpPr>
+          <p:cNvPr id="5" name="Footer Placeholder 4">
+            <a:extLst>
+              <a:ext uri="{FF2B5EF4-FFF2-40B4-BE49-F238E27FC236}">
+                <a16:creationId xmlns:a16="http://schemas.microsoft.com/office/drawing/2014/main" id="{03929003-0463-45B4-ACDA-5F5D41FBEC6A}"/>
+              </a:ext>
+            </a:extLst>
+          </p:cNvPr>
+          <p:cNvSpPr>
+            <a:spLocks noGrp="1"/>
+          </p:cNvSpPr>
+          <p:nvPr>
+            <p:ph type="ftr" sz="quarter" idx="12"/>
+          </p:nvPr>
+        </p:nvSpPr>
+        <p:spPr/>
+        <p:txBody>
+          <a:bodyPr/>
+          <a:lstStyle/>
+          <a:p>
+            <a:endParaRPr lang="nl-BE" dirty="0"/>
+          </a:p>
+        </p:txBody>
+      </p:sp>
+    </p:spTree>
+    <p:extLst>
+      <p:ext uri="{BB962C8B-B14F-4D97-AF65-F5344CB8AC3E}">
+        <p14:creationId xmlns:p14="http://schemas.microsoft.com/office/powerpoint/2010/main" val="3894248061"/>
+      </p:ext>
+    </p:extLst>
+  </p:cSld>
+  <p:clrMapOvr>
+    <a:masterClrMapping/>
+  </p:clrMapOvr>
+</p:sld>
+</file>
+
+<file path=ppt/slides/slide7.xml><?xml version="1.0" encoding="utf-8"?>
+<p:sld xmlns:a="http://schemas.openxmlformats.org/drawingml/2006/main" xmlns:r="http://schemas.openxmlformats.org/officeDocument/2006/relationships" xmlns:p="http://schemas.openxmlformats.org/presentationml/2006/main">
+  <p:cSld>
+    <p:spTree>
+      <p:nvGrpSpPr>
+        <p:cNvPr id="1" name=""/>
+        <p:cNvGrpSpPr/>
+        <p:nvPr/>
+      </p:nvGrpSpPr>
+      <p:grpSpPr>
+        <a:xfrm>
+          <a:off x="0" y="0"/>
+          <a:ext cx="0" cy="0"/>
+          <a:chOff x="0" y="0"/>
+          <a:chExt cx="0" cy="0"/>
+        </a:xfrm>
+      </p:grpSpPr>
+      <p:sp>
+        <p:nvSpPr>
+          <p:cNvPr id="3" name="Title 2">
+            <a:extLst>
+              <a:ext uri="{FF2B5EF4-FFF2-40B4-BE49-F238E27FC236}">
+                <a16:creationId xmlns:a16="http://schemas.microsoft.com/office/drawing/2014/main" id="{2F42C553-B592-4464-A4B7-5EC8988D45F6}"/>
+              </a:ext>
+            </a:extLst>
+          </p:cNvPr>
+          <p:cNvSpPr>
+            <a:spLocks noGrp="1"/>
+          </p:cNvSpPr>
+          <p:nvPr>
+            <p:ph type="title"/>
+          </p:nvPr>
+        </p:nvSpPr>
+        <p:spPr/>
+        <p:txBody>
+          <a:bodyPr/>
+          <a:lstStyle/>
+          <a:p>
+            <a:r>
+              <a:rPr lang="en-US" dirty="0" err="1"/>
+              <a:t>Voor</a:t>
+            </a:r>
+            <a:r>
+              <a:rPr lang="en-US" dirty="0"/>
+              <a:t>- &amp; </a:t>
+            </a:r>
+            <a:r>
+              <a:rPr lang="en-US" dirty="0" err="1"/>
+              <a:t>nadelen</a:t>
+            </a:r>
+            <a:endParaRPr lang="en-US" dirty="0"/>
+          </a:p>
+        </p:txBody>
+      </p:sp>
+      <p:sp>
+        <p:nvSpPr>
+          <p:cNvPr id="4" name="Footer Placeholder 3">
+            <a:extLst>
+              <a:ext uri="{FF2B5EF4-FFF2-40B4-BE49-F238E27FC236}">
+                <a16:creationId xmlns:a16="http://schemas.microsoft.com/office/drawing/2014/main" id="{9E41C3BC-E4E5-4D29-AD12-A6D8868395CD}"/>
+              </a:ext>
+            </a:extLst>
+          </p:cNvPr>
+          <p:cNvSpPr>
+            <a:spLocks noGrp="1"/>
+          </p:cNvSpPr>
+          <p:nvPr>
+            <p:ph type="ftr" sz="quarter" idx="12"/>
+          </p:nvPr>
+        </p:nvSpPr>
+        <p:spPr/>
+        <p:txBody>
+          <a:bodyPr/>
+          <a:lstStyle/>
+          <a:p>
+            <a:endParaRPr lang="nl-BE"/>
+          </a:p>
+        </p:txBody>
+      </p:sp>
+      <p:sp>
+        <p:nvSpPr>
+          <p:cNvPr id="5" name="Slide Number Placeholder 4">
+            <a:extLst>
+              <a:ext uri="{FF2B5EF4-FFF2-40B4-BE49-F238E27FC236}">
+                <a16:creationId xmlns:a16="http://schemas.microsoft.com/office/drawing/2014/main" id="{4E55B2F2-EDCE-4E6D-A170-16EBD9623D13}"/>
+              </a:ext>
+            </a:extLst>
+          </p:cNvPr>
+          <p:cNvSpPr>
+            <a:spLocks noGrp="1"/>
+          </p:cNvSpPr>
+          <p:nvPr>
+            <p:ph type="sldNum" sz="quarter" idx="11"/>
+          </p:nvPr>
+        </p:nvSpPr>
+        <p:spPr/>
+        <p:txBody>
+          <a:bodyPr/>
+          <a:lstStyle/>
+          <a:p>
+            <a:fld id="{3B80295F-48CD-49FC-897A-CCEC919B8070}" type="slidenum">
+              <a:rPr lang="nl-BE" smtClean="0"/>
+              <a:pPr/>
+              <a:t>7</a:t>
+            </a:fld>
+            <a:endParaRPr lang="nl-BE"/>
+          </a:p>
+        </p:txBody>
+      </p:sp>
+    </p:spTree>
+    <p:extLst>
+      <p:ext uri="{BB962C8B-B14F-4D97-AF65-F5344CB8AC3E}">
+        <p14:creationId xmlns:p14="http://schemas.microsoft.com/office/powerpoint/2010/main" val="4134244725"/>
+      </p:ext>
+    </p:extLst>
+  </p:cSld>
+  <p:clrMapOvr>
+    <a:masterClrMapping/>
+  </p:clrMapOvr>
+</p:sld>
+</file>
+
+<file path=ppt/slides/slide8.xml><?xml version="1.0" encoding="utf-8"?>
+<p:sld xmlns:a="http://schemas.openxmlformats.org/drawingml/2006/main" xmlns:r="http://schemas.openxmlformats.org/officeDocument/2006/relationships" xmlns:p="http://schemas.openxmlformats.org/presentationml/2006/main">
+  <p:cSld>
+    <p:spTree>
+      <p:nvGrpSpPr>
+        <p:cNvPr id="1" name=""/>
+        <p:cNvGrpSpPr/>
+        <p:nvPr/>
+      </p:nvGrpSpPr>
+      <p:grpSpPr>
+        <a:xfrm>
+          <a:off x="0" y="0"/>
+          <a:ext cx="0" cy="0"/>
+          <a:chOff x="0" y="0"/>
+          <a:chExt cx="0" cy="0"/>
+        </a:xfrm>
+      </p:grpSpPr>
+      <p:sp>
+        <p:nvSpPr>
+          <p:cNvPr id="2" name="Content Placeholder 1">
+            <a:extLst>
+              <a:ext uri="{FF2B5EF4-FFF2-40B4-BE49-F238E27FC236}">
+                <a16:creationId xmlns:a16="http://schemas.microsoft.com/office/drawing/2014/main" id="{49C96621-DDA2-43EB-9F25-F650BD381CFB}"/>
+              </a:ext>
+            </a:extLst>
+          </p:cNvPr>
+          <p:cNvSpPr>
+            <a:spLocks noGrp="1"/>
+          </p:cNvSpPr>
+          <p:nvPr>
+            <p:ph idx="1"/>
+          </p:nvPr>
+        </p:nvSpPr>
+        <p:spPr/>
+        <p:txBody>
+          <a:bodyPr/>
+          <a:lstStyle/>
+          <a:p>
+            <a:endParaRPr lang="en-US" dirty="0"/>
+          </a:p>
+        </p:txBody>
+      </p:sp>
+      <p:sp>
+        <p:nvSpPr>
+          <p:cNvPr id="3" name="Title 2">
+            <a:extLst>
+              <a:ext uri="{FF2B5EF4-FFF2-40B4-BE49-F238E27FC236}">
+                <a16:creationId xmlns:a16="http://schemas.microsoft.com/office/drawing/2014/main" id="{B6282170-58B5-437A-B277-73F7EDEEAC48}"/>
+              </a:ext>
+            </a:extLst>
+          </p:cNvPr>
+          <p:cNvSpPr>
+            <a:spLocks noGrp="1"/>
+          </p:cNvSpPr>
+          <p:nvPr>
+            <p:ph type="title"/>
+          </p:nvPr>
+        </p:nvSpPr>
+        <p:spPr/>
+        <p:txBody>
+          <a:bodyPr/>
+          <a:lstStyle/>
+          <a:p>
+            <a:r>
+              <a:rPr lang="en-US" dirty="0" err="1"/>
+              <a:t>Voor</a:t>
+            </a:r>
+            <a:r>
+              <a:rPr lang="en-US" dirty="0"/>
+              <a:t>- </a:t>
+            </a:r>
+            <a:r>
+              <a:rPr lang="en-US" dirty="0" err="1"/>
+              <a:t>en</a:t>
+            </a:r>
+            <a:r>
+              <a:rPr lang="en-US" dirty="0"/>
+              <a:t> </a:t>
+            </a:r>
+            <a:r>
+              <a:rPr lang="en-US" dirty="0" err="1"/>
+              <a:t>nadelen</a:t>
+            </a:r>
+            <a:endParaRPr lang="en-US" dirty="0"/>
+          </a:p>
+        </p:txBody>
+      </p:sp>
+      <p:sp>
+        <p:nvSpPr>
+          <p:cNvPr id="4" name="Slide Number Placeholder 3">
+            <a:extLst>
+              <a:ext uri="{FF2B5EF4-FFF2-40B4-BE49-F238E27FC236}">
+                <a16:creationId xmlns:a16="http://schemas.microsoft.com/office/drawing/2014/main" id="{49FE6B9F-285D-4793-8608-D799E7E68B2C}"/>
+              </a:ext>
+            </a:extLst>
+          </p:cNvPr>
+          <p:cNvSpPr>
+            <a:spLocks noGrp="1"/>
+          </p:cNvSpPr>
+          <p:nvPr>
+            <p:ph type="sldNum" sz="quarter" idx="11"/>
+          </p:nvPr>
+        </p:nvSpPr>
+        <p:spPr/>
+        <p:txBody>
+          <a:bodyPr/>
+          <a:lstStyle/>
+          <a:p>
+            <a:fld id="{3B80295F-48CD-49FC-897A-CCEC919B8070}" type="slidenum">
+              <a:rPr lang="nl-BE" smtClean="0"/>
+              <a:pPr/>
+              <a:t>8</a:t>
+            </a:fld>
+            <a:endParaRPr lang="nl-BE"/>
+          </a:p>
+        </p:txBody>
+      </p:sp>
+      <p:sp>
+        <p:nvSpPr>
+          <p:cNvPr id="5" name="Footer Placeholder 4">
+            <a:extLst>
+              <a:ext uri="{FF2B5EF4-FFF2-40B4-BE49-F238E27FC236}">
+                <a16:creationId xmlns:a16="http://schemas.microsoft.com/office/drawing/2014/main" id="{03929003-0463-45B4-ACDA-5F5D41FBEC6A}"/>
+              </a:ext>
+            </a:extLst>
+          </p:cNvPr>
+          <p:cNvSpPr>
+            <a:spLocks noGrp="1"/>
+          </p:cNvSpPr>
+          <p:nvPr>
+            <p:ph type="ftr" sz="quarter" idx="12"/>
+          </p:nvPr>
+        </p:nvSpPr>
+        <p:spPr/>
+        <p:txBody>
+          <a:bodyPr/>
+          <a:lstStyle/>
+          <a:p>
+            <a:endParaRPr lang="nl-BE" dirty="0"/>
+          </a:p>
+        </p:txBody>
+      </p:sp>
+    </p:spTree>
+    <p:extLst>
+      <p:ext uri="{BB962C8B-B14F-4D97-AF65-F5344CB8AC3E}">
+        <p14:creationId xmlns:p14="http://schemas.microsoft.com/office/powerpoint/2010/main" val="2834089631"/>
+      </p:ext>
+    </p:extLst>
+  </p:cSld>
+  <p:clrMapOvr>
+    <a:masterClrMapping/>
+  </p:clrMapOvr>
+</p:sld>
+</file>
+
+<file path=ppt/slides/slide9.xml><?xml version="1.0" encoding="utf-8"?>
+<p:sld xmlns:a="http://schemas.openxmlformats.org/drawingml/2006/main" xmlns:r="http://schemas.openxmlformats.org/officeDocument/2006/relationships" xmlns:p="http://schemas.openxmlformats.org/presentationml/2006/main">
+  <p:cSld>
+    <p:spTree>
+      <p:nvGrpSpPr>
+        <p:cNvPr id="1" name=""/>
+        <p:cNvGrpSpPr/>
+        <p:nvPr/>
+      </p:nvGrpSpPr>
+      <p:grpSpPr>
+        <a:xfrm>
+          <a:off x="0" y="0"/>
+          <a:ext cx="0" cy="0"/>
+          <a:chOff x="0" y="0"/>
+          <a:chExt cx="0" cy="0"/>
+        </a:xfrm>
+      </p:grpSpPr>
+      <p:sp>
+        <p:nvSpPr>
+          <p:cNvPr id="3" name="Title 2">
+            <a:extLst>
+              <a:ext uri="{FF2B5EF4-FFF2-40B4-BE49-F238E27FC236}">
+                <a16:creationId xmlns:a16="http://schemas.microsoft.com/office/drawing/2014/main" id="{2F42C553-B592-4464-A4B7-5EC8988D45F6}"/>
+              </a:ext>
+            </a:extLst>
+          </p:cNvPr>
+          <p:cNvSpPr>
+            <a:spLocks noGrp="1"/>
+          </p:cNvSpPr>
+          <p:nvPr>
+            <p:ph type="title"/>
+          </p:nvPr>
+        </p:nvSpPr>
+        <p:spPr/>
+        <p:txBody>
+          <a:bodyPr/>
+          <a:lstStyle/>
+          <a:p>
+            <a:r>
+              <a:rPr lang="en-US" dirty="0" err="1"/>
+              <a:t>Belangrijkste</a:t>
+            </a:r>
+            <a:r>
+              <a:rPr lang="en-US" dirty="0"/>
+              <a:t> features</a:t>
+            </a:r>
+          </a:p>
+        </p:txBody>
+      </p:sp>
+      <p:sp>
+        <p:nvSpPr>
+          <p:cNvPr id="4" name="Footer Placeholder 3">
+            <a:extLst>
+              <a:ext uri="{FF2B5EF4-FFF2-40B4-BE49-F238E27FC236}">
+                <a16:creationId xmlns:a16="http://schemas.microsoft.com/office/drawing/2014/main" id="{9E41C3BC-E4E5-4D29-AD12-A6D8868395CD}"/>
+              </a:ext>
+            </a:extLst>
+          </p:cNvPr>
+          <p:cNvSpPr>
+            <a:spLocks noGrp="1"/>
+          </p:cNvSpPr>
+          <p:nvPr>
+            <p:ph type="ftr" sz="quarter" idx="12"/>
+          </p:nvPr>
+        </p:nvSpPr>
+        <p:spPr/>
+        <p:txBody>
+          <a:bodyPr/>
+          <a:lstStyle/>
+          <a:p>
+            <a:endParaRPr lang="nl-BE"/>
+          </a:p>
+        </p:txBody>
+      </p:sp>
+      <p:sp>
+        <p:nvSpPr>
+          <p:cNvPr id="5" name="Slide Number Placeholder 4">
+            <a:extLst>
+              <a:ext uri="{FF2B5EF4-FFF2-40B4-BE49-F238E27FC236}">
+                <a16:creationId xmlns:a16="http://schemas.microsoft.com/office/drawing/2014/main" id="{4E55B2F2-EDCE-4E6D-A170-16EBD9623D13}"/>
+              </a:ext>
+            </a:extLst>
+          </p:cNvPr>
+          <p:cNvSpPr>
+            <a:spLocks noGrp="1"/>
+          </p:cNvSpPr>
+          <p:nvPr>
+            <p:ph type="sldNum" sz="quarter" idx="11"/>
+          </p:nvPr>
+        </p:nvSpPr>
+        <p:spPr/>
+        <p:txBody>
+          <a:bodyPr/>
+          <a:lstStyle/>
+          <a:p>
+            <a:fld id="{3B80295F-48CD-49FC-897A-CCEC919B8070}" type="slidenum">
+              <a:rPr lang="nl-BE" smtClean="0"/>
+              <a:pPr/>
+              <a:t>9</a:t>
+            </a:fld>
+            <a:endParaRPr lang="nl-BE"/>
+          </a:p>
+        </p:txBody>
+      </p:sp>
+    </p:spTree>
+    <p:extLst>
+      <p:ext uri="{BB962C8B-B14F-4D97-AF65-F5344CB8AC3E}">
+        <p14:creationId xmlns:p14="http://schemas.microsoft.com/office/powerpoint/2010/main" val="3327260860"/>
       </p:ext>
     </p:extLst>
   </p:cSld>

--- a/Presentatie SignalR.pptx
+++ b/Presentatie SignalR.pptx
@@ -5,27 +5,49 @@
     <p:sldMasterId id="2147483689" r:id="rId1"/>
   </p:sldMasterIdLst>
   <p:notesMasterIdLst>
-    <p:notesMasterId r:id="rId20"/>
+    <p:notesMasterId r:id="rId42"/>
   </p:notesMasterIdLst>
   <p:sldIdLst>
     <p:sldId id="259" r:id="rId2"/>
     <p:sldId id="260" r:id="rId3"/>
     <p:sldId id="363" r:id="rId4"/>
     <p:sldId id="372" r:id="rId5"/>
-    <p:sldId id="365" r:id="rId6"/>
-    <p:sldId id="371" r:id="rId7"/>
-    <p:sldId id="373" r:id="rId8"/>
-    <p:sldId id="374" r:id="rId9"/>
-    <p:sldId id="377" r:id="rId10"/>
-    <p:sldId id="378" r:id="rId11"/>
-    <p:sldId id="381" r:id="rId12"/>
-    <p:sldId id="382" r:id="rId13"/>
-    <p:sldId id="383" r:id="rId14"/>
-    <p:sldId id="375" r:id="rId15"/>
-    <p:sldId id="376" r:id="rId16"/>
-    <p:sldId id="379" r:id="rId17"/>
-    <p:sldId id="380" r:id="rId18"/>
-    <p:sldId id="362" r:id="rId19"/>
+    <p:sldId id="384" r:id="rId6"/>
+    <p:sldId id="385" r:id="rId7"/>
+    <p:sldId id="365" r:id="rId8"/>
+    <p:sldId id="371" r:id="rId9"/>
+    <p:sldId id="386" r:id="rId10"/>
+    <p:sldId id="388" r:id="rId11"/>
+    <p:sldId id="387" r:id="rId12"/>
+    <p:sldId id="373" r:id="rId13"/>
+    <p:sldId id="390" r:id="rId14"/>
+    <p:sldId id="391" r:id="rId15"/>
+    <p:sldId id="392" r:id="rId16"/>
+    <p:sldId id="389" r:id="rId17"/>
+    <p:sldId id="394" r:id="rId18"/>
+    <p:sldId id="393" r:id="rId19"/>
+    <p:sldId id="396" r:id="rId20"/>
+    <p:sldId id="401" r:id="rId21"/>
+    <p:sldId id="402" r:id="rId22"/>
+    <p:sldId id="397" r:id="rId23"/>
+    <p:sldId id="399" r:id="rId24"/>
+    <p:sldId id="403" r:id="rId25"/>
+    <p:sldId id="404" r:id="rId26"/>
+    <p:sldId id="375" r:id="rId27"/>
+    <p:sldId id="376" r:id="rId28"/>
+    <p:sldId id="405" r:id="rId29"/>
+    <p:sldId id="406" r:id="rId30"/>
+    <p:sldId id="379" r:id="rId31"/>
+    <p:sldId id="408" r:id="rId32"/>
+    <p:sldId id="409" r:id="rId33"/>
+    <p:sldId id="407" r:id="rId34"/>
+    <p:sldId id="411" r:id="rId35"/>
+    <p:sldId id="412" r:id="rId36"/>
+    <p:sldId id="413" r:id="rId37"/>
+    <p:sldId id="414" r:id="rId38"/>
+    <p:sldId id="410" r:id="rId39"/>
+    <p:sldId id="380" r:id="rId40"/>
+    <p:sldId id="362" r:id="rId41"/>
   </p:sldIdLst>
   <p:sldSz cx="12192000" cy="6858000"/>
   <p:notesSz cx="6858000" cy="9144000"/>
@@ -3521,7 +3543,7 @@
           <a:p>
             <a:fld id="{4C6F93D7-F280-41E0-9E85-027AD68093A5}" type="datetimeFigureOut">
               <a:rPr lang="nl-NL"/>
-              <a:t>15-4-2023</a:t>
+              <a:t>30-4-2023</a:t>
             </a:fld>
             <a:endParaRPr lang="nl-NL"/>
           </a:p>
@@ -6748,7 +6770,7 @@
           <p:cNvPr id="2" name="Content Placeholder 1">
             <a:extLst>
               <a:ext uri="{FF2B5EF4-FFF2-40B4-BE49-F238E27FC236}">
-                <a16:creationId xmlns:a16="http://schemas.microsoft.com/office/drawing/2014/main" id="{49C96621-DDA2-43EB-9F25-F650BD381CFB}"/>
+                <a16:creationId xmlns:a16="http://schemas.microsoft.com/office/drawing/2014/main" id="{9B5C0179-DFD6-60E1-4531-EBD1EE21DB2C}"/>
               </a:ext>
             </a:extLst>
           </p:cNvPr>
@@ -6765,12 +6787,56 @@
           <a:lstStyle/>
           <a:p>
             <a:r>
-              <a:rPr lang="en-US"/>
-              <a:t>WebSocket</a:t>
-            </a:r>
-          </a:p>
-          <a:p>
-            <a:endParaRPr lang="en-US" dirty="0"/>
+              <a:rPr lang="en-GB" dirty="0" err="1"/>
+              <a:t>Browers</a:t>
+            </a:r>
+            <a:r>
+              <a:rPr lang="en-GB" dirty="0"/>
+              <a:t> </a:t>
+            </a:r>
+            <a:r>
+              <a:rPr lang="en-GB" dirty="0" err="1"/>
+              <a:t>abonneert</a:t>
+            </a:r>
+            <a:r>
+              <a:rPr lang="en-GB" dirty="0"/>
+              <a:t> op events</a:t>
+            </a:r>
+          </a:p>
+          <a:p>
+            <a:r>
+              <a:rPr lang="en-GB" dirty="0" err="1"/>
+              <a:t>Notificatie</a:t>
+            </a:r>
+            <a:r>
+              <a:rPr lang="en-GB" dirty="0"/>
+              <a:t> </a:t>
+            </a:r>
+            <a:r>
+              <a:rPr lang="en-GB" dirty="0" err="1"/>
+              <a:t>naar</a:t>
+            </a:r>
+            <a:r>
+              <a:rPr lang="en-GB" dirty="0"/>
+              <a:t> de server</a:t>
+            </a:r>
+          </a:p>
+          <a:p>
+            <a:r>
+              <a:rPr lang="en-GB" dirty="0" err="1"/>
+              <a:t>Bepaalde</a:t>
+            </a:r>
+            <a:r>
+              <a:rPr lang="en-GB" dirty="0"/>
+              <a:t> code</a:t>
+            </a:r>
+          </a:p>
+          <a:p>
+            <a:r>
+              <a:rPr lang="en-GB" dirty="0" err="1"/>
+              <a:t>Sportwebsites</a:t>
+            </a:r>
+            <a:endParaRPr lang="en-BE" dirty="0"/>
           </a:p>
         </p:txBody>
       </p:sp>
@@ -6779,7 +6845,7 @@
           <p:cNvPr id="3" name="Title 2">
             <a:extLst>
               <a:ext uri="{FF2B5EF4-FFF2-40B4-BE49-F238E27FC236}">
-                <a16:creationId xmlns:a16="http://schemas.microsoft.com/office/drawing/2014/main" id="{B6282170-58B5-437A-B277-73F7EDEEAC48}"/>
+                <a16:creationId xmlns:a16="http://schemas.microsoft.com/office/drawing/2014/main" id="{B33BC759-E867-D1FC-74E2-71897837AACC}"/>
               </a:ext>
             </a:extLst>
           </p:cNvPr>
@@ -6796,26 +6862,14 @@
           <a:lstStyle/>
           <a:p>
             <a:r>
-              <a:rPr lang="en-US" dirty="0" err="1"/>
-              <a:t>Belangrijkste</a:t>
-            </a:r>
-            <a:r>
-              <a:rPr lang="en-US" dirty="0"/>
-              <a:t> features – </a:t>
-            </a:r>
-            <a:r>
-              <a:rPr lang="en-US" dirty="0" err="1"/>
-              <a:t>verbindingsbeheer</a:t>
-            </a:r>
-            <a:r>
-              <a:rPr lang="en-US" dirty="0"/>
-              <a:t> </a:t>
-            </a:r>
-            <a:r>
-              <a:rPr lang="en-US" dirty="0" err="1"/>
-              <a:t>automatisch</a:t>
-            </a:r>
-            <a:endParaRPr lang="en-US" dirty="0"/>
+              <a:rPr lang="en-GB" dirty="0" err="1"/>
+              <a:t>Ontstaan</a:t>
+            </a:r>
+            <a:r>
+              <a:rPr lang="en-GB" dirty="0"/>
+              <a:t> – server sent events</a:t>
+            </a:r>
+            <a:endParaRPr lang="en-BE" dirty="0"/>
           </a:p>
         </p:txBody>
       </p:sp>
@@ -6824,7 +6878,7 @@
           <p:cNvPr id="4" name="Slide Number Placeholder 3">
             <a:extLst>
               <a:ext uri="{FF2B5EF4-FFF2-40B4-BE49-F238E27FC236}">
-                <a16:creationId xmlns:a16="http://schemas.microsoft.com/office/drawing/2014/main" id="{49FE6B9F-285D-4793-8608-D799E7E68B2C}"/>
+                <a16:creationId xmlns:a16="http://schemas.microsoft.com/office/drawing/2014/main" id="{43D7CF01-43CD-D265-5C3A-8531D7FE3167}"/>
               </a:ext>
             </a:extLst>
           </p:cNvPr>
@@ -6854,7 +6908,7 @@
           <p:cNvPr id="5" name="Footer Placeholder 4">
             <a:extLst>
               <a:ext uri="{FF2B5EF4-FFF2-40B4-BE49-F238E27FC236}">
-                <a16:creationId xmlns:a16="http://schemas.microsoft.com/office/drawing/2014/main" id="{03929003-0463-45B4-ACDA-5F5D41FBEC6A}"/>
+                <a16:creationId xmlns:a16="http://schemas.microsoft.com/office/drawing/2014/main" id="{CD2F5C04-6A7B-F00B-93CA-88BD695CC2E6}"/>
               </a:ext>
             </a:extLst>
           </p:cNvPr>
@@ -6870,14 +6924,14 @@
           <a:bodyPr/>
           <a:lstStyle/>
           <a:p>
-            <a:endParaRPr lang="nl-BE" dirty="0"/>
+            <a:endParaRPr lang="nl-BE"/>
           </a:p>
         </p:txBody>
       </p:sp>
     </p:spTree>
     <p:extLst>
       <p:ext uri="{BB962C8B-B14F-4D97-AF65-F5344CB8AC3E}">
-        <p14:creationId xmlns:p14="http://schemas.microsoft.com/office/powerpoint/2010/main" val="4266284385"/>
+        <p14:creationId xmlns:p14="http://schemas.microsoft.com/office/powerpoint/2010/main" val="2954978872"/>
       </p:ext>
     </p:extLst>
   </p:cSld>
@@ -6904,37 +6958,47 @@
           <a:chExt cx="0" cy="0"/>
         </a:xfrm>
       </p:grpSpPr>
-      <p:sp>
-        <p:nvSpPr>
-          <p:cNvPr id="2" name="Content Placeholder 1">
-            <a:extLst>
-              <a:ext uri="{FF2B5EF4-FFF2-40B4-BE49-F238E27FC236}">
-                <a16:creationId xmlns:a16="http://schemas.microsoft.com/office/drawing/2014/main" id="{49C96621-DDA2-43EB-9F25-F650BD381CFB}"/>
-              </a:ext>
-            </a:extLst>
-          </p:cNvPr>
-          <p:cNvSpPr>
-            <a:spLocks noGrp="1"/>
-          </p:cNvSpPr>
+      <p:pic>
+        <p:nvPicPr>
+          <p:cNvPr id="7" name="Content Placeholder 6" descr="Diagram&#10;&#10;Description automatically generated">
+            <a:extLst>
+              <a:ext uri="{FF2B5EF4-FFF2-40B4-BE49-F238E27FC236}">
+                <a16:creationId xmlns:a16="http://schemas.microsoft.com/office/drawing/2014/main" id="{6B912D61-5402-EC41-1B56-AB5BC15571D5}"/>
+              </a:ext>
+            </a:extLst>
+          </p:cNvPr>
+          <p:cNvPicPr>
+            <a:picLocks noGrp="1" noChangeAspect="1"/>
+          </p:cNvPicPr>
           <p:nvPr>
             <p:ph idx="1"/>
           </p:nvPr>
-        </p:nvSpPr>
-        <p:spPr/>
-        <p:txBody>
-          <a:bodyPr/>
-          <a:lstStyle/>
-          <a:p>
-            <a:endParaRPr lang="en-US" dirty="0"/>
-          </a:p>
-        </p:txBody>
-      </p:sp>
+        </p:nvPicPr>
+        <p:blipFill>
+          <a:blip r:embed="rId2">
+            <a:extLst>
+              <a:ext uri="{28A0092B-C50C-407E-A947-70E740481C1C}">
+                <a14:useLocalDpi xmlns:a14="http://schemas.microsoft.com/office/drawing/2010/main" val="0"/>
+              </a:ext>
+            </a:extLst>
+          </a:blip>
+          <a:stretch>
+            <a:fillRect/>
+          </a:stretch>
+        </p:blipFill>
+        <p:spPr>
+          <a:xfrm>
+            <a:off x="2343148" y="1197112"/>
+            <a:ext cx="6507957" cy="4728437"/>
+          </a:xfrm>
+        </p:spPr>
+      </p:pic>
       <p:sp>
         <p:nvSpPr>
           <p:cNvPr id="3" name="Title 2">
             <a:extLst>
               <a:ext uri="{FF2B5EF4-FFF2-40B4-BE49-F238E27FC236}">
-                <a16:creationId xmlns:a16="http://schemas.microsoft.com/office/drawing/2014/main" id="{B6282170-58B5-437A-B277-73F7EDEEAC48}"/>
+                <a16:creationId xmlns:a16="http://schemas.microsoft.com/office/drawing/2014/main" id="{EF60ABD0-4D8E-9206-966D-9F7F6EFCA933}"/>
               </a:ext>
             </a:extLst>
           </p:cNvPr>
@@ -6950,30 +7014,7 @@
           <a:bodyPr/>
           <a:lstStyle/>
           <a:p>
-            <a:r>
-              <a:rPr lang="en-US" dirty="0" err="1"/>
-              <a:t>Belangrijkste</a:t>
-            </a:r>
-            <a:r>
-              <a:rPr lang="en-US" dirty="0"/>
-              <a:t> features – </a:t>
-            </a:r>
-            <a:br>
-              <a:rPr lang="en-US" dirty="0"/>
-            </a:br>
-            <a:r>
-              <a:rPr lang="en-US" dirty="0" err="1"/>
-              <a:t>berichten</a:t>
-            </a:r>
-            <a:r>
-              <a:rPr lang="en-US" dirty="0"/>
-              <a:t> </a:t>
-            </a:r>
-            <a:r>
-              <a:rPr lang="en-US" dirty="0" err="1"/>
-              <a:t>versturen</a:t>
-            </a:r>
-            <a:endParaRPr lang="en-US" dirty="0"/>
+            <a:endParaRPr lang="en-BE"/>
           </a:p>
         </p:txBody>
       </p:sp>
@@ -6982,7 +7023,7 @@
           <p:cNvPr id="4" name="Slide Number Placeholder 3">
             <a:extLst>
               <a:ext uri="{FF2B5EF4-FFF2-40B4-BE49-F238E27FC236}">
-                <a16:creationId xmlns:a16="http://schemas.microsoft.com/office/drawing/2014/main" id="{49FE6B9F-285D-4793-8608-D799E7E68B2C}"/>
+                <a16:creationId xmlns:a16="http://schemas.microsoft.com/office/drawing/2014/main" id="{E0AAAEE5-86EA-F224-9F4B-75B102F8FB7B}"/>
               </a:ext>
             </a:extLst>
           </p:cNvPr>
@@ -7012,7 +7053,7 @@
           <p:cNvPr id="5" name="Footer Placeholder 4">
             <a:extLst>
               <a:ext uri="{FF2B5EF4-FFF2-40B4-BE49-F238E27FC236}">
-                <a16:creationId xmlns:a16="http://schemas.microsoft.com/office/drawing/2014/main" id="{03929003-0463-45B4-ACDA-5F5D41FBEC6A}"/>
+                <a16:creationId xmlns:a16="http://schemas.microsoft.com/office/drawing/2014/main" id="{2673283A-8BFD-09FE-C211-06BE82EFEF1F}"/>
               </a:ext>
             </a:extLst>
           </p:cNvPr>
@@ -7028,14 +7069,14 @@
           <a:bodyPr/>
           <a:lstStyle/>
           <a:p>
-            <a:endParaRPr lang="nl-BE" dirty="0"/>
+            <a:endParaRPr lang="nl-BE"/>
           </a:p>
         </p:txBody>
       </p:sp>
     </p:spTree>
     <p:extLst>
       <p:ext uri="{BB962C8B-B14F-4D97-AF65-F5344CB8AC3E}">
-        <p14:creationId xmlns:p14="http://schemas.microsoft.com/office/powerpoint/2010/main" val="847505491"/>
+        <p14:creationId xmlns:p14="http://schemas.microsoft.com/office/powerpoint/2010/main" val="216987986"/>
       </p:ext>
     </p:extLst>
   </p:cSld>
@@ -7064,91 +7105,64 @@
       </p:grpSpPr>
       <p:sp>
         <p:nvSpPr>
-          <p:cNvPr id="2" name="Content Placeholder 1">
-            <a:extLst>
-              <a:ext uri="{FF2B5EF4-FFF2-40B4-BE49-F238E27FC236}">
-                <a16:creationId xmlns:a16="http://schemas.microsoft.com/office/drawing/2014/main" id="{49C96621-DDA2-43EB-9F25-F650BD381CFB}"/>
-              </a:ext>
-            </a:extLst>
-          </p:cNvPr>
-          <p:cNvSpPr>
-            <a:spLocks noGrp="1"/>
-          </p:cNvSpPr>
-          <p:nvPr>
-            <p:ph idx="1"/>
-          </p:nvPr>
-        </p:nvSpPr>
-        <p:spPr/>
-        <p:txBody>
-          <a:bodyPr/>
-          <a:lstStyle/>
-          <a:p>
+          <p:cNvPr id="3" name="Title 2">
+            <a:extLst>
+              <a:ext uri="{FF2B5EF4-FFF2-40B4-BE49-F238E27FC236}">
+                <a16:creationId xmlns:a16="http://schemas.microsoft.com/office/drawing/2014/main" id="{2F42C553-B592-4464-A4B7-5EC8988D45F6}"/>
+              </a:ext>
+            </a:extLst>
+          </p:cNvPr>
+          <p:cNvSpPr>
+            <a:spLocks noGrp="1"/>
+          </p:cNvSpPr>
+          <p:nvPr>
+            <p:ph type="title"/>
+          </p:nvPr>
+        </p:nvSpPr>
+        <p:spPr/>
+        <p:txBody>
+          <a:bodyPr/>
+          <a:lstStyle/>
+          <a:p>
+            <a:r>
+              <a:rPr lang="en-US" dirty="0" err="1"/>
+              <a:t>gebruik</a:t>
+            </a:r>
             <a:endParaRPr lang="en-US" dirty="0"/>
           </a:p>
         </p:txBody>
       </p:sp>
       <p:sp>
         <p:nvSpPr>
-          <p:cNvPr id="3" name="Title 2">
-            <a:extLst>
-              <a:ext uri="{FF2B5EF4-FFF2-40B4-BE49-F238E27FC236}">
-                <a16:creationId xmlns:a16="http://schemas.microsoft.com/office/drawing/2014/main" id="{B6282170-58B5-437A-B277-73F7EDEEAC48}"/>
-              </a:ext>
-            </a:extLst>
-          </p:cNvPr>
-          <p:cNvSpPr>
-            <a:spLocks noGrp="1"/>
-          </p:cNvSpPr>
-          <p:nvPr>
-            <p:ph type="title"/>
-          </p:nvPr>
-        </p:nvSpPr>
-        <p:spPr/>
-        <p:txBody>
-          <a:bodyPr/>
-          <a:lstStyle/>
-          <a:p>
-            <a:r>
-              <a:rPr lang="en-US" dirty="0" err="1"/>
-              <a:t>Belangrijkste</a:t>
-            </a:r>
-            <a:r>
-              <a:rPr lang="en-US" dirty="0"/>
-              <a:t> features – </a:t>
-            </a:r>
-            <a:br>
-              <a:rPr lang="en-US" dirty="0"/>
-            </a:br>
-            <a:r>
-              <a:rPr lang="en-US" dirty="0" err="1"/>
-              <a:t>schalen</a:t>
-            </a:r>
-            <a:r>
-              <a:rPr lang="en-US" dirty="0"/>
-              <a:t> </a:t>
-            </a:r>
-            <a:r>
-              <a:rPr lang="en-US" dirty="0" err="1"/>
-              <a:t>naar</a:t>
-            </a:r>
-            <a:r>
-              <a:rPr lang="en-US" dirty="0"/>
-              <a:t> </a:t>
-            </a:r>
-            <a:r>
-              <a:rPr lang="en-US" dirty="0" err="1"/>
-              <a:t>trafiek</a:t>
-            </a:r>
-            <a:endParaRPr lang="en-US" dirty="0"/>
-          </a:p>
-        </p:txBody>
-      </p:sp>
-      <p:sp>
-        <p:nvSpPr>
-          <p:cNvPr id="4" name="Slide Number Placeholder 3">
-            <a:extLst>
-              <a:ext uri="{FF2B5EF4-FFF2-40B4-BE49-F238E27FC236}">
-                <a16:creationId xmlns:a16="http://schemas.microsoft.com/office/drawing/2014/main" id="{49FE6B9F-285D-4793-8608-D799E7E68B2C}"/>
+          <p:cNvPr id="4" name="Footer Placeholder 3">
+            <a:extLst>
+              <a:ext uri="{FF2B5EF4-FFF2-40B4-BE49-F238E27FC236}">
+                <a16:creationId xmlns:a16="http://schemas.microsoft.com/office/drawing/2014/main" id="{9E41C3BC-E4E5-4D29-AD12-A6D8868395CD}"/>
+              </a:ext>
+            </a:extLst>
+          </p:cNvPr>
+          <p:cNvSpPr>
+            <a:spLocks noGrp="1"/>
+          </p:cNvSpPr>
+          <p:nvPr>
+            <p:ph type="ftr" sz="quarter" idx="12"/>
+          </p:nvPr>
+        </p:nvSpPr>
+        <p:spPr/>
+        <p:txBody>
+          <a:bodyPr/>
+          <a:lstStyle/>
+          <a:p>
+            <a:endParaRPr lang="nl-BE"/>
+          </a:p>
+        </p:txBody>
+      </p:sp>
+      <p:sp>
+        <p:nvSpPr>
+          <p:cNvPr id="5" name="Slide Number Placeholder 4">
+            <a:extLst>
+              <a:ext uri="{FF2B5EF4-FFF2-40B4-BE49-F238E27FC236}">
+                <a16:creationId xmlns:a16="http://schemas.microsoft.com/office/drawing/2014/main" id="{4E55B2F2-EDCE-4E6D-A170-16EBD9623D13}"/>
               </a:ext>
             </a:extLst>
           </p:cNvPr>
@@ -7173,35 +7187,10 @@
           </a:p>
         </p:txBody>
       </p:sp>
-      <p:sp>
-        <p:nvSpPr>
-          <p:cNvPr id="5" name="Footer Placeholder 4">
-            <a:extLst>
-              <a:ext uri="{FF2B5EF4-FFF2-40B4-BE49-F238E27FC236}">
-                <a16:creationId xmlns:a16="http://schemas.microsoft.com/office/drawing/2014/main" id="{03929003-0463-45B4-ACDA-5F5D41FBEC6A}"/>
-              </a:ext>
-            </a:extLst>
-          </p:cNvPr>
-          <p:cNvSpPr>
-            <a:spLocks noGrp="1"/>
-          </p:cNvSpPr>
-          <p:nvPr>
-            <p:ph type="ftr" sz="quarter" idx="12"/>
-          </p:nvPr>
-        </p:nvSpPr>
-        <p:spPr/>
-        <p:txBody>
-          <a:bodyPr/>
-          <a:lstStyle/>
-          <a:p>
-            <a:endParaRPr lang="nl-BE" dirty="0"/>
-          </a:p>
-        </p:txBody>
-      </p:sp>
     </p:spTree>
     <p:extLst>
       <p:ext uri="{BB962C8B-B14F-4D97-AF65-F5344CB8AC3E}">
-        <p14:creationId xmlns:p14="http://schemas.microsoft.com/office/powerpoint/2010/main" val="731961765"/>
+        <p14:creationId xmlns:p14="http://schemas.microsoft.com/office/powerpoint/2010/main" val="4134244725"/>
       </p:ext>
     </p:extLst>
   </p:cSld>
@@ -7233,7 +7222,7 @@
           <p:cNvPr id="2" name="Content Placeholder 1">
             <a:extLst>
               <a:ext uri="{FF2B5EF4-FFF2-40B4-BE49-F238E27FC236}">
-                <a16:creationId xmlns:a16="http://schemas.microsoft.com/office/drawing/2014/main" id="{49C96621-DDA2-43EB-9F25-F650BD381CFB}"/>
+                <a16:creationId xmlns:a16="http://schemas.microsoft.com/office/drawing/2014/main" id="{1C0CDAB1-4AE0-7E9F-B636-C6361A212C01}"/>
               </a:ext>
             </a:extLst>
           </p:cNvPr>
@@ -7249,7 +7238,76 @@
           <a:bodyPr/>
           <a:lstStyle/>
           <a:p>
-            <a:endParaRPr lang="en-US" dirty="0"/>
+            <a:r>
+              <a:rPr lang="en-GB" dirty="0"/>
+              <a:t>ASP.NET </a:t>
+            </a:r>
+            <a:r>
+              <a:rPr lang="en-GB" dirty="0" err="1"/>
+              <a:t>SignalR</a:t>
+            </a:r>
+            <a:endParaRPr lang="en-GB" dirty="0"/>
+          </a:p>
+          <a:p>
+            <a:r>
+              <a:rPr lang="en-GB" dirty="0"/>
+              <a:t>ASP.NET Core </a:t>
+            </a:r>
+            <a:r>
+              <a:rPr lang="en-GB" dirty="0" err="1"/>
+              <a:t>SignalR</a:t>
+            </a:r>
+            <a:endParaRPr lang="en-GB" dirty="0"/>
+          </a:p>
+          <a:p>
+            <a:r>
+              <a:rPr lang="en-GB" dirty="0"/>
+              <a:t>jQuery</a:t>
+            </a:r>
+          </a:p>
+          <a:p>
+            <a:r>
+              <a:rPr lang="en-GB" dirty="0"/>
+              <a:t>2016 </a:t>
+            </a:r>
+            <a:r>
+              <a:rPr lang="en-GB" dirty="0" err="1"/>
+              <a:t>nieuwe</a:t>
+            </a:r>
+            <a:r>
+              <a:rPr lang="en-GB" dirty="0"/>
+              <a:t> </a:t>
+            </a:r>
+            <a:r>
+              <a:rPr lang="en-GB" dirty="0" err="1"/>
+              <a:t>versie</a:t>
+            </a:r>
+            <a:endParaRPr lang="en-GB" dirty="0"/>
+          </a:p>
+          <a:p>
+            <a:r>
+              <a:rPr lang="en-GB" dirty="0"/>
+              <a:t>Hubs</a:t>
+            </a:r>
+          </a:p>
+          <a:p>
+            <a:r>
+              <a:rPr lang="en-GB" dirty="0" err="1"/>
+              <a:t>Javascript</a:t>
+            </a:r>
+            <a:r>
+              <a:rPr lang="en-GB" dirty="0"/>
+              <a:t>/Typescript</a:t>
+            </a:r>
+          </a:p>
+          <a:p>
+            <a:r>
+              <a:rPr lang="en-GB" dirty="0"/>
+              <a:t>Frameworks: Angular, React, Vue,…</a:t>
+            </a:r>
+          </a:p>
+          <a:p>
+            <a:endParaRPr lang="en-BE" dirty="0"/>
           </a:p>
         </p:txBody>
       </p:sp>
@@ -7258,7 +7316,7 @@
           <p:cNvPr id="3" name="Title 2">
             <a:extLst>
               <a:ext uri="{FF2B5EF4-FFF2-40B4-BE49-F238E27FC236}">
-                <a16:creationId xmlns:a16="http://schemas.microsoft.com/office/drawing/2014/main" id="{B6282170-58B5-437A-B277-73F7EDEEAC48}"/>
+                <a16:creationId xmlns:a16="http://schemas.microsoft.com/office/drawing/2014/main" id="{BFDB028E-13F5-946F-2F3A-48CB595EEB24}"/>
               </a:ext>
             </a:extLst>
           </p:cNvPr>
@@ -7275,24 +7333,10 @@
           <a:lstStyle/>
           <a:p>
             <a:r>
-              <a:rPr lang="en-US" dirty="0" err="1"/>
-              <a:t>Belangrijkste</a:t>
-            </a:r>
-            <a:r>
-              <a:rPr lang="en-US" dirty="0"/>
-              <a:t> features – </a:t>
-            </a:r>
-            <a:br>
-              <a:rPr lang="en-US" dirty="0"/>
-            </a:br>
-            <a:r>
-              <a:rPr lang="en-US" dirty="0" err="1"/>
-              <a:t>signalr</a:t>
-            </a:r>
-            <a:r>
-              <a:rPr lang="en-US" dirty="0"/>
-              <a:t> hub protocol</a:t>
-            </a:r>
+              <a:rPr lang="en-GB" dirty="0" err="1"/>
+              <a:t>gebruik</a:t>
+            </a:r>
+            <a:endParaRPr lang="en-BE" dirty="0"/>
           </a:p>
         </p:txBody>
       </p:sp>
@@ -7301,7 +7345,7 @@
           <p:cNvPr id="4" name="Slide Number Placeholder 3">
             <a:extLst>
               <a:ext uri="{FF2B5EF4-FFF2-40B4-BE49-F238E27FC236}">
-                <a16:creationId xmlns:a16="http://schemas.microsoft.com/office/drawing/2014/main" id="{49FE6B9F-285D-4793-8608-D799E7E68B2C}"/>
+                <a16:creationId xmlns:a16="http://schemas.microsoft.com/office/drawing/2014/main" id="{C4F8FE6D-6738-AF12-6C3F-8BA2F26B3A59}"/>
               </a:ext>
             </a:extLst>
           </p:cNvPr>
@@ -7331,7 +7375,7 @@
           <p:cNvPr id="5" name="Footer Placeholder 4">
             <a:extLst>
               <a:ext uri="{FF2B5EF4-FFF2-40B4-BE49-F238E27FC236}">
-                <a16:creationId xmlns:a16="http://schemas.microsoft.com/office/drawing/2014/main" id="{03929003-0463-45B4-ACDA-5F5D41FBEC6A}"/>
+                <a16:creationId xmlns:a16="http://schemas.microsoft.com/office/drawing/2014/main" id="{18D22BF1-D520-C699-2823-337C6CC1F086}"/>
               </a:ext>
             </a:extLst>
           </p:cNvPr>
@@ -7347,14 +7391,14 @@
           <a:bodyPr/>
           <a:lstStyle/>
           <a:p>
-            <a:endParaRPr lang="nl-BE" dirty="0"/>
+            <a:endParaRPr lang="nl-BE"/>
           </a:p>
         </p:txBody>
       </p:sp>
     </p:spTree>
     <p:extLst>
       <p:ext uri="{BB962C8B-B14F-4D97-AF65-F5344CB8AC3E}">
-        <p14:creationId xmlns:p14="http://schemas.microsoft.com/office/powerpoint/2010/main" val="173598060"/>
+        <p14:creationId xmlns:p14="http://schemas.microsoft.com/office/powerpoint/2010/main" val="330046714"/>
       </p:ext>
     </p:extLst>
   </p:cSld>
@@ -7383,10 +7427,85 @@
       </p:grpSpPr>
       <p:sp>
         <p:nvSpPr>
+          <p:cNvPr id="2" name="Content Placeholder 1">
+            <a:extLst>
+              <a:ext uri="{FF2B5EF4-FFF2-40B4-BE49-F238E27FC236}">
+                <a16:creationId xmlns:a16="http://schemas.microsoft.com/office/drawing/2014/main" id="{45C23EE8-4BBD-8FC8-2B9B-56A6BA55E66C}"/>
+              </a:ext>
+            </a:extLst>
+          </p:cNvPr>
+          <p:cNvSpPr>
+            <a:spLocks noGrp="1"/>
+          </p:cNvSpPr>
+          <p:nvPr>
+            <p:ph idx="1"/>
+          </p:nvPr>
+        </p:nvSpPr>
+        <p:spPr/>
+        <p:txBody>
+          <a:bodyPr/>
+          <a:lstStyle/>
+          <a:p>
+            <a:r>
+              <a:rPr lang="en-GB" dirty="0"/>
+              <a:t>Dependency injections</a:t>
+            </a:r>
+          </a:p>
+          <a:p>
+            <a:r>
+              <a:rPr lang="en-GB" dirty="0" err="1"/>
+              <a:t>Objecten</a:t>
+            </a:r>
+            <a:r>
+              <a:rPr lang="en-GB" dirty="0"/>
+              <a:t> </a:t>
+            </a:r>
+            <a:r>
+              <a:rPr lang="en-GB" dirty="0" err="1"/>
+              <a:t>meegeven</a:t>
+            </a:r>
+            <a:endParaRPr lang="en-GB" dirty="0"/>
+          </a:p>
+          <a:p>
+            <a:r>
+              <a:rPr lang="en-GB" dirty="0"/>
+              <a:t>Navigation Manager</a:t>
+            </a:r>
+          </a:p>
+          <a:p>
+            <a:r>
+              <a:rPr lang="en-GB" dirty="0" err="1"/>
+              <a:t>Encryptie</a:t>
+            </a:r>
+            <a:endParaRPr lang="en-GB" dirty="0"/>
+          </a:p>
+          <a:p>
+            <a:r>
+              <a:rPr lang="en-GB" dirty="0" err="1"/>
+              <a:t>Validatie</a:t>
+            </a:r>
+            <a:r>
+              <a:rPr lang="en-GB" dirty="0"/>
+              <a:t> </a:t>
+            </a:r>
+            <a:r>
+              <a:rPr lang="en-GB" dirty="0" err="1"/>
+              <a:t>inhoud</a:t>
+            </a:r>
+            <a:r>
+              <a:rPr lang="en-GB" dirty="0"/>
+              <a:t> token</a:t>
+            </a:r>
+            <a:endParaRPr lang="en-BE" dirty="0"/>
+          </a:p>
+        </p:txBody>
+      </p:sp>
+      <p:sp>
+        <p:nvSpPr>
           <p:cNvPr id="3" name="Title 2">
             <a:extLst>
               <a:ext uri="{FF2B5EF4-FFF2-40B4-BE49-F238E27FC236}">
-                <a16:creationId xmlns:a16="http://schemas.microsoft.com/office/drawing/2014/main" id="{2F42C553-B592-4464-A4B7-5EC8988D45F6}"/>
+                <a16:creationId xmlns:a16="http://schemas.microsoft.com/office/drawing/2014/main" id="{809BFB93-995D-0AC5-714A-2D723C4B4F6B}"/>
               </a:ext>
             </a:extLst>
           </p:cNvPr>
@@ -7403,48 +7522,19 @@
           <a:lstStyle/>
           <a:p>
             <a:r>
-              <a:rPr lang="en-US" dirty="0"/>
-              <a:t>WebSocket vs </a:t>
-            </a:r>
-            <a:r>
-              <a:rPr lang="en-US" dirty="0" err="1"/>
-              <a:t>signalr</a:t>
-            </a:r>
-            <a:endParaRPr lang="en-US" dirty="0"/>
-          </a:p>
-        </p:txBody>
-      </p:sp>
-      <p:sp>
-        <p:nvSpPr>
-          <p:cNvPr id="4" name="Footer Placeholder 3">
-            <a:extLst>
-              <a:ext uri="{FF2B5EF4-FFF2-40B4-BE49-F238E27FC236}">
-                <a16:creationId xmlns:a16="http://schemas.microsoft.com/office/drawing/2014/main" id="{9E41C3BC-E4E5-4D29-AD12-A6D8868395CD}"/>
-              </a:ext>
-            </a:extLst>
-          </p:cNvPr>
-          <p:cNvSpPr>
-            <a:spLocks noGrp="1"/>
-          </p:cNvSpPr>
-          <p:nvPr>
-            <p:ph type="ftr" sz="quarter" idx="12"/>
-          </p:nvPr>
-        </p:nvSpPr>
-        <p:spPr/>
-        <p:txBody>
-          <a:bodyPr/>
-          <a:lstStyle/>
-          <a:p>
-            <a:endParaRPr lang="nl-BE"/>
-          </a:p>
-        </p:txBody>
-      </p:sp>
-      <p:sp>
-        <p:nvSpPr>
-          <p:cNvPr id="5" name="Slide Number Placeholder 4">
-            <a:extLst>
-              <a:ext uri="{FF2B5EF4-FFF2-40B4-BE49-F238E27FC236}">
-                <a16:creationId xmlns:a16="http://schemas.microsoft.com/office/drawing/2014/main" id="{4E55B2F2-EDCE-4E6D-A170-16EBD9623D13}"/>
+              <a:rPr lang="en-GB" dirty="0" err="1"/>
+              <a:t>gebruik</a:t>
+            </a:r>
+            <a:endParaRPr lang="en-BE" dirty="0"/>
+          </a:p>
+        </p:txBody>
+      </p:sp>
+      <p:sp>
+        <p:nvSpPr>
+          <p:cNvPr id="4" name="Slide Number Placeholder 3">
+            <a:extLst>
+              <a:ext uri="{FF2B5EF4-FFF2-40B4-BE49-F238E27FC236}">
+                <a16:creationId xmlns:a16="http://schemas.microsoft.com/office/drawing/2014/main" id="{B00A90C1-C151-5C25-1F77-BA4FB415C929}"/>
               </a:ext>
             </a:extLst>
           </p:cNvPr>
@@ -7469,10 +7559,35 @@
           </a:p>
         </p:txBody>
       </p:sp>
+      <p:sp>
+        <p:nvSpPr>
+          <p:cNvPr id="5" name="Footer Placeholder 4">
+            <a:extLst>
+              <a:ext uri="{FF2B5EF4-FFF2-40B4-BE49-F238E27FC236}">
+                <a16:creationId xmlns:a16="http://schemas.microsoft.com/office/drawing/2014/main" id="{09B1C8A4-E639-F1E2-9181-33C4D4760E22}"/>
+              </a:ext>
+            </a:extLst>
+          </p:cNvPr>
+          <p:cNvSpPr>
+            <a:spLocks noGrp="1"/>
+          </p:cNvSpPr>
+          <p:nvPr>
+            <p:ph type="ftr" sz="quarter" idx="12"/>
+          </p:nvPr>
+        </p:nvSpPr>
+        <p:spPr/>
+        <p:txBody>
+          <a:bodyPr/>
+          <a:lstStyle/>
+          <a:p>
+            <a:endParaRPr lang="nl-BE"/>
+          </a:p>
+        </p:txBody>
+      </p:sp>
     </p:spTree>
     <p:extLst>
       <p:ext uri="{BB962C8B-B14F-4D97-AF65-F5344CB8AC3E}">
-        <p14:creationId xmlns:p14="http://schemas.microsoft.com/office/powerpoint/2010/main" val="1578344666"/>
+        <p14:creationId xmlns:p14="http://schemas.microsoft.com/office/powerpoint/2010/main" val="2072165954"/>
       </p:ext>
     </p:extLst>
   </p:cSld>
@@ -7501,35 +7616,10 @@
       </p:grpSpPr>
       <p:sp>
         <p:nvSpPr>
-          <p:cNvPr id="2" name="Content Placeholder 1">
-            <a:extLst>
-              <a:ext uri="{FF2B5EF4-FFF2-40B4-BE49-F238E27FC236}">
-                <a16:creationId xmlns:a16="http://schemas.microsoft.com/office/drawing/2014/main" id="{49C96621-DDA2-43EB-9F25-F650BD381CFB}"/>
-              </a:ext>
-            </a:extLst>
-          </p:cNvPr>
-          <p:cNvSpPr>
-            <a:spLocks noGrp="1"/>
-          </p:cNvSpPr>
-          <p:nvPr>
-            <p:ph idx="1"/>
-          </p:nvPr>
-        </p:nvSpPr>
-        <p:spPr/>
-        <p:txBody>
-          <a:bodyPr/>
-          <a:lstStyle/>
-          <a:p>
-            <a:endParaRPr lang="en-US" dirty="0"/>
-          </a:p>
-        </p:txBody>
-      </p:sp>
-      <p:sp>
-        <p:nvSpPr>
           <p:cNvPr id="3" name="Title 2">
             <a:extLst>
               <a:ext uri="{FF2B5EF4-FFF2-40B4-BE49-F238E27FC236}">
-                <a16:creationId xmlns:a16="http://schemas.microsoft.com/office/drawing/2014/main" id="{B6282170-58B5-437A-B277-73F7EDEEAC48}"/>
+                <a16:creationId xmlns:a16="http://schemas.microsoft.com/office/drawing/2014/main" id="{B06F2D98-BBC8-40FD-D3A2-2E3256072E9F}"/>
               </a:ext>
             </a:extLst>
           </p:cNvPr>
@@ -7546,18 +7636,10 @@
           <a:lstStyle/>
           <a:p>
             <a:r>
-              <a:rPr lang="en-US" dirty="0" err="1"/>
-              <a:t>Websocket</a:t>
-            </a:r>
-            <a:r>
-              <a:rPr lang="en-US" dirty="0"/>
-              <a:t> vs </a:t>
-            </a:r>
-            <a:r>
-              <a:rPr lang="en-US" dirty="0" err="1"/>
-              <a:t>signalr</a:t>
-            </a:r>
-            <a:endParaRPr lang="en-US" dirty="0"/>
+              <a:rPr lang="en-GB" dirty="0" err="1"/>
+              <a:t>gebruik</a:t>
+            </a:r>
+            <a:endParaRPr lang="en-BE" dirty="0"/>
           </a:p>
         </p:txBody>
       </p:sp>
@@ -7566,7 +7648,7 @@
           <p:cNvPr id="4" name="Slide Number Placeholder 3">
             <a:extLst>
               <a:ext uri="{FF2B5EF4-FFF2-40B4-BE49-F238E27FC236}">
-                <a16:creationId xmlns:a16="http://schemas.microsoft.com/office/drawing/2014/main" id="{49FE6B9F-285D-4793-8608-D799E7E68B2C}"/>
+                <a16:creationId xmlns:a16="http://schemas.microsoft.com/office/drawing/2014/main" id="{FBE67AE4-6DD1-03F7-9EC8-E13C8FE2CAD1}"/>
               </a:ext>
             </a:extLst>
           </p:cNvPr>
@@ -7596,7 +7678,7 @@
           <p:cNvPr id="5" name="Footer Placeholder 4">
             <a:extLst>
               <a:ext uri="{FF2B5EF4-FFF2-40B4-BE49-F238E27FC236}">
-                <a16:creationId xmlns:a16="http://schemas.microsoft.com/office/drawing/2014/main" id="{03929003-0463-45B4-ACDA-5F5D41FBEC6A}"/>
+                <a16:creationId xmlns:a16="http://schemas.microsoft.com/office/drawing/2014/main" id="{36DE3EFE-73E7-3477-7A76-89C27A8D9A0D}"/>
               </a:ext>
             </a:extLst>
           </p:cNvPr>
@@ -7612,14 +7694,46 @@
           <a:bodyPr/>
           <a:lstStyle/>
           <a:p>
-            <a:endParaRPr lang="nl-BE" dirty="0"/>
-          </a:p>
-        </p:txBody>
-      </p:sp>
+            <a:endParaRPr lang="nl-BE"/>
+          </a:p>
+        </p:txBody>
+      </p:sp>
+      <p:pic>
+        <p:nvPicPr>
+          <p:cNvPr id="7" name="Content Placeholder 6" descr="Diagram&#10;&#10;Description automatically generated">
+            <a:extLst>
+              <a:ext uri="{FF2B5EF4-FFF2-40B4-BE49-F238E27FC236}">
+                <a16:creationId xmlns:a16="http://schemas.microsoft.com/office/drawing/2014/main" id="{8D56BB8B-9B15-5D2C-4D24-EB6511C88463}"/>
+              </a:ext>
+            </a:extLst>
+          </p:cNvPr>
+          <p:cNvPicPr>
+            <a:picLocks noGrp="1" noChangeAspect="1"/>
+          </p:cNvPicPr>
+          <p:nvPr>
+            <p:ph idx="1"/>
+          </p:nvPr>
+        </p:nvPicPr>
+        <p:blipFill>
+          <a:blip r:embed="rId2"/>
+          <a:stretch>
+            <a:fillRect/>
+          </a:stretch>
+        </p:blipFill>
+        <p:spPr>
+          <a:xfrm>
+            <a:off x="1267197" y="1215231"/>
+            <a:ext cx="9443294" cy="4427538"/>
+          </a:xfrm>
+          <a:prstGeom prst="rect">
+            <a:avLst/>
+          </a:prstGeom>
+        </p:spPr>
+      </p:pic>
     </p:spTree>
     <p:extLst>
       <p:ext uri="{BB962C8B-B14F-4D97-AF65-F5344CB8AC3E}">
-        <p14:creationId xmlns:p14="http://schemas.microsoft.com/office/powerpoint/2010/main" val="1894062114"/>
+        <p14:creationId xmlns:p14="http://schemas.microsoft.com/office/powerpoint/2010/main" val="2009475066"/>
       </p:ext>
     </p:extLst>
   </p:cSld>
@@ -7669,9 +7783,28 @@
           <a:p>
             <a:r>
               <a:rPr lang="en-US" dirty="0" err="1"/>
-              <a:t>toekomst</a:t>
-            </a:r>
-            <a:endParaRPr lang="en-US" dirty="0"/>
+              <a:t>Waarom</a:t>
+            </a:r>
+            <a:r>
+              <a:rPr lang="en-US" dirty="0"/>
+              <a:t> </a:t>
+            </a:r>
+            <a:r>
+              <a:rPr lang="en-US" dirty="0" err="1"/>
+              <a:t>signalr</a:t>
+            </a:r>
+            <a:r>
+              <a:rPr lang="en-US" dirty="0"/>
+              <a:t> </a:t>
+            </a:r>
+            <a:r>
+              <a:rPr lang="en-US" dirty="0" err="1"/>
+              <a:t>gebruiken</a:t>
+            </a:r>
+            <a:r>
+              <a:rPr lang="en-US" dirty="0"/>
+              <a:t>?</a:t>
+            </a:r>
           </a:p>
         </p:txBody>
       </p:sp>
@@ -7733,7 +7866,7 @@
     </p:spTree>
     <p:extLst>
       <p:ext uri="{BB962C8B-B14F-4D97-AF65-F5344CB8AC3E}">
-        <p14:creationId xmlns:p14="http://schemas.microsoft.com/office/powerpoint/2010/main" val="1616728586"/>
+        <p14:creationId xmlns:p14="http://schemas.microsoft.com/office/powerpoint/2010/main" val="4096014118"/>
       </p:ext>
     </p:extLst>
   </p:cSld>
@@ -7765,7 +7898,7 @@
           <p:cNvPr id="2" name="Content Placeholder 1">
             <a:extLst>
               <a:ext uri="{FF2B5EF4-FFF2-40B4-BE49-F238E27FC236}">
-                <a16:creationId xmlns:a16="http://schemas.microsoft.com/office/drawing/2014/main" id="{49C96621-DDA2-43EB-9F25-F650BD381CFB}"/>
+                <a16:creationId xmlns:a16="http://schemas.microsoft.com/office/drawing/2014/main" id="{BC8E308D-5D17-A883-5778-23348FF4E5CD}"/>
               </a:ext>
             </a:extLst>
           </p:cNvPr>
@@ -7781,7 +7914,40 @@
           <a:bodyPr/>
           <a:lstStyle/>
           <a:p>
-            <a:endParaRPr lang="en-US" dirty="0"/>
+            <a:r>
+              <a:rPr lang="en-GB" dirty="0" err="1"/>
+              <a:t>Efficiënter</a:t>
+            </a:r>
+            <a:endParaRPr lang="en-GB" dirty="0"/>
+          </a:p>
+          <a:p>
+            <a:r>
+              <a:rPr lang="en-GB" dirty="0" err="1"/>
+              <a:t>Geen</a:t>
+            </a:r>
+            <a:r>
+              <a:rPr lang="en-GB" dirty="0"/>
+              <a:t> </a:t>
+            </a:r>
+            <a:r>
+              <a:rPr lang="en-GB" dirty="0" err="1"/>
+              <a:t>druk</a:t>
+            </a:r>
+            <a:r>
+              <a:rPr lang="en-GB" dirty="0"/>
+              <a:t> op performance</a:t>
+            </a:r>
+          </a:p>
+          <a:p>
+            <a:r>
+              <a:rPr lang="en-GB" dirty="0"/>
+              <a:t>Realtime </a:t>
+            </a:r>
+            <a:r>
+              <a:rPr lang="en-GB" dirty="0" err="1"/>
+              <a:t>functionaliteit</a:t>
+            </a:r>
+            <a:endParaRPr lang="en-BE" dirty="0"/>
           </a:p>
         </p:txBody>
       </p:sp>
@@ -7790,7 +7956,7 @@
           <p:cNvPr id="3" name="Title 2">
             <a:extLst>
               <a:ext uri="{FF2B5EF4-FFF2-40B4-BE49-F238E27FC236}">
-                <a16:creationId xmlns:a16="http://schemas.microsoft.com/office/drawing/2014/main" id="{B6282170-58B5-437A-B277-73F7EDEEAC48}"/>
+                <a16:creationId xmlns:a16="http://schemas.microsoft.com/office/drawing/2014/main" id="{6F629AFA-1286-03E1-813D-3F72D6A04566}"/>
               </a:ext>
             </a:extLst>
           </p:cNvPr>
@@ -7807,10 +7973,30 @@
           <a:lstStyle/>
           <a:p>
             <a:r>
-              <a:rPr lang="en-US" dirty="0" err="1"/>
-              <a:t>toekomst</a:t>
-            </a:r>
-            <a:endParaRPr lang="en-US" dirty="0"/>
+              <a:rPr lang="en-GB" dirty="0" err="1"/>
+              <a:t>Waarom</a:t>
+            </a:r>
+            <a:r>
+              <a:rPr lang="en-GB" dirty="0"/>
+              <a:t> </a:t>
+            </a:r>
+            <a:r>
+              <a:rPr lang="en-GB" dirty="0" err="1"/>
+              <a:t>signalr</a:t>
+            </a:r>
+            <a:r>
+              <a:rPr lang="en-GB" dirty="0"/>
+              <a:t> </a:t>
+            </a:r>
+            <a:r>
+              <a:rPr lang="en-GB" dirty="0" err="1"/>
+              <a:t>gebruiken</a:t>
+            </a:r>
+            <a:r>
+              <a:rPr lang="en-GB" dirty="0"/>
+              <a:t>?</a:t>
+            </a:r>
+            <a:endParaRPr lang="en-BE" dirty="0"/>
           </a:p>
         </p:txBody>
       </p:sp>
@@ -7819,7 +8005,7 @@
           <p:cNvPr id="4" name="Slide Number Placeholder 3">
             <a:extLst>
               <a:ext uri="{FF2B5EF4-FFF2-40B4-BE49-F238E27FC236}">
-                <a16:creationId xmlns:a16="http://schemas.microsoft.com/office/drawing/2014/main" id="{49FE6B9F-285D-4793-8608-D799E7E68B2C}"/>
+                <a16:creationId xmlns:a16="http://schemas.microsoft.com/office/drawing/2014/main" id="{82FD13A6-6C78-C986-47EE-60FD9580486F}"/>
               </a:ext>
             </a:extLst>
           </p:cNvPr>
@@ -7849,7 +8035,7 @@
           <p:cNvPr id="5" name="Footer Placeholder 4">
             <a:extLst>
               <a:ext uri="{FF2B5EF4-FFF2-40B4-BE49-F238E27FC236}">
-                <a16:creationId xmlns:a16="http://schemas.microsoft.com/office/drawing/2014/main" id="{03929003-0463-45B4-ACDA-5F5D41FBEC6A}"/>
+                <a16:creationId xmlns:a16="http://schemas.microsoft.com/office/drawing/2014/main" id="{73241343-99D6-0EDA-AF58-A48168EE0E70}"/>
               </a:ext>
             </a:extLst>
           </p:cNvPr>
@@ -7865,14 +8051,14 @@
           <a:bodyPr/>
           <a:lstStyle/>
           <a:p>
-            <a:endParaRPr lang="nl-BE" dirty="0"/>
+            <a:endParaRPr lang="nl-BE"/>
           </a:p>
         </p:txBody>
       </p:sp>
     </p:spTree>
     <p:extLst>
       <p:ext uri="{BB962C8B-B14F-4D97-AF65-F5344CB8AC3E}">
-        <p14:creationId xmlns:p14="http://schemas.microsoft.com/office/powerpoint/2010/main" val="4129453725"/>
+        <p14:creationId xmlns:p14="http://schemas.microsoft.com/office/powerpoint/2010/main" val="3642591930"/>
       </p:ext>
     </p:extLst>
   </p:cSld>
@@ -7901,18 +8087,18 @@
       </p:grpSpPr>
       <p:sp>
         <p:nvSpPr>
-          <p:cNvPr id="2" name="Subtitle 1">
-            <a:extLst>
-              <a:ext uri="{FF2B5EF4-FFF2-40B4-BE49-F238E27FC236}">
-                <a16:creationId xmlns:a16="http://schemas.microsoft.com/office/drawing/2014/main" id="{3D2AD652-BD94-4869-85EB-51F39D4946F6}"/>
-              </a:ext>
-            </a:extLst>
-          </p:cNvPr>
-          <p:cNvSpPr>
-            <a:spLocks noGrp="1"/>
-          </p:cNvSpPr>
-          <p:nvPr>
-            <p:ph type="subTitle" idx="1"/>
+          <p:cNvPr id="3" name="Title 2">
+            <a:extLst>
+              <a:ext uri="{FF2B5EF4-FFF2-40B4-BE49-F238E27FC236}">
+                <a16:creationId xmlns:a16="http://schemas.microsoft.com/office/drawing/2014/main" id="{2F42C553-B592-4464-A4B7-5EC8988D45F6}"/>
+              </a:ext>
+            </a:extLst>
+          </p:cNvPr>
+          <p:cNvSpPr>
+            <a:spLocks noGrp="1"/>
+          </p:cNvSpPr>
+          <p:nvPr>
+            <p:ph type="title"/>
           </p:nvPr>
         </p:nvSpPr>
         <p:spPr/>
@@ -7922,79 +8108,15 @@
           <a:p>
             <a:r>
               <a:rPr lang="en-US" dirty="0" err="1"/>
-              <a:t>Zijn</a:t>
+              <a:t>Belangrijkste</a:t>
             </a:r>
             <a:r>
               <a:rPr lang="en-US" dirty="0"/>
-              <a:t> er </a:t>
+              <a:t> features </a:t>
             </a:r>
             <a:r>
               <a:rPr lang="en-US" dirty="0" err="1"/>
-              <a:t>nog</a:t>
-            </a:r>
-            <a:r>
-              <a:rPr lang="en-US" dirty="0"/>
-              <a:t> </a:t>
-            </a:r>
-            <a:r>
-              <a:rPr lang="en-US" dirty="0" err="1"/>
-              <a:t>vragen</a:t>
-            </a:r>
-            <a:r>
-              <a:rPr lang="en-US" dirty="0"/>
-              <a:t>?</a:t>
-            </a:r>
-          </a:p>
-        </p:txBody>
-      </p:sp>
-      <p:sp>
-        <p:nvSpPr>
-          <p:cNvPr id="3" name="Title 2">
-            <a:extLst>
-              <a:ext uri="{FF2B5EF4-FFF2-40B4-BE49-F238E27FC236}">
-                <a16:creationId xmlns:a16="http://schemas.microsoft.com/office/drawing/2014/main" id="{2F42C553-B592-4464-A4B7-5EC8988D45F6}"/>
-              </a:ext>
-            </a:extLst>
-          </p:cNvPr>
-          <p:cNvSpPr>
-            <a:spLocks noGrp="1"/>
-          </p:cNvSpPr>
-          <p:nvPr>
-            <p:ph type="title"/>
-          </p:nvPr>
-        </p:nvSpPr>
-        <p:spPr/>
-        <p:txBody>
-          <a:bodyPr/>
-          <a:lstStyle/>
-          <a:p>
-            <a:r>
-              <a:rPr lang="en-US" dirty="0" err="1"/>
-              <a:t>Bedankt</a:t>
-            </a:r>
-            <a:r>
-              <a:rPr lang="en-US" dirty="0"/>
-              <a:t> </a:t>
-            </a:r>
-            <a:r>
-              <a:rPr lang="en-US" dirty="0" err="1"/>
-              <a:t>voor</a:t>
-            </a:r>
-            <a:r>
-              <a:rPr lang="en-US" dirty="0"/>
-              <a:t> </a:t>
-            </a:r>
-            <a:r>
-              <a:rPr lang="en-US" dirty="0" err="1"/>
-              <a:t>jullie</a:t>
-            </a:r>
-            <a:r>
-              <a:rPr lang="en-US" dirty="0"/>
-              <a:t> </a:t>
-            </a:r>
-            <a:r>
-              <a:rPr lang="en-US" dirty="0" err="1"/>
-              <a:t>aandacht</a:t>
+              <a:t>signalr</a:t>
             </a:r>
             <a:endParaRPr lang="en-US" dirty="0"/>
           </a:p>
@@ -8058,7 +8180,214 @@
     </p:spTree>
     <p:extLst>
       <p:ext uri="{BB962C8B-B14F-4D97-AF65-F5344CB8AC3E}">
-        <p14:creationId xmlns:p14="http://schemas.microsoft.com/office/powerpoint/2010/main" val="2722286816"/>
+        <p14:creationId xmlns:p14="http://schemas.microsoft.com/office/powerpoint/2010/main" val="1072698254"/>
+      </p:ext>
+    </p:extLst>
+  </p:cSld>
+  <p:clrMapOvr>
+    <a:masterClrMapping/>
+  </p:clrMapOvr>
+</p:sld>
+</file>
+
+<file path=ppt/slides/slide19.xml><?xml version="1.0" encoding="utf-8"?>
+<p:sld xmlns:a="http://schemas.openxmlformats.org/drawingml/2006/main" xmlns:r="http://schemas.openxmlformats.org/officeDocument/2006/relationships" xmlns:p="http://schemas.openxmlformats.org/presentationml/2006/main">
+  <p:cSld>
+    <p:spTree>
+      <p:nvGrpSpPr>
+        <p:cNvPr id="1" name=""/>
+        <p:cNvGrpSpPr/>
+        <p:nvPr/>
+      </p:nvGrpSpPr>
+      <p:grpSpPr>
+        <a:xfrm>
+          <a:off x="0" y="0"/>
+          <a:ext cx="0" cy="0"/>
+          <a:chOff x="0" y="0"/>
+          <a:chExt cx="0" cy="0"/>
+        </a:xfrm>
+      </p:grpSpPr>
+      <p:sp>
+        <p:nvSpPr>
+          <p:cNvPr id="2" name="Content Placeholder 1">
+            <a:extLst>
+              <a:ext uri="{FF2B5EF4-FFF2-40B4-BE49-F238E27FC236}">
+                <a16:creationId xmlns:a16="http://schemas.microsoft.com/office/drawing/2014/main" id="{B1F8674E-90D1-B39D-B377-BBC3F9FFBC92}"/>
+              </a:ext>
+            </a:extLst>
+          </p:cNvPr>
+          <p:cNvSpPr>
+            <a:spLocks noGrp="1"/>
+          </p:cNvSpPr>
+          <p:nvPr>
+            <p:ph idx="1"/>
+          </p:nvPr>
+        </p:nvSpPr>
+        <p:spPr/>
+        <p:txBody>
+          <a:bodyPr/>
+          <a:lstStyle/>
+          <a:p>
+            <a:r>
+              <a:rPr lang="en-GB" dirty="0"/>
+              <a:t>WebSocket</a:t>
+            </a:r>
+          </a:p>
+          <a:p>
+            <a:r>
+              <a:rPr lang="en-GB" dirty="0" err="1"/>
+              <a:t>Communicatieprotocol</a:t>
+            </a:r>
+            <a:endParaRPr lang="en-GB" dirty="0"/>
+          </a:p>
+          <a:p>
+            <a:r>
+              <a:rPr lang="en-GB" dirty="0"/>
+              <a:t>Realtime van </a:t>
+            </a:r>
+            <a:r>
+              <a:rPr lang="en-GB" dirty="0" err="1"/>
+              <a:t>en</a:t>
+            </a:r>
+            <a:r>
+              <a:rPr lang="en-GB" dirty="0"/>
+              <a:t> </a:t>
+            </a:r>
+            <a:r>
+              <a:rPr lang="en-GB" dirty="0" err="1"/>
+              <a:t>naar</a:t>
+            </a:r>
+            <a:r>
+              <a:rPr lang="en-GB" dirty="0"/>
+              <a:t> server</a:t>
+            </a:r>
+          </a:p>
+          <a:p>
+            <a:r>
+              <a:rPr lang="en-GB" dirty="0"/>
+              <a:t>Consistent</a:t>
+            </a:r>
+          </a:p>
+          <a:p>
+            <a:r>
+              <a:rPr lang="en-GB" dirty="0" err="1"/>
+              <a:t>Bidirectioneel</a:t>
+            </a:r>
+            <a:endParaRPr lang="en-GB" dirty="0"/>
+          </a:p>
+          <a:p>
+            <a:r>
+              <a:rPr lang="en-GB" dirty="0" err="1"/>
+              <a:t>Tegelijk</a:t>
+            </a:r>
+            <a:r>
+              <a:rPr lang="en-GB" dirty="0"/>
+              <a:t> in twee </a:t>
+            </a:r>
+            <a:r>
+              <a:rPr lang="en-GB" dirty="0" err="1"/>
+              <a:t>richtingen</a:t>
+            </a:r>
+            <a:endParaRPr lang="en-BE" dirty="0"/>
+          </a:p>
+        </p:txBody>
+      </p:sp>
+      <p:sp>
+        <p:nvSpPr>
+          <p:cNvPr id="3" name="Title 2">
+            <a:extLst>
+              <a:ext uri="{FF2B5EF4-FFF2-40B4-BE49-F238E27FC236}">
+                <a16:creationId xmlns:a16="http://schemas.microsoft.com/office/drawing/2014/main" id="{6C9F49D7-8F72-4792-4EBA-2292B774A4D7}"/>
+              </a:ext>
+            </a:extLst>
+          </p:cNvPr>
+          <p:cNvSpPr>
+            <a:spLocks noGrp="1"/>
+          </p:cNvSpPr>
+          <p:nvPr>
+            <p:ph type="title"/>
+          </p:nvPr>
+        </p:nvSpPr>
+        <p:spPr/>
+        <p:txBody>
+          <a:bodyPr/>
+          <a:lstStyle/>
+          <a:p>
+            <a:r>
+              <a:rPr lang="en-GB" dirty="0" err="1"/>
+              <a:t>Automatisch</a:t>
+            </a:r>
+            <a:r>
+              <a:rPr lang="en-GB" dirty="0"/>
+              <a:t> </a:t>
+            </a:r>
+            <a:r>
+              <a:rPr lang="en-GB" dirty="0" err="1"/>
+              <a:t>verbindingsbeheer</a:t>
+            </a:r>
+            <a:endParaRPr lang="en-BE" dirty="0"/>
+          </a:p>
+        </p:txBody>
+      </p:sp>
+      <p:sp>
+        <p:nvSpPr>
+          <p:cNvPr id="4" name="Slide Number Placeholder 3">
+            <a:extLst>
+              <a:ext uri="{FF2B5EF4-FFF2-40B4-BE49-F238E27FC236}">
+                <a16:creationId xmlns:a16="http://schemas.microsoft.com/office/drawing/2014/main" id="{DB8B1029-AAC6-7307-444C-FBCF1919F80C}"/>
+              </a:ext>
+            </a:extLst>
+          </p:cNvPr>
+          <p:cNvSpPr>
+            <a:spLocks noGrp="1"/>
+          </p:cNvSpPr>
+          <p:nvPr>
+            <p:ph type="sldNum" sz="quarter" idx="11"/>
+          </p:nvPr>
+        </p:nvSpPr>
+        <p:spPr/>
+        <p:txBody>
+          <a:bodyPr/>
+          <a:lstStyle/>
+          <a:p>
+            <a:fld id="{3B80295F-48CD-49FC-897A-CCEC919B8070}" type="slidenum">
+              <a:rPr lang="nl-BE" smtClean="0"/>
+              <a:pPr/>
+              <a:t>19</a:t>
+            </a:fld>
+            <a:endParaRPr lang="nl-BE"/>
+          </a:p>
+        </p:txBody>
+      </p:sp>
+      <p:sp>
+        <p:nvSpPr>
+          <p:cNvPr id="5" name="Footer Placeholder 4">
+            <a:extLst>
+              <a:ext uri="{FF2B5EF4-FFF2-40B4-BE49-F238E27FC236}">
+                <a16:creationId xmlns:a16="http://schemas.microsoft.com/office/drawing/2014/main" id="{D6DEA89D-B31B-CF5F-366F-0AA65C6039C1}"/>
+              </a:ext>
+            </a:extLst>
+          </p:cNvPr>
+          <p:cNvSpPr>
+            <a:spLocks noGrp="1"/>
+          </p:cNvSpPr>
+          <p:nvPr>
+            <p:ph type="ftr" sz="quarter" idx="12"/>
+          </p:nvPr>
+        </p:nvSpPr>
+        <p:spPr/>
+        <p:txBody>
+          <a:bodyPr/>
+          <a:lstStyle/>
+          <a:p>
+            <a:endParaRPr lang="nl-BE"/>
+          </a:p>
+        </p:txBody>
+      </p:sp>
+    </p:spTree>
+    <p:extLst>
+      <p:ext uri="{BB962C8B-B14F-4D97-AF65-F5344CB8AC3E}">
+        <p14:creationId xmlns:p14="http://schemas.microsoft.com/office/powerpoint/2010/main" val="1276631472"/>
       </p:ext>
     </p:extLst>
   </p:cSld>
@@ -8101,9 +8430,16 @@
             <p:ph idx="1"/>
           </p:nvPr>
         </p:nvSpPr>
-        <p:spPr/>
-        <p:txBody>
-          <a:bodyPr/>
+        <p:spPr>
+          <a:xfrm>
+            <a:off x="0" y="1142984"/>
+            <a:ext cx="12192000" cy="5025710"/>
+          </a:xfrm>
+        </p:spPr>
+        <p:txBody>
+          <a:bodyPr>
+            <a:normAutofit/>
+          </a:bodyPr>
           <a:lstStyle/>
           <a:p>
             <a:r>
@@ -8128,6 +8464,27 @@
           <a:p>
             <a:r>
               <a:rPr lang="en-US" dirty="0" err="1"/>
+              <a:t>Belangrijkste</a:t>
+            </a:r>
+            <a:r>
+              <a:rPr lang="en-US" dirty="0"/>
+              <a:t> features</a:t>
+            </a:r>
+          </a:p>
+          <a:p>
+            <a:r>
+              <a:rPr lang="en-US" dirty="0"/>
+              <a:t>WebSocket vs </a:t>
+            </a:r>
+            <a:r>
+              <a:rPr lang="en-US" dirty="0" err="1"/>
+              <a:t>SignalR</a:t>
+            </a:r>
+            <a:endParaRPr lang="en-US" dirty="0"/>
+          </a:p>
+          <a:p>
+            <a:r>
+              <a:rPr lang="en-US" dirty="0" err="1"/>
               <a:t>Voor</a:t>
             </a:r>
             <a:r>
@@ -8151,21 +8508,7 @@
           <a:p>
             <a:r>
               <a:rPr lang="en-US" dirty="0" err="1"/>
-              <a:t>Belangrijkste</a:t>
-            </a:r>
-            <a:r>
-              <a:rPr lang="en-US" dirty="0"/>
-              <a:t> features</a:t>
-            </a:r>
-          </a:p>
-          <a:p>
-            <a:r>
-              <a:rPr lang="en-US" dirty="0"/>
-              <a:t>WebSocket vs </a:t>
-            </a:r>
-            <a:r>
-              <a:rPr lang="en-US" dirty="0" err="1"/>
-              <a:t>SignalR</a:t>
+              <a:t>Alternatieven</a:t>
             </a:r>
             <a:endParaRPr lang="en-US" dirty="0"/>
           </a:p>
@@ -8266,6 +8609,2337 @@
     <p:extLst>
       <p:ext uri="{BB962C8B-B14F-4D97-AF65-F5344CB8AC3E}">
         <p14:creationId xmlns:p14="http://schemas.microsoft.com/office/powerpoint/2010/main" val="2472837708"/>
+      </p:ext>
+    </p:extLst>
+  </p:cSld>
+  <p:clrMapOvr>
+    <a:masterClrMapping/>
+  </p:clrMapOvr>
+</p:sld>
+</file>
+
+<file path=ppt/slides/slide20.xml><?xml version="1.0" encoding="utf-8"?>
+<p:sld xmlns:a="http://schemas.openxmlformats.org/drawingml/2006/main" xmlns:r="http://schemas.openxmlformats.org/officeDocument/2006/relationships" xmlns:p="http://schemas.openxmlformats.org/presentationml/2006/main">
+  <p:cSld>
+    <p:spTree>
+      <p:nvGrpSpPr>
+        <p:cNvPr id="1" name=""/>
+        <p:cNvGrpSpPr/>
+        <p:nvPr/>
+      </p:nvGrpSpPr>
+      <p:grpSpPr>
+        <a:xfrm>
+          <a:off x="0" y="0"/>
+          <a:ext cx="0" cy="0"/>
+          <a:chOff x="0" y="0"/>
+          <a:chExt cx="0" cy="0"/>
+        </a:xfrm>
+      </p:grpSpPr>
+      <p:sp>
+        <p:nvSpPr>
+          <p:cNvPr id="2" name="Content Placeholder 1">
+            <a:extLst>
+              <a:ext uri="{FF2B5EF4-FFF2-40B4-BE49-F238E27FC236}">
+                <a16:creationId xmlns:a16="http://schemas.microsoft.com/office/drawing/2014/main" id="{B1F8674E-90D1-B39D-B377-BBC3F9FFBC92}"/>
+              </a:ext>
+            </a:extLst>
+          </p:cNvPr>
+          <p:cNvSpPr>
+            <a:spLocks noGrp="1"/>
+          </p:cNvSpPr>
+          <p:nvPr>
+            <p:ph idx="1"/>
+          </p:nvPr>
+        </p:nvSpPr>
+        <p:spPr/>
+        <p:txBody>
+          <a:bodyPr/>
+          <a:lstStyle/>
+          <a:p>
+            <a:r>
+              <a:rPr lang="en-GB" dirty="0"/>
+              <a:t>Hubs – </a:t>
+            </a:r>
+            <a:r>
+              <a:rPr lang="en-GB" dirty="0" err="1"/>
+              <a:t>pijplijnen</a:t>
+            </a:r>
+            <a:endParaRPr lang="en-GB" dirty="0"/>
+          </a:p>
+          <a:p>
+            <a:r>
+              <a:rPr lang="en-GB" dirty="0"/>
+              <a:t>JSON of </a:t>
+            </a:r>
+            <a:r>
+              <a:rPr lang="en-GB" dirty="0" err="1"/>
+              <a:t>MessagePack</a:t>
+            </a:r>
+            <a:endParaRPr lang="en-GB" dirty="0"/>
+          </a:p>
+          <a:p>
+            <a:r>
+              <a:rPr lang="en-GB" dirty="0" err="1"/>
+              <a:t>Serverzijde</a:t>
+            </a:r>
+            <a:r>
+              <a:rPr lang="en-GB" dirty="0"/>
+              <a:t> </a:t>
+            </a:r>
+            <a:r>
+              <a:rPr lang="en-GB" dirty="0">
+                <a:sym typeface="Wingdings" panose="05000000000000000000" pitchFamily="2" charset="2"/>
+              </a:rPr>
+              <a:t> </a:t>
+            </a:r>
+            <a:r>
+              <a:rPr lang="en-GB" dirty="0" err="1">
+                <a:sym typeface="Wingdings" panose="05000000000000000000" pitchFamily="2" charset="2"/>
+              </a:rPr>
+              <a:t>methodes</a:t>
+            </a:r>
+            <a:r>
+              <a:rPr lang="en-GB" dirty="0">
+                <a:sym typeface="Wingdings" panose="05000000000000000000" pitchFamily="2" charset="2"/>
+              </a:rPr>
+              <a:t>, events, interfaces,…</a:t>
+            </a:r>
+          </a:p>
+          <a:p>
+            <a:r>
+              <a:rPr lang="en-GB" dirty="0" err="1">
+                <a:sym typeface="Wingdings" panose="05000000000000000000" pitchFamily="2" charset="2"/>
+              </a:rPr>
+              <a:t>SendMessage</a:t>
+            </a:r>
+            <a:endParaRPr lang="en-GB" dirty="0">
+              <a:sym typeface="Wingdings" panose="05000000000000000000" pitchFamily="2" charset="2"/>
+            </a:endParaRPr>
+          </a:p>
+          <a:p>
+            <a:r>
+              <a:rPr lang="en-GB" dirty="0" err="1">
+                <a:sym typeface="Wingdings" panose="05000000000000000000" pitchFamily="2" charset="2"/>
+              </a:rPr>
+              <a:t>SendMessageToCaller</a:t>
+            </a:r>
+            <a:endParaRPr lang="en-GB" dirty="0">
+              <a:sym typeface="Wingdings" panose="05000000000000000000" pitchFamily="2" charset="2"/>
+            </a:endParaRPr>
+          </a:p>
+          <a:p>
+            <a:r>
+              <a:rPr lang="en-GB" dirty="0" err="1">
+                <a:sym typeface="Wingdings" panose="05000000000000000000" pitchFamily="2" charset="2"/>
+              </a:rPr>
+              <a:t>SendMessageToGroup</a:t>
+            </a:r>
+            <a:endParaRPr lang="en-GB" dirty="0"/>
+          </a:p>
+          <a:p>
+            <a:endParaRPr lang="en-BE" dirty="0"/>
+          </a:p>
+        </p:txBody>
+      </p:sp>
+      <p:sp>
+        <p:nvSpPr>
+          <p:cNvPr id="3" name="Title 2">
+            <a:extLst>
+              <a:ext uri="{FF2B5EF4-FFF2-40B4-BE49-F238E27FC236}">
+                <a16:creationId xmlns:a16="http://schemas.microsoft.com/office/drawing/2014/main" id="{6C9F49D7-8F72-4792-4EBA-2292B774A4D7}"/>
+              </a:ext>
+            </a:extLst>
+          </p:cNvPr>
+          <p:cNvSpPr>
+            <a:spLocks noGrp="1"/>
+          </p:cNvSpPr>
+          <p:nvPr>
+            <p:ph type="title"/>
+          </p:nvPr>
+        </p:nvSpPr>
+        <p:spPr/>
+        <p:txBody>
+          <a:bodyPr/>
+          <a:lstStyle/>
+          <a:p>
+            <a:r>
+              <a:rPr lang="en-GB" dirty="0" err="1"/>
+              <a:t>Berichten</a:t>
+            </a:r>
+            <a:r>
+              <a:rPr lang="en-GB" dirty="0"/>
+              <a:t> </a:t>
+            </a:r>
+            <a:r>
+              <a:rPr lang="en-GB" dirty="0" err="1"/>
+              <a:t>naar</a:t>
+            </a:r>
+            <a:r>
+              <a:rPr lang="en-GB" dirty="0"/>
+              <a:t> </a:t>
+            </a:r>
+            <a:r>
+              <a:rPr lang="en-GB" dirty="0" err="1"/>
+              <a:t>specifieke</a:t>
+            </a:r>
+            <a:r>
+              <a:rPr lang="en-GB" dirty="0"/>
+              <a:t> </a:t>
+            </a:r>
+            <a:r>
+              <a:rPr lang="en-GB" dirty="0" err="1"/>
+              <a:t>gebruikers</a:t>
+            </a:r>
+            <a:endParaRPr lang="en-BE" dirty="0"/>
+          </a:p>
+        </p:txBody>
+      </p:sp>
+      <p:sp>
+        <p:nvSpPr>
+          <p:cNvPr id="4" name="Slide Number Placeholder 3">
+            <a:extLst>
+              <a:ext uri="{FF2B5EF4-FFF2-40B4-BE49-F238E27FC236}">
+                <a16:creationId xmlns:a16="http://schemas.microsoft.com/office/drawing/2014/main" id="{DB8B1029-AAC6-7307-444C-FBCF1919F80C}"/>
+              </a:ext>
+            </a:extLst>
+          </p:cNvPr>
+          <p:cNvSpPr>
+            <a:spLocks noGrp="1"/>
+          </p:cNvSpPr>
+          <p:nvPr>
+            <p:ph type="sldNum" sz="quarter" idx="11"/>
+          </p:nvPr>
+        </p:nvSpPr>
+        <p:spPr/>
+        <p:txBody>
+          <a:bodyPr/>
+          <a:lstStyle/>
+          <a:p>
+            <a:fld id="{3B80295F-48CD-49FC-897A-CCEC919B8070}" type="slidenum">
+              <a:rPr lang="nl-BE" smtClean="0"/>
+              <a:pPr/>
+              <a:t>20</a:t>
+            </a:fld>
+            <a:endParaRPr lang="nl-BE"/>
+          </a:p>
+        </p:txBody>
+      </p:sp>
+      <p:sp>
+        <p:nvSpPr>
+          <p:cNvPr id="5" name="Footer Placeholder 4">
+            <a:extLst>
+              <a:ext uri="{FF2B5EF4-FFF2-40B4-BE49-F238E27FC236}">
+                <a16:creationId xmlns:a16="http://schemas.microsoft.com/office/drawing/2014/main" id="{D6DEA89D-B31B-CF5F-366F-0AA65C6039C1}"/>
+              </a:ext>
+            </a:extLst>
+          </p:cNvPr>
+          <p:cNvSpPr>
+            <a:spLocks noGrp="1"/>
+          </p:cNvSpPr>
+          <p:nvPr>
+            <p:ph type="ftr" sz="quarter" idx="12"/>
+          </p:nvPr>
+        </p:nvSpPr>
+        <p:spPr/>
+        <p:txBody>
+          <a:bodyPr/>
+          <a:lstStyle/>
+          <a:p>
+            <a:endParaRPr lang="nl-BE"/>
+          </a:p>
+        </p:txBody>
+      </p:sp>
+    </p:spTree>
+    <p:extLst>
+      <p:ext uri="{BB962C8B-B14F-4D97-AF65-F5344CB8AC3E}">
+        <p14:creationId xmlns:p14="http://schemas.microsoft.com/office/powerpoint/2010/main" val="3805598785"/>
+      </p:ext>
+    </p:extLst>
+  </p:cSld>
+  <p:clrMapOvr>
+    <a:masterClrMapping/>
+  </p:clrMapOvr>
+</p:sld>
+</file>
+
+<file path=ppt/slides/slide21.xml><?xml version="1.0" encoding="utf-8"?>
+<p:sld xmlns:a="http://schemas.openxmlformats.org/drawingml/2006/main" xmlns:r="http://schemas.openxmlformats.org/officeDocument/2006/relationships" xmlns:p="http://schemas.openxmlformats.org/presentationml/2006/main">
+  <p:cSld>
+    <p:spTree>
+      <p:nvGrpSpPr>
+        <p:cNvPr id="1" name=""/>
+        <p:cNvGrpSpPr/>
+        <p:nvPr/>
+      </p:nvGrpSpPr>
+      <p:grpSpPr>
+        <a:xfrm>
+          <a:off x="0" y="0"/>
+          <a:ext cx="0" cy="0"/>
+          <a:chOff x="0" y="0"/>
+          <a:chExt cx="0" cy="0"/>
+        </a:xfrm>
+      </p:grpSpPr>
+      <p:sp>
+        <p:nvSpPr>
+          <p:cNvPr id="2" name="Content Placeholder 1">
+            <a:extLst>
+              <a:ext uri="{FF2B5EF4-FFF2-40B4-BE49-F238E27FC236}">
+                <a16:creationId xmlns:a16="http://schemas.microsoft.com/office/drawing/2014/main" id="{B1F8674E-90D1-B39D-B377-BBC3F9FFBC92}"/>
+              </a:ext>
+            </a:extLst>
+          </p:cNvPr>
+          <p:cNvSpPr>
+            <a:spLocks noGrp="1"/>
+          </p:cNvSpPr>
+          <p:nvPr>
+            <p:ph idx="1"/>
+          </p:nvPr>
+        </p:nvSpPr>
+        <p:spPr/>
+        <p:txBody>
+          <a:bodyPr/>
+          <a:lstStyle/>
+          <a:p>
+            <a:r>
+              <a:rPr lang="en-GB" dirty="0"/>
+              <a:t>Alle </a:t>
+            </a:r>
+            <a:r>
+              <a:rPr lang="en-GB" dirty="0" err="1"/>
+              <a:t>verbindingen</a:t>
+            </a:r>
+            <a:r>
+              <a:rPr lang="en-GB" dirty="0"/>
+              <a:t> </a:t>
+            </a:r>
+            <a:r>
+              <a:rPr lang="en-GB" dirty="0" err="1"/>
+              <a:t>bijhouden</a:t>
+            </a:r>
+            <a:endParaRPr lang="en-GB" dirty="0"/>
+          </a:p>
+          <a:p>
+            <a:r>
+              <a:rPr lang="en-GB" dirty="0" err="1"/>
+              <a:t>Meerdere</a:t>
+            </a:r>
+            <a:r>
+              <a:rPr lang="en-GB" dirty="0"/>
+              <a:t> servers = problem</a:t>
+            </a:r>
+          </a:p>
+          <a:p>
+            <a:r>
+              <a:rPr lang="en-GB" dirty="0" err="1"/>
+              <a:t>Zelf</a:t>
+            </a:r>
+            <a:r>
+              <a:rPr lang="en-GB" dirty="0"/>
+              <a:t> </a:t>
+            </a:r>
+            <a:r>
+              <a:rPr lang="en-GB" dirty="0" err="1"/>
+              <a:t>implementeren</a:t>
+            </a:r>
+            <a:r>
+              <a:rPr lang="en-GB" dirty="0"/>
+              <a:t>?</a:t>
+            </a:r>
+          </a:p>
+          <a:p>
+            <a:r>
+              <a:rPr lang="en-GB" dirty="0"/>
+              <a:t>Azure </a:t>
+            </a:r>
+            <a:r>
+              <a:rPr lang="en-GB" dirty="0" err="1"/>
+              <a:t>SignalR</a:t>
+            </a:r>
+            <a:r>
+              <a:rPr lang="en-GB" dirty="0"/>
+              <a:t> Service</a:t>
+            </a:r>
+          </a:p>
+          <a:p>
+            <a:r>
+              <a:rPr lang="en-GB" dirty="0"/>
+              <a:t>Redis backplane</a:t>
+            </a:r>
+            <a:endParaRPr lang="en-BE" dirty="0"/>
+          </a:p>
+        </p:txBody>
+      </p:sp>
+      <p:sp>
+        <p:nvSpPr>
+          <p:cNvPr id="3" name="Title 2">
+            <a:extLst>
+              <a:ext uri="{FF2B5EF4-FFF2-40B4-BE49-F238E27FC236}">
+                <a16:creationId xmlns:a16="http://schemas.microsoft.com/office/drawing/2014/main" id="{6C9F49D7-8F72-4792-4EBA-2292B774A4D7}"/>
+              </a:ext>
+            </a:extLst>
+          </p:cNvPr>
+          <p:cNvSpPr>
+            <a:spLocks noGrp="1"/>
+          </p:cNvSpPr>
+          <p:nvPr>
+            <p:ph type="title"/>
+          </p:nvPr>
+        </p:nvSpPr>
+        <p:spPr/>
+        <p:txBody>
+          <a:bodyPr/>
+          <a:lstStyle/>
+          <a:p>
+            <a:r>
+              <a:rPr lang="en-GB" dirty="0" err="1"/>
+              <a:t>Schalen</a:t>
+            </a:r>
+            <a:r>
+              <a:rPr lang="en-GB" dirty="0"/>
+              <a:t> </a:t>
+            </a:r>
+            <a:r>
+              <a:rPr lang="en-GB" dirty="0" err="1"/>
+              <a:t>naar</a:t>
+            </a:r>
+            <a:r>
+              <a:rPr lang="en-GB" dirty="0"/>
+              <a:t> </a:t>
+            </a:r>
+            <a:r>
+              <a:rPr lang="en-GB" dirty="0" err="1"/>
+              <a:t>trafiek</a:t>
+            </a:r>
+            <a:endParaRPr lang="en-BE" dirty="0"/>
+          </a:p>
+        </p:txBody>
+      </p:sp>
+      <p:sp>
+        <p:nvSpPr>
+          <p:cNvPr id="4" name="Slide Number Placeholder 3">
+            <a:extLst>
+              <a:ext uri="{FF2B5EF4-FFF2-40B4-BE49-F238E27FC236}">
+                <a16:creationId xmlns:a16="http://schemas.microsoft.com/office/drawing/2014/main" id="{DB8B1029-AAC6-7307-444C-FBCF1919F80C}"/>
+              </a:ext>
+            </a:extLst>
+          </p:cNvPr>
+          <p:cNvSpPr>
+            <a:spLocks noGrp="1"/>
+          </p:cNvSpPr>
+          <p:nvPr>
+            <p:ph type="sldNum" sz="quarter" idx="11"/>
+          </p:nvPr>
+        </p:nvSpPr>
+        <p:spPr/>
+        <p:txBody>
+          <a:bodyPr/>
+          <a:lstStyle/>
+          <a:p>
+            <a:fld id="{3B80295F-48CD-49FC-897A-CCEC919B8070}" type="slidenum">
+              <a:rPr lang="nl-BE" smtClean="0"/>
+              <a:pPr/>
+              <a:t>21</a:t>
+            </a:fld>
+            <a:endParaRPr lang="nl-BE"/>
+          </a:p>
+        </p:txBody>
+      </p:sp>
+      <p:sp>
+        <p:nvSpPr>
+          <p:cNvPr id="5" name="Footer Placeholder 4">
+            <a:extLst>
+              <a:ext uri="{FF2B5EF4-FFF2-40B4-BE49-F238E27FC236}">
+                <a16:creationId xmlns:a16="http://schemas.microsoft.com/office/drawing/2014/main" id="{D6DEA89D-B31B-CF5F-366F-0AA65C6039C1}"/>
+              </a:ext>
+            </a:extLst>
+          </p:cNvPr>
+          <p:cNvSpPr>
+            <a:spLocks noGrp="1"/>
+          </p:cNvSpPr>
+          <p:nvPr>
+            <p:ph type="ftr" sz="quarter" idx="12"/>
+          </p:nvPr>
+        </p:nvSpPr>
+        <p:spPr/>
+        <p:txBody>
+          <a:bodyPr/>
+          <a:lstStyle/>
+          <a:p>
+            <a:endParaRPr lang="nl-BE"/>
+          </a:p>
+        </p:txBody>
+      </p:sp>
+      <p:pic>
+        <p:nvPicPr>
+          <p:cNvPr id="6" name="Content Placeholder 6" descr="Diagram&#10;&#10;Description automatically generated">
+            <a:extLst>
+              <a:ext uri="{FF2B5EF4-FFF2-40B4-BE49-F238E27FC236}">
+                <a16:creationId xmlns:a16="http://schemas.microsoft.com/office/drawing/2014/main" id="{E992EFBF-76C6-38A2-8A7B-5B826C14360D}"/>
+              </a:ext>
+            </a:extLst>
+          </p:cNvPr>
+          <p:cNvPicPr>
+            <a:picLocks noChangeAspect="1"/>
+          </p:cNvPicPr>
+          <p:nvPr/>
+        </p:nvPicPr>
+        <p:blipFill>
+          <a:blip r:embed="rId2">
+            <a:extLst>
+              <a:ext uri="{28A0092B-C50C-407E-A947-70E740481C1C}">
+                <a14:useLocalDpi xmlns:a14="http://schemas.microsoft.com/office/drawing/2010/main" val="0"/>
+              </a:ext>
+            </a:extLst>
+          </a:blip>
+          <a:stretch>
+            <a:fillRect/>
+          </a:stretch>
+        </p:blipFill>
+        <p:spPr>
+          <a:xfrm>
+            <a:off x="6920414" y="2259640"/>
+            <a:ext cx="4848841" cy="3424494"/>
+          </a:xfrm>
+          <a:prstGeom prst="rect">
+            <a:avLst/>
+          </a:prstGeom>
+        </p:spPr>
+      </p:pic>
+    </p:spTree>
+    <p:extLst>
+      <p:ext uri="{BB962C8B-B14F-4D97-AF65-F5344CB8AC3E}">
+        <p14:creationId xmlns:p14="http://schemas.microsoft.com/office/powerpoint/2010/main" val="3810679624"/>
+      </p:ext>
+    </p:extLst>
+  </p:cSld>
+  <p:clrMapOvr>
+    <a:masterClrMapping/>
+  </p:clrMapOvr>
+</p:sld>
+</file>
+
+<file path=ppt/slides/slide22.xml><?xml version="1.0" encoding="utf-8"?>
+<p:sld xmlns:a="http://schemas.openxmlformats.org/drawingml/2006/main" xmlns:r="http://schemas.openxmlformats.org/officeDocument/2006/relationships" xmlns:p="http://schemas.openxmlformats.org/presentationml/2006/main">
+  <p:cSld>
+    <p:spTree>
+      <p:nvGrpSpPr>
+        <p:cNvPr id="1" name=""/>
+        <p:cNvGrpSpPr/>
+        <p:nvPr/>
+      </p:nvGrpSpPr>
+      <p:grpSpPr>
+        <a:xfrm>
+          <a:off x="0" y="0"/>
+          <a:ext cx="0" cy="0"/>
+          <a:chOff x="0" y="0"/>
+          <a:chExt cx="0" cy="0"/>
+        </a:xfrm>
+      </p:grpSpPr>
+      <p:sp>
+        <p:nvSpPr>
+          <p:cNvPr id="3" name="Title 2">
+            <a:extLst>
+              <a:ext uri="{FF2B5EF4-FFF2-40B4-BE49-F238E27FC236}">
+                <a16:creationId xmlns:a16="http://schemas.microsoft.com/office/drawing/2014/main" id="{6C9F49D7-8F72-4792-4EBA-2292B774A4D7}"/>
+              </a:ext>
+            </a:extLst>
+          </p:cNvPr>
+          <p:cNvSpPr>
+            <a:spLocks noGrp="1"/>
+          </p:cNvSpPr>
+          <p:nvPr>
+            <p:ph type="title"/>
+          </p:nvPr>
+        </p:nvSpPr>
+        <p:spPr/>
+        <p:txBody>
+          <a:bodyPr/>
+          <a:lstStyle/>
+          <a:p>
+            <a:r>
+              <a:rPr lang="en-GB" dirty="0"/>
+              <a:t>Azure </a:t>
+            </a:r>
+            <a:r>
+              <a:rPr lang="en-GB" dirty="0" err="1"/>
+              <a:t>SignalR</a:t>
+            </a:r>
+            <a:r>
+              <a:rPr lang="en-GB" dirty="0"/>
+              <a:t> Service</a:t>
+            </a:r>
+          </a:p>
+        </p:txBody>
+      </p:sp>
+      <p:sp>
+        <p:nvSpPr>
+          <p:cNvPr id="4" name="Slide Number Placeholder 3">
+            <a:extLst>
+              <a:ext uri="{FF2B5EF4-FFF2-40B4-BE49-F238E27FC236}">
+                <a16:creationId xmlns:a16="http://schemas.microsoft.com/office/drawing/2014/main" id="{DB8B1029-AAC6-7307-444C-FBCF1919F80C}"/>
+              </a:ext>
+            </a:extLst>
+          </p:cNvPr>
+          <p:cNvSpPr>
+            <a:spLocks noGrp="1"/>
+          </p:cNvSpPr>
+          <p:nvPr>
+            <p:ph type="sldNum" sz="quarter" idx="11"/>
+          </p:nvPr>
+        </p:nvSpPr>
+        <p:spPr/>
+        <p:txBody>
+          <a:bodyPr/>
+          <a:lstStyle/>
+          <a:p>
+            <a:fld id="{3B80295F-48CD-49FC-897A-CCEC919B8070}" type="slidenum">
+              <a:rPr lang="nl-BE" smtClean="0"/>
+              <a:pPr/>
+              <a:t>22</a:t>
+            </a:fld>
+            <a:endParaRPr lang="nl-BE"/>
+          </a:p>
+        </p:txBody>
+      </p:sp>
+      <p:sp>
+        <p:nvSpPr>
+          <p:cNvPr id="5" name="Footer Placeholder 4">
+            <a:extLst>
+              <a:ext uri="{FF2B5EF4-FFF2-40B4-BE49-F238E27FC236}">
+                <a16:creationId xmlns:a16="http://schemas.microsoft.com/office/drawing/2014/main" id="{D6DEA89D-B31B-CF5F-366F-0AA65C6039C1}"/>
+              </a:ext>
+            </a:extLst>
+          </p:cNvPr>
+          <p:cNvSpPr>
+            <a:spLocks noGrp="1"/>
+          </p:cNvSpPr>
+          <p:nvPr>
+            <p:ph type="ftr" sz="quarter" idx="12"/>
+          </p:nvPr>
+        </p:nvSpPr>
+        <p:spPr/>
+        <p:txBody>
+          <a:bodyPr/>
+          <a:lstStyle/>
+          <a:p>
+            <a:endParaRPr lang="nl-BE"/>
+          </a:p>
+        </p:txBody>
+      </p:sp>
+      <p:sp>
+        <p:nvSpPr>
+          <p:cNvPr id="9" name="Content Placeholder 8">
+            <a:extLst>
+              <a:ext uri="{FF2B5EF4-FFF2-40B4-BE49-F238E27FC236}">
+                <a16:creationId xmlns:a16="http://schemas.microsoft.com/office/drawing/2014/main" id="{3CA98170-173F-E68F-015F-4A138304B618}"/>
+              </a:ext>
+            </a:extLst>
+          </p:cNvPr>
+          <p:cNvSpPr>
+            <a:spLocks noGrp="1"/>
+          </p:cNvSpPr>
+          <p:nvPr>
+            <p:ph idx="1"/>
+          </p:nvPr>
+        </p:nvSpPr>
+        <p:spPr/>
+        <p:txBody>
+          <a:bodyPr/>
+          <a:lstStyle/>
+          <a:p>
+            <a:r>
+              <a:rPr lang="en-GB" dirty="0" err="1"/>
+              <a:t>Omleiding</a:t>
+            </a:r>
+            <a:endParaRPr lang="en-GB" dirty="0"/>
+          </a:p>
+          <a:p>
+            <a:r>
+              <a:rPr lang="en-GB" dirty="0" err="1"/>
+              <a:t>Verbinding</a:t>
+            </a:r>
+            <a:r>
+              <a:rPr lang="en-GB" dirty="0"/>
+              <a:t> met service </a:t>
+            </a:r>
+            <a:r>
+              <a:rPr lang="en-GB" dirty="0" err="1"/>
+              <a:t>zelf</a:t>
+            </a:r>
+            <a:endParaRPr lang="en-GB" dirty="0"/>
+          </a:p>
+          <a:p>
+            <a:r>
+              <a:rPr lang="en-GB" dirty="0"/>
+              <a:t>Server heft </a:t>
+            </a:r>
+            <a:r>
+              <a:rPr lang="en-GB" dirty="0" err="1"/>
+              <a:t>beperkt</a:t>
+            </a:r>
+            <a:r>
+              <a:rPr lang="en-GB" dirty="0"/>
+              <a:t> </a:t>
+            </a:r>
+            <a:r>
+              <a:rPr lang="en-GB" dirty="0" err="1"/>
+              <a:t>aantal</a:t>
+            </a:r>
+            <a:r>
+              <a:rPr lang="en-GB" dirty="0"/>
+              <a:t> </a:t>
+            </a:r>
+            <a:r>
+              <a:rPr lang="en-GB" dirty="0" err="1"/>
+              <a:t>connecties</a:t>
+            </a:r>
+            <a:endParaRPr lang="en-GB" dirty="0"/>
+          </a:p>
+        </p:txBody>
+      </p:sp>
+      <p:pic>
+        <p:nvPicPr>
+          <p:cNvPr id="10" name="Content Placeholder 6" descr="A picture containing diagram&#10;&#10;Description automatically generated">
+            <a:extLst>
+              <a:ext uri="{FF2B5EF4-FFF2-40B4-BE49-F238E27FC236}">
+                <a16:creationId xmlns:a16="http://schemas.microsoft.com/office/drawing/2014/main" id="{AC8978C7-DEB2-8E69-B362-7A3825FC9D26}"/>
+              </a:ext>
+            </a:extLst>
+          </p:cNvPr>
+          <p:cNvPicPr>
+            <a:picLocks noChangeAspect="1"/>
+          </p:cNvPicPr>
+          <p:nvPr/>
+        </p:nvPicPr>
+        <p:blipFill>
+          <a:blip r:embed="rId2">
+            <a:extLst>
+              <a:ext uri="{28A0092B-C50C-407E-A947-70E740481C1C}">
+                <a14:useLocalDpi xmlns:a14="http://schemas.microsoft.com/office/drawing/2010/main" val="0"/>
+              </a:ext>
+            </a:extLst>
+          </a:blip>
+          <a:stretch>
+            <a:fillRect/>
+          </a:stretch>
+        </p:blipFill>
+        <p:spPr>
+          <a:xfrm>
+            <a:off x="2457954" y="3053923"/>
+            <a:ext cx="6942434" cy="2535093"/>
+          </a:xfrm>
+          <a:prstGeom prst="rect">
+            <a:avLst/>
+          </a:prstGeom>
+        </p:spPr>
+      </p:pic>
+    </p:spTree>
+    <p:extLst>
+      <p:ext uri="{BB962C8B-B14F-4D97-AF65-F5344CB8AC3E}">
+        <p14:creationId xmlns:p14="http://schemas.microsoft.com/office/powerpoint/2010/main" val="2456045550"/>
+      </p:ext>
+    </p:extLst>
+  </p:cSld>
+  <p:clrMapOvr>
+    <a:masterClrMapping/>
+  </p:clrMapOvr>
+</p:sld>
+</file>
+
+<file path=ppt/slides/slide23.xml><?xml version="1.0" encoding="utf-8"?>
+<p:sld xmlns:a="http://schemas.openxmlformats.org/drawingml/2006/main" xmlns:r="http://schemas.openxmlformats.org/officeDocument/2006/relationships" xmlns:p="http://schemas.openxmlformats.org/presentationml/2006/main">
+  <p:cSld>
+    <p:spTree>
+      <p:nvGrpSpPr>
+        <p:cNvPr id="1" name=""/>
+        <p:cNvGrpSpPr/>
+        <p:nvPr/>
+      </p:nvGrpSpPr>
+      <p:grpSpPr>
+        <a:xfrm>
+          <a:off x="0" y="0"/>
+          <a:ext cx="0" cy="0"/>
+          <a:chOff x="0" y="0"/>
+          <a:chExt cx="0" cy="0"/>
+        </a:xfrm>
+      </p:grpSpPr>
+      <p:sp>
+        <p:nvSpPr>
+          <p:cNvPr id="2" name="Content Placeholder 1">
+            <a:extLst>
+              <a:ext uri="{FF2B5EF4-FFF2-40B4-BE49-F238E27FC236}">
+                <a16:creationId xmlns:a16="http://schemas.microsoft.com/office/drawing/2014/main" id="{B1F8674E-90D1-B39D-B377-BBC3F9FFBC92}"/>
+              </a:ext>
+            </a:extLst>
+          </p:cNvPr>
+          <p:cNvSpPr>
+            <a:spLocks noGrp="1"/>
+          </p:cNvSpPr>
+          <p:nvPr>
+            <p:ph idx="1"/>
+          </p:nvPr>
+        </p:nvSpPr>
+        <p:spPr/>
+        <p:txBody>
+          <a:bodyPr/>
+          <a:lstStyle/>
+          <a:p>
+            <a:r>
+              <a:rPr lang="en-GB" dirty="0" err="1"/>
+              <a:t>Publiceer</a:t>
+            </a:r>
+            <a:r>
+              <a:rPr lang="en-GB" dirty="0"/>
+              <a:t>/</a:t>
+            </a:r>
+            <a:r>
+              <a:rPr lang="en-GB" dirty="0" err="1"/>
+              <a:t>abonneer</a:t>
+            </a:r>
+            <a:r>
+              <a:rPr lang="en-GB" dirty="0"/>
+              <a:t> </a:t>
+            </a:r>
+            <a:r>
+              <a:rPr lang="en-GB" dirty="0" err="1"/>
+              <a:t>manier</a:t>
+            </a:r>
+            <a:endParaRPr lang="en-GB" dirty="0"/>
+          </a:p>
+          <a:p>
+            <a:r>
+              <a:rPr lang="en-GB" dirty="0" err="1"/>
+              <a:t>Bij</a:t>
+            </a:r>
+            <a:r>
+              <a:rPr lang="en-GB" dirty="0"/>
+              <a:t> </a:t>
+            </a:r>
+            <a:r>
+              <a:rPr lang="en-GB" dirty="0" err="1"/>
+              <a:t>verbinding</a:t>
+            </a:r>
+            <a:endParaRPr lang="en-GB" dirty="0"/>
+          </a:p>
+          <a:p>
+            <a:r>
+              <a:rPr lang="en-GB" dirty="0" err="1"/>
+              <a:t>Informatie</a:t>
+            </a:r>
+            <a:r>
+              <a:rPr lang="en-GB" dirty="0"/>
+              <a:t> via backplane</a:t>
+            </a:r>
+          </a:p>
+          <a:p>
+            <a:endParaRPr lang="en-BE" dirty="0"/>
+          </a:p>
+        </p:txBody>
+      </p:sp>
+      <p:sp>
+        <p:nvSpPr>
+          <p:cNvPr id="3" name="Title 2">
+            <a:extLst>
+              <a:ext uri="{FF2B5EF4-FFF2-40B4-BE49-F238E27FC236}">
+                <a16:creationId xmlns:a16="http://schemas.microsoft.com/office/drawing/2014/main" id="{6C9F49D7-8F72-4792-4EBA-2292B774A4D7}"/>
+              </a:ext>
+            </a:extLst>
+          </p:cNvPr>
+          <p:cNvSpPr>
+            <a:spLocks noGrp="1"/>
+          </p:cNvSpPr>
+          <p:nvPr>
+            <p:ph type="title"/>
+          </p:nvPr>
+        </p:nvSpPr>
+        <p:spPr/>
+        <p:txBody>
+          <a:bodyPr/>
+          <a:lstStyle/>
+          <a:p>
+            <a:r>
+              <a:rPr lang="en-GB" dirty="0"/>
+              <a:t>Redis backplane</a:t>
+            </a:r>
+            <a:endParaRPr lang="en-BE" dirty="0"/>
+          </a:p>
+        </p:txBody>
+      </p:sp>
+      <p:sp>
+        <p:nvSpPr>
+          <p:cNvPr id="4" name="Slide Number Placeholder 3">
+            <a:extLst>
+              <a:ext uri="{FF2B5EF4-FFF2-40B4-BE49-F238E27FC236}">
+                <a16:creationId xmlns:a16="http://schemas.microsoft.com/office/drawing/2014/main" id="{DB8B1029-AAC6-7307-444C-FBCF1919F80C}"/>
+              </a:ext>
+            </a:extLst>
+          </p:cNvPr>
+          <p:cNvSpPr>
+            <a:spLocks noGrp="1"/>
+          </p:cNvSpPr>
+          <p:nvPr>
+            <p:ph type="sldNum" sz="quarter" idx="11"/>
+          </p:nvPr>
+        </p:nvSpPr>
+        <p:spPr/>
+        <p:txBody>
+          <a:bodyPr/>
+          <a:lstStyle/>
+          <a:p>
+            <a:fld id="{3B80295F-48CD-49FC-897A-CCEC919B8070}" type="slidenum">
+              <a:rPr lang="nl-BE" smtClean="0"/>
+              <a:pPr/>
+              <a:t>23</a:t>
+            </a:fld>
+            <a:endParaRPr lang="nl-BE"/>
+          </a:p>
+        </p:txBody>
+      </p:sp>
+      <p:sp>
+        <p:nvSpPr>
+          <p:cNvPr id="5" name="Footer Placeholder 4">
+            <a:extLst>
+              <a:ext uri="{FF2B5EF4-FFF2-40B4-BE49-F238E27FC236}">
+                <a16:creationId xmlns:a16="http://schemas.microsoft.com/office/drawing/2014/main" id="{D6DEA89D-B31B-CF5F-366F-0AA65C6039C1}"/>
+              </a:ext>
+            </a:extLst>
+          </p:cNvPr>
+          <p:cNvSpPr>
+            <a:spLocks noGrp="1"/>
+          </p:cNvSpPr>
+          <p:nvPr>
+            <p:ph type="ftr" sz="quarter" idx="12"/>
+          </p:nvPr>
+        </p:nvSpPr>
+        <p:spPr/>
+        <p:txBody>
+          <a:bodyPr/>
+          <a:lstStyle/>
+          <a:p>
+            <a:endParaRPr lang="nl-BE"/>
+          </a:p>
+        </p:txBody>
+      </p:sp>
+      <p:pic>
+        <p:nvPicPr>
+          <p:cNvPr id="7" name="Picture 6" descr="Timeline&#10;&#10;Description automatically generated with medium confidence">
+            <a:extLst>
+              <a:ext uri="{FF2B5EF4-FFF2-40B4-BE49-F238E27FC236}">
+                <a16:creationId xmlns:a16="http://schemas.microsoft.com/office/drawing/2014/main" id="{9A594962-3F4C-A449-DE9E-D6E341AB918E}"/>
+              </a:ext>
+            </a:extLst>
+          </p:cNvPr>
+          <p:cNvPicPr>
+            <a:picLocks noChangeAspect="1"/>
+          </p:cNvPicPr>
+          <p:nvPr/>
+        </p:nvPicPr>
+        <p:blipFill>
+          <a:blip r:embed="rId2">
+            <a:extLst>
+              <a:ext uri="{28A0092B-C50C-407E-A947-70E740481C1C}">
+                <a14:useLocalDpi xmlns:a14="http://schemas.microsoft.com/office/drawing/2010/main" val="0"/>
+              </a:ext>
+            </a:extLst>
+          </a:blip>
+          <a:stretch>
+            <a:fillRect/>
+          </a:stretch>
+        </p:blipFill>
+        <p:spPr>
+          <a:xfrm>
+            <a:off x="5739202" y="2181253"/>
+            <a:ext cx="5953125" cy="3238500"/>
+          </a:xfrm>
+          <a:prstGeom prst="rect">
+            <a:avLst/>
+          </a:prstGeom>
+        </p:spPr>
+      </p:pic>
+    </p:spTree>
+    <p:extLst>
+      <p:ext uri="{BB962C8B-B14F-4D97-AF65-F5344CB8AC3E}">
+        <p14:creationId xmlns:p14="http://schemas.microsoft.com/office/powerpoint/2010/main" val="1210107959"/>
+      </p:ext>
+    </p:extLst>
+  </p:cSld>
+  <p:clrMapOvr>
+    <a:masterClrMapping/>
+  </p:clrMapOvr>
+</p:sld>
+</file>
+
+<file path=ppt/slides/slide24.xml><?xml version="1.0" encoding="utf-8"?>
+<p:sld xmlns:a="http://schemas.openxmlformats.org/drawingml/2006/main" xmlns:r="http://schemas.openxmlformats.org/officeDocument/2006/relationships" xmlns:p="http://schemas.openxmlformats.org/presentationml/2006/main">
+  <p:cSld>
+    <p:spTree>
+      <p:nvGrpSpPr>
+        <p:cNvPr id="1" name=""/>
+        <p:cNvGrpSpPr/>
+        <p:nvPr/>
+      </p:nvGrpSpPr>
+      <p:grpSpPr>
+        <a:xfrm>
+          <a:off x="0" y="0"/>
+          <a:ext cx="0" cy="0"/>
+          <a:chOff x="0" y="0"/>
+          <a:chExt cx="0" cy="0"/>
+        </a:xfrm>
+      </p:grpSpPr>
+      <p:sp>
+        <p:nvSpPr>
+          <p:cNvPr id="2" name="Content Placeholder 1">
+            <a:extLst>
+              <a:ext uri="{FF2B5EF4-FFF2-40B4-BE49-F238E27FC236}">
+                <a16:creationId xmlns:a16="http://schemas.microsoft.com/office/drawing/2014/main" id="{1D5908CE-A076-FC40-80E6-33DDCBF5C39B}"/>
+              </a:ext>
+            </a:extLst>
+          </p:cNvPr>
+          <p:cNvSpPr>
+            <a:spLocks noGrp="1"/>
+          </p:cNvSpPr>
+          <p:nvPr>
+            <p:ph idx="1"/>
+          </p:nvPr>
+        </p:nvSpPr>
+        <p:spPr/>
+        <p:txBody>
+          <a:bodyPr/>
+          <a:lstStyle/>
+          <a:p>
+            <a:r>
+              <a:rPr lang="en-GB" dirty="0" err="1"/>
+              <a:t>Communicatie</a:t>
+            </a:r>
+            <a:r>
+              <a:rPr lang="en-GB" dirty="0"/>
+              <a:t> server </a:t>
+            </a:r>
+            <a:r>
+              <a:rPr lang="en-GB" dirty="0">
+                <a:sym typeface="Wingdings" panose="05000000000000000000" pitchFamily="2" charset="2"/>
+              </a:rPr>
+              <a:t> </a:t>
+            </a:r>
+            <a:r>
+              <a:rPr lang="en-GB" dirty="0" err="1">
+                <a:sym typeface="Wingdings" panose="05000000000000000000" pitchFamily="2" charset="2"/>
+              </a:rPr>
+              <a:t>clienten</a:t>
+            </a:r>
+            <a:endParaRPr lang="en-GB" dirty="0">
+              <a:sym typeface="Wingdings" panose="05000000000000000000" pitchFamily="2" charset="2"/>
+            </a:endParaRPr>
+          </a:p>
+          <a:p>
+            <a:r>
+              <a:rPr lang="en-GB" dirty="0">
+                <a:sym typeface="Wingdings" panose="05000000000000000000" pitchFamily="2" charset="2"/>
+              </a:rPr>
+              <a:t>Routing door </a:t>
+            </a:r>
+            <a:r>
+              <a:rPr lang="en-GB" dirty="0" err="1">
+                <a:sym typeface="Wingdings" panose="05000000000000000000" pitchFamily="2" charset="2"/>
+              </a:rPr>
+              <a:t>SignalR</a:t>
+            </a:r>
+            <a:endParaRPr lang="en-GB" dirty="0">
+              <a:sym typeface="Wingdings" panose="05000000000000000000" pitchFamily="2" charset="2"/>
+            </a:endParaRPr>
+          </a:p>
+          <a:p>
+            <a:r>
+              <a:rPr lang="en-GB" dirty="0" err="1">
+                <a:sym typeface="Wingdings" panose="05000000000000000000" pitchFamily="2" charset="2"/>
+              </a:rPr>
+              <a:t>SendMessage</a:t>
+            </a:r>
+            <a:endParaRPr lang="en-GB" dirty="0">
+              <a:sym typeface="Wingdings" panose="05000000000000000000" pitchFamily="2" charset="2"/>
+            </a:endParaRPr>
+          </a:p>
+          <a:p>
+            <a:r>
+              <a:rPr lang="en-GB" dirty="0" err="1">
+                <a:sym typeface="Wingdings" panose="05000000000000000000" pitchFamily="2" charset="2"/>
+              </a:rPr>
+              <a:t>ReceiveMessage</a:t>
+            </a:r>
+            <a:endParaRPr lang="en-GB" dirty="0">
+              <a:sym typeface="Wingdings" panose="05000000000000000000" pitchFamily="2" charset="2"/>
+            </a:endParaRPr>
+          </a:p>
+          <a:p>
+            <a:endParaRPr lang="en-GB" dirty="0">
+              <a:sym typeface="Wingdings" panose="05000000000000000000" pitchFamily="2" charset="2"/>
+            </a:endParaRPr>
+          </a:p>
+          <a:p>
+            <a:endParaRPr lang="en-BE" dirty="0"/>
+          </a:p>
+        </p:txBody>
+      </p:sp>
+      <p:sp>
+        <p:nvSpPr>
+          <p:cNvPr id="3" name="Title 2">
+            <a:extLst>
+              <a:ext uri="{FF2B5EF4-FFF2-40B4-BE49-F238E27FC236}">
+                <a16:creationId xmlns:a16="http://schemas.microsoft.com/office/drawing/2014/main" id="{71A23C4E-3CA9-7BA7-A1DC-147F480BEFB1}"/>
+              </a:ext>
+            </a:extLst>
+          </p:cNvPr>
+          <p:cNvSpPr>
+            <a:spLocks noGrp="1"/>
+          </p:cNvSpPr>
+          <p:nvPr>
+            <p:ph type="title"/>
+          </p:nvPr>
+        </p:nvSpPr>
+        <p:spPr/>
+        <p:txBody>
+          <a:bodyPr/>
+          <a:lstStyle/>
+          <a:p>
+            <a:r>
+              <a:rPr lang="en-GB" dirty="0" err="1"/>
+              <a:t>Signalr</a:t>
+            </a:r>
+            <a:r>
+              <a:rPr lang="en-GB" dirty="0"/>
+              <a:t> hub protocol</a:t>
+            </a:r>
+            <a:endParaRPr lang="en-BE" dirty="0"/>
+          </a:p>
+        </p:txBody>
+      </p:sp>
+      <p:sp>
+        <p:nvSpPr>
+          <p:cNvPr id="4" name="Slide Number Placeholder 3">
+            <a:extLst>
+              <a:ext uri="{FF2B5EF4-FFF2-40B4-BE49-F238E27FC236}">
+                <a16:creationId xmlns:a16="http://schemas.microsoft.com/office/drawing/2014/main" id="{6B93AB9A-BD04-AEBA-89BC-1588176DD175}"/>
+              </a:ext>
+            </a:extLst>
+          </p:cNvPr>
+          <p:cNvSpPr>
+            <a:spLocks noGrp="1"/>
+          </p:cNvSpPr>
+          <p:nvPr>
+            <p:ph type="sldNum" sz="quarter" idx="11"/>
+          </p:nvPr>
+        </p:nvSpPr>
+        <p:spPr/>
+        <p:txBody>
+          <a:bodyPr/>
+          <a:lstStyle/>
+          <a:p>
+            <a:fld id="{3B80295F-48CD-49FC-897A-CCEC919B8070}" type="slidenum">
+              <a:rPr lang="nl-BE" smtClean="0"/>
+              <a:pPr/>
+              <a:t>24</a:t>
+            </a:fld>
+            <a:endParaRPr lang="nl-BE"/>
+          </a:p>
+        </p:txBody>
+      </p:sp>
+      <p:sp>
+        <p:nvSpPr>
+          <p:cNvPr id="5" name="Footer Placeholder 4">
+            <a:extLst>
+              <a:ext uri="{FF2B5EF4-FFF2-40B4-BE49-F238E27FC236}">
+                <a16:creationId xmlns:a16="http://schemas.microsoft.com/office/drawing/2014/main" id="{DE9CBBFF-791E-1AAB-F54E-2A22E67F4595}"/>
+              </a:ext>
+            </a:extLst>
+          </p:cNvPr>
+          <p:cNvSpPr>
+            <a:spLocks noGrp="1"/>
+          </p:cNvSpPr>
+          <p:nvPr>
+            <p:ph type="ftr" sz="quarter" idx="12"/>
+          </p:nvPr>
+        </p:nvSpPr>
+        <p:spPr/>
+        <p:txBody>
+          <a:bodyPr/>
+          <a:lstStyle/>
+          <a:p>
+            <a:endParaRPr lang="nl-BE"/>
+          </a:p>
+        </p:txBody>
+      </p:sp>
+      <p:pic>
+        <p:nvPicPr>
+          <p:cNvPr id="8" name="Picture 7" descr="Text&#10;&#10;Description automatically generated">
+            <a:extLst>
+              <a:ext uri="{FF2B5EF4-FFF2-40B4-BE49-F238E27FC236}">
+                <a16:creationId xmlns:a16="http://schemas.microsoft.com/office/drawing/2014/main" id="{FB60A1F7-254E-4536-A565-C7E7B736FB22}"/>
+              </a:ext>
+            </a:extLst>
+          </p:cNvPr>
+          <p:cNvPicPr>
+            <a:picLocks noChangeAspect="1"/>
+          </p:cNvPicPr>
+          <p:nvPr/>
+        </p:nvPicPr>
+        <p:blipFill>
+          <a:blip r:embed="rId2"/>
+          <a:stretch>
+            <a:fillRect/>
+          </a:stretch>
+        </p:blipFill>
+        <p:spPr>
+          <a:xfrm>
+            <a:off x="2356361" y="3603901"/>
+            <a:ext cx="7479278" cy="1744290"/>
+          </a:xfrm>
+          <a:prstGeom prst="rect">
+            <a:avLst/>
+          </a:prstGeom>
+        </p:spPr>
+      </p:pic>
+    </p:spTree>
+    <p:extLst>
+      <p:ext uri="{BB962C8B-B14F-4D97-AF65-F5344CB8AC3E}">
+        <p14:creationId xmlns:p14="http://schemas.microsoft.com/office/powerpoint/2010/main" val="2259720614"/>
+      </p:ext>
+    </p:extLst>
+  </p:cSld>
+  <p:clrMapOvr>
+    <a:masterClrMapping/>
+  </p:clrMapOvr>
+</p:sld>
+</file>
+
+<file path=ppt/slides/slide25.xml><?xml version="1.0" encoding="utf-8"?>
+<p:sld xmlns:a="http://schemas.openxmlformats.org/drawingml/2006/main" xmlns:r="http://schemas.openxmlformats.org/officeDocument/2006/relationships" xmlns:p="http://schemas.openxmlformats.org/presentationml/2006/main">
+  <p:cSld>
+    <p:spTree>
+      <p:nvGrpSpPr>
+        <p:cNvPr id="1" name=""/>
+        <p:cNvGrpSpPr/>
+        <p:nvPr/>
+      </p:nvGrpSpPr>
+      <p:grpSpPr>
+        <a:xfrm>
+          <a:off x="0" y="0"/>
+          <a:ext cx="0" cy="0"/>
+          <a:chOff x="0" y="0"/>
+          <a:chExt cx="0" cy="0"/>
+        </a:xfrm>
+      </p:grpSpPr>
+      <p:sp>
+        <p:nvSpPr>
+          <p:cNvPr id="2" name="Content Placeholder 1">
+            <a:extLst>
+              <a:ext uri="{FF2B5EF4-FFF2-40B4-BE49-F238E27FC236}">
+                <a16:creationId xmlns:a16="http://schemas.microsoft.com/office/drawing/2014/main" id="{1D5908CE-A076-FC40-80E6-33DDCBF5C39B}"/>
+              </a:ext>
+            </a:extLst>
+          </p:cNvPr>
+          <p:cNvSpPr>
+            <a:spLocks noGrp="1"/>
+          </p:cNvSpPr>
+          <p:nvPr>
+            <p:ph idx="1"/>
+          </p:nvPr>
+        </p:nvSpPr>
+        <p:spPr/>
+        <p:txBody>
+          <a:bodyPr/>
+          <a:lstStyle/>
+          <a:p>
+            <a:r>
+              <a:rPr lang="en-GB" dirty="0" err="1"/>
+              <a:t>Webpagina</a:t>
+            </a:r>
+            <a:r>
+              <a:rPr lang="en-GB" dirty="0"/>
+              <a:t> </a:t>
+            </a:r>
+            <a:r>
+              <a:rPr lang="en-GB" dirty="0" err="1"/>
+              <a:t>luistert</a:t>
+            </a:r>
+            <a:endParaRPr lang="en-GB" dirty="0"/>
+          </a:p>
+          <a:p>
+            <a:r>
+              <a:rPr lang="en-GB" dirty="0" err="1">
+                <a:sym typeface="Wingdings" panose="05000000000000000000" pitchFamily="2" charset="2"/>
+              </a:rPr>
+              <a:t>Zelfde</a:t>
+            </a:r>
+            <a:r>
+              <a:rPr lang="en-GB" dirty="0">
+                <a:sym typeface="Wingdings" panose="05000000000000000000" pitchFamily="2" charset="2"/>
+              </a:rPr>
+              <a:t> naam </a:t>
+            </a:r>
+            <a:r>
+              <a:rPr lang="en-GB" dirty="0" err="1">
+                <a:sym typeface="Wingdings" panose="05000000000000000000" pitchFamily="2" charset="2"/>
+              </a:rPr>
+              <a:t>als</a:t>
+            </a:r>
+            <a:r>
+              <a:rPr lang="en-GB" dirty="0">
+                <a:sym typeface="Wingdings" panose="05000000000000000000" pitchFamily="2" charset="2"/>
+              </a:rPr>
+              <a:t> in Hub</a:t>
+            </a:r>
+          </a:p>
+          <a:p>
+            <a:r>
+              <a:rPr lang="en-GB" dirty="0" err="1">
+                <a:sym typeface="Wingdings" panose="05000000000000000000" pitchFamily="2" charset="2"/>
+              </a:rPr>
+              <a:t>Gebruiker</a:t>
+            </a:r>
+            <a:r>
+              <a:rPr lang="en-GB" dirty="0">
+                <a:sym typeface="Wingdings" panose="05000000000000000000" pitchFamily="2" charset="2"/>
+              </a:rPr>
+              <a:t> + </a:t>
+            </a:r>
+            <a:r>
+              <a:rPr lang="en-GB" dirty="0" err="1">
+                <a:sym typeface="Wingdings" panose="05000000000000000000" pitchFamily="2" charset="2"/>
+              </a:rPr>
+              <a:t>lijst</a:t>
+            </a:r>
+            <a:endParaRPr lang="en-GB" dirty="0">
+              <a:sym typeface="Wingdings" panose="05000000000000000000" pitchFamily="2" charset="2"/>
+            </a:endParaRPr>
+          </a:p>
+          <a:p>
+            <a:r>
+              <a:rPr lang="en-GB" dirty="0" err="1">
+                <a:sym typeface="Wingdings" panose="05000000000000000000" pitchFamily="2" charset="2"/>
+              </a:rPr>
+              <a:t>Toevoegen</a:t>
+            </a:r>
+            <a:r>
+              <a:rPr lang="en-GB" dirty="0">
+                <a:sym typeface="Wingdings" panose="05000000000000000000" pitchFamily="2" charset="2"/>
+              </a:rPr>
+              <a:t> </a:t>
+            </a:r>
+            <a:r>
+              <a:rPr lang="en-GB" dirty="0" err="1">
+                <a:sym typeface="Wingdings" panose="05000000000000000000" pitchFamily="2" charset="2"/>
+              </a:rPr>
+              <a:t>aan</a:t>
+            </a:r>
+            <a:r>
+              <a:rPr lang="en-GB" dirty="0">
+                <a:sym typeface="Wingdings" panose="05000000000000000000" pitchFamily="2" charset="2"/>
+              </a:rPr>
+              <a:t> </a:t>
+            </a:r>
+            <a:r>
+              <a:rPr lang="en-GB" dirty="0" err="1">
+                <a:sym typeface="Wingdings" panose="05000000000000000000" pitchFamily="2" charset="2"/>
+              </a:rPr>
+              <a:t>lijst</a:t>
+            </a:r>
+            <a:endParaRPr lang="en-GB" dirty="0">
+              <a:sym typeface="Wingdings" panose="05000000000000000000" pitchFamily="2" charset="2"/>
+            </a:endParaRPr>
+          </a:p>
+          <a:p>
+            <a:endParaRPr lang="en-GB" dirty="0">
+              <a:sym typeface="Wingdings" panose="05000000000000000000" pitchFamily="2" charset="2"/>
+            </a:endParaRPr>
+          </a:p>
+          <a:p>
+            <a:endParaRPr lang="en-GB" dirty="0">
+              <a:sym typeface="Wingdings" panose="05000000000000000000" pitchFamily="2" charset="2"/>
+            </a:endParaRPr>
+          </a:p>
+          <a:p>
+            <a:endParaRPr lang="en-BE" dirty="0"/>
+          </a:p>
+        </p:txBody>
+      </p:sp>
+      <p:sp>
+        <p:nvSpPr>
+          <p:cNvPr id="3" name="Title 2">
+            <a:extLst>
+              <a:ext uri="{FF2B5EF4-FFF2-40B4-BE49-F238E27FC236}">
+                <a16:creationId xmlns:a16="http://schemas.microsoft.com/office/drawing/2014/main" id="{71A23C4E-3CA9-7BA7-A1DC-147F480BEFB1}"/>
+              </a:ext>
+            </a:extLst>
+          </p:cNvPr>
+          <p:cNvSpPr>
+            <a:spLocks noGrp="1"/>
+          </p:cNvSpPr>
+          <p:nvPr>
+            <p:ph type="title"/>
+          </p:nvPr>
+        </p:nvSpPr>
+        <p:spPr/>
+        <p:txBody>
+          <a:bodyPr/>
+          <a:lstStyle/>
+          <a:p>
+            <a:r>
+              <a:rPr lang="en-GB" dirty="0" err="1"/>
+              <a:t>Signalr</a:t>
+            </a:r>
+            <a:r>
+              <a:rPr lang="en-GB" dirty="0"/>
+              <a:t> hub protocol</a:t>
+            </a:r>
+            <a:endParaRPr lang="en-BE" dirty="0"/>
+          </a:p>
+        </p:txBody>
+      </p:sp>
+      <p:sp>
+        <p:nvSpPr>
+          <p:cNvPr id="4" name="Slide Number Placeholder 3">
+            <a:extLst>
+              <a:ext uri="{FF2B5EF4-FFF2-40B4-BE49-F238E27FC236}">
+                <a16:creationId xmlns:a16="http://schemas.microsoft.com/office/drawing/2014/main" id="{6B93AB9A-BD04-AEBA-89BC-1588176DD175}"/>
+              </a:ext>
+            </a:extLst>
+          </p:cNvPr>
+          <p:cNvSpPr>
+            <a:spLocks noGrp="1"/>
+          </p:cNvSpPr>
+          <p:nvPr>
+            <p:ph type="sldNum" sz="quarter" idx="11"/>
+          </p:nvPr>
+        </p:nvSpPr>
+        <p:spPr/>
+        <p:txBody>
+          <a:bodyPr/>
+          <a:lstStyle/>
+          <a:p>
+            <a:fld id="{3B80295F-48CD-49FC-897A-CCEC919B8070}" type="slidenum">
+              <a:rPr lang="nl-BE" smtClean="0"/>
+              <a:pPr/>
+              <a:t>25</a:t>
+            </a:fld>
+            <a:endParaRPr lang="nl-BE"/>
+          </a:p>
+        </p:txBody>
+      </p:sp>
+      <p:sp>
+        <p:nvSpPr>
+          <p:cNvPr id="5" name="Footer Placeholder 4">
+            <a:extLst>
+              <a:ext uri="{FF2B5EF4-FFF2-40B4-BE49-F238E27FC236}">
+                <a16:creationId xmlns:a16="http://schemas.microsoft.com/office/drawing/2014/main" id="{DE9CBBFF-791E-1AAB-F54E-2A22E67F4595}"/>
+              </a:ext>
+            </a:extLst>
+          </p:cNvPr>
+          <p:cNvSpPr>
+            <a:spLocks noGrp="1"/>
+          </p:cNvSpPr>
+          <p:nvPr>
+            <p:ph type="ftr" sz="quarter" idx="12"/>
+          </p:nvPr>
+        </p:nvSpPr>
+        <p:spPr/>
+        <p:txBody>
+          <a:bodyPr/>
+          <a:lstStyle/>
+          <a:p>
+            <a:endParaRPr lang="nl-BE"/>
+          </a:p>
+        </p:txBody>
+      </p:sp>
+      <p:pic>
+        <p:nvPicPr>
+          <p:cNvPr id="6" name="Picture 5" descr="Text&#10;&#10;Description automatically generated">
+            <a:extLst>
+              <a:ext uri="{FF2B5EF4-FFF2-40B4-BE49-F238E27FC236}">
+                <a16:creationId xmlns:a16="http://schemas.microsoft.com/office/drawing/2014/main" id="{405F7BE7-14CE-2092-662E-3341D304A7B6}"/>
+              </a:ext>
+            </a:extLst>
+          </p:cNvPr>
+          <p:cNvPicPr>
+            <a:picLocks noChangeAspect="1"/>
+          </p:cNvPicPr>
+          <p:nvPr/>
+        </p:nvPicPr>
+        <p:blipFill>
+          <a:blip r:embed="rId2"/>
+          <a:stretch>
+            <a:fillRect/>
+          </a:stretch>
+        </p:blipFill>
+        <p:spPr>
+          <a:xfrm>
+            <a:off x="2427378" y="3548876"/>
+            <a:ext cx="7337243" cy="1436591"/>
+          </a:xfrm>
+          <a:prstGeom prst="rect">
+            <a:avLst/>
+          </a:prstGeom>
+        </p:spPr>
+      </p:pic>
+    </p:spTree>
+    <p:extLst>
+      <p:ext uri="{BB962C8B-B14F-4D97-AF65-F5344CB8AC3E}">
+        <p14:creationId xmlns:p14="http://schemas.microsoft.com/office/powerpoint/2010/main" val="3057467503"/>
+      </p:ext>
+    </p:extLst>
+  </p:cSld>
+  <p:clrMapOvr>
+    <a:masterClrMapping/>
+  </p:clrMapOvr>
+</p:sld>
+</file>
+
+<file path=ppt/slides/slide26.xml><?xml version="1.0" encoding="utf-8"?>
+<p:sld xmlns:a="http://schemas.openxmlformats.org/drawingml/2006/main" xmlns:r="http://schemas.openxmlformats.org/officeDocument/2006/relationships" xmlns:p="http://schemas.openxmlformats.org/presentationml/2006/main">
+  <p:cSld>
+    <p:spTree>
+      <p:nvGrpSpPr>
+        <p:cNvPr id="1" name=""/>
+        <p:cNvGrpSpPr/>
+        <p:nvPr/>
+      </p:nvGrpSpPr>
+      <p:grpSpPr>
+        <a:xfrm>
+          <a:off x="0" y="0"/>
+          <a:ext cx="0" cy="0"/>
+          <a:chOff x="0" y="0"/>
+          <a:chExt cx="0" cy="0"/>
+        </a:xfrm>
+      </p:grpSpPr>
+      <p:sp>
+        <p:nvSpPr>
+          <p:cNvPr id="3" name="Title 2">
+            <a:extLst>
+              <a:ext uri="{FF2B5EF4-FFF2-40B4-BE49-F238E27FC236}">
+                <a16:creationId xmlns:a16="http://schemas.microsoft.com/office/drawing/2014/main" id="{2F42C553-B592-4464-A4B7-5EC8988D45F6}"/>
+              </a:ext>
+            </a:extLst>
+          </p:cNvPr>
+          <p:cNvSpPr>
+            <a:spLocks noGrp="1"/>
+          </p:cNvSpPr>
+          <p:nvPr>
+            <p:ph type="title"/>
+          </p:nvPr>
+        </p:nvSpPr>
+        <p:spPr/>
+        <p:txBody>
+          <a:bodyPr/>
+          <a:lstStyle/>
+          <a:p>
+            <a:r>
+              <a:rPr lang="en-US" dirty="0"/>
+              <a:t>WebSocket vs </a:t>
+            </a:r>
+            <a:r>
+              <a:rPr lang="en-US" dirty="0" err="1"/>
+              <a:t>signalr</a:t>
+            </a:r>
+            <a:endParaRPr lang="en-US" dirty="0"/>
+          </a:p>
+        </p:txBody>
+      </p:sp>
+      <p:sp>
+        <p:nvSpPr>
+          <p:cNvPr id="4" name="Footer Placeholder 3">
+            <a:extLst>
+              <a:ext uri="{FF2B5EF4-FFF2-40B4-BE49-F238E27FC236}">
+                <a16:creationId xmlns:a16="http://schemas.microsoft.com/office/drawing/2014/main" id="{9E41C3BC-E4E5-4D29-AD12-A6D8868395CD}"/>
+              </a:ext>
+            </a:extLst>
+          </p:cNvPr>
+          <p:cNvSpPr>
+            <a:spLocks noGrp="1"/>
+          </p:cNvSpPr>
+          <p:nvPr>
+            <p:ph type="ftr" sz="quarter" idx="12"/>
+          </p:nvPr>
+        </p:nvSpPr>
+        <p:spPr/>
+        <p:txBody>
+          <a:bodyPr/>
+          <a:lstStyle/>
+          <a:p>
+            <a:endParaRPr lang="nl-BE"/>
+          </a:p>
+        </p:txBody>
+      </p:sp>
+      <p:sp>
+        <p:nvSpPr>
+          <p:cNvPr id="5" name="Slide Number Placeholder 4">
+            <a:extLst>
+              <a:ext uri="{FF2B5EF4-FFF2-40B4-BE49-F238E27FC236}">
+                <a16:creationId xmlns:a16="http://schemas.microsoft.com/office/drawing/2014/main" id="{4E55B2F2-EDCE-4E6D-A170-16EBD9623D13}"/>
+              </a:ext>
+            </a:extLst>
+          </p:cNvPr>
+          <p:cNvSpPr>
+            <a:spLocks noGrp="1"/>
+          </p:cNvSpPr>
+          <p:nvPr>
+            <p:ph type="sldNum" sz="quarter" idx="11"/>
+          </p:nvPr>
+        </p:nvSpPr>
+        <p:spPr/>
+        <p:txBody>
+          <a:bodyPr/>
+          <a:lstStyle/>
+          <a:p>
+            <a:fld id="{3B80295F-48CD-49FC-897A-CCEC919B8070}" type="slidenum">
+              <a:rPr lang="nl-BE" smtClean="0"/>
+              <a:pPr/>
+              <a:t>26</a:t>
+            </a:fld>
+            <a:endParaRPr lang="nl-BE"/>
+          </a:p>
+        </p:txBody>
+      </p:sp>
+    </p:spTree>
+    <p:extLst>
+      <p:ext uri="{BB962C8B-B14F-4D97-AF65-F5344CB8AC3E}">
+        <p14:creationId xmlns:p14="http://schemas.microsoft.com/office/powerpoint/2010/main" val="1578344666"/>
+      </p:ext>
+    </p:extLst>
+  </p:cSld>
+  <p:clrMapOvr>
+    <a:masterClrMapping/>
+  </p:clrMapOvr>
+</p:sld>
+</file>
+
+<file path=ppt/slides/slide27.xml><?xml version="1.0" encoding="utf-8"?>
+<p:sld xmlns:a="http://schemas.openxmlformats.org/drawingml/2006/main" xmlns:r="http://schemas.openxmlformats.org/officeDocument/2006/relationships" xmlns:p="http://schemas.openxmlformats.org/presentationml/2006/main">
+  <p:cSld>
+    <p:spTree>
+      <p:nvGrpSpPr>
+        <p:cNvPr id="1" name=""/>
+        <p:cNvGrpSpPr/>
+        <p:nvPr/>
+      </p:nvGrpSpPr>
+      <p:grpSpPr>
+        <a:xfrm>
+          <a:off x="0" y="0"/>
+          <a:ext cx="0" cy="0"/>
+          <a:chOff x="0" y="0"/>
+          <a:chExt cx="0" cy="0"/>
+        </a:xfrm>
+      </p:grpSpPr>
+      <p:sp>
+        <p:nvSpPr>
+          <p:cNvPr id="2" name="Content Placeholder 1">
+            <a:extLst>
+              <a:ext uri="{FF2B5EF4-FFF2-40B4-BE49-F238E27FC236}">
+                <a16:creationId xmlns:a16="http://schemas.microsoft.com/office/drawing/2014/main" id="{49C96621-DDA2-43EB-9F25-F650BD381CFB}"/>
+              </a:ext>
+            </a:extLst>
+          </p:cNvPr>
+          <p:cNvSpPr>
+            <a:spLocks noGrp="1"/>
+          </p:cNvSpPr>
+          <p:nvPr>
+            <p:ph idx="1"/>
+          </p:nvPr>
+        </p:nvSpPr>
+        <p:spPr/>
+        <p:txBody>
+          <a:bodyPr/>
+          <a:lstStyle/>
+          <a:p>
+            <a:r>
+              <a:rPr lang="en-US" dirty="0" err="1"/>
+              <a:t>SignalR</a:t>
+            </a:r>
+            <a:r>
+              <a:rPr lang="en-US" dirty="0"/>
+              <a:t> – WebSocket?</a:t>
+            </a:r>
+          </a:p>
+          <a:p>
+            <a:r>
+              <a:rPr lang="en-US" dirty="0"/>
+              <a:t>HTTP (Hypertext Transfer Protocol)</a:t>
+            </a:r>
+          </a:p>
+          <a:p>
+            <a:r>
+              <a:rPr lang="en-US" dirty="0"/>
+              <a:t>Requests &amp; responses</a:t>
+            </a:r>
+          </a:p>
+          <a:p>
+            <a:r>
+              <a:rPr lang="en-US" dirty="0" err="1"/>
+              <a:t>Communicatie</a:t>
+            </a:r>
+            <a:r>
+              <a:rPr lang="en-US" dirty="0"/>
+              <a:t> server </a:t>
+            </a:r>
+            <a:r>
+              <a:rPr lang="en-US" dirty="0" err="1"/>
+              <a:t>en</a:t>
+            </a:r>
+            <a:r>
+              <a:rPr lang="en-US" dirty="0"/>
+              <a:t> </a:t>
+            </a:r>
+            <a:r>
+              <a:rPr lang="en-US" dirty="0" err="1"/>
+              <a:t>webpagina</a:t>
+            </a:r>
+            <a:endParaRPr lang="en-US" dirty="0"/>
+          </a:p>
+          <a:p>
+            <a:r>
+              <a:rPr lang="en-US" dirty="0"/>
+              <a:t>Handshake – link </a:t>
+            </a:r>
+            <a:r>
+              <a:rPr lang="en-US" dirty="0" err="1"/>
+              <a:t>opzetten</a:t>
+            </a:r>
+            <a:endParaRPr lang="en-US" dirty="0"/>
+          </a:p>
+          <a:p>
+            <a:r>
+              <a:rPr lang="en-US" dirty="0"/>
+              <a:t>HTTP 101 Switching Protocols</a:t>
+            </a:r>
+          </a:p>
+        </p:txBody>
+      </p:sp>
+      <p:sp>
+        <p:nvSpPr>
+          <p:cNvPr id="3" name="Title 2">
+            <a:extLst>
+              <a:ext uri="{FF2B5EF4-FFF2-40B4-BE49-F238E27FC236}">
+                <a16:creationId xmlns:a16="http://schemas.microsoft.com/office/drawing/2014/main" id="{B6282170-58B5-437A-B277-73F7EDEEAC48}"/>
+              </a:ext>
+            </a:extLst>
+          </p:cNvPr>
+          <p:cNvSpPr>
+            <a:spLocks noGrp="1"/>
+          </p:cNvSpPr>
+          <p:nvPr>
+            <p:ph type="title"/>
+          </p:nvPr>
+        </p:nvSpPr>
+        <p:spPr/>
+        <p:txBody>
+          <a:bodyPr/>
+          <a:lstStyle/>
+          <a:p>
+            <a:r>
+              <a:rPr lang="en-US" dirty="0" err="1"/>
+              <a:t>Websocket</a:t>
+            </a:r>
+            <a:r>
+              <a:rPr lang="en-US" dirty="0"/>
+              <a:t> vs </a:t>
+            </a:r>
+            <a:r>
+              <a:rPr lang="en-US" dirty="0" err="1"/>
+              <a:t>signalr</a:t>
+            </a:r>
+            <a:endParaRPr lang="en-US" dirty="0"/>
+          </a:p>
+        </p:txBody>
+      </p:sp>
+      <p:sp>
+        <p:nvSpPr>
+          <p:cNvPr id="4" name="Slide Number Placeholder 3">
+            <a:extLst>
+              <a:ext uri="{FF2B5EF4-FFF2-40B4-BE49-F238E27FC236}">
+                <a16:creationId xmlns:a16="http://schemas.microsoft.com/office/drawing/2014/main" id="{49FE6B9F-285D-4793-8608-D799E7E68B2C}"/>
+              </a:ext>
+            </a:extLst>
+          </p:cNvPr>
+          <p:cNvSpPr>
+            <a:spLocks noGrp="1"/>
+          </p:cNvSpPr>
+          <p:nvPr>
+            <p:ph type="sldNum" sz="quarter" idx="11"/>
+          </p:nvPr>
+        </p:nvSpPr>
+        <p:spPr/>
+        <p:txBody>
+          <a:bodyPr/>
+          <a:lstStyle/>
+          <a:p>
+            <a:fld id="{3B80295F-48CD-49FC-897A-CCEC919B8070}" type="slidenum">
+              <a:rPr lang="nl-BE" smtClean="0"/>
+              <a:pPr/>
+              <a:t>27</a:t>
+            </a:fld>
+            <a:endParaRPr lang="nl-BE"/>
+          </a:p>
+        </p:txBody>
+      </p:sp>
+      <p:sp>
+        <p:nvSpPr>
+          <p:cNvPr id="5" name="Footer Placeholder 4">
+            <a:extLst>
+              <a:ext uri="{FF2B5EF4-FFF2-40B4-BE49-F238E27FC236}">
+                <a16:creationId xmlns:a16="http://schemas.microsoft.com/office/drawing/2014/main" id="{03929003-0463-45B4-ACDA-5F5D41FBEC6A}"/>
+              </a:ext>
+            </a:extLst>
+          </p:cNvPr>
+          <p:cNvSpPr>
+            <a:spLocks noGrp="1"/>
+          </p:cNvSpPr>
+          <p:nvPr>
+            <p:ph type="ftr" sz="quarter" idx="12"/>
+          </p:nvPr>
+        </p:nvSpPr>
+        <p:spPr/>
+        <p:txBody>
+          <a:bodyPr/>
+          <a:lstStyle/>
+          <a:p>
+            <a:endParaRPr lang="nl-BE" dirty="0"/>
+          </a:p>
+        </p:txBody>
+      </p:sp>
+    </p:spTree>
+    <p:extLst>
+      <p:ext uri="{BB962C8B-B14F-4D97-AF65-F5344CB8AC3E}">
+        <p14:creationId xmlns:p14="http://schemas.microsoft.com/office/powerpoint/2010/main" val="1894062114"/>
+      </p:ext>
+    </p:extLst>
+  </p:cSld>
+  <p:clrMapOvr>
+    <a:masterClrMapping/>
+  </p:clrMapOvr>
+</p:sld>
+</file>
+
+<file path=ppt/slides/slide28.xml><?xml version="1.0" encoding="utf-8"?>
+<p:sld xmlns:a="http://schemas.openxmlformats.org/drawingml/2006/main" xmlns:r="http://schemas.openxmlformats.org/officeDocument/2006/relationships" xmlns:p="http://schemas.openxmlformats.org/presentationml/2006/main">
+  <p:cSld>
+    <p:spTree>
+      <p:nvGrpSpPr>
+        <p:cNvPr id="1" name=""/>
+        <p:cNvGrpSpPr/>
+        <p:nvPr/>
+      </p:nvGrpSpPr>
+      <p:grpSpPr>
+        <a:xfrm>
+          <a:off x="0" y="0"/>
+          <a:ext cx="0" cy="0"/>
+          <a:chOff x="0" y="0"/>
+          <a:chExt cx="0" cy="0"/>
+        </a:xfrm>
+      </p:grpSpPr>
+      <p:sp>
+        <p:nvSpPr>
+          <p:cNvPr id="2" name="Content Placeholder 1">
+            <a:extLst>
+              <a:ext uri="{FF2B5EF4-FFF2-40B4-BE49-F238E27FC236}">
+                <a16:creationId xmlns:a16="http://schemas.microsoft.com/office/drawing/2014/main" id="{28843B08-D770-BC65-54ED-2B61989BE9B5}"/>
+              </a:ext>
+            </a:extLst>
+          </p:cNvPr>
+          <p:cNvSpPr>
+            <a:spLocks noGrp="1"/>
+          </p:cNvSpPr>
+          <p:nvPr>
+            <p:ph idx="1"/>
+          </p:nvPr>
+        </p:nvSpPr>
+        <p:spPr/>
+        <p:txBody>
+          <a:bodyPr/>
+          <a:lstStyle/>
+          <a:p>
+            <a:r>
+              <a:rPr lang="en-GB" dirty="0" err="1"/>
+              <a:t>Automatische</a:t>
+            </a:r>
+            <a:r>
+              <a:rPr lang="en-GB" dirty="0"/>
+              <a:t> </a:t>
+            </a:r>
+            <a:r>
+              <a:rPr lang="en-GB" dirty="0" err="1"/>
+              <a:t>herverbinding</a:t>
+            </a:r>
+            <a:endParaRPr lang="en-GB" dirty="0"/>
+          </a:p>
+          <a:p>
+            <a:r>
+              <a:rPr lang="en-GB" dirty="0"/>
+              <a:t>Ping-pong </a:t>
+            </a:r>
+            <a:r>
+              <a:rPr lang="en-GB" dirty="0" err="1"/>
+              <a:t>methode</a:t>
+            </a:r>
+            <a:endParaRPr lang="en-GB" dirty="0"/>
+          </a:p>
+          <a:p>
+            <a:r>
+              <a:rPr lang="en-GB" dirty="0"/>
+              <a:t>Binnen </a:t>
+            </a:r>
+            <a:r>
+              <a:rPr lang="en-GB" dirty="0" err="1"/>
+              <a:t>bepaalde</a:t>
+            </a:r>
+            <a:r>
+              <a:rPr lang="en-GB" dirty="0"/>
+              <a:t> </a:t>
+            </a:r>
+            <a:r>
+              <a:rPr lang="en-GB" dirty="0" err="1"/>
+              <a:t>tijd</a:t>
+            </a:r>
+            <a:endParaRPr lang="en-GB" dirty="0"/>
+          </a:p>
+          <a:p>
+            <a:r>
+              <a:rPr lang="en-GB" dirty="0" err="1"/>
+              <a:t>Onthoudt</a:t>
+            </a:r>
+            <a:r>
+              <a:rPr lang="en-GB" dirty="0"/>
+              <a:t> </a:t>
+            </a:r>
+            <a:r>
+              <a:rPr lang="en-GB" dirty="0" err="1"/>
+              <a:t>bepaalde</a:t>
+            </a:r>
+            <a:r>
+              <a:rPr lang="en-GB" dirty="0"/>
+              <a:t> </a:t>
+            </a:r>
+            <a:r>
+              <a:rPr lang="en-GB" dirty="0" err="1"/>
+              <a:t>informatie</a:t>
+            </a:r>
+            <a:endParaRPr lang="en-GB" dirty="0"/>
+          </a:p>
+          <a:p>
+            <a:r>
+              <a:rPr lang="en-GB" dirty="0" err="1"/>
+              <a:t>Connectie</a:t>
+            </a:r>
+            <a:r>
+              <a:rPr lang="en-GB" dirty="0"/>
+              <a:t> </a:t>
+            </a:r>
+            <a:r>
+              <a:rPr lang="en-GB" dirty="0" err="1"/>
+              <a:t>herstarten</a:t>
+            </a:r>
+            <a:endParaRPr lang="en-GB" dirty="0"/>
+          </a:p>
+          <a:p>
+            <a:r>
+              <a:rPr lang="en-GB" dirty="0"/>
+              <a:t>WebSocket, server-sent events of (long)pulling?</a:t>
+            </a:r>
+            <a:endParaRPr lang="en-BE" dirty="0"/>
+          </a:p>
+        </p:txBody>
+      </p:sp>
+      <p:sp>
+        <p:nvSpPr>
+          <p:cNvPr id="3" name="Title 2">
+            <a:extLst>
+              <a:ext uri="{FF2B5EF4-FFF2-40B4-BE49-F238E27FC236}">
+                <a16:creationId xmlns:a16="http://schemas.microsoft.com/office/drawing/2014/main" id="{93B460F9-2C1A-7FE0-E11E-CEFE3135B83E}"/>
+              </a:ext>
+            </a:extLst>
+          </p:cNvPr>
+          <p:cNvSpPr>
+            <a:spLocks noGrp="1"/>
+          </p:cNvSpPr>
+          <p:nvPr>
+            <p:ph type="title"/>
+          </p:nvPr>
+        </p:nvSpPr>
+        <p:spPr/>
+        <p:txBody>
+          <a:bodyPr/>
+          <a:lstStyle/>
+          <a:p>
+            <a:r>
+              <a:rPr lang="en-US" dirty="0" err="1"/>
+              <a:t>Websocket</a:t>
+            </a:r>
+            <a:r>
+              <a:rPr lang="en-US" dirty="0"/>
+              <a:t> vs </a:t>
+            </a:r>
+            <a:r>
+              <a:rPr lang="en-US" dirty="0" err="1"/>
+              <a:t>signalr</a:t>
+            </a:r>
+            <a:endParaRPr lang="en-BE" dirty="0"/>
+          </a:p>
+        </p:txBody>
+      </p:sp>
+      <p:sp>
+        <p:nvSpPr>
+          <p:cNvPr id="4" name="Slide Number Placeholder 3">
+            <a:extLst>
+              <a:ext uri="{FF2B5EF4-FFF2-40B4-BE49-F238E27FC236}">
+                <a16:creationId xmlns:a16="http://schemas.microsoft.com/office/drawing/2014/main" id="{C1088D0F-8EE0-4126-AD4B-E8F75AA25020}"/>
+              </a:ext>
+            </a:extLst>
+          </p:cNvPr>
+          <p:cNvSpPr>
+            <a:spLocks noGrp="1"/>
+          </p:cNvSpPr>
+          <p:nvPr>
+            <p:ph type="sldNum" sz="quarter" idx="11"/>
+          </p:nvPr>
+        </p:nvSpPr>
+        <p:spPr/>
+        <p:txBody>
+          <a:bodyPr/>
+          <a:lstStyle/>
+          <a:p>
+            <a:fld id="{3B80295F-48CD-49FC-897A-CCEC919B8070}" type="slidenum">
+              <a:rPr lang="nl-BE" smtClean="0"/>
+              <a:pPr/>
+              <a:t>28</a:t>
+            </a:fld>
+            <a:endParaRPr lang="nl-BE"/>
+          </a:p>
+        </p:txBody>
+      </p:sp>
+      <p:sp>
+        <p:nvSpPr>
+          <p:cNvPr id="5" name="Footer Placeholder 4">
+            <a:extLst>
+              <a:ext uri="{FF2B5EF4-FFF2-40B4-BE49-F238E27FC236}">
+                <a16:creationId xmlns:a16="http://schemas.microsoft.com/office/drawing/2014/main" id="{075A9C62-CB60-92C5-70C9-349C0E5F1FCB}"/>
+              </a:ext>
+            </a:extLst>
+          </p:cNvPr>
+          <p:cNvSpPr>
+            <a:spLocks noGrp="1"/>
+          </p:cNvSpPr>
+          <p:nvPr>
+            <p:ph type="ftr" sz="quarter" idx="12"/>
+          </p:nvPr>
+        </p:nvSpPr>
+        <p:spPr/>
+        <p:txBody>
+          <a:bodyPr/>
+          <a:lstStyle/>
+          <a:p>
+            <a:endParaRPr lang="nl-BE"/>
+          </a:p>
+        </p:txBody>
+      </p:sp>
+    </p:spTree>
+    <p:extLst>
+      <p:ext uri="{BB962C8B-B14F-4D97-AF65-F5344CB8AC3E}">
+        <p14:creationId xmlns:p14="http://schemas.microsoft.com/office/powerpoint/2010/main" val="2902861733"/>
+      </p:ext>
+    </p:extLst>
+  </p:cSld>
+  <p:clrMapOvr>
+    <a:masterClrMapping/>
+  </p:clrMapOvr>
+</p:sld>
+</file>
+
+<file path=ppt/slides/slide29.xml><?xml version="1.0" encoding="utf-8"?>
+<p:sld xmlns:a="http://schemas.openxmlformats.org/drawingml/2006/main" xmlns:r="http://schemas.openxmlformats.org/officeDocument/2006/relationships" xmlns:p="http://schemas.openxmlformats.org/presentationml/2006/main">
+  <p:cSld>
+    <p:spTree>
+      <p:nvGrpSpPr>
+        <p:cNvPr id="1" name=""/>
+        <p:cNvGrpSpPr/>
+        <p:nvPr/>
+      </p:nvGrpSpPr>
+      <p:grpSpPr>
+        <a:xfrm>
+          <a:off x="0" y="0"/>
+          <a:ext cx="0" cy="0"/>
+          <a:chOff x="0" y="0"/>
+          <a:chExt cx="0" cy="0"/>
+        </a:xfrm>
+      </p:grpSpPr>
+      <p:sp>
+        <p:nvSpPr>
+          <p:cNvPr id="2" name="Content Placeholder 1">
+            <a:extLst>
+              <a:ext uri="{FF2B5EF4-FFF2-40B4-BE49-F238E27FC236}">
+                <a16:creationId xmlns:a16="http://schemas.microsoft.com/office/drawing/2014/main" id="{28843B08-D770-BC65-54ED-2B61989BE9B5}"/>
+              </a:ext>
+            </a:extLst>
+          </p:cNvPr>
+          <p:cNvSpPr>
+            <a:spLocks noGrp="1"/>
+          </p:cNvSpPr>
+          <p:nvPr>
+            <p:ph idx="1"/>
+          </p:nvPr>
+        </p:nvSpPr>
+        <p:spPr/>
+        <p:txBody>
+          <a:bodyPr/>
+          <a:lstStyle/>
+          <a:p>
+            <a:r>
+              <a:rPr lang="en-GB" dirty="0"/>
+              <a:t>Meer </a:t>
+            </a:r>
+            <a:r>
+              <a:rPr lang="en-GB" dirty="0" err="1"/>
+              <a:t>tijd</a:t>
+            </a:r>
+            <a:endParaRPr lang="en-GB" dirty="0"/>
+          </a:p>
+          <a:p>
+            <a:r>
+              <a:rPr lang="en-GB" dirty="0"/>
+              <a:t>WebSocket </a:t>
+            </a:r>
+            <a:r>
+              <a:rPr lang="en-GB" dirty="0">
+                <a:sym typeface="Wingdings" panose="05000000000000000000" pitchFamily="2" charset="2"/>
+              </a:rPr>
+              <a:t> </a:t>
+            </a:r>
+            <a:r>
+              <a:rPr lang="en-GB" dirty="0" err="1">
+                <a:sym typeface="Wingdings" panose="05000000000000000000" pitchFamily="2" charset="2"/>
+              </a:rPr>
+              <a:t>simpele</a:t>
+            </a:r>
+            <a:r>
+              <a:rPr lang="en-GB" dirty="0">
+                <a:sym typeface="Wingdings" panose="05000000000000000000" pitchFamily="2" charset="2"/>
+              </a:rPr>
+              <a:t> scenario’s</a:t>
+            </a:r>
+          </a:p>
+          <a:p>
+            <a:r>
+              <a:rPr lang="en-GB" dirty="0" err="1">
+                <a:sym typeface="Wingdings" panose="05000000000000000000" pitchFamily="2" charset="2"/>
+              </a:rPr>
+              <a:t>Sportwebsites</a:t>
+            </a:r>
+            <a:endParaRPr lang="en-GB" dirty="0">
+              <a:sym typeface="Wingdings" panose="05000000000000000000" pitchFamily="2" charset="2"/>
+            </a:endParaRPr>
+          </a:p>
+          <a:p>
+            <a:r>
+              <a:rPr lang="en-GB" dirty="0" err="1">
+                <a:sym typeface="Wingdings" panose="05000000000000000000" pitchFamily="2" charset="2"/>
+              </a:rPr>
+              <a:t>SignalR</a:t>
+            </a:r>
+            <a:r>
+              <a:rPr lang="en-GB" dirty="0">
+                <a:sym typeface="Wingdings" panose="05000000000000000000" pitchFamily="2" charset="2"/>
+              </a:rPr>
+              <a:t>  </a:t>
+            </a:r>
+            <a:r>
+              <a:rPr lang="en-GB" dirty="0" err="1">
+                <a:sym typeface="Wingdings" panose="05000000000000000000" pitchFamily="2" charset="2"/>
+              </a:rPr>
+              <a:t>realtime</a:t>
+            </a:r>
+            <a:r>
+              <a:rPr lang="en-GB" dirty="0">
+                <a:sym typeface="Wingdings" panose="05000000000000000000" pitchFamily="2" charset="2"/>
+              </a:rPr>
+              <a:t> met </a:t>
+            </a:r>
+            <a:r>
+              <a:rPr lang="en-GB" dirty="0" err="1">
+                <a:sym typeface="Wingdings" panose="05000000000000000000" pitchFamily="2" charset="2"/>
+              </a:rPr>
+              <a:t>herverbinding</a:t>
+            </a:r>
+            <a:endParaRPr lang="en-GB" dirty="0">
+              <a:sym typeface="Wingdings" panose="05000000000000000000" pitchFamily="2" charset="2"/>
+            </a:endParaRPr>
+          </a:p>
+          <a:p>
+            <a:r>
+              <a:rPr lang="en-GB" dirty="0" err="1">
+                <a:sym typeface="Wingdings" panose="05000000000000000000" pitchFamily="2" charset="2"/>
+              </a:rPr>
+              <a:t>Chatapplicatie</a:t>
+            </a:r>
+            <a:endParaRPr lang="en-GB" dirty="0">
+              <a:sym typeface="Wingdings" panose="05000000000000000000" pitchFamily="2" charset="2"/>
+            </a:endParaRPr>
+          </a:p>
+          <a:p>
+            <a:r>
+              <a:rPr lang="en-GB" dirty="0" err="1">
+                <a:sym typeface="Wingdings" panose="05000000000000000000" pitchFamily="2" charset="2"/>
+              </a:rPr>
+              <a:t>Flexibiliteit</a:t>
+            </a:r>
+            <a:r>
+              <a:rPr lang="en-GB" dirty="0">
+                <a:sym typeface="Wingdings" panose="05000000000000000000" pitchFamily="2" charset="2"/>
+              </a:rPr>
+              <a:t> </a:t>
+            </a:r>
+            <a:r>
+              <a:rPr lang="en-GB" dirty="0" err="1">
+                <a:sym typeface="Wingdings" panose="05000000000000000000" pitchFamily="2" charset="2"/>
+              </a:rPr>
+              <a:t>applicatie</a:t>
+            </a:r>
+            <a:endParaRPr lang="en-GB" dirty="0">
+              <a:sym typeface="Wingdings" panose="05000000000000000000" pitchFamily="2" charset="2"/>
+            </a:endParaRPr>
+          </a:p>
+          <a:p>
+            <a:r>
+              <a:rPr lang="en-GB" dirty="0">
+                <a:sym typeface="Wingdings" panose="05000000000000000000" pitchFamily="2" charset="2"/>
+              </a:rPr>
+              <a:t>Eigen/</a:t>
+            </a:r>
+            <a:r>
+              <a:rPr lang="en-GB" dirty="0" err="1">
+                <a:sym typeface="Wingdings" panose="05000000000000000000" pitchFamily="2" charset="2"/>
+              </a:rPr>
+              <a:t>vooraf</a:t>
+            </a:r>
+            <a:r>
+              <a:rPr lang="en-GB" dirty="0">
+                <a:sym typeface="Wingdings" panose="05000000000000000000" pitchFamily="2" charset="2"/>
+              </a:rPr>
+              <a:t> </a:t>
+            </a:r>
+            <a:r>
+              <a:rPr lang="en-GB" dirty="0" err="1">
+                <a:sym typeface="Wingdings" panose="05000000000000000000" pitchFamily="2" charset="2"/>
+              </a:rPr>
+              <a:t>bepaalde</a:t>
+            </a:r>
+            <a:r>
+              <a:rPr lang="en-GB" dirty="0">
+                <a:sym typeface="Wingdings" panose="05000000000000000000" pitchFamily="2" charset="2"/>
+              </a:rPr>
+              <a:t> </a:t>
+            </a:r>
+            <a:r>
+              <a:rPr lang="en-GB" dirty="0" err="1">
+                <a:sym typeface="Wingdings" panose="05000000000000000000" pitchFamily="2" charset="2"/>
+              </a:rPr>
+              <a:t>protocollen</a:t>
+            </a:r>
+            <a:endParaRPr lang="en-GB" dirty="0"/>
+          </a:p>
+        </p:txBody>
+      </p:sp>
+      <p:sp>
+        <p:nvSpPr>
+          <p:cNvPr id="3" name="Title 2">
+            <a:extLst>
+              <a:ext uri="{FF2B5EF4-FFF2-40B4-BE49-F238E27FC236}">
+                <a16:creationId xmlns:a16="http://schemas.microsoft.com/office/drawing/2014/main" id="{93B460F9-2C1A-7FE0-E11E-CEFE3135B83E}"/>
+              </a:ext>
+            </a:extLst>
+          </p:cNvPr>
+          <p:cNvSpPr>
+            <a:spLocks noGrp="1"/>
+          </p:cNvSpPr>
+          <p:nvPr>
+            <p:ph type="title"/>
+          </p:nvPr>
+        </p:nvSpPr>
+        <p:spPr/>
+        <p:txBody>
+          <a:bodyPr/>
+          <a:lstStyle/>
+          <a:p>
+            <a:r>
+              <a:rPr lang="en-US" dirty="0" err="1"/>
+              <a:t>Websocket</a:t>
+            </a:r>
+            <a:r>
+              <a:rPr lang="en-US" dirty="0"/>
+              <a:t> vs </a:t>
+            </a:r>
+            <a:r>
+              <a:rPr lang="en-US" dirty="0" err="1"/>
+              <a:t>signalr</a:t>
+            </a:r>
+            <a:endParaRPr lang="en-BE" dirty="0"/>
+          </a:p>
+        </p:txBody>
+      </p:sp>
+      <p:sp>
+        <p:nvSpPr>
+          <p:cNvPr id="4" name="Slide Number Placeholder 3">
+            <a:extLst>
+              <a:ext uri="{FF2B5EF4-FFF2-40B4-BE49-F238E27FC236}">
+                <a16:creationId xmlns:a16="http://schemas.microsoft.com/office/drawing/2014/main" id="{C1088D0F-8EE0-4126-AD4B-E8F75AA25020}"/>
+              </a:ext>
+            </a:extLst>
+          </p:cNvPr>
+          <p:cNvSpPr>
+            <a:spLocks noGrp="1"/>
+          </p:cNvSpPr>
+          <p:nvPr>
+            <p:ph type="sldNum" sz="quarter" idx="11"/>
+          </p:nvPr>
+        </p:nvSpPr>
+        <p:spPr/>
+        <p:txBody>
+          <a:bodyPr/>
+          <a:lstStyle/>
+          <a:p>
+            <a:fld id="{3B80295F-48CD-49FC-897A-CCEC919B8070}" type="slidenum">
+              <a:rPr lang="nl-BE" smtClean="0"/>
+              <a:pPr/>
+              <a:t>29</a:t>
+            </a:fld>
+            <a:endParaRPr lang="nl-BE"/>
+          </a:p>
+        </p:txBody>
+      </p:sp>
+      <p:sp>
+        <p:nvSpPr>
+          <p:cNvPr id="5" name="Footer Placeholder 4">
+            <a:extLst>
+              <a:ext uri="{FF2B5EF4-FFF2-40B4-BE49-F238E27FC236}">
+                <a16:creationId xmlns:a16="http://schemas.microsoft.com/office/drawing/2014/main" id="{075A9C62-CB60-92C5-70C9-349C0E5F1FCB}"/>
+              </a:ext>
+            </a:extLst>
+          </p:cNvPr>
+          <p:cNvSpPr>
+            <a:spLocks noGrp="1"/>
+          </p:cNvSpPr>
+          <p:nvPr>
+            <p:ph type="ftr" sz="quarter" idx="12"/>
+          </p:nvPr>
+        </p:nvSpPr>
+        <p:spPr/>
+        <p:txBody>
+          <a:bodyPr/>
+          <a:lstStyle/>
+          <a:p>
+            <a:endParaRPr lang="nl-BE"/>
+          </a:p>
+        </p:txBody>
+      </p:sp>
+    </p:spTree>
+    <p:extLst>
+      <p:ext uri="{BB962C8B-B14F-4D97-AF65-F5344CB8AC3E}">
+        <p14:creationId xmlns:p14="http://schemas.microsoft.com/office/powerpoint/2010/main" val="2348020447"/>
       </p:ext>
     </p:extLst>
   </p:cSld>
@@ -8388,6 +11062,1829 @@
 </p:sld>
 </file>
 
+<file path=ppt/slides/slide30.xml><?xml version="1.0" encoding="utf-8"?>
+<p:sld xmlns:a="http://schemas.openxmlformats.org/drawingml/2006/main" xmlns:r="http://schemas.openxmlformats.org/officeDocument/2006/relationships" xmlns:p="http://schemas.openxmlformats.org/presentationml/2006/main">
+  <p:cSld>
+    <p:spTree>
+      <p:nvGrpSpPr>
+        <p:cNvPr id="1" name=""/>
+        <p:cNvGrpSpPr/>
+        <p:nvPr/>
+      </p:nvGrpSpPr>
+      <p:grpSpPr>
+        <a:xfrm>
+          <a:off x="0" y="0"/>
+          <a:ext cx="0" cy="0"/>
+          <a:chOff x="0" y="0"/>
+          <a:chExt cx="0" cy="0"/>
+        </a:xfrm>
+      </p:grpSpPr>
+      <p:sp>
+        <p:nvSpPr>
+          <p:cNvPr id="3" name="Title 2">
+            <a:extLst>
+              <a:ext uri="{FF2B5EF4-FFF2-40B4-BE49-F238E27FC236}">
+                <a16:creationId xmlns:a16="http://schemas.microsoft.com/office/drawing/2014/main" id="{2F42C553-B592-4464-A4B7-5EC8988D45F6}"/>
+              </a:ext>
+            </a:extLst>
+          </p:cNvPr>
+          <p:cNvSpPr>
+            <a:spLocks noGrp="1"/>
+          </p:cNvSpPr>
+          <p:nvPr>
+            <p:ph type="title"/>
+          </p:nvPr>
+        </p:nvSpPr>
+        <p:spPr/>
+        <p:txBody>
+          <a:bodyPr/>
+          <a:lstStyle/>
+          <a:p>
+            <a:r>
+              <a:rPr lang="en-US" dirty="0" err="1"/>
+              <a:t>Voor</a:t>
+            </a:r>
+            <a:r>
+              <a:rPr lang="en-US" dirty="0"/>
+              <a:t>- </a:t>
+            </a:r>
+            <a:r>
+              <a:rPr lang="en-US" dirty="0" err="1"/>
+              <a:t>en</a:t>
+            </a:r>
+            <a:r>
+              <a:rPr lang="en-US" dirty="0"/>
+              <a:t> </a:t>
+            </a:r>
+            <a:r>
+              <a:rPr lang="en-US" dirty="0" err="1"/>
+              <a:t>nadelen</a:t>
+            </a:r>
+            <a:endParaRPr lang="en-US" dirty="0"/>
+          </a:p>
+        </p:txBody>
+      </p:sp>
+      <p:sp>
+        <p:nvSpPr>
+          <p:cNvPr id="4" name="Footer Placeholder 3">
+            <a:extLst>
+              <a:ext uri="{FF2B5EF4-FFF2-40B4-BE49-F238E27FC236}">
+                <a16:creationId xmlns:a16="http://schemas.microsoft.com/office/drawing/2014/main" id="{9E41C3BC-E4E5-4D29-AD12-A6D8868395CD}"/>
+              </a:ext>
+            </a:extLst>
+          </p:cNvPr>
+          <p:cNvSpPr>
+            <a:spLocks noGrp="1"/>
+          </p:cNvSpPr>
+          <p:nvPr>
+            <p:ph type="ftr" sz="quarter" idx="12"/>
+          </p:nvPr>
+        </p:nvSpPr>
+        <p:spPr/>
+        <p:txBody>
+          <a:bodyPr/>
+          <a:lstStyle/>
+          <a:p>
+            <a:endParaRPr lang="nl-BE"/>
+          </a:p>
+        </p:txBody>
+      </p:sp>
+      <p:sp>
+        <p:nvSpPr>
+          <p:cNvPr id="5" name="Slide Number Placeholder 4">
+            <a:extLst>
+              <a:ext uri="{FF2B5EF4-FFF2-40B4-BE49-F238E27FC236}">
+                <a16:creationId xmlns:a16="http://schemas.microsoft.com/office/drawing/2014/main" id="{4E55B2F2-EDCE-4E6D-A170-16EBD9623D13}"/>
+              </a:ext>
+            </a:extLst>
+          </p:cNvPr>
+          <p:cNvSpPr>
+            <a:spLocks noGrp="1"/>
+          </p:cNvSpPr>
+          <p:nvPr>
+            <p:ph type="sldNum" sz="quarter" idx="11"/>
+          </p:nvPr>
+        </p:nvSpPr>
+        <p:spPr/>
+        <p:txBody>
+          <a:bodyPr/>
+          <a:lstStyle/>
+          <a:p>
+            <a:fld id="{3B80295F-48CD-49FC-897A-CCEC919B8070}" type="slidenum">
+              <a:rPr lang="nl-BE" smtClean="0"/>
+              <a:pPr/>
+              <a:t>30</a:t>
+            </a:fld>
+            <a:endParaRPr lang="nl-BE"/>
+          </a:p>
+        </p:txBody>
+      </p:sp>
+    </p:spTree>
+    <p:extLst>
+      <p:ext uri="{BB962C8B-B14F-4D97-AF65-F5344CB8AC3E}">
+        <p14:creationId xmlns:p14="http://schemas.microsoft.com/office/powerpoint/2010/main" val="1616728586"/>
+      </p:ext>
+    </p:extLst>
+  </p:cSld>
+  <p:clrMapOvr>
+    <a:masterClrMapping/>
+  </p:clrMapOvr>
+</p:sld>
+</file>
+
+<file path=ppt/slides/slide31.xml><?xml version="1.0" encoding="utf-8"?>
+<p:sld xmlns:a="http://schemas.openxmlformats.org/drawingml/2006/main" xmlns:r="http://schemas.openxmlformats.org/officeDocument/2006/relationships" xmlns:p="http://schemas.openxmlformats.org/presentationml/2006/main">
+  <p:cSld>
+    <p:spTree>
+      <p:nvGrpSpPr>
+        <p:cNvPr id="1" name=""/>
+        <p:cNvGrpSpPr/>
+        <p:nvPr/>
+      </p:nvGrpSpPr>
+      <p:grpSpPr>
+        <a:xfrm>
+          <a:off x="0" y="0"/>
+          <a:ext cx="0" cy="0"/>
+          <a:chOff x="0" y="0"/>
+          <a:chExt cx="0" cy="0"/>
+        </a:xfrm>
+      </p:grpSpPr>
+      <p:sp>
+        <p:nvSpPr>
+          <p:cNvPr id="2" name="Content Placeholder 1">
+            <a:extLst>
+              <a:ext uri="{FF2B5EF4-FFF2-40B4-BE49-F238E27FC236}">
+                <a16:creationId xmlns:a16="http://schemas.microsoft.com/office/drawing/2014/main" id="{12D5C238-9CE5-D4B3-7D7C-2E2AB0E66EC7}"/>
+              </a:ext>
+            </a:extLst>
+          </p:cNvPr>
+          <p:cNvSpPr>
+            <a:spLocks noGrp="1"/>
+          </p:cNvSpPr>
+          <p:nvPr>
+            <p:ph idx="1"/>
+          </p:nvPr>
+        </p:nvSpPr>
+        <p:spPr/>
+        <p:txBody>
+          <a:bodyPr/>
+          <a:lstStyle/>
+          <a:p>
+            <a:r>
+              <a:rPr lang="en-GB" dirty="0" err="1"/>
+              <a:t>Opties</a:t>
+            </a:r>
+            <a:r>
+              <a:rPr lang="en-GB" dirty="0"/>
+              <a:t> </a:t>
+            </a:r>
+            <a:r>
+              <a:rPr lang="en-GB" dirty="0" err="1"/>
+              <a:t>schalen</a:t>
+            </a:r>
+            <a:r>
+              <a:rPr lang="en-GB" dirty="0"/>
+              <a:t> </a:t>
+            </a:r>
+            <a:r>
+              <a:rPr lang="en-GB" dirty="0" err="1"/>
+              <a:t>naar</a:t>
+            </a:r>
+            <a:r>
+              <a:rPr lang="en-GB" dirty="0"/>
+              <a:t> </a:t>
+            </a:r>
+            <a:r>
+              <a:rPr lang="en-GB" dirty="0" err="1"/>
+              <a:t>trafiek</a:t>
+            </a:r>
+            <a:endParaRPr lang="en-GB" dirty="0"/>
+          </a:p>
+          <a:p>
+            <a:r>
+              <a:rPr lang="en-GB" dirty="0"/>
+              <a:t>ASP.NET Framework</a:t>
+            </a:r>
+          </a:p>
+          <a:p>
+            <a:r>
+              <a:rPr lang="en-GB" dirty="0" err="1"/>
+              <a:t>Automatische</a:t>
+            </a:r>
+            <a:r>
+              <a:rPr lang="en-GB" dirty="0"/>
+              <a:t> </a:t>
+            </a:r>
+            <a:r>
+              <a:rPr lang="en-GB" dirty="0" err="1"/>
+              <a:t>verbinding</a:t>
+            </a:r>
+            <a:endParaRPr lang="en-GB" dirty="0"/>
+          </a:p>
+          <a:p>
+            <a:r>
+              <a:rPr lang="en-GB" dirty="0" err="1"/>
+              <a:t>Terugvallen</a:t>
+            </a:r>
+            <a:r>
+              <a:rPr lang="en-GB" dirty="0"/>
+              <a:t> op </a:t>
+            </a:r>
+            <a:r>
+              <a:rPr lang="en-GB" dirty="0" err="1"/>
+              <a:t>andere</a:t>
+            </a:r>
+            <a:r>
+              <a:rPr lang="en-GB" dirty="0"/>
+              <a:t> </a:t>
+            </a:r>
+            <a:r>
+              <a:rPr lang="en-GB" dirty="0" err="1"/>
+              <a:t>technologieën</a:t>
+            </a:r>
+            <a:endParaRPr lang="en-BE" dirty="0"/>
+          </a:p>
+        </p:txBody>
+      </p:sp>
+      <p:sp>
+        <p:nvSpPr>
+          <p:cNvPr id="3" name="Title 2">
+            <a:extLst>
+              <a:ext uri="{FF2B5EF4-FFF2-40B4-BE49-F238E27FC236}">
+                <a16:creationId xmlns:a16="http://schemas.microsoft.com/office/drawing/2014/main" id="{2C4E9981-32DD-8C2A-A83E-F117FE032223}"/>
+              </a:ext>
+            </a:extLst>
+          </p:cNvPr>
+          <p:cNvSpPr>
+            <a:spLocks noGrp="1"/>
+          </p:cNvSpPr>
+          <p:nvPr>
+            <p:ph type="title"/>
+          </p:nvPr>
+        </p:nvSpPr>
+        <p:spPr/>
+        <p:txBody>
+          <a:bodyPr/>
+          <a:lstStyle/>
+          <a:p>
+            <a:r>
+              <a:rPr lang="en-GB" dirty="0" err="1"/>
+              <a:t>voordelen</a:t>
+            </a:r>
+            <a:endParaRPr lang="en-BE" dirty="0"/>
+          </a:p>
+        </p:txBody>
+      </p:sp>
+      <p:sp>
+        <p:nvSpPr>
+          <p:cNvPr id="4" name="Slide Number Placeholder 3">
+            <a:extLst>
+              <a:ext uri="{FF2B5EF4-FFF2-40B4-BE49-F238E27FC236}">
+                <a16:creationId xmlns:a16="http://schemas.microsoft.com/office/drawing/2014/main" id="{4E972868-6F95-5206-82BB-0EFAA96736A5}"/>
+              </a:ext>
+            </a:extLst>
+          </p:cNvPr>
+          <p:cNvSpPr>
+            <a:spLocks noGrp="1"/>
+          </p:cNvSpPr>
+          <p:nvPr>
+            <p:ph type="sldNum" sz="quarter" idx="11"/>
+          </p:nvPr>
+        </p:nvSpPr>
+        <p:spPr/>
+        <p:txBody>
+          <a:bodyPr/>
+          <a:lstStyle/>
+          <a:p>
+            <a:fld id="{3B80295F-48CD-49FC-897A-CCEC919B8070}" type="slidenum">
+              <a:rPr lang="nl-BE" smtClean="0"/>
+              <a:pPr/>
+              <a:t>31</a:t>
+            </a:fld>
+            <a:endParaRPr lang="nl-BE"/>
+          </a:p>
+        </p:txBody>
+      </p:sp>
+      <p:sp>
+        <p:nvSpPr>
+          <p:cNvPr id="5" name="Footer Placeholder 4">
+            <a:extLst>
+              <a:ext uri="{FF2B5EF4-FFF2-40B4-BE49-F238E27FC236}">
+                <a16:creationId xmlns:a16="http://schemas.microsoft.com/office/drawing/2014/main" id="{E752F29C-CEBE-7E85-8A42-003CB6137EED}"/>
+              </a:ext>
+            </a:extLst>
+          </p:cNvPr>
+          <p:cNvSpPr>
+            <a:spLocks noGrp="1"/>
+          </p:cNvSpPr>
+          <p:nvPr>
+            <p:ph type="ftr" sz="quarter" idx="12"/>
+          </p:nvPr>
+        </p:nvSpPr>
+        <p:spPr/>
+        <p:txBody>
+          <a:bodyPr/>
+          <a:lstStyle/>
+          <a:p>
+            <a:endParaRPr lang="nl-BE"/>
+          </a:p>
+        </p:txBody>
+      </p:sp>
+    </p:spTree>
+    <p:extLst>
+      <p:ext uri="{BB962C8B-B14F-4D97-AF65-F5344CB8AC3E}">
+        <p14:creationId xmlns:p14="http://schemas.microsoft.com/office/powerpoint/2010/main" val="3125584062"/>
+      </p:ext>
+    </p:extLst>
+  </p:cSld>
+  <p:clrMapOvr>
+    <a:masterClrMapping/>
+  </p:clrMapOvr>
+</p:sld>
+</file>
+
+<file path=ppt/slides/slide32.xml><?xml version="1.0" encoding="utf-8"?>
+<p:sld xmlns:a="http://schemas.openxmlformats.org/drawingml/2006/main" xmlns:r="http://schemas.openxmlformats.org/officeDocument/2006/relationships" xmlns:p="http://schemas.openxmlformats.org/presentationml/2006/main">
+  <p:cSld>
+    <p:spTree>
+      <p:nvGrpSpPr>
+        <p:cNvPr id="1" name=""/>
+        <p:cNvGrpSpPr/>
+        <p:nvPr/>
+      </p:nvGrpSpPr>
+      <p:grpSpPr>
+        <a:xfrm>
+          <a:off x="0" y="0"/>
+          <a:ext cx="0" cy="0"/>
+          <a:chOff x="0" y="0"/>
+          <a:chExt cx="0" cy="0"/>
+        </a:xfrm>
+      </p:grpSpPr>
+      <p:sp>
+        <p:nvSpPr>
+          <p:cNvPr id="2" name="Content Placeholder 1">
+            <a:extLst>
+              <a:ext uri="{FF2B5EF4-FFF2-40B4-BE49-F238E27FC236}">
+                <a16:creationId xmlns:a16="http://schemas.microsoft.com/office/drawing/2014/main" id="{12D5C238-9CE5-D4B3-7D7C-2E2AB0E66EC7}"/>
+              </a:ext>
+            </a:extLst>
+          </p:cNvPr>
+          <p:cNvSpPr>
+            <a:spLocks noGrp="1"/>
+          </p:cNvSpPr>
+          <p:nvPr>
+            <p:ph idx="1"/>
+          </p:nvPr>
+        </p:nvSpPr>
+        <p:spPr/>
+        <p:txBody>
+          <a:bodyPr/>
+          <a:lstStyle/>
+          <a:p>
+            <a:r>
+              <a:rPr lang="en-GB" dirty="0"/>
+              <a:t>Events </a:t>
+            </a:r>
+            <a:r>
+              <a:rPr lang="en-GB" dirty="0" err="1"/>
+              <a:t>zeer</a:t>
+            </a:r>
+            <a:r>
+              <a:rPr lang="en-GB" dirty="0"/>
+              <a:t> </a:t>
+            </a:r>
+            <a:r>
+              <a:rPr lang="en-GB" dirty="0" err="1"/>
+              <a:t>snel</a:t>
+            </a:r>
+            <a:r>
+              <a:rPr lang="en-GB" dirty="0"/>
+              <a:t> op </a:t>
+            </a:r>
+            <a:r>
+              <a:rPr lang="en-GB" dirty="0" err="1"/>
+              <a:t>elkaar</a:t>
+            </a:r>
+            <a:endParaRPr lang="en-GB" dirty="0"/>
+          </a:p>
+          <a:p>
+            <a:r>
+              <a:rPr lang="en-GB" dirty="0" err="1"/>
+              <a:t>Berichten</a:t>
+            </a:r>
+            <a:r>
+              <a:rPr lang="en-GB" dirty="0"/>
+              <a:t> </a:t>
+            </a:r>
+            <a:r>
+              <a:rPr lang="en-GB" dirty="0" err="1"/>
+              <a:t>niet</a:t>
+            </a:r>
+            <a:r>
+              <a:rPr lang="en-GB" dirty="0"/>
+              <a:t> </a:t>
+            </a:r>
+            <a:r>
+              <a:rPr lang="en-GB" dirty="0" err="1"/>
+              <a:t>afgeleverd</a:t>
+            </a:r>
+            <a:r>
+              <a:rPr lang="en-GB" dirty="0"/>
+              <a:t> </a:t>
+            </a:r>
+            <a:r>
+              <a:rPr lang="en-GB" dirty="0" err="1"/>
+              <a:t>worden</a:t>
+            </a:r>
+            <a:endParaRPr lang="en-GB" dirty="0"/>
+          </a:p>
+          <a:p>
+            <a:r>
+              <a:rPr lang="en-GB" dirty="0"/>
+              <a:t>1000 </a:t>
+            </a:r>
+            <a:r>
+              <a:rPr lang="en-GB" dirty="0" err="1"/>
+              <a:t>berichten</a:t>
+            </a:r>
+            <a:r>
+              <a:rPr lang="en-GB" dirty="0"/>
+              <a:t> </a:t>
+            </a:r>
+            <a:r>
+              <a:rPr lang="en-GB" dirty="0" err="1"/>
+              <a:t>bufferen</a:t>
+            </a:r>
+            <a:endParaRPr lang="en-GB" dirty="0"/>
+          </a:p>
+          <a:p>
+            <a:r>
+              <a:rPr lang="en-GB" dirty="0"/>
+              <a:t>C#, Java, Python, </a:t>
+            </a:r>
+            <a:r>
+              <a:rPr lang="en-GB" dirty="0" err="1"/>
+              <a:t>en</a:t>
+            </a:r>
+            <a:r>
+              <a:rPr lang="en-GB" dirty="0"/>
+              <a:t> </a:t>
+            </a:r>
+            <a:r>
+              <a:rPr lang="en-GB" dirty="0" err="1"/>
+              <a:t>Javascript</a:t>
+            </a:r>
+            <a:r>
+              <a:rPr lang="en-GB" dirty="0"/>
+              <a:t> </a:t>
+            </a:r>
+            <a:r>
+              <a:rPr lang="en-GB" dirty="0" err="1"/>
+              <a:t>ondersteund</a:t>
+            </a:r>
+            <a:endParaRPr lang="en-GB" dirty="0"/>
+          </a:p>
+          <a:p>
+            <a:r>
+              <a:rPr lang="en-GB" dirty="0"/>
+              <a:t>Single-region </a:t>
+            </a:r>
+            <a:r>
+              <a:rPr lang="en-GB" dirty="0" err="1"/>
+              <a:t>gebruik</a:t>
+            </a:r>
+            <a:endParaRPr lang="en-GB" dirty="0"/>
+          </a:p>
+          <a:p>
+            <a:r>
+              <a:rPr lang="en-GB" dirty="0" err="1"/>
+              <a:t>Prestatie</a:t>
+            </a:r>
+            <a:r>
+              <a:rPr lang="en-GB" dirty="0"/>
+              <a:t>, </a:t>
+            </a:r>
+            <a:r>
+              <a:rPr lang="en-GB" dirty="0" err="1"/>
+              <a:t>betrouwbaarheid</a:t>
+            </a:r>
+            <a:r>
+              <a:rPr lang="en-GB" dirty="0"/>
+              <a:t>, </a:t>
+            </a:r>
+            <a:r>
+              <a:rPr lang="en-GB" dirty="0" err="1"/>
+              <a:t>beschikbaarheid</a:t>
+            </a:r>
+            <a:r>
+              <a:rPr lang="en-GB" dirty="0"/>
+              <a:t> - €?</a:t>
+            </a:r>
+          </a:p>
+        </p:txBody>
+      </p:sp>
+      <p:sp>
+        <p:nvSpPr>
+          <p:cNvPr id="3" name="Title 2">
+            <a:extLst>
+              <a:ext uri="{FF2B5EF4-FFF2-40B4-BE49-F238E27FC236}">
+                <a16:creationId xmlns:a16="http://schemas.microsoft.com/office/drawing/2014/main" id="{2C4E9981-32DD-8C2A-A83E-F117FE032223}"/>
+              </a:ext>
+            </a:extLst>
+          </p:cNvPr>
+          <p:cNvSpPr>
+            <a:spLocks noGrp="1"/>
+          </p:cNvSpPr>
+          <p:nvPr>
+            <p:ph type="title"/>
+          </p:nvPr>
+        </p:nvSpPr>
+        <p:spPr/>
+        <p:txBody>
+          <a:bodyPr/>
+          <a:lstStyle/>
+          <a:p>
+            <a:r>
+              <a:rPr lang="en-GB" dirty="0" err="1"/>
+              <a:t>nadelen</a:t>
+            </a:r>
+            <a:endParaRPr lang="en-BE" dirty="0"/>
+          </a:p>
+        </p:txBody>
+      </p:sp>
+      <p:sp>
+        <p:nvSpPr>
+          <p:cNvPr id="4" name="Slide Number Placeholder 3">
+            <a:extLst>
+              <a:ext uri="{FF2B5EF4-FFF2-40B4-BE49-F238E27FC236}">
+                <a16:creationId xmlns:a16="http://schemas.microsoft.com/office/drawing/2014/main" id="{4E972868-6F95-5206-82BB-0EFAA96736A5}"/>
+              </a:ext>
+            </a:extLst>
+          </p:cNvPr>
+          <p:cNvSpPr>
+            <a:spLocks noGrp="1"/>
+          </p:cNvSpPr>
+          <p:nvPr>
+            <p:ph type="sldNum" sz="quarter" idx="11"/>
+          </p:nvPr>
+        </p:nvSpPr>
+        <p:spPr/>
+        <p:txBody>
+          <a:bodyPr/>
+          <a:lstStyle/>
+          <a:p>
+            <a:fld id="{3B80295F-48CD-49FC-897A-CCEC919B8070}" type="slidenum">
+              <a:rPr lang="nl-BE" smtClean="0"/>
+              <a:pPr/>
+              <a:t>32</a:t>
+            </a:fld>
+            <a:endParaRPr lang="nl-BE"/>
+          </a:p>
+        </p:txBody>
+      </p:sp>
+      <p:sp>
+        <p:nvSpPr>
+          <p:cNvPr id="5" name="Footer Placeholder 4">
+            <a:extLst>
+              <a:ext uri="{FF2B5EF4-FFF2-40B4-BE49-F238E27FC236}">
+                <a16:creationId xmlns:a16="http://schemas.microsoft.com/office/drawing/2014/main" id="{E752F29C-CEBE-7E85-8A42-003CB6137EED}"/>
+              </a:ext>
+            </a:extLst>
+          </p:cNvPr>
+          <p:cNvSpPr>
+            <a:spLocks noGrp="1"/>
+          </p:cNvSpPr>
+          <p:nvPr>
+            <p:ph type="ftr" sz="quarter" idx="12"/>
+          </p:nvPr>
+        </p:nvSpPr>
+        <p:spPr/>
+        <p:txBody>
+          <a:bodyPr/>
+          <a:lstStyle/>
+          <a:p>
+            <a:endParaRPr lang="nl-BE"/>
+          </a:p>
+        </p:txBody>
+      </p:sp>
+    </p:spTree>
+    <p:extLst>
+      <p:ext uri="{BB962C8B-B14F-4D97-AF65-F5344CB8AC3E}">
+        <p14:creationId xmlns:p14="http://schemas.microsoft.com/office/powerpoint/2010/main" val="2784131695"/>
+      </p:ext>
+    </p:extLst>
+  </p:cSld>
+  <p:clrMapOvr>
+    <a:masterClrMapping/>
+  </p:clrMapOvr>
+</p:sld>
+</file>
+
+<file path=ppt/slides/slide33.xml><?xml version="1.0" encoding="utf-8"?>
+<p:sld xmlns:a="http://schemas.openxmlformats.org/drawingml/2006/main" xmlns:r="http://schemas.openxmlformats.org/officeDocument/2006/relationships" xmlns:p="http://schemas.openxmlformats.org/presentationml/2006/main">
+  <p:cSld>
+    <p:spTree>
+      <p:nvGrpSpPr>
+        <p:cNvPr id="1" name=""/>
+        <p:cNvGrpSpPr/>
+        <p:nvPr/>
+      </p:nvGrpSpPr>
+      <p:grpSpPr>
+        <a:xfrm>
+          <a:off x="0" y="0"/>
+          <a:ext cx="0" cy="0"/>
+          <a:chOff x="0" y="0"/>
+          <a:chExt cx="0" cy="0"/>
+        </a:xfrm>
+      </p:grpSpPr>
+      <p:sp>
+        <p:nvSpPr>
+          <p:cNvPr id="3" name="Title 2">
+            <a:extLst>
+              <a:ext uri="{FF2B5EF4-FFF2-40B4-BE49-F238E27FC236}">
+                <a16:creationId xmlns:a16="http://schemas.microsoft.com/office/drawing/2014/main" id="{2F42C553-B592-4464-A4B7-5EC8988D45F6}"/>
+              </a:ext>
+            </a:extLst>
+          </p:cNvPr>
+          <p:cNvSpPr>
+            <a:spLocks noGrp="1"/>
+          </p:cNvSpPr>
+          <p:nvPr>
+            <p:ph type="title"/>
+          </p:nvPr>
+        </p:nvSpPr>
+        <p:spPr/>
+        <p:txBody>
+          <a:bodyPr/>
+          <a:lstStyle/>
+          <a:p>
+            <a:r>
+              <a:rPr lang="en-US" dirty="0" err="1"/>
+              <a:t>Alternatieven</a:t>
+            </a:r>
+            <a:r>
+              <a:rPr lang="en-US" dirty="0"/>
+              <a:t> </a:t>
+            </a:r>
+            <a:r>
+              <a:rPr lang="en-US" dirty="0" err="1"/>
+              <a:t>signalr</a:t>
+            </a:r>
+            <a:endParaRPr lang="en-US" dirty="0"/>
+          </a:p>
+        </p:txBody>
+      </p:sp>
+      <p:sp>
+        <p:nvSpPr>
+          <p:cNvPr id="4" name="Footer Placeholder 3">
+            <a:extLst>
+              <a:ext uri="{FF2B5EF4-FFF2-40B4-BE49-F238E27FC236}">
+                <a16:creationId xmlns:a16="http://schemas.microsoft.com/office/drawing/2014/main" id="{9E41C3BC-E4E5-4D29-AD12-A6D8868395CD}"/>
+              </a:ext>
+            </a:extLst>
+          </p:cNvPr>
+          <p:cNvSpPr>
+            <a:spLocks noGrp="1"/>
+          </p:cNvSpPr>
+          <p:nvPr>
+            <p:ph type="ftr" sz="quarter" idx="12"/>
+          </p:nvPr>
+        </p:nvSpPr>
+        <p:spPr/>
+        <p:txBody>
+          <a:bodyPr/>
+          <a:lstStyle/>
+          <a:p>
+            <a:endParaRPr lang="nl-BE"/>
+          </a:p>
+        </p:txBody>
+      </p:sp>
+      <p:sp>
+        <p:nvSpPr>
+          <p:cNvPr id="5" name="Slide Number Placeholder 4">
+            <a:extLst>
+              <a:ext uri="{FF2B5EF4-FFF2-40B4-BE49-F238E27FC236}">
+                <a16:creationId xmlns:a16="http://schemas.microsoft.com/office/drawing/2014/main" id="{4E55B2F2-EDCE-4E6D-A170-16EBD9623D13}"/>
+              </a:ext>
+            </a:extLst>
+          </p:cNvPr>
+          <p:cNvSpPr>
+            <a:spLocks noGrp="1"/>
+          </p:cNvSpPr>
+          <p:nvPr>
+            <p:ph type="sldNum" sz="quarter" idx="11"/>
+          </p:nvPr>
+        </p:nvSpPr>
+        <p:spPr/>
+        <p:txBody>
+          <a:bodyPr/>
+          <a:lstStyle/>
+          <a:p>
+            <a:fld id="{3B80295F-48CD-49FC-897A-CCEC919B8070}" type="slidenum">
+              <a:rPr lang="nl-BE" smtClean="0"/>
+              <a:pPr/>
+              <a:t>33</a:t>
+            </a:fld>
+            <a:endParaRPr lang="nl-BE"/>
+          </a:p>
+        </p:txBody>
+      </p:sp>
+    </p:spTree>
+    <p:extLst>
+      <p:ext uri="{BB962C8B-B14F-4D97-AF65-F5344CB8AC3E}">
+        <p14:creationId xmlns:p14="http://schemas.microsoft.com/office/powerpoint/2010/main" val="4008829922"/>
+      </p:ext>
+    </p:extLst>
+  </p:cSld>
+  <p:clrMapOvr>
+    <a:masterClrMapping/>
+  </p:clrMapOvr>
+</p:sld>
+</file>
+
+<file path=ppt/slides/slide34.xml><?xml version="1.0" encoding="utf-8"?>
+<p:sld xmlns:a="http://schemas.openxmlformats.org/drawingml/2006/main" xmlns:r="http://schemas.openxmlformats.org/officeDocument/2006/relationships" xmlns:p="http://schemas.openxmlformats.org/presentationml/2006/main">
+  <p:cSld>
+    <p:spTree>
+      <p:nvGrpSpPr>
+        <p:cNvPr id="1" name=""/>
+        <p:cNvGrpSpPr/>
+        <p:nvPr/>
+      </p:nvGrpSpPr>
+      <p:grpSpPr>
+        <a:xfrm>
+          <a:off x="0" y="0"/>
+          <a:ext cx="0" cy="0"/>
+          <a:chOff x="0" y="0"/>
+          <a:chExt cx="0" cy="0"/>
+        </a:xfrm>
+      </p:grpSpPr>
+      <p:sp>
+        <p:nvSpPr>
+          <p:cNvPr id="2" name="Content Placeholder 1">
+            <a:extLst>
+              <a:ext uri="{FF2B5EF4-FFF2-40B4-BE49-F238E27FC236}">
+                <a16:creationId xmlns:a16="http://schemas.microsoft.com/office/drawing/2014/main" id="{D4003ED1-D6B4-5AD8-E698-DE0D3E622B02}"/>
+              </a:ext>
+            </a:extLst>
+          </p:cNvPr>
+          <p:cNvSpPr>
+            <a:spLocks noGrp="1"/>
+          </p:cNvSpPr>
+          <p:nvPr>
+            <p:ph idx="1"/>
+          </p:nvPr>
+        </p:nvSpPr>
+        <p:spPr/>
+        <p:txBody>
+          <a:bodyPr/>
+          <a:lstStyle/>
+          <a:p>
+            <a:r>
+              <a:rPr lang="en-GB" dirty="0"/>
+              <a:t>WebSocket</a:t>
+            </a:r>
+          </a:p>
+          <a:p>
+            <a:r>
+              <a:rPr lang="en-GB" dirty="0"/>
+              <a:t>Amazon’s AWS</a:t>
+            </a:r>
+          </a:p>
+          <a:p>
+            <a:r>
+              <a:rPr lang="en-GB" dirty="0" err="1"/>
+              <a:t>Ook</a:t>
+            </a:r>
+            <a:r>
+              <a:rPr lang="en-GB" dirty="0"/>
+              <a:t> </a:t>
+            </a:r>
+            <a:r>
+              <a:rPr lang="en-GB" dirty="0" err="1"/>
+              <a:t>authorizatie</a:t>
+            </a:r>
+            <a:endParaRPr lang="en-GB" dirty="0"/>
+          </a:p>
+          <a:p>
+            <a:r>
+              <a:rPr lang="en-GB" dirty="0" err="1"/>
+              <a:t>Uitbreidbaar</a:t>
+            </a:r>
+            <a:endParaRPr lang="en-BE" dirty="0"/>
+          </a:p>
+        </p:txBody>
+      </p:sp>
+      <p:sp>
+        <p:nvSpPr>
+          <p:cNvPr id="3" name="Title 2">
+            <a:extLst>
+              <a:ext uri="{FF2B5EF4-FFF2-40B4-BE49-F238E27FC236}">
+                <a16:creationId xmlns:a16="http://schemas.microsoft.com/office/drawing/2014/main" id="{17331BA0-EF9C-F12C-F62F-5ACB6D59BC9B}"/>
+              </a:ext>
+            </a:extLst>
+          </p:cNvPr>
+          <p:cNvSpPr>
+            <a:spLocks noGrp="1"/>
+          </p:cNvSpPr>
+          <p:nvPr>
+            <p:ph type="title"/>
+          </p:nvPr>
+        </p:nvSpPr>
+        <p:spPr/>
+        <p:txBody>
+          <a:bodyPr/>
+          <a:lstStyle/>
+          <a:p>
+            <a:r>
+              <a:rPr lang="en-GB" dirty="0"/>
+              <a:t>Ably serverless </a:t>
+            </a:r>
+            <a:r>
+              <a:rPr lang="en-GB" dirty="0" err="1"/>
+              <a:t>websocket</a:t>
+            </a:r>
+            <a:r>
+              <a:rPr lang="en-GB" dirty="0"/>
+              <a:t> platform</a:t>
+            </a:r>
+            <a:endParaRPr lang="en-BE" dirty="0"/>
+          </a:p>
+        </p:txBody>
+      </p:sp>
+      <p:sp>
+        <p:nvSpPr>
+          <p:cNvPr id="4" name="Slide Number Placeholder 3">
+            <a:extLst>
+              <a:ext uri="{FF2B5EF4-FFF2-40B4-BE49-F238E27FC236}">
+                <a16:creationId xmlns:a16="http://schemas.microsoft.com/office/drawing/2014/main" id="{D981FCED-D877-E872-BDAA-C2DA9EBC8081}"/>
+              </a:ext>
+            </a:extLst>
+          </p:cNvPr>
+          <p:cNvSpPr>
+            <a:spLocks noGrp="1"/>
+          </p:cNvSpPr>
+          <p:nvPr>
+            <p:ph type="sldNum" sz="quarter" idx="11"/>
+          </p:nvPr>
+        </p:nvSpPr>
+        <p:spPr/>
+        <p:txBody>
+          <a:bodyPr/>
+          <a:lstStyle/>
+          <a:p>
+            <a:fld id="{3B80295F-48CD-49FC-897A-CCEC919B8070}" type="slidenum">
+              <a:rPr lang="nl-BE" smtClean="0"/>
+              <a:pPr/>
+              <a:t>34</a:t>
+            </a:fld>
+            <a:endParaRPr lang="nl-BE"/>
+          </a:p>
+        </p:txBody>
+      </p:sp>
+      <p:sp>
+        <p:nvSpPr>
+          <p:cNvPr id="5" name="Footer Placeholder 4">
+            <a:extLst>
+              <a:ext uri="{FF2B5EF4-FFF2-40B4-BE49-F238E27FC236}">
+                <a16:creationId xmlns:a16="http://schemas.microsoft.com/office/drawing/2014/main" id="{1CD44A75-5511-0026-B824-63FBB845F963}"/>
+              </a:ext>
+            </a:extLst>
+          </p:cNvPr>
+          <p:cNvSpPr>
+            <a:spLocks noGrp="1"/>
+          </p:cNvSpPr>
+          <p:nvPr>
+            <p:ph type="ftr" sz="quarter" idx="12"/>
+          </p:nvPr>
+        </p:nvSpPr>
+        <p:spPr/>
+        <p:txBody>
+          <a:bodyPr/>
+          <a:lstStyle/>
+          <a:p>
+            <a:endParaRPr lang="nl-BE"/>
+          </a:p>
+        </p:txBody>
+      </p:sp>
+    </p:spTree>
+    <p:extLst>
+      <p:ext uri="{BB962C8B-B14F-4D97-AF65-F5344CB8AC3E}">
+        <p14:creationId xmlns:p14="http://schemas.microsoft.com/office/powerpoint/2010/main" val="1779556407"/>
+      </p:ext>
+    </p:extLst>
+  </p:cSld>
+  <p:clrMapOvr>
+    <a:masterClrMapping/>
+  </p:clrMapOvr>
+</p:sld>
+</file>
+
+<file path=ppt/slides/slide35.xml><?xml version="1.0" encoding="utf-8"?>
+<p:sld xmlns:a="http://schemas.openxmlformats.org/drawingml/2006/main" xmlns:r="http://schemas.openxmlformats.org/officeDocument/2006/relationships" xmlns:p="http://schemas.openxmlformats.org/presentationml/2006/main">
+  <p:cSld>
+    <p:spTree>
+      <p:nvGrpSpPr>
+        <p:cNvPr id="1" name=""/>
+        <p:cNvGrpSpPr/>
+        <p:nvPr/>
+      </p:nvGrpSpPr>
+      <p:grpSpPr>
+        <a:xfrm>
+          <a:off x="0" y="0"/>
+          <a:ext cx="0" cy="0"/>
+          <a:chOff x="0" y="0"/>
+          <a:chExt cx="0" cy="0"/>
+        </a:xfrm>
+      </p:grpSpPr>
+      <p:sp>
+        <p:nvSpPr>
+          <p:cNvPr id="2" name="Content Placeholder 1">
+            <a:extLst>
+              <a:ext uri="{FF2B5EF4-FFF2-40B4-BE49-F238E27FC236}">
+                <a16:creationId xmlns:a16="http://schemas.microsoft.com/office/drawing/2014/main" id="{3DB7552B-C04A-AEB8-80B2-BFC13CD16DB5}"/>
+              </a:ext>
+            </a:extLst>
+          </p:cNvPr>
+          <p:cNvSpPr>
+            <a:spLocks noGrp="1"/>
+          </p:cNvSpPr>
+          <p:nvPr>
+            <p:ph idx="1"/>
+          </p:nvPr>
+        </p:nvSpPr>
+        <p:spPr/>
+        <p:txBody>
+          <a:bodyPr/>
+          <a:lstStyle/>
+          <a:p>
+            <a:r>
+              <a:rPr lang="en-GB" dirty="0"/>
+              <a:t>WebSocket</a:t>
+            </a:r>
+          </a:p>
+          <a:p>
+            <a:r>
+              <a:rPr lang="en-GB" dirty="0"/>
+              <a:t>Azure hosting, </a:t>
+            </a:r>
+            <a:r>
+              <a:rPr lang="en-GB" dirty="0" err="1"/>
+              <a:t>schaalbaarheid</a:t>
+            </a:r>
+            <a:r>
+              <a:rPr lang="en-GB" dirty="0"/>
+              <a:t> &amp; load balancing</a:t>
+            </a:r>
+          </a:p>
+          <a:p>
+            <a:r>
+              <a:rPr lang="en-GB" dirty="0" err="1"/>
+              <a:t>Andere</a:t>
+            </a:r>
+            <a:r>
+              <a:rPr lang="en-GB" dirty="0"/>
+              <a:t> Azure </a:t>
+            </a:r>
+            <a:r>
+              <a:rPr lang="en-GB" dirty="0" err="1"/>
+              <a:t>technologieën</a:t>
+            </a:r>
+            <a:endParaRPr lang="en-GB" dirty="0"/>
+          </a:p>
+          <a:p>
+            <a:r>
+              <a:rPr lang="en-GB" dirty="0" err="1"/>
+              <a:t>Kostprijs</a:t>
+            </a:r>
+            <a:r>
+              <a:rPr lang="en-GB" dirty="0"/>
+              <a:t>?</a:t>
+            </a:r>
+            <a:endParaRPr lang="en-BE" dirty="0"/>
+          </a:p>
+        </p:txBody>
+      </p:sp>
+      <p:sp>
+        <p:nvSpPr>
+          <p:cNvPr id="3" name="Title 2">
+            <a:extLst>
+              <a:ext uri="{FF2B5EF4-FFF2-40B4-BE49-F238E27FC236}">
+                <a16:creationId xmlns:a16="http://schemas.microsoft.com/office/drawing/2014/main" id="{722EDC92-5E37-3C0E-1A36-281119378AD9}"/>
+              </a:ext>
+            </a:extLst>
+          </p:cNvPr>
+          <p:cNvSpPr>
+            <a:spLocks noGrp="1"/>
+          </p:cNvSpPr>
+          <p:nvPr>
+            <p:ph type="title"/>
+          </p:nvPr>
+        </p:nvSpPr>
+        <p:spPr/>
+        <p:txBody>
+          <a:bodyPr/>
+          <a:lstStyle/>
+          <a:p>
+            <a:r>
+              <a:rPr lang="en-GB" dirty="0"/>
+              <a:t>Azure web </a:t>
+            </a:r>
+            <a:r>
+              <a:rPr lang="en-GB" dirty="0" err="1"/>
+              <a:t>pubsub</a:t>
+            </a:r>
+            <a:endParaRPr lang="en-BE" dirty="0"/>
+          </a:p>
+        </p:txBody>
+      </p:sp>
+      <p:sp>
+        <p:nvSpPr>
+          <p:cNvPr id="4" name="Slide Number Placeholder 3">
+            <a:extLst>
+              <a:ext uri="{FF2B5EF4-FFF2-40B4-BE49-F238E27FC236}">
+                <a16:creationId xmlns:a16="http://schemas.microsoft.com/office/drawing/2014/main" id="{752DACC0-C34E-61B3-5F1E-2D73A79B7370}"/>
+              </a:ext>
+            </a:extLst>
+          </p:cNvPr>
+          <p:cNvSpPr>
+            <a:spLocks noGrp="1"/>
+          </p:cNvSpPr>
+          <p:nvPr>
+            <p:ph type="sldNum" sz="quarter" idx="11"/>
+          </p:nvPr>
+        </p:nvSpPr>
+        <p:spPr/>
+        <p:txBody>
+          <a:bodyPr/>
+          <a:lstStyle/>
+          <a:p>
+            <a:fld id="{3B80295F-48CD-49FC-897A-CCEC919B8070}" type="slidenum">
+              <a:rPr lang="nl-BE" smtClean="0"/>
+              <a:pPr/>
+              <a:t>35</a:t>
+            </a:fld>
+            <a:endParaRPr lang="nl-BE"/>
+          </a:p>
+        </p:txBody>
+      </p:sp>
+      <p:sp>
+        <p:nvSpPr>
+          <p:cNvPr id="5" name="Footer Placeholder 4">
+            <a:extLst>
+              <a:ext uri="{FF2B5EF4-FFF2-40B4-BE49-F238E27FC236}">
+                <a16:creationId xmlns:a16="http://schemas.microsoft.com/office/drawing/2014/main" id="{1EFBB50C-8211-7905-80A8-ECE37C9DB1D8}"/>
+              </a:ext>
+            </a:extLst>
+          </p:cNvPr>
+          <p:cNvSpPr>
+            <a:spLocks noGrp="1"/>
+          </p:cNvSpPr>
+          <p:nvPr>
+            <p:ph type="ftr" sz="quarter" idx="12"/>
+          </p:nvPr>
+        </p:nvSpPr>
+        <p:spPr/>
+        <p:txBody>
+          <a:bodyPr/>
+          <a:lstStyle/>
+          <a:p>
+            <a:endParaRPr lang="nl-BE"/>
+          </a:p>
+        </p:txBody>
+      </p:sp>
+    </p:spTree>
+    <p:extLst>
+      <p:ext uri="{BB962C8B-B14F-4D97-AF65-F5344CB8AC3E}">
+        <p14:creationId xmlns:p14="http://schemas.microsoft.com/office/powerpoint/2010/main" val="677927851"/>
+      </p:ext>
+    </p:extLst>
+  </p:cSld>
+  <p:clrMapOvr>
+    <a:masterClrMapping/>
+  </p:clrMapOvr>
+</p:sld>
+</file>
+
+<file path=ppt/slides/slide36.xml><?xml version="1.0" encoding="utf-8"?>
+<p:sld xmlns:a="http://schemas.openxmlformats.org/drawingml/2006/main" xmlns:r="http://schemas.openxmlformats.org/officeDocument/2006/relationships" xmlns:p="http://schemas.openxmlformats.org/presentationml/2006/main">
+  <p:cSld>
+    <p:spTree>
+      <p:nvGrpSpPr>
+        <p:cNvPr id="1" name=""/>
+        <p:cNvGrpSpPr/>
+        <p:nvPr/>
+      </p:nvGrpSpPr>
+      <p:grpSpPr>
+        <a:xfrm>
+          <a:off x="0" y="0"/>
+          <a:ext cx="0" cy="0"/>
+          <a:chOff x="0" y="0"/>
+          <a:chExt cx="0" cy="0"/>
+        </a:xfrm>
+      </p:grpSpPr>
+      <p:sp>
+        <p:nvSpPr>
+          <p:cNvPr id="2" name="Content Placeholder 1">
+            <a:extLst>
+              <a:ext uri="{FF2B5EF4-FFF2-40B4-BE49-F238E27FC236}">
+                <a16:creationId xmlns:a16="http://schemas.microsoft.com/office/drawing/2014/main" id="{65D91E06-8DFC-EE2F-B437-AB65B578695E}"/>
+              </a:ext>
+            </a:extLst>
+          </p:cNvPr>
+          <p:cNvSpPr>
+            <a:spLocks noGrp="1"/>
+          </p:cNvSpPr>
+          <p:nvPr>
+            <p:ph idx="1"/>
+          </p:nvPr>
+        </p:nvSpPr>
+        <p:spPr/>
+        <p:txBody>
+          <a:bodyPr/>
+          <a:lstStyle/>
+          <a:p>
+            <a:r>
+              <a:rPr lang="en-GB" dirty="0" err="1"/>
+              <a:t>Mobiel</a:t>
+            </a:r>
+            <a:r>
+              <a:rPr lang="en-GB" dirty="0"/>
+              <a:t> &amp; web</a:t>
+            </a:r>
+          </a:p>
+          <a:p>
+            <a:r>
+              <a:rPr lang="en-GB" dirty="0" err="1"/>
+              <a:t>Javascript</a:t>
+            </a:r>
+            <a:r>
+              <a:rPr lang="en-GB" dirty="0"/>
+              <a:t>, PHP, .NET, Python </a:t>
+            </a:r>
+            <a:r>
+              <a:rPr lang="en-GB" dirty="0" err="1"/>
+              <a:t>en</a:t>
+            </a:r>
+            <a:r>
+              <a:rPr lang="en-GB" dirty="0"/>
+              <a:t> Java</a:t>
+            </a:r>
+          </a:p>
+          <a:p>
+            <a:r>
+              <a:rPr lang="en-GB" dirty="0"/>
+              <a:t>Events</a:t>
+            </a:r>
+          </a:p>
+          <a:p>
+            <a:r>
+              <a:rPr lang="en-GB" dirty="0"/>
+              <a:t>New-price</a:t>
+            </a:r>
+            <a:endParaRPr lang="en-BE" dirty="0"/>
+          </a:p>
+        </p:txBody>
+      </p:sp>
+      <p:sp>
+        <p:nvSpPr>
+          <p:cNvPr id="3" name="Title 2">
+            <a:extLst>
+              <a:ext uri="{FF2B5EF4-FFF2-40B4-BE49-F238E27FC236}">
+                <a16:creationId xmlns:a16="http://schemas.microsoft.com/office/drawing/2014/main" id="{23B51A81-8112-331E-D676-72618A709F5F}"/>
+              </a:ext>
+            </a:extLst>
+          </p:cNvPr>
+          <p:cNvSpPr>
+            <a:spLocks noGrp="1"/>
+          </p:cNvSpPr>
+          <p:nvPr>
+            <p:ph type="title"/>
+          </p:nvPr>
+        </p:nvSpPr>
+        <p:spPr/>
+        <p:txBody>
+          <a:bodyPr/>
+          <a:lstStyle/>
+          <a:p>
+            <a:r>
+              <a:rPr lang="en-GB" dirty="0"/>
+              <a:t>Pusher</a:t>
+            </a:r>
+            <a:endParaRPr lang="en-BE" dirty="0"/>
+          </a:p>
+        </p:txBody>
+      </p:sp>
+      <p:sp>
+        <p:nvSpPr>
+          <p:cNvPr id="4" name="Slide Number Placeholder 3">
+            <a:extLst>
+              <a:ext uri="{FF2B5EF4-FFF2-40B4-BE49-F238E27FC236}">
+                <a16:creationId xmlns:a16="http://schemas.microsoft.com/office/drawing/2014/main" id="{1B15138B-FAC0-03AA-B690-9C20F944CA06}"/>
+              </a:ext>
+            </a:extLst>
+          </p:cNvPr>
+          <p:cNvSpPr>
+            <a:spLocks noGrp="1"/>
+          </p:cNvSpPr>
+          <p:nvPr>
+            <p:ph type="sldNum" sz="quarter" idx="11"/>
+          </p:nvPr>
+        </p:nvSpPr>
+        <p:spPr/>
+        <p:txBody>
+          <a:bodyPr/>
+          <a:lstStyle/>
+          <a:p>
+            <a:fld id="{3B80295F-48CD-49FC-897A-CCEC919B8070}" type="slidenum">
+              <a:rPr lang="nl-BE" smtClean="0"/>
+              <a:pPr/>
+              <a:t>36</a:t>
+            </a:fld>
+            <a:endParaRPr lang="nl-BE"/>
+          </a:p>
+        </p:txBody>
+      </p:sp>
+      <p:sp>
+        <p:nvSpPr>
+          <p:cNvPr id="5" name="Footer Placeholder 4">
+            <a:extLst>
+              <a:ext uri="{FF2B5EF4-FFF2-40B4-BE49-F238E27FC236}">
+                <a16:creationId xmlns:a16="http://schemas.microsoft.com/office/drawing/2014/main" id="{B8A37243-95B1-B476-B8DA-9DC40AB7EC64}"/>
+              </a:ext>
+            </a:extLst>
+          </p:cNvPr>
+          <p:cNvSpPr>
+            <a:spLocks noGrp="1"/>
+          </p:cNvSpPr>
+          <p:nvPr>
+            <p:ph type="ftr" sz="quarter" idx="12"/>
+          </p:nvPr>
+        </p:nvSpPr>
+        <p:spPr/>
+        <p:txBody>
+          <a:bodyPr/>
+          <a:lstStyle/>
+          <a:p>
+            <a:endParaRPr lang="nl-BE"/>
+          </a:p>
+        </p:txBody>
+      </p:sp>
+    </p:spTree>
+    <p:extLst>
+      <p:ext uri="{BB962C8B-B14F-4D97-AF65-F5344CB8AC3E}">
+        <p14:creationId xmlns:p14="http://schemas.microsoft.com/office/powerpoint/2010/main" val="3153451546"/>
+      </p:ext>
+    </p:extLst>
+  </p:cSld>
+  <p:clrMapOvr>
+    <a:masterClrMapping/>
+  </p:clrMapOvr>
+</p:sld>
+</file>
+
+<file path=ppt/slides/slide37.xml><?xml version="1.0" encoding="utf-8"?>
+<p:sld xmlns:a="http://schemas.openxmlformats.org/drawingml/2006/main" xmlns:r="http://schemas.openxmlformats.org/officeDocument/2006/relationships" xmlns:p="http://schemas.openxmlformats.org/presentationml/2006/main">
+  <p:cSld>
+    <p:spTree>
+      <p:nvGrpSpPr>
+        <p:cNvPr id="1" name=""/>
+        <p:cNvGrpSpPr/>
+        <p:nvPr/>
+      </p:nvGrpSpPr>
+      <p:grpSpPr>
+        <a:xfrm>
+          <a:off x="0" y="0"/>
+          <a:ext cx="0" cy="0"/>
+          <a:chOff x="0" y="0"/>
+          <a:chExt cx="0" cy="0"/>
+        </a:xfrm>
+      </p:grpSpPr>
+      <p:sp>
+        <p:nvSpPr>
+          <p:cNvPr id="2" name="Content Placeholder 1">
+            <a:extLst>
+              <a:ext uri="{FF2B5EF4-FFF2-40B4-BE49-F238E27FC236}">
+                <a16:creationId xmlns:a16="http://schemas.microsoft.com/office/drawing/2014/main" id="{ACBC8A0F-21B4-FD91-3B48-4DAB103CB0B1}"/>
+              </a:ext>
+            </a:extLst>
+          </p:cNvPr>
+          <p:cNvSpPr>
+            <a:spLocks noGrp="1"/>
+          </p:cNvSpPr>
+          <p:nvPr>
+            <p:ph idx="1"/>
+          </p:nvPr>
+        </p:nvSpPr>
+        <p:spPr/>
+        <p:txBody>
+          <a:bodyPr/>
+          <a:lstStyle/>
+          <a:p>
+            <a:r>
+              <a:rPr lang="en-GB" dirty="0"/>
+              <a:t>WebSocket</a:t>
+            </a:r>
+          </a:p>
+          <a:p>
+            <a:r>
+              <a:rPr lang="en-GB" dirty="0"/>
+              <a:t>Server </a:t>
+            </a:r>
+            <a:r>
+              <a:rPr lang="en-GB" dirty="0">
+                <a:sym typeface="Wingdings" panose="05000000000000000000" pitchFamily="2" charset="2"/>
+              </a:rPr>
+              <a:t> NODE.JS</a:t>
+            </a:r>
+          </a:p>
+          <a:p>
+            <a:r>
+              <a:rPr lang="en-GB" dirty="0" err="1">
+                <a:sym typeface="Wingdings" panose="05000000000000000000" pitchFamily="2" charset="2"/>
+              </a:rPr>
+              <a:t>Gebruiker</a:t>
+            </a:r>
+            <a:r>
+              <a:rPr lang="en-GB" dirty="0">
+                <a:sym typeface="Wingdings" panose="05000000000000000000" pitchFamily="2" charset="2"/>
+              </a:rPr>
+              <a:t> </a:t>
+            </a:r>
+            <a:r>
+              <a:rPr lang="en-GB" dirty="0" err="1">
+                <a:sym typeface="Wingdings" panose="05000000000000000000" pitchFamily="2" charset="2"/>
+              </a:rPr>
+              <a:t>bibliotheek</a:t>
+            </a:r>
+            <a:endParaRPr lang="en-GB" dirty="0">
+              <a:sym typeface="Wingdings" panose="05000000000000000000" pitchFamily="2" charset="2"/>
+            </a:endParaRPr>
+          </a:p>
+          <a:p>
+            <a:r>
+              <a:rPr lang="en-GB" dirty="0">
+                <a:sym typeface="Wingdings" panose="05000000000000000000" pitchFamily="2" charset="2"/>
+              </a:rPr>
+              <a:t>Package manager</a:t>
+            </a:r>
+          </a:p>
+          <a:p>
+            <a:r>
+              <a:rPr lang="en-GB" dirty="0">
+                <a:sym typeface="Wingdings" panose="05000000000000000000" pitchFamily="2" charset="2"/>
+              </a:rPr>
+              <a:t>Fallback </a:t>
+            </a:r>
+            <a:r>
+              <a:rPr lang="en-GB" dirty="0" err="1">
+                <a:sym typeface="Wingdings" panose="05000000000000000000" pitchFamily="2" charset="2"/>
+              </a:rPr>
+              <a:t>systeem</a:t>
+            </a:r>
+            <a:endParaRPr lang="en-BE" dirty="0"/>
+          </a:p>
+        </p:txBody>
+      </p:sp>
+      <p:sp>
+        <p:nvSpPr>
+          <p:cNvPr id="3" name="Title 2">
+            <a:extLst>
+              <a:ext uri="{FF2B5EF4-FFF2-40B4-BE49-F238E27FC236}">
+                <a16:creationId xmlns:a16="http://schemas.microsoft.com/office/drawing/2014/main" id="{E4A6A291-7C1F-401B-7C4F-B179A2E228E1}"/>
+              </a:ext>
+            </a:extLst>
+          </p:cNvPr>
+          <p:cNvSpPr>
+            <a:spLocks noGrp="1"/>
+          </p:cNvSpPr>
+          <p:nvPr>
+            <p:ph type="title"/>
+          </p:nvPr>
+        </p:nvSpPr>
+        <p:spPr/>
+        <p:txBody>
+          <a:bodyPr/>
+          <a:lstStyle/>
+          <a:p>
+            <a:r>
+              <a:rPr lang="en-GB" dirty="0"/>
+              <a:t>socket.io</a:t>
+            </a:r>
+            <a:endParaRPr lang="en-BE" dirty="0"/>
+          </a:p>
+        </p:txBody>
+      </p:sp>
+      <p:sp>
+        <p:nvSpPr>
+          <p:cNvPr id="4" name="Slide Number Placeholder 3">
+            <a:extLst>
+              <a:ext uri="{FF2B5EF4-FFF2-40B4-BE49-F238E27FC236}">
+                <a16:creationId xmlns:a16="http://schemas.microsoft.com/office/drawing/2014/main" id="{AA408B1D-28F2-13B2-0501-41366AF717EC}"/>
+              </a:ext>
+            </a:extLst>
+          </p:cNvPr>
+          <p:cNvSpPr>
+            <a:spLocks noGrp="1"/>
+          </p:cNvSpPr>
+          <p:nvPr>
+            <p:ph type="sldNum" sz="quarter" idx="11"/>
+          </p:nvPr>
+        </p:nvSpPr>
+        <p:spPr/>
+        <p:txBody>
+          <a:bodyPr/>
+          <a:lstStyle/>
+          <a:p>
+            <a:fld id="{3B80295F-48CD-49FC-897A-CCEC919B8070}" type="slidenum">
+              <a:rPr lang="nl-BE" smtClean="0"/>
+              <a:pPr/>
+              <a:t>37</a:t>
+            </a:fld>
+            <a:endParaRPr lang="nl-BE"/>
+          </a:p>
+        </p:txBody>
+      </p:sp>
+      <p:sp>
+        <p:nvSpPr>
+          <p:cNvPr id="5" name="Footer Placeholder 4">
+            <a:extLst>
+              <a:ext uri="{FF2B5EF4-FFF2-40B4-BE49-F238E27FC236}">
+                <a16:creationId xmlns:a16="http://schemas.microsoft.com/office/drawing/2014/main" id="{A24A5B7C-5A36-B2A0-C92C-8F7A079C85E0}"/>
+              </a:ext>
+            </a:extLst>
+          </p:cNvPr>
+          <p:cNvSpPr>
+            <a:spLocks noGrp="1"/>
+          </p:cNvSpPr>
+          <p:nvPr>
+            <p:ph type="ftr" sz="quarter" idx="12"/>
+          </p:nvPr>
+        </p:nvSpPr>
+        <p:spPr/>
+        <p:txBody>
+          <a:bodyPr/>
+          <a:lstStyle/>
+          <a:p>
+            <a:endParaRPr lang="nl-BE"/>
+          </a:p>
+        </p:txBody>
+      </p:sp>
+    </p:spTree>
+    <p:extLst>
+      <p:ext uri="{BB962C8B-B14F-4D97-AF65-F5344CB8AC3E}">
+        <p14:creationId xmlns:p14="http://schemas.microsoft.com/office/powerpoint/2010/main" val="1226964287"/>
+      </p:ext>
+    </p:extLst>
+  </p:cSld>
+  <p:clrMapOvr>
+    <a:masterClrMapping/>
+  </p:clrMapOvr>
+</p:sld>
+</file>
+
+<file path=ppt/slides/slide38.xml><?xml version="1.0" encoding="utf-8"?>
+<p:sld xmlns:a="http://schemas.openxmlformats.org/drawingml/2006/main" xmlns:r="http://schemas.openxmlformats.org/officeDocument/2006/relationships" xmlns:p="http://schemas.openxmlformats.org/presentationml/2006/main">
+  <p:cSld>
+    <p:spTree>
+      <p:nvGrpSpPr>
+        <p:cNvPr id="1" name=""/>
+        <p:cNvGrpSpPr/>
+        <p:nvPr/>
+      </p:nvGrpSpPr>
+      <p:grpSpPr>
+        <a:xfrm>
+          <a:off x="0" y="0"/>
+          <a:ext cx="0" cy="0"/>
+          <a:chOff x="0" y="0"/>
+          <a:chExt cx="0" cy="0"/>
+        </a:xfrm>
+      </p:grpSpPr>
+      <p:sp>
+        <p:nvSpPr>
+          <p:cNvPr id="3" name="Title 2">
+            <a:extLst>
+              <a:ext uri="{FF2B5EF4-FFF2-40B4-BE49-F238E27FC236}">
+                <a16:creationId xmlns:a16="http://schemas.microsoft.com/office/drawing/2014/main" id="{2F42C553-B592-4464-A4B7-5EC8988D45F6}"/>
+              </a:ext>
+            </a:extLst>
+          </p:cNvPr>
+          <p:cNvSpPr>
+            <a:spLocks noGrp="1"/>
+          </p:cNvSpPr>
+          <p:nvPr>
+            <p:ph type="title"/>
+          </p:nvPr>
+        </p:nvSpPr>
+        <p:spPr/>
+        <p:txBody>
+          <a:bodyPr/>
+          <a:lstStyle/>
+          <a:p>
+            <a:r>
+              <a:rPr lang="en-US" dirty="0" err="1"/>
+              <a:t>toekomst</a:t>
+            </a:r>
+            <a:endParaRPr lang="en-US" dirty="0"/>
+          </a:p>
+        </p:txBody>
+      </p:sp>
+      <p:sp>
+        <p:nvSpPr>
+          <p:cNvPr id="4" name="Footer Placeholder 3">
+            <a:extLst>
+              <a:ext uri="{FF2B5EF4-FFF2-40B4-BE49-F238E27FC236}">
+                <a16:creationId xmlns:a16="http://schemas.microsoft.com/office/drawing/2014/main" id="{9E41C3BC-E4E5-4D29-AD12-A6D8868395CD}"/>
+              </a:ext>
+            </a:extLst>
+          </p:cNvPr>
+          <p:cNvSpPr>
+            <a:spLocks noGrp="1"/>
+          </p:cNvSpPr>
+          <p:nvPr>
+            <p:ph type="ftr" sz="quarter" idx="12"/>
+          </p:nvPr>
+        </p:nvSpPr>
+        <p:spPr/>
+        <p:txBody>
+          <a:bodyPr/>
+          <a:lstStyle/>
+          <a:p>
+            <a:endParaRPr lang="nl-BE"/>
+          </a:p>
+        </p:txBody>
+      </p:sp>
+      <p:sp>
+        <p:nvSpPr>
+          <p:cNvPr id="5" name="Slide Number Placeholder 4">
+            <a:extLst>
+              <a:ext uri="{FF2B5EF4-FFF2-40B4-BE49-F238E27FC236}">
+                <a16:creationId xmlns:a16="http://schemas.microsoft.com/office/drawing/2014/main" id="{4E55B2F2-EDCE-4E6D-A170-16EBD9623D13}"/>
+              </a:ext>
+            </a:extLst>
+          </p:cNvPr>
+          <p:cNvSpPr>
+            <a:spLocks noGrp="1"/>
+          </p:cNvSpPr>
+          <p:nvPr>
+            <p:ph type="sldNum" sz="quarter" idx="11"/>
+          </p:nvPr>
+        </p:nvSpPr>
+        <p:spPr/>
+        <p:txBody>
+          <a:bodyPr/>
+          <a:lstStyle/>
+          <a:p>
+            <a:fld id="{3B80295F-48CD-49FC-897A-CCEC919B8070}" type="slidenum">
+              <a:rPr lang="nl-BE" smtClean="0"/>
+              <a:pPr/>
+              <a:t>38</a:t>
+            </a:fld>
+            <a:endParaRPr lang="nl-BE"/>
+          </a:p>
+        </p:txBody>
+      </p:sp>
+    </p:spTree>
+    <p:extLst>
+      <p:ext uri="{BB962C8B-B14F-4D97-AF65-F5344CB8AC3E}">
+        <p14:creationId xmlns:p14="http://schemas.microsoft.com/office/powerpoint/2010/main" val="3702091638"/>
+      </p:ext>
+    </p:extLst>
+  </p:cSld>
+  <p:clrMapOvr>
+    <a:masterClrMapping/>
+  </p:clrMapOvr>
+</p:sld>
+</file>
+
+<file path=ppt/slides/slide39.xml><?xml version="1.0" encoding="utf-8"?>
+<p:sld xmlns:a="http://schemas.openxmlformats.org/drawingml/2006/main" xmlns:r="http://schemas.openxmlformats.org/officeDocument/2006/relationships" xmlns:p="http://schemas.openxmlformats.org/presentationml/2006/main">
+  <p:cSld>
+    <p:spTree>
+      <p:nvGrpSpPr>
+        <p:cNvPr id="1" name=""/>
+        <p:cNvGrpSpPr/>
+        <p:nvPr/>
+      </p:nvGrpSpPr>
+      <p:grpSpPr>
+        <a:xfrm>
+          <a:off x="0" y="0"/>
+          <a:ext cx="0" cy="0"/>
+          <a:chOff x="0" y="0"/>
+          <a:chExt cx="0" cy="0"/>
+        </a:xfrm>
+      </p:grpSpPr>
+      <p:sp>
+        <p:nvSpPr>
+          <p:cNvPr id="2" name="Content Placeholder 1">
+            <a:extLst>
+              <a:ext uri="{FF2B5EF4-FFF2-40B4-BE49-F238E27FC236}">
+                <a16:creationId xmlns:a16="http://schemas.microsoft.com/office/drawing/2014/main" id="{49C96621-DDA2-43EB-9F25-F650BD381CFB}"/>
+              </a:ext>
+            </a:extLst>
+          </p:cNvPr>
+          <p:cNvSpPr>
+            <a:spLocks noGrp="1"/>
+          </p:cNvSpPr>
+          <p:nvPr>
+            <p:ph idx="1"/>
+          </p:nvPr>
+        </p:nvSpPr>
+        <p:spPr/>
+        <p:txBody>
+          <a:bodyPr/>
+          <a:lstStyle/>
+          <a:p>
+            <a:r>
+              <a:rPr lang="en-US" dirty="0"/>
+              <a:t>.NET 5 in 2020</a:t>
+            </a:r>
+          </a:p>
+          <a:p>
+            <a:r>
+              <a:rPr lang="en-US" dirty="0"/>
+              <a:t>.NET 6 in 2021</a:t>
+            </a:r>
+          </a:p>
+          <a:p>
+            <a:r>
+              <a:rPr lang="en-US" dirty="0"/>
+              <a:t>.NET 7 in 2022</a:t>
+            </a:r>
+          </a:p>
+          <a:p>
+            <a:r>
+              <a:rPr lang="en-US" dirty="0"/>
+              <a:t>November .NET 8</a:t>
+            </a:r>
+          </a:p>
+          <a:p>
+            <a:r>
+              <a:rPr lang="en-US" dirty="0"/>
+              <a:t>Meer </a:t>
+            </a:r>
+            <a:r>
+              <a:rPr lang="en-US" dirty="0" err="1"/>
+              <a:t>weerbaar</a:t>
+            </a:r>
+            <a:r>
+              <a:rPr lang="en-US" dirty="0"/>
+              <a:t> &amp; </a:t>
+            </a:r>
+            <a:r>
+              <a:rPr lang="en-US" dirty="0" err="1"/>
+              <a:t>krachtig</a:t>
+            </a:r>
+            <a:endParaRPr lang="en-US" dirty="0"/>
+          </a:p>
+          <a:p>
+            <a:r>
+              <a:rPr lang="en-US" dirty="0" err="1"/>
+              <a:t>Kleine</a:t>
+            </a:r>
+            <a:r>
+              <a:rPr lang="en-US" dirty="0"/>
+              <a:t> updates </a:t>
+            </a:r>
+            <a:r>
+              <a:rPr lang="en-US" dirty="0">
+                <a:sym typeface="Wingdings" panose="05000000000000000000" pitchFamily="2" charset="2"/>
+              </a:rPr>
+              <a:t> </a:t>
+            </a:r>
+            <a:r>
+              <a:rPr lang="en-US" dirty="0" err="1">
+                <a:sym typeface="Wingdings" panose="05000000000000000000" pitchFamily="2" charset="2"/>
+              </a:rPr>
+              <a:t>oudere</a:t>
+            </a:r>
+            <a:r>
+              <a:rPr lang="en-US" dirty="0">
+                <a:sym typeface="Wingdings" panose="05000000000000000000" pitchFamily="2" charset="2"/>
+              </a:rPr>
+              <a:t> systemin</a:t>
+            </a:r>
+          </a:p>
+          <a:p>
+            <a:r>
+              <a:rPr lang="en-US" dirty="0">
+                <a:sym typeface="Wingdings" panose="05000000000000000000" pitchFamily="2" charset="2"/>
+              </a:rPr>
+              <a:t>Updates </a:t>
+            </a:r>
+            <a:r>
+              <a:rPr lang="en-US" dirty="0" err="1">
+                <a:sym typeface="Wingdings" panose="05000000000000000000" pitchFamily="2" charset="2"/>
+              </a:rPr>
+              <a:t>SignalR</a:t>
+            </a:r>
+            <a:r>
+              <a:rPr lang="en-US" dirty="0">
+                <a:sym typeface="Wingdings" panose="05000000000000000000" pitchFamily="2" charset="2"/>
+              </a:rPr>
+              <a:t>?</a:t>
+            </a:r>
+            <a:endParaRPr lang="en-US" dirty="0"/>
+          </a:p>
+        </p:txBody>
+      </p:sp>
+      <p:sp>
+        <p:nvSpPr>
+          <p:cNvPr id="3" name="Title 2">
+            <a:extLst>
+              <a:ext uri="{FF2B5EF4-FFF2-40B4-BE49-F238E27FC236}">
+                <a16:creationId xmlns:a16="http://schemas.microsoft.com/office/drawing/2014/main" id="{B6282170-58B5-437A-B277-73F7EDEEAC48}"/>
+              </a:ext>
+            </a:extLst>
+          </p:cNvPr>
+          <p:cNvSpPr>
+            <a:spLocks noGrp="1"/>
+          </p:cNvSpPr>
+          <p:nvPr>
+            <p:ph type="title"/>
+          </p:nvPr>
+        </p:nvSpPr>
+        <p:spPr/>
+        <p:txBody>
+          <a:bodyPr/>
+          <a:lstStyle/>
+          <a:p>
+            <a:r>
+              <a:rPr lang="en-US" dirty="0" err="1"/>
+              <a:t>toekomst</a:t>
+            </a:r>
+            <a:endParaRPr lang="en-US" dirty="0"/>
+          </a:p>
+        </p:txBody>
+      </p:sp>
+      <p:sp>
+        <p:nvSpPr>
+          <p:cNvPr id="4" name="Slide Number Placeholder 3">
+            <a:extLst>
+              <a:ext uri="{FF2B5EF4-FFF2-40B4-BE49-F238E27FC236}">
+                <a16:creationId xmlns:a16="http://schemas.microsoft.com/office/drawing/2014/main" id="{49FE6B9F-285D-4793-8608-D799E7E68B2C}"/>
+              </a:ext>
+            </a:extLst>
+          </p:cNvPr>
+          <p:cNvSpPr>
+            <a:spLocks noGrp="1"/>
+          </p:cNvSpPr>
+          <p:nvPr>
+            <p:ph type="sldNum" sz="quarter" idx="11"/>
+          </p:nvPr>
+        </p:nvSpPr>
+        <p:spPr/>
+        <p:txBody>
+          <a:bodyPr/>
+          <a:lstStyle/>
+          <a:p>
+            <a:fld id="{3B80295F-48CD-49FC-897A-CCEC919B8070}" type="slidenum">
+              <a:rPr lang="nl-BE" smtClean="0"/>
+              <a:pPr/>
+              <a:t>39</a:t>
+            </a:fld>
+            <a:endParaRPr lang="nl-BE"/>
+          </a:p>
+        </p:txBody>
+      </p:sp>
+      <p:sp>
+        <p:nvSpPr>
+          <p:cNvPr id="5" name="Footer Placeholder 4">
+            <a:extLst>
+              <a:ext uri="{FF2B5EF4-FFF2-40B4-BE49-F238E27FC236}">
+                <a16:creationId xmlns:a16="http://schemas.microsoft.com/office/drawing/2014/main" id="{03929003-0463-45B4-ACDA-5F5D41FBEC6A}"/>
+              </a:ext>
+            </a:extLst>
+          </p:cNvPr>
+          <p:cNvSpPr>
+            <a:spLocks noGrp="1"/>
+          </p:cNvSpPr>
+          <p:nvPr>
+            <p:ph type="ftr" sz="quarter" idx="12"/>
+          </p:nvPr>
+        </p:nvSpPr>
+        <p:spPr/>
+        <p:txBody>
+          <a:bodyPr/>
+          <a:lstStyle/>
+          <a:p>
+            <a:endParaRPr lang="nl-BE" dirty="0"/>
+          </a:p>
+        </p:txBody>
+      </p:sp>
+    </p:spTree>
+    <p:extLst>
+      <p:ext uri="{BB962C8B-B14F-4D97-AF65-F5344CB8AC3E}">
+        <p14:creationId xmlns:p14="http://schemas.microsoft.com/office/powerpoint/2010/main" val="4129453725"/>
+      </p:ext>
+    </p:extLst>
+  </p:cSld>
+  <p:clrMapOvr>
+    <a:masterClrMapping/>
+  </p:clrMapOvr>
+</p:sld>
+</file>
+
 <file path=ppt/slides/slide4.xml><?xml version="1.0" encoding="utf-8"?>
 <p:sld xmlns:a="http://schemas.openxmlformats.org/drawingml/2006/main" xmlns:r="http://schemas.openxmlformats.org/officeDocument/2006/relationships" xmlns:p="http://schemas.openxmlformats.org/presentationml/2006/main">
   <p:cSld>
@@ -8449,8 +12946,45 @@
           </a:p>
           <a:p>
             <a:r>
+              <a:rPr lang="en-US" dirty="0"/>
+              <a:t>Data </a:t>
+            </a:r>
+            <a:r>
               <a:rPr lang="en-US" dirty="0" err="1"/>
-              <a:t>Servercode</a:t>
+              <a:t>ophalen</a:t>
+            </a:r>
+            <a:r>
+              <a:rPr lang="en-US" dirty="0"/>
+              <a:t> of </a:t>
+            </a:r>
+            <a:r>
+              <a:rPr lang="en-US" dirty="0" err="1"/>
+              <a:t>versturen</a:t>
+            </a:r>
+            <a:endParaRPr lang="en-US" dirty="0"/>
+          </a:p>
+          <a:p>
+            <a:r>
+              <a:rPr lang="en-US" dirty="0"/>
+              <a:t>HTTP requests</a:t>
+            </a:r>
+          </a:p>
+          <a:p>
+            <a:r>
+              <a:rPr lang="en-US" dirty="0"/>
+              <a:t>Server </a:t>
+            </a:r>
+            <a:r>
+              <a:rPr lang="en-US" dirty="0" err="1"/>
+              <a:t>leest</a:t>
+            </a:r>
+            <a:r>
+              <a:rPr lang="en-US" dirty="0"/>
+              <a:t>, </a:t>
+            </a:r>
+            <a:r>
+              <a:rPr lang="en-US" dirty="0" err="1"/>
+              <a:t>verwerkt</a:t>
             </a:r>
             <a:r>
               <a:rPr lang="en-US" dirty="0"/>
@@ -8458,18 +12992,29 @@
             </a:r>
             <a:r>
               <a:rPr lang="en-US" dirty="0" err="1"/>
-              <a:t>naar</a:t>
+              <a:t>en</a:t>
             </a:r>
             <a:r>
               <a:rPr lang="en-US" dirty="0"/>
-              <a:t> client </a:t>
+              <a:t> </a:t>
             </a:r>
             <a:r>
               <a:rPr lang="en-US" dirty="0" err="1"/>
-              <a:t>pushen</a:t>
+              <a:t>stuurt</a:t>
+            </a:r>
+            <a:r>
+              <a:rPr lang="en-US" dirty="0"/>
+              <a:t> </a:t>
+            </a:r>
+            <a:r>
+              <a:rPr lang="en-US" dirty="0" err="1"/>
+              <a:t>antwoord</a:t>
             </a:r>
             <a:endParaRPr lang="en-US" dirty="0"/>
           </a:p>
+          <a:p>
+            <a:endParaRPr lang="en-US" dirty="0"/>
+          </a:p>
         </p:txBody>
       </p:sp>
       <p:sp>
@@ -8494,10 +13039,9 @@
           <a:lstStyle/>
           <a:p>
             <a:r>
-              <a:rPr lang="en-US" dirty="0" err="1"/>
-              <a:t>Inhoud</a:t>
-            </a:r>
-            <a:endParaRPr lang="en-US" dirty="0"/>
+              <a:rPr lang="en-US" dirty="0"/>
+              <a:t>intro</a:t>
+            </a:r>
           </a:p>
         </p:txBody>
       </p:sp>
@@ -8560,6 +13104,192 @@
     <p:extLst>
       <p:ext uri="{BB962C8B-B14F-4D97-AF65-F5344CB8AC3E}">
         <p14:creationId xmlns:p14="http://schemas.microsoft.com/office/powerpoint/2010/main" val="2552270661"/>
+      </p:ext>
+    </p:extLst>
+  </p:cSld>
+  <p:clrMapOvr>
+    <a:masterClrMapping/>
+  </p:clrMapOvr>
+</p:sld>
+</file>
+
+<file path=ppt/slides/slide40.xml><?xml version="1.0" encoding="utf-8"?>
+<p:sld xmlns:a="http://schemas.openxmlformats.org/drawingml/2006/main" xmlns:r="http://schemas.openxmlformats.org/officeDocument/2006/relationships" xmlns:p="http://schemas.openxmlformats.org/presentationml/2006/main">
+  <p:cSld>
+    <p:spTree>
+      <p:nvGrpSpPr>
+        <p:cNvPr id="1" name=""/>
+        <p:cNvGrpSpPr/>
+        <p:nvPr/>
+      </p:nvGrpSpPr>
+      <p:grpSpPr>
+        <a:xfrm>
+          <a:off x="0" y="0"/>
+          <a:ext cx="0" cy="0"/>
+          <a:chOff x="0" y="0"/>
+          <a:chExt cx="0" cy="0"/>
+        </a:xfrm>
+      </p:grpSpPr>
+      <p:sp>
+        <p:nvSpPr>
+          <p:cNvPr id="2" name="Subtitle 1">
+            <a:extLst>
+              <a:ext uri="{FF2B5EF4-FFF2-40B4-BE49-F238E27FC236}">
+                <a16:creationId xmlns:a16="http://schemas.microsoft.com/office/drawing/2014/main" id="{3D2AD652-BD94-4869-85EB-51F39D4946F6}"/>
+              </a:ext>
+            </a:extLst>
+          </p:cNvPr>
+          <p:cNvSpPr>
+            <a:spLocks noGrp="1"/>
+          </p:cNvSpPr>
+          <p:nvPr>
+            <p:ph type="subTitle" idx="1"/>
+          </p:nvPr>
+        </p:nvSpPr>
+        <p:spPr/>
+        <p:txBody>
+          <a:bodyPr/>
+          <a:lstStyle/>
+          <a:p>
+            <a:r>
+              <a:rPr lang="en-US" dirty="0" err="1"/>
+              <a:t>Zijn</a:t>
+            </a:r>
+            <a:r>
+              <a:rPr lang="en-US" dirty="0"/>
+              <a:t> er </a:t>
+            </a:r>
+            <a:r>
+              <a:rPr lang="en-US" dirty="0" err="1"/>
+              <a:t>nog</a:t>
+            </a:r>
+            <a:r>
+              <a:rPr lang="en-US" dirty="0"/>
+              <a:t> </a:t>
+            </a:r>
+            <a:r>
+              <a:rPr lang="en-US" dirty="0" err="1"/>
+              <a:t>vragen</a:t>
+            </a:r>
+            <a:r>
+              <a:rPr lang="en-US" dirty="0"/>
+              <a:t>?</a:t>
+            </a:r>
+          </a:p>
+        </p:txBody>
+      </p:sp>
+      <p:sp>
+        <p:nvSpPr>
+          <p:cNvPr id="3" name="Title 2">
+            <a:extLst>
+              <a:ext uri="{FF2B5EF4-FFF2-40B4-BE49-F238E27FC236}">
+                <a16:creationId xmlns:a16="http://schemas.microsoft.com/office/drawing/2014/main" id="{2F42C553-B592-4464-A4B7-5EC8988D45F6}"/>
+              </a:ext>
+            </a:extLst>
+          </p:cNvPr>
+          <p:cNvSpPr>
+            <a:spLocks noGrp="1"/>
+          </p:cNvSpPr>
+          <p:nvPr>
+            <p:ph type="title"/>
+          </p:nvPr>
+        </p:nvSpPr>
+        <p:spPr/>
+        <p:txBody>
+          <a:bodyPr/>
+          <a:lstStyle/>
+          <a:p>
+            <a:r>
+              <a:rPr lang="en-US" dirty="0" err="1"/>
+              <a:t>Bedankt</a:t>
+            </a:r>
+            <a:r>
+              <a:rPr lang="en-US" dirty="0"/>
+              <a:t> </a:t>
+            </a:r>
+            <a:r>
+              <a:rPr lang="en-US" dirty="0" err="1"/>
+              <a:t>voor</a:t>
+            </a:r>
+            <a:r>
+              <a:rPr lang="en-US" dirty="0"/>
+              <a:t> </a:t>
+            </a:r>
+            <a:r>
+              <a:rPr lang="en-US" dirty="0" err="1"/>
+              <a:t>jullie</a:t>
+            </a:r>
+            <a:r>
+              <a:rPr lang="en-US" dirty="0"/>
+              <a:t> </a:t>
+            </a:r>
+            <a:r>
+              <a:rPr lang="en-US" dirty="0" err="1"/>
+              <a:t>aandacht</a:t>
+            </a:r>
+            <a:endParaRPr lang="en-US" dirty="0"/>
+          </a:p>
+        </p:txBody>
+      </p:sp>
+      <p:sp>
+        <p:nvSpPr>
+          <p:cNvPr id="4" name="Footer Placeholder 3">
+            <a:extLst>
+              <a:ext uri="{FF2B5EF4-FFF2-40B4-BE49-F238E27FC236}">
+                <a16:creationId xmlns:a16="http://schemas.microsoft.com/office/drawing/2014/main" id="{9E41C3BC-E4E5-4D29-AD12-A6D8868395CD}"/>
+              </a:ext>
+            </a:extLst>
+          </p:cNvPr>
+          <p:cNvSpPr>
+            <a:spLocks noGrp="1"/>
+          </p:cNvSpPr>
+          <p:nvPr>
+            <p:ph type="ftr" sz="quarter" idx="12"/>
+          </p:nvPr>
+        </p:nvSpPr>
+        <p:spPr/>
+        <p:txBody>
+          <a:bodyPr/>
+          <a:lstStyle/>
+          <a:p>
+            <a:endParaRPr lang="nl-BE"/>
+          </a:p>
+        </p:txBody>
+      </p:sp>
+      <p:sp>
+        <p:nvSpPr>
+          <p:cNvPr id="5" name="Slide Number Placeholder 4">
+            <a:extLst>
+              <a:ext uri="{FF2B5EF4-FFF2-40B4-BE49-F238E27FC236}">
+                <a16:creationId xmlns:a16="http://schemas.microsoft.com/office/drawing/2014/main" id="{4E55B2F2-EDCE-4E6D-A170-16EBD9623D13}"/>
+              </a:ext>
+            </a:extLst>
+          </p:cNvPr>
+          <p:cNvSpPr>
+            <a:spLocks noGrp="1"/>
+          </p:cNvSpPr>
+          <p:nvPr>
+            <p:ph type="sldNum" sz="quarter" idx="11"/>
+          </p:nvPr>
+        </p:nvSpPr>
+        <p:spPr/>
+        <p:txBody>
+          <a:bodyPr/>
+          <a:lstStyle/>
+          <a:p>
+            <a:fld id="{3B80295F-48CD-49FC-897A-CCEC919B8070}" type="slidenum">
+              <a:rPr lang="nl-BE" smtClean="0"/>
+              <a:pPr/>
+              <a:t>40</a:t>
+            </a:fld>
+            <a:endParaRPr lang="nl-BE"/>
+          </a:p>
+        </p:txBody>
+      </p:sp>
+    </p:spTree>
+    <p:extLst>
+      <p:ext uri="{BB962C8B-B14F-4D97-AF65-F5344CB8AC3E}">
+        <p14:creationId xmlns:p14="http://schemas.microsoft.com/office/powerpoint/2010/main" val="2722286816"/>
       </p:ext>
     </p:extLst>
   </p:cSld>
@@ -8591,7 +13321,7 @@
           <p:cNvPr id="3" name="Title 2">
             <a:extLst>
               <a:ext uri="{FF2B5EF4-FFF2-40B4-BE49-F238E27FC236}">
-                <a16:creationId xmlns:a16="http://schemas.microsoft.com/office/drawing/2014/main" id="{2F42C553-B592-4464-A4B7-5EC8988D45F6}"/>
+                <a16:creationId xmlns:a16="http://schemas.microsoft.com/office/drawing/2014/main" id="{3D9FA165-758D-EE01-30CD-282C60880066}"/>
               </a:ext>
             </a:extLst>
           </p:cNvPr>
@@ -8608,44 +13338,19 @@
           <a:lstStyle/>
           <a:p>
             <a:r>
-              <a:rPr lang="en-US" dirty="0" err="1"/>
-              <a:t>ontstaan</a:t>
-            </a:r>
-            <a:endParaRPr lang="en-US" dirty="0"/>
-          </a:p>
-        </p:txBody>
-      </p:sp>
-      <p:sp>
-        <p:nvSpPr>
-          <p:cNvPr id="4" name="Footer Placeholder 3">
-            <a:extLst>
-              <a:ext uri="{FF2B5EF4-FFF2-40B4-BE49-F238E27FC236}">
-                <a16:creationId xmlns:a16="http://schemas.microsoft.com/office/drawing/2014/main" id="{9E41C3BC-E4E5-4D29-AD12-A6D8868395CD}"/>
-              </a:ext>
-            </a:extLst>
-          </p:cNvPr>
-          <p:cNvSpPr>
-            <a:spLocks noGrp="1"/>
-          </p:cNvSpPr>
-          <p:nvPr>
-            <p:ph type="ftr" sz="quarter" idx="12"/>
-          </p:nvPr>
-        </p:nvSpPr>
-        <p:spPr/>
-        <p:txBody>
-          <a:bodyPr/>
-          <a:lstStyle/>
-          <a:p>
-            <a:endParaRPr lang="nl-BE"/>
-          </a:p>
-        </p:txBody>
-      </p:sp>
-      <p:sp>
-        <p:nvSpPr>
-          <p:cNvPr id="5" name="Slide Number Placeholder 4">
-            <a:extLst>
-              <a:ext uri="{FF2B5EF4-FFF2-40B4-BE49-F238E27FC236}">
-                <a16:creationId xmlns:a16="http://schemas.microsoft.com/office/drawing/2014/main" id="{4E55B2F2-EDCE-4E6D-A170-16EBD9623D13}"/>
+              <a:rPr lang="en-GB" dirty="0"/>
+              <a:t>intro</a:t>
+            </a:r>
+            <a:endParaRPr lang="en-BE" dirty="0"/>
+          </a:p>
+        </p:txBody>
+      </p:sp>
+      <p:sp>
+        <p:nvSpPr>
+          <p:cNvPr id="4" name="Slide Number Placeholder 3">
+            <a:extLst>
+              <a:ext uri="{FF2B5EF4-FFF2-40B4-BE49-F238E27FC236}">
+                <a16:creationId xmlns:a16="http://schemas.microsoft.com/office/drawing/2014/main" id="{04D68C25-31EC-B09C-858E-0862836B35EB}"/>
               </a:ext>
             </a:extLst>
           </p:cNvPr>
@@ -8670,10 +13375,67 @@
           </a:p>
         </p:txBody>
       </p:sp>
+      <p:sp>
+        <p:nvSpPr>
+          <p:cNvPr id="5" name="Footer Placeholder 4">
+            <a:extLst>
+              <a:ext uri="{FF2B5EF4-FFF2-40B4-BE49-F238E27FC236}">
+                <a16:creationId xmlns:a16="http://schemas.microsoft.com/office/drawing/2014/main" id="{9C61374F-957E-FC0A-AC2C-EA82F6502F5F}"/>
+              </a:ext>
+            </a:extLst>
+          </p:cNvPr>
+          <p:cNvSpPr>
+            <a:spLocks noGrp="1"/>
+          </p:cNvSpPr>
+          <p:nvPr>
+            <p:ph type="ftr" sz="quarter" idx="12"/>
+          </p:nvPr>
+        </p:nvSpPr>
+        <p:spPr/>
+        <p:txBody>
+          <a:bodyPr/>
+          <a:lstStyle/>
+          <a:p>
+            <a:endParaRPr lang="nl-BE"/>
+          </a:p>
+        </p:txBody>
+      </p:sp>
+      <p:pic>
+        <p:nvPicPr>
+          <p:cNvPr id="6" name="Content Placeholder 5" descr="Diagram&#10;&#10;Description automatically generated">
+            <a:extLst>
+              <a:ext uri="{FF2B5EF4-FFF2-40B4-BE49-F238E27FC236}">
+                <a16:creationId xmlns:a16="http://schemas.microsoft.com/office/drawing/2014/main" id="{AC7AA7D0-7F5A-6557-37D6-5CC43EEBFDEB}"/>
+              </a:ext>
+            </a:extLst>
+          </p:cNvPr>
+          <p:cNvPicPr>
+            <a:picLocks noGrp="1" noChangeAspect="1"/>
+          </p:cNvPicPr>
+          <p:nvPr>
+            <p:ph idx="1"/>
+          </p:nvPr>
+        </p:nvPicPr>
+        <p:blipFill>
+          <a:blip r:embed="rId2"/>
+          <a:stretch>
+            <a:fillRect/>
+          </a:stretch>
+        </p:blipFill>
+        <p:spPr>
+          <a:xfrm>
+            <a:off x="1675285" y="1215231"/>
+            <a:ext cx="9417429" cy="4427538"/>
+          </a:xfrm>
+          <a:prstGeom prst="rect">
+            <a:avLst/>
+          </a:prstGeom>
+        </p:spPr>
+      </p:pic>
     </p:spTree>
     <p:extLst>
       <p:ext uri="{BB962C8B-B14F-4D97-AF65-F5344CB8AC3E}">
-        <p14:creationId xmlns:p14="http://schemas.microsoft.com/office/powerpoint/2010/main" val="2442908129"/>
+        <p14:creationId xmlns:p14="http://schemas.microsoft.com/office/powerpoint/2010/main" val="3882861508"/>
       </p:ext>
     </p:extLst>
   </p:cSld>
@@ -8705,7 +13467,7 @@
           <p:cNvPr id="2" name="Content Placeholder 1">
             <a:extLst>
               <a:ext uri="{FF2B5EF4-FFF2-40B4-BE49-F238E27FC236}">
-                <a16:creationId xmlns:a16="http://schemas.microsoft.com/office/drawing/2014/main" id="{49C96621-DDA2-43EB-9F25-F650BD381CFB}"/>
+                <a16:creationId xmlns:a16="http://schemas.microsoft.com/office/drawing/2014/main" id="{24FCC7F4-C2DF-433E-2E54-439DB9DC9247}"/>
               </a:ext>
             </a:extLst>
           </p:cNvPr>
@@ -8722,67 +13484,108 @@
           <a:lstStyle/>
           <a:p>
             <a:r>
-              <a:rPr lang="en-US" dirty="0"/>
-              <a:t>2011 – David Fowler &amp; Damian Edwards</a:t>
-            </a:r>
-          </a:p>
-          <a:p>
-            <a:r>
-              <a:rPr lang="en-US" dirty="0"/>
-              <a:t>2013 ASP.NET</a:t>
-            </a:r>
-          </a:p>
-          <a:p>
-            <a:r>
-              <a:rPr lang="en-US" dirty="0"/>
-              <a:t>WebSocket</a:t>
-            </a:r>
-          </a:p>
-          <a:p>
-            <a:r>
-              <a:rPr lang="en-US" dirty="0" err="1"/>
-              <a:t>Meeste</a:t>
-            </a:r>
-            <a:r>
-              <a:rPr lang="en-US" dirty="0"/>
-              <a:t> browsers </a:t>
-            </a:r>
-            <a:r>
-              <a:rPr lang="en-US" dirty="0" err="1"/>
-              <a:t>ondersteunden</a:t>
-            </a:r>
-            <a:r>
-              <a:rPr lang="en-US" dirty="0"/>
+              <a:rPr lang="en-GB" dirty="0"/>
+              <a:t>HTTPS</a:t>
+            </a:r>
+          </a:p>
+          <a:p>
+            <a:r>
+              <a:rPr lang="en-GB" dirty="0" err="1"/>
+              <a:t>Communicatie</a:t>
+            </a:r>
+            <a:r>
+              <a:rPr lang="en-GB" dirty="0"/>
+              <a:t> in </a:t>
+            </a:r>
+            <a:r>
+              <a:rPr lang="en-GB" dirty="0" err="1"/>
+              <a:t>één</a:t>
+            </a:r>
+            <a:r>
+              <a:rPr lang="en-GB" dirty="0"/>
               <a:t> </a:t>
             </a:r>
             <a:r>
-              <a:rPr lang="en-US" dirty="0" err="1"/>
-              <a:t>dit</a:t>
-            </a:r>
-            <a:r>
-              <a:rPr lang="en-US" dirty="0"/>
+              <a:rPr lang="en-GB" dirty="0" err="1"/>
+              <a:t>richting</a:t>
+            </a:r>
+            <a:endParaRPr lang="en-GB" dirty="0"/>
+          </a:p>
+          <a:p>
+            <a:r>
+              <a:rPr lang="en-GB" dirty="0" err="1"/>
+              <a:t>SignalR</a:t>
+            </a:r>
+            <a:endParaRPr lang="en-GB" dirty="0"/>
+          </a:p>
+          <a:p>
+            <a:r>
+              <a:rPr lang="en-GB" dirty="0"/>
+              <a:t>Code die met </a:t>
+            </a:r>
+            <a:r>
+              <a:rPr lang="en-GB" dirty="0" err="1"/>
+              <a:t>clienten</a:t>
+            </a:r>
+            <a:r>
+              <a:rPr lang="en-GB" dirty="0"/>
               <a:t> </a:t>
             </a:r>
             <a:r>
-              <a:rPr lang="en-US" dirty="0" err="1"/>
-              <a:t>niet</a:t>
-            </a:r>
-            <a:endParaRPr lang="en-US" dirty="0"/>
-          </a:p>
-          <a:p>
-            <a:r>
-              <a:rPr lang="en-US" dirty="0"/>
-              <a:t>AJAX (long) Polling</a:t>
-            </a:r>
-          </a:p>
-          <a:p>
-            <a:r>
-              <a:rPr lang="en-US" dirty="0"/>
-              <a:t>Server-sent events</a:t>
-            </a:r>
-          </a:p>
-          <a:p>
-            <a:endParaRPr lang="en-US" dirty="0"/>
+              <a:rPr lang="en-GB" dirty="0" err="1"/>
+              <a:t>communiceert</a:t>
+            </a:r>
+            <a:endParaRPr lang="en-GB" dirty="0"/>
+          </a:p>
+          <a:p>
+            <a:r>
+              <a:rPr lang="en-GB" dirty="0" err="1"/>
+              <a:t>Communicatie</a:t>
+            </a:r>
+            <a:r>
+              <a:rPr lang="en-GB" dirty="0"/>
+              <a:t> in 2 </a:t>
+            </a:r>
+            <a:r>
+              <a:rPr lang="en-GB" dirty="0" err="1"/>
+              <a:t>richtingen</a:t>
+            </a:r>
+            <a:endParaRPr lang="en-GB" dirty="0"/>
+          </a:p>
+          <a:p>
+            <a:r>
+              <a:rPr lang="en-GB" dirty="0" err="1"/>
+              <a:t>Gamingindustrie</a:t>
+            </a:r>
+            <a:r>
+              <a:rPr lang="en-GB" dirty="0"/>
+              <a:t>, </a:t>
+            </a:r>
+            <a:r>
+              <a:rPr lang="en-GB" dirty="0" err="1"/>
+              <a:t>sociale</a:t>
+            </a:r>
+            <a:r>
+              <a:rPr lang="en-GB" dirty="0"/>
+              <a:t> media, </a:t>
+            </a:r>
+            <a:r>
+              <a:rPr lang="en-GB" dirty="0" err="1"/>
+              <a:t>veilingsites</a:t>
+            </a:r>
+            <a:r>
+              <a:rPr lang="en-GB" dirty="0"/>
+              <a:t>, GPS,…</a:t>
+            </a:r>
+          </a:p>
+          <a:p>
+            <a:r>
+              <a:rPr lang="en-GB" dirty="0"/>
+              <a:t>Google Spreadsheets</a:t>
+            </a:r>
+          </a:p>
+          <a:p>
+            <a:endParaRPr lang="en-BE" dirty="0"/>
           </a:p>
         </p:txBody>
       </p:sp>
@@ -8791,7 +13594,7 @@
           <p:cNvPr id="3" name="Title 2">
             <a:extLst>
               <a:ext uri="{FF2B5EF4-FFF2-40B4-BE49-F238E27FC236}">
-                <a16:creationId xmlns:a16="http://schemas.microsoft.com/office/drawing/2014/main" id="{B6282170-58B5-437A-B277-73F7EDEEAC48}"/>
+                <a16:creationId xmlns:a16="http://schemas.microsoft.com/office/drawing/2014/main" id="{9DA61089-8773-B0DF-B79C-95826600F813}"/>
               </a:ext>
             </a:extLst>
           </p:cNvPr>
@@ -8808,10 +13611,10 @@
           <a:lstStyle/>
           <a:p>
             <a:r>
-              <a:rPr lang="en-US" dirty="0" err="1"/>
-              <a:t>ontstaan</a:t>
-            </a:r>
-            <a:endParaRPr lang="en-US" dirty="0"/>
+              <a:rPr lang="en-GB" dirty="0"/>
+              <a:t>intro</a:t>
+            </a:r>
+            <a:endParaRPr lang="en-BE" dirty="0"/>
           </a:p>
         </p:txBody>
       </p:sp>
@@ -8820,7 +13623,7 @@
           <p:cNvPr id="4" name="Slide Number Placeholder 3">
             <a:extLst>
               <a:ext uri="{FF2B5EF4-FFF2-40B4-BE49-F238E27FC236}">
-                <a16:creationId xmlns:a16="http://schemas.microsoft.com/office/drawing/2014/main" id="{49FE6B9F-285D-4793-8608-D799E7E68B2C}"/>
+                <a16:creationId xmlns:a16="http://schemas.microsoft.com/office/drawing/2014/main" id="{49570A65-9241-0403-5990-24B435DB85F8}"/>
               </a:ext>
             </a:extLst>
           </p:cNvPr>
@@ -8850,7 +13653,7 @@
           <p:cNvPr id="5" name="Footer Placeholder 4">
             <a:extLst>
               <a:ext uri="{FF2B5EF4-FFF2-40B4-BE49-F238E27FC236}">
-                <a16:creationId xmlns:a16="http://schemas.microsoft.com/office/drawing/2014/main" id="{03929003-0463-45B4-ACDA-5F5D41FBEC6A}"/>
+                <a16:creationId xmlns:a16="http://schemas.microsoft.com/office/drawing/2014/main" id="{E055022E-C457-CA3A-CD32-60F3EB074C99}"/>
               </a:ext>
             </a:extLst>
           </p:cNvPr>
@@ -8866,14 +13669,14 @@
           <a:bodyPr/>
           <a:lstStyle/>
           <a:p>
-            <a:endParaRPr lang="nl-BE" dirty="0"/>
+            <a:endParaRPr lang="nl-BE"/>
           </a:p>
         </p:txBody>
       </p:sp>
     </p:spTree>
     <p:extLst>
       <p:ext uri="{BB962C8B-B14F-4D97-AF65-F5344CB8AC3E}">
-        <p14:creationId xmlns:p14="http://schemas.microsoft.com/office/powerpoint/2010/main" val="3894248061"/>
+        <p14:creationId xmlns:p14="http://schemas.microsoft.com/office/powerpoint/2010/main" val="1393458467"/>
       </p:ext>
     </p:extLst>
   </p:cSld>
@@ -8923,15 +13726,7 @@
           <a:p>
             <a:r>
               <a:rPr lang="en-US" dirty="0" err="1"/>
-              <a:t>Voor</a:t>
-            </a:r>
-            <a:r>
-              <a:rPr lang="en-US" dirty="0"/>
-              <a:t>- &amp; </a:t>
-            </a:r>
-            <a:r>
-              <a:rPr lang="en-US" dirty="0" err="1"/>
-              <a:t>nadelen</a:t>
+              <a:t>ontstaan</a:t>
             </a:r>
             <a:endParaRPr lang="en-US" dirty="0"/>
           </a:p>
@@ -8995,7 +13790,7 @@
     </p:spTree>
     <p:extLst>
       <p:ext uri="{BB962C8B-B14F-4D97-AF65-F5344CB8AC3E}">
-        <p14:creationId xmlns:p14="http://schemas.microsoft.com/office/powerpoint/2010/main" val="4134244725"/>
+        <p14:creationId xmlns:p14="http://schemas.microsoft.com/office/powerpoint/2010/main" val="2442908129"/>
       </p:ext>
     </p:extLst>
   </p:cSld>
@@ -9043,42 +13838,35 @@
           <a:bodyPr/>
           <a:lstStyle/>
           <a:p>
-            <a:endParaRPr lang="en-US" dirty="0"/>
-          </a:p>
-        </p:txBody>
-      </p:sp>
-      <p:sp>
-        <p:nvSpPr>
-          <p:cNvPr id="3" name="Title 2">
-            <a:extLst>
-              <a:ext uri="{FF2B5EF4-FFF2-40B4-BE49-F238E27FC236}">
-                <a16:creationId xmlns:a16="http://schemas.microsoft.com/office/drawing/2014/main" id="{B6282170-58B5-437A-B277-73F7EDEEAC48}"/>
-              </a:ext>
-            </a:extLst>
-          </p:cNvPr>
-          <p:cNvSpPr>
-            <a:spLocks noGrp="1"/>
-          </p:cNvSpPr>
-          <p:nvPr>
-            <p:ph type="title"/>
-          </p:nvPr>
-        </p:nvSpPr>
-        <p:spPr/>
-        <p:txBody>
-          <a:bodyPr/>
-          <a:lstStyle/>
+            <a:r>
+              <a:rPr lang="en-US" dirty="0"/>
+              <a:t>2011 – David Fowler &amp; Damian Edwards</a:t>
+            </a:r>
+          </a:p>
+          <a:p>
+            <a:r>
+              <a:rPr lang="en-US" dirty="0"/>
+              <a:t>2013 ASP.NET</a:t>
+            </a:r>
+          </a:p>
+          <a:p>
+            <a:r>
+              <a:rPr lang="en-US" dirty="0"/>
+              <a:t>WebSocket</a:t>
+            </a:r>
+          </a:p>
           <a:p>
             <a:r>
               <a:rPr lang="en-US" dirty="0" err="1"/>
-              <a:t>Voor</a:t>
+              <a:t>Meeste</a:t>
             </a:r>
             <a:r>
               <a:rPr lang="en-US" dirty="0"/>
-              <a:t>- </a:t>
+              <a:t> browsers </a:t>
             </a:r>
             <a:r>
               <a:rPr lang="en-US" dirty="0" err="1"/>
-              <a:t>en</a:t>
+              <a:t>ondersteunden</a:t>
             </a:r>
             <a:r>
               <a:rPr lang="en-US" dirty="0"/>
@@ -9086,7 +13874,59 @@
             </a:r>
             <a:r>
               <a:rPr lang="en-US" dirty="0" err="1"/>
-              <a:t>nadelen</a:t>
+              <a:t>dit</a:t>
+            </a:r>
+            <a:r>
+              <a:rPr lang="en-US" dirty="0"/>
+              <a:t> </a:t>
+            </a:r>
+            <a:r>
+              <a:rPr lang="en-US" dirty="0" err="1"/>
+              <a:t>niet</a:t>
+            </a:r>
+            <a:endParaRPr lang="en-US" dirty="0"/>
+          </a:p>
+          <a:p>
+            <a:r>
+              <a:rPr lang="en-US" dirty="0"/>
+              <a:t>AJAX (long) Polling</a:t>
+            </a:r>
+          </a:p>
+          <a:p>
+            <a:r>
+              <a:rPr lang="en-US" dirty="0"/>
+              <a:t>Server-sent events</a:t>
+            </a:r>
+          </a:p>
+          <a:p>
+            <a:endParaRPr lang="en-US" dirty="0"/>
+          </a:p>
+        </p:txBody>
+      </p:sp>
+      <p:sp>
+        <p:nvSpPr>
+          <p:cNvPr id="3" name="Title 2">
+            <a:extLst>
+              <a:ext uri="{FF2B5EF4-FFF2-40B4-BE49-F238E27FC236}">
+                <a16:creationId xmlns:a16="http://schemas.microsoft.com/office/drawing/2014/main" id="{B6282170-58B5-437A-B277-73F7EDEEAC48}"/>
+              </a:ext>
+            </a:extLst>
+          </p:cNvPr>
+          <p:cNvSpPr>
+            <a:spLocks noGrp="1"/>
+          </p:cNvSpPr>
+          <p:nvPr>
+            <p:ph type="title"/>
+          </p:nvPr>
+        </p:nvSpPr>
+        <p:spPr/>
+        <p:txBody>
+          <a:bodyPr/>
+          <a:lstStyle/>
+          <a:p>
+            <a:r>
+              <a:rPr lang="en-US" dirty="0" err="1"/>
+              <a:t>ontstaan</a:t>
             </a:r>
             <a:endParaRPr lang="en-US" dirty="0"/>
           </a:p>
@@ -9150,7 +13990,7 @@
     </p:spTree>
     <p:extLst>
       <p:ext uri="{BB962C8B-B14F-4D97-AF65-F5344CB8AC3E}">
-        <p14:creationId xmlns:p14="http://schemas.microsoft.com/office/powerpoint/2010/main" val="2834089631"/>
+        <p14:creationId xmlns:p14="http://schemas.microsoft.com/office/powerpoint/2010/main" val="3894248061"/>
       </p:ext>
     </p:extLst>
   </p:cSld>
@@ -9179,10 +14019,141 @@
       </p:grpSpPr>
       <p:sp>
         <p:nvSpPr>
+          <p:cNvPr id="2" name="Content Placeholder 1">
+            <a:extLst>
+              <a:ext uri="{FF2B5EF4-FFF2-40B4-BE49-F238E27FC236}">
+                <a16:creationId xmlns:a16="http://schemas.microsoft.com/office/drawing/2014/main" id="{92D60C2D-D92B-B9DD-16EC-DF8445E4CCF9}"/>
+              </a:ext>
+            </a:extLst>
+          </p:cNvPr>
+          <p:cNvSpPr>
+            <a:spLocks noGrp="1"/>
+          </p:cNvSpPr>
+          <p:nvPr>
+            <p:ph idx="1"/>
+          </p:nvPr>
+        </p:nvSpPr>
+        <p:spPr/>
+        <p:txBody>
+          <a:bodyPr/>
+          <a:lstStyle/>
+          <a:p>
+            <a:r>
+              <a:rPr lang="en-GB" dirty="0" err="1"/>
+              <a:t>Voorbeeld</a:t>
+            </a:r>
+            <a:r>
+              <a:rPr lang="en-GB" dirty="0"/>
+              <a:t> John </a:t>
+            </a:r>
+            <a:r>
+              <a:rPr lang="en-GB" dirty="0" err="1"/>
+              <a:t>en</a:t>
+            </a:r>
+            <a:r>
+              <a:rPr lang="en-GB" dirty="0"/>
+              <a:t> Mary</a:t>
+            </a:r>
+          </a:p>
+          <a:p>
+            <a:r>
+              <a:rPr lang="en-GB" dirty="0"/>
+              <a:t>Constant HTTP calls</a:t>
+            </a:r>
+          </a:p>
+          <a:p>
+            <a:r>
+              <a:rPr lang="en-GB" dirty="0" err="1"/>
+              <a:t>Wachten</a:t>
+            </a:r>
+            <a:r>
+              <a:rPr lang="en-GB" dirty="0"/>
+              <a:t> op </a:t>
+            </a:r>
+            <a:r>
+              <a:rPr lang="en-GB" dirty="0" err="1"/>
+              <a:t>antwoord</a:t>
+            </a:r>
+            <a:r>
+              <a:rPr lang="en-GB" dirty="0"/>
+              <a:t> server</a:t>
+            </a:r>
+          </a:p>
+          <a:p>
+            <a:r>
+              <a:rPr lang="en-GB" dirty="0" err="1"/>
+              <a:t>Geen</a:t>
+            </a:r>
+            <a:r>
+              <a:rPr lang="en-GB" dirty="0"/>
+              <a:t> data = </a:t>
+            </a:r>
+            <a:r>
+              <a:rPr lang="en-GB" dirty="0" err="1"/>
+              <a:t>leeg</a:t>
+            </a:r>
+            <a:r>
+              <a:rPr lang="en-GB" dirty="0"/>
+              <a:t> </a:t>
+            </a:r>
+            <a:r>
+              <a:rPr lang="en-GB" dirty="0" err="1"/>
+              <a:t>antwoord</a:t>
+            </a:r>
+            <a:endParaRPr lang="en-GB" dirty="0"/>
+          </a:p>
+          <a:p>
+            <a:r>
+              <a:rPr lang="en-GB" dirty="0"/>
+              <a:t>Request </a:t>
+            </a:r>
+            <a:r>
+              <a:rPr lang="en-GB" dirty="0" err="1"/>
+              <a:t>vasthouden</a:t>
+            </a:r>
+            <a:endParaRPr lang="en-GB" dirty="0"/>
+          </a:p>
+          <a:p>
+            <a:r>
+              <a:rPr lang="en-GB" dirty="0"/>
+              <a:t>“Hanging GET”</a:t>
+            </a:r>
+          </a:p>
+          <a:p>
+            <a:r>
+              <a:rPr lang="en-GB" dirty="0" err="1"/>
+              <a:t>Bijna</a:t>
+            </a:r>
+            <a:r>
+              <a:rPr lang="en-GB" dirty="0"/>
+              <a:t> </a:t>
+            </a:r>
+            <a:r>
+              <a:rPr lang="en-GB" dirty="0" err="1"/>
+              <a:t>altijd</a:t>
+            </a:r>
+            <a:r>
+              <a:rPr lang="en-GB" dirty="0"/>
+              <a:t> </a:t>
+            </a:r>
+            <a:r>
+              <a:rPr lang="en-GB" dirty="0" err="1"/>
+              <a:t>wachtende</a:t>
+            </a:r>
+            <a:r>
+              <a:rPr lang="en-GB" dirty="0"/>
+              <a:t> request</a:t>
+            </a:r>
+            <a:endParaRPr lang="en-BE" dirty="0"/>
+          </a:p>
+        </p:txBody>
+      </p:sp>
+      <p:sp>
+        <p:nvSpPr>
           <p:cNvPr id="3" name="Title 2">
             <a:extLst>
               <a:ext uri="{FF2B5EF4-FFF2-40B4-BE49-F238E27FC236}">
-                <a16:creationId xmlns:a16="http://schemas.microsoft.com/office/drawing/2014/main" id="{2F42C553-B592-4464-A4B7-5EC8988D45F6}"/>
+                <a16:creationId xmlns:a16="http://schemas.microsoft.com/office/drawing/2014/main" id="{04F55D16-5466-66E9-9E8A-3376FCFBDDCE}"/>
               </a:ext>
             </a:extLst>
           </p:cNvPr>
@@ -9199,47 +14170,23 @@
           <a:lstStyle/>
           <a:p>
             <a:r>
-              <a:rPr lang="en-US" dirty="0" err="1"/>
-              <a:t>Belangrijkste</a:t>
-            </a:r>
-            <a:r>
-              <a:rPr lang="en-US" dirty="0"/>
-              <a:t> features</a:t>
-            </a:r>
-          </a:p>
-        </p:txBody>
-      </p:sp>
-      <p:sp>
-        <p:nvSpPr>
-          <p:cNvPr id="4" name="Footer Placeholder 3">
-            <a:extLst>
-              <a:ext uri="{FF2B5EF4-FFF2-40B4-BE49-F238E27FC236}">
-                <a16:creationId xmlns:a16="http://schemas.microsoft.com/office/drawing/2014/main" id="{9E41C3BC-E4E5-4D29-AD12-A6D8868395CD}"/>
-              </a:ext>
-            </a:extLst>
-          </p:cNvPr>
-          <p:cNvSpPr>
-            <a:spLocks noGrp="1"/>
-          </p:cNvSpPr>
-          <p:nvPr>
-            <p:ph type="ftr" sz="quarter" idx="12"/>
-          </p:nvPr>
-        </p:nvSpPr>
-        <p:spPr/>
-        <p:txBody>
-          <a:bodyPr/>
-          <a:lstStyle/>
-          <a:p>
-            <a:endParaRPr lang="nl-BE"/>
-          </a:p>
-        </p:txBody>
-      </p:sp>
-      <p:sp>
-        <p:nvSpPr>
-          <p:cNvPr id="5" name="Slide Number Placeholder 4">
-            <a:extLst>
-              <a:ext uri="{FF2B5EF4-FFF2-40B4-BE49-F238E27FC236}">
-                <a16:creationId xmlns:a16="http://schemas.microsoft.com/office/drawing/2014/main" id="{4E55B2F2-EDCE-4E6D-A170-16EBD9623D13}"/>
+              <a:rPr lang="en-GB" dirty="0" err="1"/>
+              <a:t>Ontstaan</a:t>
+            </a:r>
+            <a:r>
+              <a:rPr lang="en-GB" dirty="0"/>
+              <a:t> – ajax (long) polling</a:t>
+            </a:r>
+            <a:endParaRPr lang="en-BE" dirty="0"/>
+          </a:p>
+        </p:txBody>
+      </p:sp>
+      <p:sp>
+        <p:nvSpPr>
+          <p:cNvPr id="4" name="Slide Number Placeholder 3">
+            <a:extLst>
+              <a:ext uri="{FF2B5EF4-FFF2-40B4-BE49-F238E27FC236}">
+                <a16:creationId xmlns:a16="http://schemas.microsoft.com/office/drawing/2014/main" id="{9552D1EB-326C-6BFA-206B-7C88B3BE7B7C}"/>
               </a:ext>
             </a:extLst>
           </p:cNvPr>
@@ -9264,10 +14211,35 @@
           </a:p>
         </p:txBody>
       </p:sp>
+      <p:sp>
+        <p:nvSpPr>
+          <p:cNvPr id="5" name="Footer Placeholder 4">
+            <a:extLst>
+              <a:ext uri="{FF2B5EF4-FFF2-40B4-BE49-F238E27FC236}">
+                <a16:creationId xmlns:a16="http://schemas.microsoft.com/office/drawing/2014/main" id="{968EF55E-1F11-AED0-0C8A-43BEDB3B037A}"/>
+              </a:ext>
+            </a:extLst>
+          </p:cNvPr>
+          <p:cNvSpPr>
+            <a:spLocks noGrp="1"/>
+          </p:cNvSpPr>
+          <p:nvPr>
+            <p:ph type="ftr" sz="quarter" idx="12"/>
+          </p:nvPr>
+        </p:nvSpPr>
+        <p:spPr/>
+        <p:txBody>
+          <a:bodyPr/>
+          <a:lstStyle/>
+          <a:p>
+            <a:endParaRPr lang="nl-BE"/>
+          </a:p>
+        </p:txBody>
+      </p:sp>
     </p:spTree>
     <p:extLst>
       <p:ext uri="{BB962C8B-B14F-4D97-AF65-F5344CB8AC3E}">
-        <p14:creationId xmlns:p14="http://schemas.microsoft.com/office/powerpoint/2010/main" val="3327260860"/>
+        <p14:creationId xmlns:p14="http://schemas.microsoft.com/office/powerpoint/2010/main" val="425565436"/>
       </p:ext>
     </p:extLst>
   </p:cSld>

--- a/Presentatie SignalR.pptx
+++ b/Presentatie SignalR.pptx
@@ -5,7 +5,7 @@
     <p:sldMasterId id="2147483689" r:id="rId1"/>
   </p:sldMasterIdLst>
   <p:notesMasterIdLst>
-    <p:notesMasterId r:id="rId42"/>
+    <p:notesMasterId r:id="rId44"/>
   </p:notesMasterIdLst>
   <p:sldIdLst>
     <p:sldId id="259" r:id="rId2"/>
@@ -14,40 +14,42 @@
     <p:sldId id="372" r:id="rId5"/>
     <p:sldId id="384" r:id="rId6"/>
     <p:sldId id="385" r:id="rId7"/>
-    <p:sldId id="365" r:id="rId8"/>
-    <p:sldId id="371" r:id="rId9"/>
-    <p:sldId id="386" r:id="rId10"/>
-    <p:sldId id="388" r:id="rId11"/>
-    <p:sldId id="387" r:id="rId12"/>
-    <p:sldId id="373" r:id="rId13"/>
-    <p:sldId id="390" r:id="rId14"/>
-    <p:sldId id="391" r:id="rId15"/>
-    <p:sldId id="392" r:id="rId16"/>
-    <p:sldId id="389" r:id="rId17"/>
-    <p:sldId id="394" r:id="rId18"/>
-    <p:sldId id="393" r:id="rId19"/>
-    <p:sldId id="396" r:id="rId20"/>
-    <p:sldId id="401" r:id="rId21"/>
-    <p:sldId id="402" r:id="rId22"/>
-    <p:sldId id="397" r:id="rId23"/>
-    <p:sldId id="399" r:id="rId24"/>
-    <p:sldId id="403" r:id="rId25"/>
-    <p:sldId id="404" r:id="rId26"/>
-    <p:sldId id="375" r:id="rId27"/>
-    <p:sldId id="376" r:id="rId28"/>
-    <p:sldId id="405" r:id="rId29"/>
-    <p:sldId id="406" r:id="rId30"/>
-    <p:sldId id="379" r:id="rId31"/>
-    <p:sldId id="408" r:id="rId32"/>
-    <p:sldId id="409" r:id="rId33"/>
-    <p:sldId id="407" r:id="rId34"/>
-    <p:sldId id="411" r:id="rId35"/>
-    <p:sldId id="412" r:id="rId36"/>
-    <p:sldId id="413" r:id="rId37"/>
-    <p:sldId id="414" r:id="rId38"/>
-    <p:sldId id="410" r:id="rId39"/>
-    <p:sldId id="380" r:id="rId40"/>
-    <p:sldId id="362" r:id="rId41"/>
+    <p:sldId id="415" r:id="rId8"/>
+    <p:sldId id="365" r:id="rId9"/>
+    <p:sldId id="371" r:id="rId10"/>
+    <p:sldId id="386" r:id="rId11"/>
+    <p:sldId id="388" r:id="rId12"/>
+    <p:sldId id="387" r:id="rId13"/>
+    <p:sldId id="373" r:id="rId14"/>
+    <p:sldId id="390" r:id="rId15"/>
+    <p:sldId id="391" r:id="rId16"/>
+    <p:sldId id="392" r:id="rId17"/>
+    <p:sldId id="389" r:id="rId18"/>
+    <p:sldId id="394" r:id="rId19"/>
+    <p:sldId id="393" r:id="rId20"/>
+    <p:sldId id="396" r:id="rId21"/>
+    <p:sldId id="401" r:id="rId22"/>
+    <p:sldId id="402" r:id="rId23"/>
+    <p:sldId id="397" r:id="rId24"/>
+    <p:sldId id="399" r:id="rId25"/>
+    <p:sldId id="403" r:id="rId26"/>
+    <p:sldId id="404" r:id="rId27"/>
+    <p:sldId id="375" r:id="rId28"/>
+    <p:sldId id="376" r:id="rId29"/>
+    <p:sldId id="416" r:id="rId30"/>
+    <p:sldId id="405" r:id="rId31"/>
+    <p:sldId id="406" r:id="rId32"/>
+    <p:sldId id="379" r:id="rId33"/>
+    <p:sldId id="408" r:id="rId34"/>
+    <p:sldId id="409" r:id="rId35"/>
+    <p:sldId id="407" r:id="rId36"/>
+    <p:sldId id="411" r:id="rId37"/>
+    <p:sldId id="412" r:id="rId38"/>
+    <p:sldId id="413" r:id="rId39"/>
+    <p:sldId id="414" r:id="rId40"/>
+    <p:sldId id="410" r:id="rId41"/>
+    <p:sldId id="380" r:id="rId42"/>
+    <p:sldId id="362" r:id="rId43"/>
   </p:sldIdLst>
   <p:sldSz cx="12192000" cy="6858000"/>
   <p:notesSz cx="6858000" cy="9144000"/>
@@ -3543,7 +3545,7 @@
           <a:p>
             <a:fld id="{4C6F93D7-F280-41E0-9E85-027AD68093A5}" type="datetimeFigureOut">
               <a:rPr lang="nl-NL"/>
-              <a:t>30-4-2023</a:t>
+              <a:t>4-5-2023</a:t>
             </a:fld>
             <a:endParaRPr lang="nl-NL"/>
           </a:p>
@@ -6770,7 +6772,7 @@
           <p:cNvPr id="2" name="Content Placeholder 1">
             <a:extLst>
               <a:ext uri="{FF2B5EF4-FFF2-40B4-BE49-F238E27FC236}">
-                <a16:creationId xmlns:a16="http://schemas.microsoft.com/office/drawing/2014/main" id="{9B5C0179-DFD6-60E1-4531-EBD1EE21DB2C}"/>
+                <a16:creationId xmlns:a16="http://schemas.microsoft.com/office/drawing/2014/main" id="{92D60C2D-D92B-B9DD-16EC-DF8445E4CCF9}"/>
               </a:ext>
             </a:extLst>
           </p:cNvPr>
@@ -6788,7 +6790,57 @@
           <a:p>
             <a:r>
               <a:rPr lang="en-GB" dirty="0" err="1"/>
-              <a:t>Browers</a:t>
+              <a:t>Voorbeeld</a:t>
+            </a:r>
+            <a:r>
+              <a:rPr lang="en-GB" dirty="0"/>
+              <a:t> John </a:t>
+            </a:r>
+            <a:r>
+              <a:rPr lang="en-GB" dirty="0" err="1"/>
+              <a:t>en</a:t>
+            </a:r>
+            <a:r>
+              <a:rPr lang="en-GB" dirty="0"/>
+              <a:t> Mary</a:t>
+            </a:r>
+          </a:p>
+          <a:p>
+            <a:r>
+              <a:rPr lang="en-GB" dirty="0"/>
+              <a:t>Constant HTTP calls</a:t>
+            </a:r>
+          </a:p>
+          <a:p>
+            <a:r>
+              <a:rPr lang="en-GB" dirty="0" err="1"/>
+              <a:t>Wachten</a:t>
+            </a:r>
+            <a:r>
+              <a:rPr lang="en-GB" dirty="0"/>
+              <a:t> op </a:t>
+            </a:r>
+            <a:r>
+              <a:rPr lang="en-GB" dirty="0" err="1"/>
+              <a:t>antwoord</a:t>
+            </a:r>
+            <a:r>
+              <a:rPr lang="en-GB" dirty="0"/>
+              <a:t> server</a:t>
+            </a:r>
+          </a:p>
+          <a:p>
+            <a:r>
+              <a:rPr lang="en-GB" dirty="0" err="1"/>
+              <a:t>Geen</a:t>
+            </a:r>
+            <a:r>
+              <a:rPr lang="en-GB" dirty="0"/>
+              <a:t> data = </a:t>
+            </a:r>
+            <a:r>
+              <a:rPr lang="en-GB" dirty="0" err="1"/>
+              <a:t>leeg</a:t>
             </a:r>
             <a:r>
               <a:rPr lang="en-GB" dirty="0"/>
@@ -6796,17 +6848,31 @@
             </a:r>
             <a:r>
               <a:rPr lang="en-GB" dirty="0" err="1"/>
-              <a:t>abonneert</a:t>
-            </a:r>
+              <a:t>antwoord</a:t>
+            </a:r>
+            <a:endParaRPr lang="en-GB" dirty="0"/>
+          </a:p>
+          <a:p>
             <a:r>
               <a:rPr lang="en-GB" dirty="0"/>
-              <a:t> op events</a:t>
-            </a:r>
-          </a:p>
-          <a:p>
+              <a:t>Request </a:t>
+            </a:r>
             <a:r>
               <a:rPr lang="en-GB" dirty="0" err="1"/>
-              <a:t>Notificatie</a:t>
+              <a:t>vasthouden</a:t>
+            </a:r>
+            <a:endParaRPr lang="en-GB" dirty="0"/>
+          </a:p>
+          <a:p>
+            <a:r>
+              <a:rPr lang="en-GB" dirty="0"/>
+              <a:t>“Hanging GET”</a:t>
+            </a:r>
+          </a:p>
+          <a:p>
+            <a:r>
+              <a:rPr lang="en-GB" dirty="0" err="1"/>
+              <a:t>Bijna</a:t>
             </a:r>
             <a:r>
               <a:rPr lang="en-GB" dirty="0"/>
@@ -6814,27 +6880,19 @@
             </a:r>
             <a:r>
               <a:rPr lang="en-GB" dirty="0" err="1"/>
-              <a:t>naar</a:t>
+              <a:t>altijd</a:t>
             </a:r>
             <a:r>
               <a:rPr lang="en-GB" dirty="0"/>
-              <a:t> de server</a:t>
-            </a:r>
-          </a:p>
-          <a:p>
+              <a:t> </a:t>
+            </a:r>
             <a:r>
               <a:rPr lang="en-GB" dirty="0" err="1"/>
-              <a:t>Bepaalde</a:t>
+              <a:t>wachtende</a:t>
             </a:r>
             <a:r>
               <a:rPr lang="en-GB" dirty="0"/>
-              <a:t> code</a:t>
-            </a:r>
-          </a:p>
-          <a:p>
-            <a:r>
-              <a:rPr lang="en-GB" dirty="0" err="1"/>
-              <a:t>Sportwebsites</a:t>
+              <a:t> request</a:t>
             </a:r>
             <a:endParaRPr lang="en-BE" dirty="0"/>
           </a:p>
@@ -6845,7 +6903,7 @@
           <p:cNvPr id="3" name="Title 2">
             <a:extLst>
               <a:ext uri="{FF2B5EF4-FFF2-40B4-BE49-F238E27FC236}">
-                <a16:creationId xmlns:a16="http://schemas.microsoft.com/office/drawing/2014/main" id="{B33BC759-E867-D1FC-74E2-71897837AACC}"/>
+                <a16:creationId xmlns:a16="http://schemas.microsoft.com/office/drawing/2014/main" id="{04F55D16-5466-66E9-9E8A-3376FCFBDDCE}"/>
               </a:ext>
             </a:extLst>
           </p:cNvPr>
@@ -6867,7 +6925,7 @@
             </a:r>
             <a:r>
               <a:rPr lang="en-GB" dirty="0"/>
-              <a:t> – server sent events</a:t>
+              <a:t> – ajax (long) polling</a:t>
             </a:r>
             <a:endParaRPr lang="en-BE" dirty="0"/>
           </a:p>
@@ -6878,7 +6936,7 @@
           <p:cNvPr id="4" name="Slide Number Placeholder 3">
             <a:extLst>
               <a:ext uri="{FF2B5EF4-FFF2-40B4-BE49-F238E27FC236}">
-                <a16:creationId xmlns:a16="http://schemas.microsoft.com/office/drawing/2014/main" id="{43D7CF01-43CD-D265-5C3A-8531D7FE3167}"/>
+                <a16:creationId xmlns:a16="http://schemas.microsoft.com/office/drawing/2014/main" id="{9552D1EB-326C-6BFA-206B-7C88B3BE7B7C}"/>
               </a:ext>
             </a:extLst>
           </p:cNvPr>
@@ -6908,7 +6966,7 @@
           <p:cNvPr id="5" name="Footer Placeholder 4">
             <a:extLst>
               <a:ext uri="{FF2B5EF4-FFF2-40B4-BE49-F238E27FC236}">
-                <a16:creationId xmlns:a16="http://schemas.microsoft.com/office/drawing/2014/main" id="{CD2F5C04-6A7B-F00B-93CA-88BD695CC2E6}"/>
+                <a16:creationId xmlns:a16="http://schemas.microsoft.com/office/drawing/2014/main" id="{968EF55E-1F11-AED0-0C8A-43BEDB3B037A}"/>
               </a:ext>
             </a:extLst>
           </p:cNvPr>
@@ -6931,7 +6989,7 @@
     </p:spTree>
     <p:extLst>
       <p:ext uri="{BB962C8B-B14F-4D97-AF65-F5344CB8AC3E}">
-        <p14:creationId xmlns:p14="http://schemas.microsoft.com/office/powerpoint/2010/main" val="2954978872"/>
+        <p14:creationId xmlns:p14="http://schemas.microsoft.com/office/powerpoint/2010/main" val="425565436"/>
       </p:ext>
     </p:extLst>
   </p:cSld>
@@ -6958,47 +7016,87 @@
           <a:chExt cx="0" cy="0"/>
         </a:xfrm>
       </p:grpSpPr>
-      <p:pic>
-        <p:nvPicPr>
-          <p:cNvPr id="7" name="Content Placeholder 6" descr="Diagram&#10;&#10;Description automatically generated">
-            <a:extLst>
-              <a:ext uri="{FF2B5EF4-FFF2-40B4-BE49-F238E27FC236}">
-                <a16:creationId xmlns:a16="http://schemas.microsoft.com/office/drawing/2014/main" id="{6B912D61-5402-EC41-1B56-AB5BC15571D5}"/>
-              </a:ext>
-            </a:extLst>
-          </p:cNvPr>
-          <p:cNvPicPr>
-            <a:picLocks noGrp="1" noChangeAspect="1"/>
-          </p:cNvPicPr>
+      <p:sp>
+        <p:nvSpPr>
+          <p:cNvPr id="2" name="Content Placeholder 1">
+            <a:extLst>
+              <a:ext uri="{FF2B5EF4-FFF2-40B4-BE49-F238E27FC236}">
+                <a16:creationId xmlns:a16="http://schemas.microsoft.com/office/drawing/2014/main" id="{9B5C0179-DFD6-60E1-4531-EBD1EE21DB2C}"/>
+              </a:ext>
+            </a:extLst>
+          </p:cNvPr>
+          <p:cNvSpPr>
+            <a:spLocks noGrp="1"/>
+          </p:cNvSpPr>
           <p:nvPr>
             <p:ph idx="1"/>
           </p:nvPr>
-        </p:nvPicPr>
-        <p:blipFill>
-          <a:blip r:embed="rId2">
-            <a:extLst>
-              <a:ext uri="{28A0092B-C50C-407E-A947-70E740481C1C}">
-                <a14:useLocalDpi xmlns:a14="http://schemas.microsoft.com/office/drawing/2010/main" val="0"/>
-              </a:ext>
-            </a:extLst>
-          </a:blip>
-          <a:stretch>
-            <a:fillRect/>
-          </a:stretch>
-        </p:blipFill>
-        <p:spPr>
-          <a:xfrm>
-            <a:off x="2343148" y="1197112"/>
-            <a:ext cx="6507957" cy="4728437"/>
-          </a:xfrm>
-        </p:spPr>
-      </p:pic>
+        </p:nvSpPr>
+        <p:spPr/>
+        <p:txBody>
+          <a:bodyPr/>
+          <a:lstStyle/>
+          <a:p>
+            <a:r>
+              <a:rPr lang="en-GB" dirty="0" err="1"/>
+              <a:t>Browers</a:t>
+            </a:r>
+            <a:r>
+              <a:rPr lang="en-GB" dirty="0"/>
+              <a:t> </a:t>
+            </a:r>
+            <a:r>
+              <a:rPr lang="en-GB" dirty="0" err="1"/>
+              <a:t>abonneert</a:t>
+            </a:r>
+            <a:r>
+              <a:rPr lang="en-GB" dirty="0"/>
+              <a:t> op events</a:t>
+            </a:r>
+          </a:p>
+          <a:p>
+            <a:r>
+              <a:rPr lang="en-GB" dirty="0" err="1"/>
+              <a:t>Notificatie</a:t>
+            </a:r>
+            <a:r>
+              <a:rPr lang="en-GB" dirty="0"/>
+              <a:t> </a:t>
+            </a:r>
+            <a:r>
+              <a:rPr lang="en-GB" dirty="0" err="1"/>
+              <a:t>naar</a:t>
+            </a:r>
+            <a:r>
+              <a:rPr lang="en-GB" dirty="0"/>
+              <a:t> de server</a:t>
+            </a:r>
+          </a:p>
+          <a:p>
+            <a:r>
+              <a:rPr lang="en-GB" dirty="0" err="1"/>
+              <a:t>Bepaalde</a:t>
+            </a:r>
+            <a:r>
+              <a:rPr lang="en-GB" dirty="0"/>
+              <a:t> code</a:t>
+            </a:r>
+          </a:p>
+          <a:p>
+            <a:r>
+              <a:rPr lang="en-GB" dirty="0" err="1"/>
+              <a:t>Sportwebsites</a:t>
+            </a:r>
+            <a:endParaRPr lang="en-BE" dirty="0"/>
+          </a:p>
+        </p:txBody>
+      </p:sp>
       <p:sp>
         <p:nvSpPr>
           <p:cNvPr id="3" name="Title 2">
             <a:extLst>
               <a:ext uri="{FF2B5EF4-FFF2-40B4-BE49-F238E27FC236}">
-                <a16:creationId xmlns:a16="http://schemas.microsoft.com/office/drawing/2014/main" id="{EF60ABD0-4D8E-9206-966D-9F7F6EFCA933}"/>
+                <a16:creationId xmlns:a16="http://schemas.microsoft.com/office/drawing/2014/main" id="{B33BC759-E867-D1FC-74E2-71897837AACC}"/>
               </a:ext>
             </a:extLst>
           </p:cNvPr>
@@ -7014,7 +7112,15 @@
           <a:bodyPr/>
           <a:lstStyle/>
           <a:p>
-            <a:endParaRPr lang="en-BE"/>
+            <a:r>
+              <a:rPr lang="en-GB" dirty="0" err="1"/>
+              <a:t>Ontstaan</a:t>
+            </a:r>
+            <a:r>
+              <a:rPr lang="en-GB" dirty="0"/>
+              <a:t> – server sent events</a:t>
+            </a:r>
+            <a:endParaRPr lang="en-BE" dirty="0"/>
           </a:p>
         </p:txBody>
       </p:sp>
@@ -7023,7 +7129,7 @@
           <p:cNvPr id="4" name="Slide Number Placeholder 3">
             <a:extLst>
               <a:ext uri="{FF2B5EF4-FFF2-40B4-BE49-F238E27FC236}">
-                <a16:creationId xmlns:a16="http://schemas.microsoft.com/office/drawing/2014/main" id="{E0AAAEE5-86EA-F224-9F4B-75B102F8FB7B}"/>
+                <a16:creationId xmlns:a16="http://schemas.microsoft.com/office/drawing/2014/main" id="{43D7CF01-43CD-D265-5C3A-8531D7FE3167}"/>
               </a:ext>
             </a:extLst>
           </p:cNvPr>
@@ -7053,7 +7159,7 @@
           <p:cNvPr id="5" name="Footer Placeholder 4">
             <a:extLst>
               <a:ext uri="{FF2B5EF4-FFF2-40B4-BE49-F238E27FC236}">
-                <a16:creationId xmlns:a16="http://schemas.microsoft.com/office/drawing/2014/main" id="{2673283A-8BFD-09FE-C211-06BE82EFEF1F}"/>
+                <a16:creationId xmlns:a16="http://schemas.microsoft.com/office/drawing/2014/main" id="{CD2F5C04-6A7B-F00B-93CA-88BD695CC2E6}"/>
               </a:ext>
             </a:extLst>
           </p:cNvPr>
@@ -7076,7 +7182,7 @@
     </p:spTree>
     <p:extLst>
       <p:ext uri="{BB962C8B-B14F-4D97-AF65-F5344CB8AC3E}">
-        <p14:creationId xmlns:p14="http://schemas.microsoft.com/office/powerpoint/2010/main" val="216987986"/>
+        <p14:creationId xmlns:p14="http://schemas.microsoft.com/office/powerpoint/2010/main" val="2954978872"/>
       </p:ext>
     </p:extLst>
   </p:cSld>
@@ -7103,12 +7209,47 @@
           <a:chExt cx="0" cy="0"/>
         </a:xfrm>
       </p:grpSpPr>
+      <p:pic>
+        <p:nvPicPr>
+          <p:cNvPr id="7" name="Content Placeholder 6" descr="Diagram&#10;&#10;Description automatically generated">
+            <a:extLst>
+              <a:ext uri="{FF2B5EF4-FFF2-40B4-BE49-F238E27FC236}">
+                <a16:creationId xmlns:a16="http://schemas.microsoft.com/office/drawing/2014/main" id="{6B912D61-5402-EC41-1B56-AB5BC15571D5}"/>
+              </a:ext>
+            </a:extLst>
+          </p:cNvPr>
+          <p:cNvPicPr>
+            <a:picLocks noGrp="1" noChangeAspect="1"/>
+          </p:cNvPicPr>
+          <p:nvPr>
+            <p:ph idx="1"/>
+          </p:nvPr>
+        </p:nvPicPr>
+        <p:blipFill>
+          <a:blip r:embed="rId2">
+            <a:extLst>
+              <a:ext uri="{28A0092B-C50C-407E-A947-70E740481C1C}">
+                <a14:useLocalDpi xmlns:a14="http://schemas.microsoft.com/office/drawing/2010/main" val="0"/>
+              </a:ext>
+            </a:extLst>
+          </a:blip>
+          <a:stretch>
+            <a:fillRect/>
+          </a:stretch>
+        </p:blipFill>
+        <p:spPr>
+          <a:xfrm>
+            <a:off x="2343148" y="1197112"/>
+            <a:ext cx="6507957" cy="4728437"/>
+          </a:xfrm>
+        </p:spPr>
+      </p:pic>
       <p:sp>
         <p:nvSpPr>
           <p:cNvPr id="3" name="Title 2">
             <a:extLst>
               <a:ext uri="{FF2B5EF4-FFF2-40B4-BE49-F238E27FC236}">
-                <a16:creationId xmlns:a16="http://schemas.microsoft.com/office/drawing/2014/main" id="{2F42C553-B592-4464-A4B7-5EC8988D45F6}"/>
+                <a16:creationId xmlns:a16="http://schemas.microsoft.com/office/drawing/2014/main" id="{EF60ABD0-4D8E-9206-966D-9F7F6EFCA933}"/>
               </a:ext>
             </a:extLst>
           </p:cNvPr>
@@ -7124,45 +7265,16 @@
           <a:bodyPr/>
           <a:lstStyle/>
           <a:p>
-            <a:r>
-              <a:rPr lang="en-US" dirty="0" err="1"/>
-              <a:t>gebruik</a:t>
-            </a:r>
-            <a:endParaRPr lang="en-US" dirty="0"/>
-          </a:p>
-        </p:txBody>
-      </p:sp>
-      <p:sp>
-        <p:nvSpPr>
-          <p:cNvPr id="4" name="Footer Placeholder 3">
-            <a:extLst>
-              <a:ext uri="{FF2B5EF4-FFF2-40B4-BE49-F238E27FC236}">
-                <a16:creationId xmlns:a16="http://schemas.microsoft.com/office/drawing/2014/main" id="{9E41C3BC-E4E5-4D29-AD12-A6D8868395CD}"/>
-              </a:ext>
-            </a:extLst>
-          </p:cNvPr>
-          <p:cNvSpPr>
-            <a:spLocks noGrp="1"/>
-          </p:cNvSpPr>
-          <p:nvPr>
-            <p:ph type="ftr" sz="quarter" idx="12"/>
-          </p:nvPr>
-        </p:nvSpPr>
-        <p:spPr/>
-        <p:txBody>
-          <a:bodyPr/>
-          <a:lstStyle/>
-          <a:p>
-            <a:endParaRPr lang="nl-BE"/>
-          </a:p>
-        </p:txBody>
-      </p:sp>
-      <p:sp>
-        <p:nvSpPr>
-          <p:cNvPr id="5" name="Slide Number Placeholder 4">
-            <a:extLst>
-              <a:ext uri="{FF2B5EF4-FFF2-40B4-BE49-F238E27FC236}">
-                <a16:creationId xmlns:a16="http://schemas.microsoft.com/office/drawing/2014/main" id="{4E55B2F2-EDCE-4E6D-A170-16EBD9623D13}"/>
+            <a:endParaRPr lang="en-BE"/>
+          </a:p>
+        </p:txBody>
+      </p:sp>
+      <p:sp>
+        <p:nvSpPr>
+          <p:cNvPr id="4" name="Slide Number Placeholder 3">
+            <a:extLst>
+              <a:ext uri="{FF2B5EF4-FFF2-40B4-BE49-F238E27FC236}">
+                <a16:creationId xmlns:a16="http://schemas.microsoft.com/office/drawing/2014/main" id="{E0AAAEE5-86EA-F224-9F4B-75B102F8FB7B}"/>
               </a:ext>
             </a:extLst>
           </p:cNvPr>
@@ -7187,10 +7299,35 @@
           </a:p>
         </p:txBody>
       </p:sp>
+      <p:sp>
+        <p:nvSpPr>
+          <p:cNvPr id="5" name="Footer Placeholder 4">
+            <a:extLst>
+              <a:ext uri="{FF2B5EF4-FFF2-40B4-BE49-F238E27FC236}">
+                <a16:creationId xmlns:a16="http://schemas.microsoft.com/office/drawing/2014/main" id="{2673283A-8BFD-09FE-C211-06BE82EFEF1F}"/>
+              </a:ext>
+            </a:extLst>
+          </p:cNvPr>
+          <p:cNvSpPr>
+            <a:spLocks noGrp="1"/>
+          </p:cNvSpPr>
+          <p:nvPr>
+            <p:ph type="ftr" sz="quarter" idx="12"/>
+          </p:nvPr>
+        </p:nvSpPr>
+        <p:spPr/>
+        <p:txBody>
+          <a:bodyPr/>
+          <a:lstStyle/>
+          <a:p>
+            <a:endParaRPr lang="nl-BE"/>
+          </a:p>
+        </p:txBody>
+      </p:sp>
     </p:spTree>
     <p:extLst>
       <p:ext uri="{BB962C8B-B14F-4D97-AF65-F5344CB8AC3E}">
-        <p14:creationId xmlns:p14="http://schemas.microsoft.com/office/powerpoint/2010/main" val="4134244725"/>
+        <p14:creationId xmlns:p14="http://schemas.microsoft.com/office/powerpoint/2010/main" val="216987986"/>
       </p:ext>
     </p:extLst>
   </p:cSld>
@@ -7219,104 +7356,10 @@
       </p:grpSpPr>
       <p:sp>
         <p:nvSpPr>
-          <p:cNvPr id="2" name="Content Placeholder 1">
-            <a:extLst>
-              <a:ext uri="{FF2B5EF4-FFF2-40B4-BE49-F238E27FC236}">
-                <a16:creationId xmlns:a16="http://schemas.microsoft.com/office/drawing/2014/main" id="{1C0CDAB1-4AE0-7E9F-B636-C6361A212C01}"/>
-              </a:ext>
-            </a:extLst>
-          </p:cNvPr>
-          <p:cNvSpPr>
-            <a:spLocks noGrp="1"/>
-          </p:cNvSpPr>
-          <p:nvPr>
-            <p:ph idx="1"/>
-          </p:nvPr>
-        </p:nvSpPr>
-        <p:spPr/>
-        <p:txBody>
-          <a:bodyPr/>
-          <a:lstStyle/>
-          <a:p>
-            <a:r>
-              <a:rPr lang="en-GB" dirty="0"/>
-              <a:t>ASP.NET </a:t>
-            </a:r>
-            <a:r>
-              <a:rPr lang="en-GB" dirty="0" err="1"/>
-              <a:t>SignalR</a:t>
-            </a:r>
-            <a:endParaRPr lang="en-GB" dirty="0"/>
-          </a:p>
-          <a:p>
-            <a:r>
-              <a:rPr lang="en-GB" dirty="0"/>
-              <a:t>ASP.NET Core </a:t>
-            </a:r>
-            <a:r>
-              <a:rPr lang="en-GB" dirty="0" err="1"/>
-              <a:t>SignalR</a:t>
-            </a:r>
-            <a:endParaRPr lang="en-GB" dirty="0"/>
-          </a:p>
-          <a:p>
-            <a:r>
-              <a:rPr lang="en-GB" dirty="0"/>
-              <a:t>jQuery</a:t>
-            </a:r>
-          </a:p>
-          <a:p>
-            <a:r>
-              <a:rPr lang="en-GB" dirty="0"/>
-              <a:t>2016 </a:t>
-            </a:r>
-            <a:r>
-              <a:rPr lang="en-GB" dirty="0" err="1"/>
-              <a:t>nieuwe</a:t>
-            </a:r>
-            <a:r>
-              <a:rPr lang="en-GB" dirty="0"/>
-              <a:t> </a:t>
-            </a:r>
-            <a:r>
-              <a:rPr lang="en-GB" dirty="0" err="1"/>
-              <a:t>versie</a:t>
-            </a:r>
-            <a:endParaRPr lang="en-GB" dirty="0"/>
-          </a:p>
-          <a:p>
-            <a:r>
-              <a:rPr lang="en-GB" dirty="0"/>
-              <a:t>Hubs</a:t>
-            </a:r>
-          </a:p>
-          <a:p>
-            <a:r>
-              <a:rPr lang="en-GB" dirty="0" err="1"/>
-              <a:t>Javascript</a:t>
-            </a:r>
-            <a:r>
-              <a:rPr lang="en-GB" dirty="0"/>
-              <a:t>/Typescript</a:t>
-            </a:r>
-          </a:p>
-          <a:p>
-            <a:r>
-              <a:rPr lang="en-GB" dirty="0"/>
-              <a:t>Frameworks: Angular, React, Vue,…</a:t>
-            </a:r>
-          </a:p>
-          <a:p>
-            <a:endParaRPr lang="en-BE" dirty="0"/>
-          </a:p>
-        </p:txBody>
-      </p:sp>
-      <p:sp>
-        <p:nvSpPr>
           <p:cNvPr id="3" name="Title 2">
             <a:extLst>
               <a:ext uri="{FF2B5EF4-FFF2-40B4-BE49-F238E27FC236}">
-                <a16:creationId xmlns:a16="http://schemas.microsoft.com/office/drawing/2014/main" id="{BFDB028E-13F5-946F-2F3A-48CB595EEB24}"/>
+                <a16:creationId xmlns:a16="http://schemas.microsoft.com/office/drawing/2014/main" id="{2F42C553-B592-4464-A4B7-5EC8988D45F6}"/>
               </a:ext>
             </a:extLst>
           </p:cNvPr>
@@ -7333,19 +7376,44 @@
           <a:lstStyle/>
           <a:p>
             <a:r>
-              <a:rPr lang="en-GB" dirty="0" err="1"/>
+              <a:rPr lang="en-US" dirty="0" err="1"/>
               <a:t>gebruik</a:t>
             </a:r>
-            <a:endParaRPr lang="en-BE" dirty="0"/>
-          </a:p>
-        </p:txBody>
-      </p:sp>
-      <p:sp>
-        <p:nvSpPr>
-          <p:cNvPr id="4" name="Slide Number Placeholder 3">
-            <a:extLst>
-              <a:ext uri="{FF2B5EF4-FFF2-40B4-BE49-F238E27FC236}">
-                <a16:creationId xmlns:a16="http://schemas.microsoft.com/office/drawing/2014/main" id="{C4F8FE6D-6738-AF12-6C3F-8BA2F26B3A59}"/>
+            <a:endParaRPr lang="en-US" dirty="0"/>
+          </a:p>
+        </p:txBody>
+      </p:sp>
+      <p:sp>
+        <p:nvSpPr>
+          <p:cNvPr id="4" name="Footer Placeholder 3">
+            <a:extLst>
+              <a:ext uri="{FF2B5EF4-FFF2-40B4-BE49-F238E27FC236}">
+                <a16:creationId xmlns:a16="http://schemas.microsoft.com/office/drawing/2014/main" id="{9E41C3BC-E4E5-4D29-AD12-A6D8868395CD}"/>
+              </a:ext>
+            </a:extLst>
+          </p:cNvPr>
+          <p:cNvSpPr>
+            <a:spLocks noGrp="1"/>
+          </p:cNvSpPr>
+          <p:nvPr>
+            <p:ph type="ftr" sz="quarter" idx="12"/>
+          </p:nvPr>
+        </p:nvSpPr>
+        <p:spPr/>
+        <p:txBody>
+          <a:bodyPr/>
+          <a:lstStyle/>
+          <a:p>
+            <a:endParaRPr lang="nl-BE"/>
+          </a:p>
+        </p:txBody>
+      </p:sp>
+      <p:sp>
+        <p:nvSpPr>
+          <p:cNvPr id="5" name="Slide Number Placeholder 4">
+            <a:extLst>
+              <a:ext uri="{FF2B5EF4-FFF2-40B4-BE49-F238E27FC236}">
+                <a16:creationId xmlns:a16="http://schemas.microsoft.com/office/drawing/2014/main" id="{4E55B2F2-EDCE-4E6D-A170-16EBD9623D13}"/>
               </a:ext>
             </a:extLst>
           </p:cNvPr>
@@ -7370,35 +7438,10 @@
           </a:p>
         </p:txBody>
       </p:sp>
-      <p:sp>
-        <p:nvSpPr>
-          <p:cNvPr id="5" name="Footer Placeholder 4">
-            <a:extLst>
-              <a:ext uri="{FF2B5EF4-FFF2-40B4-BE49-F238E27FC236}">
-                <a16:creationId xmlns:a16="http://schemas.microsoft.com/office/drawing/2014/main" id="{18D22BF1-D520-C699-2823-337C6CC1F086}"/>
-              </a:ext>
-            </a:extLst>
-          </p:cNvPr>
-          <p:cNvSpPr>
-            <a:spLocks noGrp="1"/>
-          </p:cNvSpPr>
-          <p:nvPr>
-            <p:ph type="ftr" sz="quarter" idx="12"/>
-          </p:nvPr>
-        </p:nvSpPr>
-        <p:spPr/>
-        <p:txBody>
-          <a:bodyPr/>
-          <a:lstStyle/>
-          <a:p>
-            <a:endParaRPr lang="nl-BE"/>
-          </a:p>
-        </p:txBody>
-      </p:sp>
     </p:spTree>
     <p:extLst>
       <p:ext uri="{BB962C8B-B14F-4D97-AF65-F5344CB8AC3E}">
-        <p14:creationId xmlns:p14="http://schemas.microsoft.com/office/powerpoint/2010/main" val="330046714"/>
+        <p14:creationId xmlns:p14="http://schemas.microsoft.com/office/powerpoint/2010/main" val="4134244725"/>
       </p:ext>
     </p:extLst>
   </p:cSld>
@@ -7430,7 +7473,7 @@
           <p:cNvPr id="2" name="Content Placeholder 1">
             <a:extLst>
               <a:ext uri="{FF2B5EF4-FFF2-40B4-BE49-F238E27FC236}">
-                <a16:creationId xmlns:a16="http://schemas.microsoft.com/office/drawing/2014/main" id="{45C23EE8-4BBD-8FC8-2B9B-56A6BA55E66C}"/>
+                <a16:creationId xmlns:a16="http://schemas.microsoft.com/office/drawing/2014/main" id="{1C0CDAB1-4AE0-7E9F-B636-C6361A212C01}"/>
               </a:ext>
             </a:extLst>
           </p:cNvPr>
@@ -7448,13 +7491,39 @@
           <a:p>
             <a:r>
               <a:rPr lang="en-GB" dirty="0"/>
-              <a:t>Dependency injections</a:t>
-            </a:r>
-          </a:p>
-          <a:p>
+              <a:t>ASP.NET </a:t>
+            </a:r>
             <a:r>
               <a:rPr lang="en-GB" dirty="0" err="1"/>
-              <a:t>Objecten</a:t>
+              <a:t>SignalR</a:t>
+            </a:r>
+            <a:endParaRPr lang="en-GB" dirty="0"/>
+          </a:p>
+          <a:p>
+            <a:r>
+              <a:rPr lang="en-GB" dirty="0"/>
+              <a:t>ASP.NET Core </a:t>
+            </a:r>
+            <a:r>
+              <a:rPr lang="en-GB" dirty="0" err="1"/>
+              <a:t>SignalR</a:t>
+            </a:r>
+            <a:endParaRPr lang="en-GB" dirty="0"/>
+          </a:p>
+          <a:p>
+            <a:r>
+              <a:rPr lang="en-GB" dirty="0"/>
+              <a:t>jQuery</a:t>
+            </a:r>
+          </a:p>
+          <a:p>
+            <a:r>
+              <a:rPr lang="en-GB" dirty="0"/>
+              <a:t>2016 </a:t>
+            </a:r>
+            <a:r>
+              <a:rPr lang="en-GB" dirty="0" err="1"/>
+              <a:t>nieuwe</a:t>
             </a:r>
             <a:r>
               <a:rPr lang="en-GB" dirty="0"/>
@@ -7462,40 +7531,33 @@
             </a:r>
             <a:r>
               <a:rPr lang="en-GB" dirty="0" err="1"/>
-              <a:t>meegeven</a:t>
+              <a:t>versie</a:t>
             </a:r>
             <a:endParaRPr lang="en-GB" dirty="0"/>
           </a:p>
           <a:p>
             <a:r>
               <a:rPr lang="en-GB" dirty="0"/>
-              <a:t>Navigation Manager</a:t>
+              <a:t>Hubs</a:t>
             </a:r>
           </a:p>
           <a:p>
             <a:r>
               <a:rPr lang="en-GB" dirty="0" err="1"/>
-              <a:t>Encryptie</a:t>
-            </a:r>
-            <a:endParaRPr lang="en-GB" dirty="0"/>
-          </a:p>
-          <a:p>
-            <a:r>
-              <a:rPr lang="en-GB" dirty="0" err="1"/>
-              <a:t>Validatie</a:t>
+              <a:t>Javascript</a:t>
             </a:r>
             <a:r>
               <a:rPr lang="en-GB" dirty="0"/>
-              <a:t> </a:t>
-            </a:r>
-            <a:r>
-              <a:rPr lang="en-GB" dirty="0" err="1"/>
-              <a:t>inhoud</a:t>
-            </a:r>
+              <a:t>/Typescript</a:t>
+            </a:r>
+          </a:p>
+          <a:p>
             <a:r>
               <a:rPr lang="en-GB" dirty="0"/>
-              <a:t> token</a:t>
-            </a:r>
+              <a:t>Frameworks: Angular, React, Vue,…</a:t>
+            </a:r>
+          </a:p>
+          <a:p>
             <a:endParaRPr lang="en-BE" dirty="0"/>
           </a:p>
         </p:txBody>
@@ -7505,7 +7567,7 @@
           <p:cNvPr id="3" name="Title 2">
             <a:extLst>
               <a:ext uri="{FF2B5EF4-FFF2-40B4-BE49-F238E27FC236}">
-                <a16:creationId xmlns:a16="http://schemas.microsoft.com/office/drawing/2014/main" id="{809BFB93-995D-0AC5-714A-2D723C4B4F6B}"/>
+                <a16:creationId xmlns:a16="http://schemas.microsoft.com/office/drawing/2014/main" id="{BFDB028E-13F5-946F-2F3A-48CB595EEB24}"/>
               </a:ext>
             </a:extLst>
           </p:cNvPr>
@@ -7534,7 +7596,7 @@
           <p:cNvPr id="4" name="Slide Number Placeholder 3">
             <a:extLst>
               <a:ext uri="{FF2B5EF4-FFF2-40B4-BE49-F238E27FC236}">
-                <a16:creationId xmlns:a16="http://schemas.microsoft.com/office/drawing/2014/main" id="{B00A90C1-C151-5C25-1F77-BA4FB415C929}"/>
+                <a16:creationId xmlns:a16="http://schemas.microsoft.com/office/drawing/2014/main" id="{C4F8FE6D-6738-AF12-6C3F-8BA2F26B3A59}"/>
               </a:ext>
             </a:extLst>
           </p:cNvPr>
@@ -7564,7 +7626,7 @@
           <p:cNvPr id="5" name="Footer Placeholder 4">
             <a:extLst>
               <a:ext uri="{FF2B5EF4-FFF2-40B4-BE49-F238E27FC236}">
-                <a16:creationId xmlns:a16="http://schemas.microsoft.com/office/drawing/2014/main" id="{09B1C8A4-E639-F1E2-9181-33C4D4760E22}"/>
+                <a16:creationId xmlns:a16="http://schemas.microsoft.com/office/drawing/2014/main" id="{18D22BF1-D520-C699-2823-337C6CC1F086}"/>
               </a:ext>
             </a:extLst>
           </p:cNvPr>
@@ -7587,7 +7649,7 @@
     </p:spTree>
     <p:extLst>
       <p:ext uri="{BB962C8B-B14F-4D97-AF65-F5344CB8AC3E}">
-        <p14:creationId xmlns:p14="http://schemas.microsoft.com/office/powerpoint/2010/main" val="2072165954"/>
+        <p14:creationId xmlns:p14="http://schemas.microsoft.com/office/powerpoint/2010/main" val="330046714"/>
       </p:ext>
     </p:extLst>
   </p:cSld>
@@ -7616,10 +7678,85 @@
       </p:grpSpPr>
       <p:sp>
         <p:nvSpPr>
+          <p:cNvPr id="2" name="Content Placeholder 1">
+            <a:extLst>
+              <a:ext uri="{FF2B5EF4-FFF2-40B4-BE49-F238E27FC236}">
+                <a16:creationId xmlns:a16="http://schemas.microsoft.com/office/drawing/2014/main" id="{45C23EE8-4BBD-8FC8-2B9B-56A6BA55E66C}"/>
+              </a:ext>
+            </a:extLst>
+          </p:cNvPr>
+          <p:cNvSpPr>
+            <a:spLocks noGrp="1"/>
+          </p:cNvSpPr>
+          <p:nvPr>
+            <p:ph idx="1"/>
+          </p:nvPr>
+        </p:nvSpPr>
+        <p:spPr/>
+        <p:txBody>
+          <a:bodyPr/>
+          <a:lstStyle/>
+          <a:p>
+            <a:r>
+              <a:rPr lang="en-GB" dirty="0"/>
+              <a:t>Dependency injections</a:t>
+            </a:r>
+          </a:p>
+          <a:p>
+            <a:r>
+              <a:rPr lang="en-GB" dirty="0" err="1"/>
+              <a:t>Objecten</a:t>
+            </a:r>
+            <a:r>
+              <a:rPr lang="en-GB" dirty="0"/>
+              <a:t> </a:t>
+            </a:r>
+            <a:r>
+              <a:rPr lang="en-GB" dirty="0" err="1"/>
+              <a:t>meegeven</a:t>
+            </a:r>
+            <a:endParaRPr lang="en-GB" dirty="0"/>
+          </a:p>
+          <a:p>
+            <a:r>
+              <a:rPr lang="en-GB" dirty="0"/>
+              <a:t>Navigation Manager</a:t>
+            </a:r>
+          </a:p>
+          <a:p>
+            <a:r>
+              <a:rPr lang="en-GB" dirty="0" err="1"/>
+              <a:t>Encryptie</a:t>
+            </a:r>
+            <a:endParaRPr lang="en-GB" dirty="0"/>
+          </a:p>
+          <a:p>
+            <a:r>
+              <a:rPr lang="en-GB" dirty="0" err="1"/>
+              <a:t>Validatie</a:t>
+            </a:r>
+            <a:r>
+              <a:rPr lang="en-GB" dirty="0"/>
+              <a:t> </a:t>
+            </a:r>
+            <a:r>
+              <a:rPr lang="en-GB" dirty="0" err="1"/>
+              <a:t>inhoud</a:t>
+            </a:r>
+            <a:r>
+              <a:rPr lang="en-GB" dirty="0"/>
+              <a:t> token</a:t>
+            </a:r>
+            <a:endParaRPr lang="en-BE" dirty="0"/>
+          </a:p>
+        </p:txBody>
+      </p:sp>
+      <p:sp>
+        <p:nvSpPr>
           <p:cNvPr id="3" name="Title 2">
             <a:extLst>
               <a:ext uri="{FF2B5EF4-FFF2-40B4-BE49-F238E27FC236}">
-                <a16:creationId xmlns:a16="http://schemas.microsoft.com/office/drawing/2014/main" id="{B06F2D98-BBC8-40FD-D3A2-2E3256072E9F}"/>
+                <a16:creationId xmlns:a16="http://schemas.microsoft.com/office/drawing/2014/main" id="{809BFB93-995D-0AC5-714A-2D723C4B4F6B}"/>
               </a:ext>
             </a:extLst>
           </p:cNvPr>
@@ -7648,7 +7785,7 @@
           <p:cNvPr id="4" name="Slide Number Placeholder 3">
             <a:extLst>
               <a:ext uri="{FF2B5EF4-FFF2-40B4-BE49-F238E27FC236}">
-                <a16:creationId xmlns:a16="http://schemas.microsoft.com/office/drawing/2014/main" id="{FBE67AE4-6DD1-03F7-9EC8-E13C8FE2CAD1}"/>
+                <a16:creationId xmlns:a16="http://schemas.microsoft.com/office/drawing/2014/main" id="{B00A90C1-C151-5C25-1F77-BA4FB415C929}"/>
               </a:ext>
             </a:extLst>
           </p:cNvPr>
@@ -7668,6 +7805,120 @@
               <a:rPr lang="nl-BE" smtClean="0"/>
               <a:pPr/>
               <a:t>15</a:t>
+            </a:fld>
+            <a:endParaRPr lang="nl-BE"/>
+          </a:p>
+        </p:txBody>
+      </p:sp>
+      <p:sp>
+        <p:nvSpPr>
+          <p:cNvPr id="5" name="Footer Placeholder 4">
+            <a:extLst>
+              <a:ext uri="{FF2B5EF4-FFF2-40B4-BE49-F238E27FC236}">
+                <a16:creationId xmlns:a16="http://schemas.microsoft.com/office/drawing/2014/main" id="{09B1C8A4-E639-F1E2-9181-33C4D4760E22}"/>
+              </a:ext>
+            </a:extLst>
+          </p:cNvPr>
+          <p:cNvSpPr>
+            <a:spLocks noGrp="1"/>
+          </p:cNvSpPr>
+          <p:nvPr>
+            <p:ph type="ftr" sz="quarter" idx="12"/>
+          </p:nvPr>
+        </p:nvSpPr>
+        <p:spPr/>
+        <p:txBody>
+          <a:bodyPr/>
+          <a:lstStyle/>
+          <a:p>
+            <a:endParaRPr lang="nl-BE"/>
+          </a:p>
+        </p:txBody>
+      </p:sp>
+    </p:spTree>
+    <p:extLst>
+      <p:ext uri="{BB962C8B-B14F-4D97-AF65-F5344CB8AC3E}">
+        <p14:creationId xmlns:p14="http://schemas.microsoft.com/office/powerpoint/2010/main" val="2072165954"/>
+      </p:ext>
+    </p:extLst>
+  </p:cSld>
+  <p:clrMapOvr>
+    <a:masterClrMapping/>
+  </p:clrMapOvr>
+</p:sld>
+</file>
+
+<file path=ppt/slides/slide16.xml><?xml version="1.0" encoding="utf-8"?>
+<p:sld xmlns:a="http://schemas.openxmlformats.org/drawingml/2006/main" xmlns:r="http://schemas.openxmlformats.org/officeDocument/2006/relationships" xmlns:p="http://schemas.openxmlformats.org/presentationml/2006/main">
+  <p:cSld>
+    <p:spTree>
+      <p:nvGrpSpPr>
+        <p:cNvPr id="1" name=""/>
+        <p:cNvGrpSpPr/>
+        <p:nvPr/>
+      </p:nvGrpSpPr>
+      <p:grpSpPr>
+        <a:xfrm>
+          <a:off x="0" y="0"/>
+          <a:ext cx="0" cy="0"/>
+          <a:chOff x="0" y="0"/>
+          <a:chExt cx="0" cy="0"/>
+        </a:xfrm>
+      </p:grpSpPr>
+      <p:sp>
+        <p:nvSpPr>
+          <p:cNvPr id="3" name="Title 2">
+            <a:extLst>
+              <a:ext uri="{FF2B5EF4-FFF2-40B4-BE49-F238E27FC236}">
+                <a16:creationId xmlns:a16="http://schemas.microsoft.com/office/drawing/2014/main" id="{B06F2D98-BBC8-40FD-D3A2-2E3256072E9F}"/>
+              </a:ext>
+            </a:extLst>
+          </p:cNvPr>
+          <p:cNvSpPr>
+            <a:spLocks noGrp="1"/>
+          </p:cNvSpPr>
+          <p:nvPr>
+            <p:ph type="title"/>
+          </p:nvPr>
+        </p:nvSpPr>
+        <p:spPr/>
+        <p:txBody>
+          <a:bodyPr/>
+          <a:lstStyle/>
+          <a:p>
+            <a:r>
+              <a:rPr lang="en-GB" dirty="0" err="1"/>
+              <a:t>gebruik</a:t>
+            </a:r>
+            <a:endParaRPr lang="en-BE" dirty="0"/>
+          </a:p>
+        </p:txBody>
+      </p:sp>
+      <p:sp>
+        <p:nvSpPr>
+          <p:cNvPr id="4" name="Slide Number Placeholder 3">
+            <a:extLst>
+              <a:ext uri="{FF2B5EF4-FFF2-40B4-BE49-F238E27FC236}">
+                <a16:creationId xmlns:a16="http://schemas.microsoft.com/office/drawing/2014/main" id="{FBE67AE4-6DD1-03F7-9EC8-E13C8FE2CAD1}"/>
+              </a:ext>
+            </a:extLst>
+          </p:cNvPr>
+          <p:cNvSpPr>
+            <a:spLocks noGrp="1"/>
+          </p:cNvSpPr>
+          <p:nvPr>
+            <p:ph type="sldNum" sz="quarter" idx="11"/>
+          </p:nvPr>
+        </p:nvSpPr>
+        <p:spPr/>
+        <p:txBody>
+          <a:bodyPr/>
+          <a:lstStyle/>
+          <a:p>
+            <a:fld id="{3B80295F-48CD-49FC-897A-CCEC919B8070}" type="slidenum">
+              <a:rPr lang="nl-BE" smtClean="0"/>
+              <a:pPr/>
+              <a:t>16</a:t>
             </a:fld>
             <a:endParaRPr lang="nl-BE"/>
           </a:p>
@@ -7743,139 +7994,6 @@
 </p:sld>
 </file>
 
-<file path=ppt/slides/slide16.xml><?xml version="1.0" encoding="utf-8"?>
-<p:sld xmlns:a="http://schemas.openxmlformats.org/drawingml/2006/main" xmlns:r="http://schemas.openxmlformats.org/officeDocument/2006/relationships" xmlns:p="http://schemas.openxmlformats.org/presentationml/2006/main">
-  <p:cSld>
-    <p:spTree>
-      <p:nvGrpSpPr>
-        <p:cNvPr id="1" name=""/>
-        <p:cNvGrpSpPr/>
-        <p:nvPr/>
-      </p:nvGrpSpPr>
-      <p:grpSpPr>
-        <a:xfrm>
-          <a:off x="0" y="0"/>
-          <a:ext cx="0" cy="0"/>
-          <a:chOff x="0" y="0"/>
-          <a:chExt cx="0" cy="0"/>
-        </a:xfrm>
-      </p:grpSpPr>
-      <p:sp>
-        <p:nvSpPr>
-          <p:cNvPr id="3" name="Title 2">
-            <a:extLst>
-              <a:ext uri="{FF2B5EF4-FFF2-40B4-BE49-F238E27FC236}">
-                <a16:creationId xmlns:a16="http://schemas.microsoft.com/office/drawing/2014/main" id="{2F42C553-B592-4464-A4B7-5EC8988D45F6}"/>
-              </a:ext>
-            </a:extLst>
-          </p:cNvPr>
-          <p:cNvSpPr>
-            <a:spLocks noGrp="1"/>
-          </p:cNvSpPr>
-          <p:nvPr>
-            <p:ph type="title"/>
-          </p:nvPr>
-        </p:nvSpPr>
-        <p:spPr/>
-        <p:txBody>
-          <a:bodyPr/>
-          <a:lstStyle/>
-          <a:p>
-            <a:r>
-              <a:rPr lang="en-US" dirty="0" err="1"/>
-              <a:t>Waarom</a:t>
-            </a:r>
-            <a:r>
-              <a:rPr lang="en-US" dirty="0"/>
-              <a:t> </a:t>
-            </a:r>
-            <a:r>
-              <a:rPr lang="en-US" dirty="0" err="1"/>
-              <a:t>signalr</a:t>
-            </a:r>
-            <a:r>
-              <a:rPr lang="en-US" dirty="0"/>
-              <a:t> </a:t>
-            </a:r>
-            <a:r>
-              <a:rPr lang="en-US" dirty="0" err="1"/>
-              <a:t>gebruiken</a:t>
-            </a:r>
-            <a:r>
-              <a:rPr lang="en-US" dirty="0"/>
-              <a:t>?</a:t>
-            </a:r>
-          </a:p>
-        </p:txBody>
-      </p:sp>
-      <p:sp>
-        <p:nvSpPr>
-          <p:cNvPr id="4" name="Footer Placeholder 3">
-            <a:extLst>
-              <a:ext uri="{FF2B5EF4-FFF2-40B4-BE49-F238E27FC236}">
-                <a16:creationId xmlns:a16="http://schemas.microsoft.com/office/drawing/2014/main" id="{9E41C3BC-E4E5-4D29-AD12-A6D8868395CD}"/>
-              </a:ext>
-            </a:extLst>
-          </p:cNvPr>
-          <p:cNvSpPr>
-            <a:spLocks noGrp="1"/>
-          </p:cNvSpPr>
-          <p:nvPr>
-            <p:ph type="ftr" sz="quarter" idx="12"/>
-          </p:nvPr>
-        </p:nvSpPr>
-        <p:spPr/>
-        <p:txBody>
-          <a:bodyPr/>
-          <a:lstStyle/>
-          <a:p>
-            <a:endParaRPr lang="nl-BE"/>
-          </a:p>
-        </p:txBody>
-      </p:sp>
-      <p:sp>
-        <p:nvSpPr>
-          <p:cNvPr id="5" name="Slide Number Placeholder 4">
-            <a:extLst>
-              <a:ext uri="{FF2B5EF4-FFF2-40B4-BE49-F238E27FC236}">
-                <a16:creationId xmlns:a16="http://schemas.microsoft.com/office/drawing/2014/main" id="{4E55B2F2-EDCE-4E6D-A170-16EBD9623D13}"/>
-              </a:ext>
-            </a:extLst>
-          </p:cNvPr>
-          <p:cNvSpPr>
-            <a:spLocks noGrp="1"/>
-          </p:cNvSpPr>
-          <p:nvPr>
-            <p:ph type="sldNum" sz="quarter" idx="11"/>
-          </p:nvPr>
-        </p:nvSpPr>
-        <p:spPr/>
-        <p:txBody>
-          <a:bodyPr/>
-          <a:lstStyle/>
-          <a:p>
-            <a:fld id="{3B80295F-48CD-49FC-897A-CCEC919B8070}" type="slidenum">
-              <a:rPr lang="nl-BE" smtClean="0"/>
-              <a:pPr/>
-              <a:t>16</a:t>
-            </a:fld>
-            <a:endParaRPr lang="nl-BE"/>
-          </a:p>
-        </p:txBody>
-      </p:sp>
-    </p:spTree>
-    <p:extLst>
-      <p:ext uri="{BB962C8B-B14F-4D97-AF65-F5344CB8AC3E}">
-        <p14:creationId xmlns:p14="http://schemas.microsoft.com/office/powerpoint/2010/main" val="4096014118"/>
-      </p:ext>
-    </p:extLst>
-  </p:cSld>
-  <p:clrMapOvr>
-    <a:masterClrMapping/>
-  </p:clrMapOvr>
-</p:sld>
-</file>
-
 <file path=ppt/slides/slide17.xml><?xml version="1.0" encoding="utf-8"?>
 <p:sld xmlns:a="http://schemas.openxmlformats.org/drawingml/2006/main" xmlns:r="http://schemas.openxmlformats.org/officeDocument/2006/relationships" xmlns:p="http://schemas.openxmlformats.org/presentationml/2006/main">
   <p:cSld>
@@ -7895,117 +8013,83 @@
       </p:grpSpPr>
       <p:sp>
         <p:nvSpPr>
-          <p:cNvPr id="2" name="Content Placeholder 1">
-            <a:extLst>
-              <a:ext uri="{FF2B5EF4-FFF2-40B4-BE49-F238E27FC236}">
-                <a16:creationId xmlns:a16="http://schemas.microsoft.com/office/drawing/2014/main" id="{BC8E308D-5D17-A883-5778-23348FF4E5CD}"/>
-              </a:ext>
-            </a:extLst>
-          </p:cNvPr>
-          <p:cNvSpPr>
-            <a:spLocks noGrp="1"/>
-          </p:cNvSpPr>
-          <p:nvPr>
-            <p:ph idx="1"/>
-          </p:nvPr>
-        </p:nvSpPr>
-        <p:spPr/>
-        <p:txBody>
-          <a:bodyPr/>
-          <a:lstStyle/>
-          <a:p>
-            <a:r>
-              <a:rPr lang="en-GB" dirty="0" err="1"/>
-              <a:t>Efficiënter</a:t>
-            </a:r>
-            <a:endParaRPr lang="en-GB" dirty="0"/>
-          </a:p>
-          <a:p>
-            <a:r>
-              <a:rPr lang="en-GB" dirty="0" err="1"/>
-              <a:t>Geen</a:t>
-            </a:r>
-            <a:r>
-              <a:rPr lang="en-GB" dirty="0"/>
+          <p:cNvPr id="3" name="Title 2">
+            <a:extLst>
+              <a:ext uri="{FF2B5EF4-FFF2-40B4-BE49-F238E27FC236}">
+                <a16:creationId xmlns:a16="http://schemas.microsoft.com/office/drawing/2014/main" id="{2F42C553-B592-4464-A4B7-5EC8988D45F6}"/>
+              </a:ext>
+            </a:extLst>
+          </p:cNvPr>
+          <p:cNvSpPr>
+            <a:spLocks noGrp="1"/>
+          </p:cNvSpPr>
+          <p:nvPr>
+            <p:ph type="title"/>
+          </p:nvPr>
+        </p:nvSpPr>
+        <p:spPr/>
+        <p:txBody>
+          <a:bodyPr/>
+          <a:lstStyle/>
+          <a:p>
+            <a:r>
+              <a:rPr lang="en-US" dirty="0" err="1"/>
+              <a:t>Waarom</a:t>
+            </a:r>
+            <a:r>
+              <a:rPr lang="en-US" dirty="0"/>
               <a:t> </a:t>
             </a:r>
             <a:r>
-              <a:rPr lang="en-GB" dirty="0" err="1"/>
-              <a:t>druk</a:t>
-            </a:r>
-            <a:r>
-              <a:rPr lang="en-GB" dirty="0"/>
-              <a:t> op performance</a:t>
-            </a:r>
-          </a:p>
-          <a:p>
-            <a:r>
-              <a:rPr lang="en-GB" dirty="0"/>
-              <a:t>Realtime </a:t>
-            </a:r>
-            <a:r>
-              <a:rPr lang="en-GB" dirty="0" err="1"/>
-              <a:t>functionaliteit</a:t>
-            </a:r>
-            <a:endParaRPr lang="en-BE" dirty="0"/>
-          </a:p>
-        </p:txBody>
-      </p:sp>
-      <p:sp>
-        <p:nvSpPr>
-          <p:cNvPr id="3" name="Title 2">
-            <a:extLst>
-              <a:ext uri="{FF2B5EF4-FFF2-40B4-BE49-F238E27FC236}">
-                <a16:creationId xmlns:a16="http://schemas.microsoft.com/office/drawing/2014/main" id="{6F629AFA-1286-03E1-813D-3F72D6A04566}"/>
-              </a:ext>
-            </a:extLst>
-          </p:cNvPr>
-          <p:cNvSpPr>
-            <a:spLocks noGrp="1"/>
-          </p:cNvSpPr>
-          <p:nvPr>
-            <p:ph type="title"/>
-          </p:nvPr>
-        </p:nvSpPr>
-        <p:spPr/>
-        <p:txBody>
-          <a:bodyPr/>
-          <a:lstStyle/>
-          <a:p>
-            <a:r>
-              <a:rPr lang="en-GB" dirty="0" err="1"/>
-              <a:t>Waarom</a:t>
-            </a:r>
-            <a:r>
-              <a:rPr lang="en-GB" dirty="0"/>
+              <a:rPr lang="en-US" dirty="0" err="1"/>
+              <a:t>signalr</a:t>
+            </a:r>
+            <a:r>
+              <a:rPr lang="en-US" dirty="0"/>
               <a:t> </a:t>
             </a:r>
             <a:r>
-              <a:rPr lang="en-GB" dirty="0" err="1"/>
-              <a:t>signalr</a:t>
-            </a:r>
-            <a:r>
-              <a:rPr lang="en-GB" dirty="0"/>
-              <a:t> </a:t>
-            </a:r>
-            <a:r>
-              <a:rPr lang="en-GB" dirty="0" err="1"/>
+              <a:rPr lang="en-US" dirty="0" err="1"/>
               <a:t>gebruiken</a:t>
             </a:r>
             <a:r>
-              <a:rPr lang="en-GB" dirty="0"/>
+              <a:rPr lang="en-US" dirty="0"/>
               <a:t>?</a:t>
             </a:r>
-            <a:endParaRPr lang="en-BE" dirty="0"/>
-          </a:p>
-        </p:txBody>
-      </p:sp>
-      <p:sp>
-        <p:nvSpPr>
-          <p:cNvPr id="4" name="Slide Number Placeholder 3">
-            <a:extLst>
-              <a:ext uri="{FF2B5EF4-FFF2-40B4-BE49-F238E27FC236}">
-                <a16:creationId xmlns:a16="http://schemas.microsoft.com/office/drawing/2014/main" id="{82FD13A6-6C78-C986-47EE-60FD9580486F}"/>
+          </a:p>
+        </p:txBody>
+      </p:sp>
+      <p:sp>
+        <p:nvSpPr>
+          <p:cNvPr id="4" name="Footer Placeholder 3">
+            <a:extLst>
+              <a:ext uri="{FF2B5EF4-FFF2-40B4-BE49-F238E27FC236}">
+                <a16:creationId xmlns:a16="http://schemas.microsoft.com/office/drawing/2014/main" id="{9E41C3BC-E4E5-4D29-AD12-A6D8868395CD}"/>
+              </a:ext>
+            </a:extLst>
+          </p:cNvPr>
+          <p:cNvSpPr>
+            <a:spLocks noGrp="1"/>
+          </p:cNvSpPr>
+          <p:nvPr>
+            <p:ph type="ftr" sz="quarter" idx="12"/>
+          </p:nvPr>
+        </p:nvSpPr>
+        <p:spPr/>
+        <p:txBody>
+          <a:bodyPr/>
+          <a:lstStyle/>
+          <a:p>
+            <a:endParaRPr lang="nl-BE"/>
+          </a:p>
+        </p:txBody>
+      </p:sp>
+      <p:sp>
+        <p:nvSpPr>
+          <p:cNvPr id="5" name="Slide Number Placeholder 4">
+            <a:extLst>
+              <a:ext uri="{FF2B5EF4-FFF2-40B4-BE49-F238E27FC236}">
+                <a16:creationId xmlns:a16="http://schemas.microsoft.com/office/drawing/2014/main" id="{4E55B2F2-EDCE-4E6D-A170-16EBD9623D13}"/>
               </a:ext>
             </a:extLst>
           </p:cNvPr>
@@ -8030,35 +8114,10 @@
           </a:p>
         </p:txBody>
       </p:sp>
-      <p:sp>
-        <p:nvSpPr>
-          <p:cNvPr id="5" name="Footer Placeholder 4">
-            <a:extLst>
-              <a:ext uri="{FF2B5EF4-FFF2-40B4-BE49-F238E27FC236}">
-                <a16:creationId xmlns:a16="http://schemas.microsoft.com/office/drawing/2014/main" id="{73241343-99D6-0EDA-AF58-A48168EE0E70}"/>
-              </a:ext>
-            </a:extLst>
-          </p:cNvPr>
-          <p:cNvSpPr>
-            <a:spLocks noGrp="1"/>
-          </p:cNvSpPr>
-          <p:nvPr>
-            <p:ph type="ftr" sz="quarter" idx="12"/>
-          </p:nvPr>
-        </p:nvSpPr>
-        <p:spPr/>
-        <p:txBody>
-          <a:bodyPr/>
-          <a:lstStyle/>
-          <a:p>
-            <a:endParaRPr lang="nl-BE"/>
-          </a:p>
-        </p:txBody>
-      </p:sp>
     </p:spTree>
     <p:extLst>
       <p:ext uri="{BB962C8B-B14F-4D97-AF65-F5344CB8AC3E}">
-        <p14:creationId xmlns:p14="http://schemas.microsoft.com/office/powerpoint/2010/main" val="3642591930"/>
+        <p14:creationId xmlns:p14="http://schemas.microsoft.com/office/powerpoint/2010/main" val="4096014118"/>
       </p:ext>
     </p:extLst>
   </p:cSld>
@@ -8087,10 +8146,68 @@
       </p:grpSpPr>
       <p:sp>
         <p:nvSpPr>
+          <p:cNvPr id="2" name="Content Placeholder 1">
+            <a:extLst>
+              <a:ext uri="{FF2B5EF4-FFF2-40B4-BE49-F238E27FC236}">
+                <a16:creationId xmlns:a16="http://schemas.microsoft.com/office/drawing/2014/main" id="{BC8E308D-5D17-A883-5778-23348FF4E5CD}"/>
+              </a:ext>
+            </a:extLst>
+          </p:cNvPr>
+          <p:cNvSpPr>
+            <a:spLocks noGrp="1"/>
+          </p:cNvSpPr>
+          <p:nvPr>
+            <p:ph idx="1"/>
+          </p:nvPr>
+        </p:nvSpPr>
+        <p:spPr/>
+        <p:txBody>
+          <a:bodyPr/>
+          <a:lstStyle/>
+          <a:p>
+            <a:r>
+              <a:rPr lang="en-GB" dirty="0" err="1"/>
+              <a:t>Efficiënter</a:t>
+            </a:r>
+            <a:endParaRPr lang="en-GB" dirty="0"/>
+          </a:p>
+          <a:p>
+            <a:r>
+              <a:rPr lang="en-GB" dirty="0" err="1"/>
+              <a:t>Geen</a:t>
+            </a:r>
+            <a:r>
+              <a:rPr lang="en-GB" dirty="0"/>
+              <a:t> </a:t>
+            </a:r>
+            <a:r>
+              <a:rPr lang="en-GB" dirty="0" err="1"/>
+              <a:t>druk</a:t>
+            </a:r>
+            <a:r>
+              <a:rPr lang="en-GB" dirty="0"/>
+              <a:t> op performance</a:t>
+            </a:r>
+          </a:p>
+          <a:p>
+            <a:r>
+              <a:rPr lang="en-GB" dirty="0"/>
+              <a:t>Realtime </a:t>
+            </a:r>
+            <a:r>
+              <a:rPr lang="en-GB" dirty="0" err="1"/>
+              <a:t>functionaliteit</a:t>
+            </a:r>
+            <a:endParaRPr lang="en-BE" dirty="0"/>
+          </a:p>
+        </p:txBody>
+      </p:sp>
+      <p:sp>
+        <p:nvSpPr>
           <p:cNvPr id="3" name="Title 2">
             <a:extLst>
               <a:ext uri="{FF2B5EF4-FFF2-40B4-BE49-F238E27FC236}">
-                <a16:creationId xmlns:a16="http://schemas.microsoft.com/office/drawing/2014/main" id="{2F42C553-B592-4464-A4B7-5EC8988D45F6}"/>
+                <a16:creationId xmlns:a16="http://schemas.microsoft.com/office/drawing/2014/main" id="{6F629AFA-1286-03E1-813D-3F72D6A04566}"/>
               </a:ext>
             </a:extLst>
           </p:cNvPr>
@@ -8107,52 +8224,39 @@
           <a:lstStyle/>
           <a:p>
             <a:r>
-              <a:rPr lang="en-US" dirty="0" err="1"/>
-              <a:t>Belangrijkste</a:t>
-            </a:r>
-            <a:r>
-              <a:rPr lang="en-US" dirty="0"/>
-              <a:t> features </a:t>
-            </a:r>
-            <a:r>
-              <a:rPr lang="en-US" dirty="0" err="1"/>
+              <a:rPr lang="en-GB" dirty="0" err="1"/>
+              <a:t>Waarom</a:t>
+            </a:r>
+            <a:r>
+              <a:rPr lang="en-GB" dirty="0"/>
+              <a:t> </a:t>
+            </a:r>
+            <a:r>
+              <a:rPr lang="en-GB" dirty="0" err="1"/>
               <a:t>signalr</a:t>
             </a:r>
-            <a:endParaRPr lang="en-US" dirty="0"/>
-          </a:p>
-        </p:txBody>
-      </p:sp>
-      <p:sp>
-        <p:nvSpPr>
-          <p:cNvPr id="4" name="Footer Placeholder 3">
-            <a:extLst>
-              <a:ext uri="{FF2B5EF4-FFF2-40B4-BE49-F238E27FC236}">
-                <a16:creationId xmlns:a16="http://schemas.microsoft.com/office/drawing/2014/main" id="{9E41C3BC-E4E5-4D29-AD12-A6D8868395CD}"/>
-              </a:ext>
-            </a:extLst>
-          </p:cNvPr>
-          <p:cNvSpPr>
-            <a:spLocks noGrp="1"/>
-          </p:cNvSpPr>
-          <p:nvPr>
-            <p:ph type="ftr" sz="quarter" idx="12"/>
-          </p:nvPr>
-        </p:nvSpPr>
-        <p:spPr/>
-        <p:txBody>
-          <a:bodyPr/>
-          <a:lstStyle/>
-          <a:p>
-            <a:endParaRPr lang="nl-BE"/>
-          </a:p>
-        </p:txBody>
-      </p:sp>
-      <p:sp>
-        <p:nvSpPr>
-          <p:cNvPr id="5" name="Slide Number Placeholder 4">
-            <a:extLst>
-              <a:ext uri="{FF2B5EF4-FFF2-40B4-BE49-F238E27FC236}">
-                <a16:creationId xmlns:a16="http://schemas.microsoft.com/office/drawing/2014/main" id="{4E55B2F2-EDCE-4E6D-A170-16EBD9623D13}"/>
+            <a:r>
+              <a:rPr lang="en-GB" dirty="0"/>
+              <a:t> </a:t>
+            </a:r>
+            <a:r>
+              <a:rPr lang="en-GB" dirty="0" err="1"/>
+              <a:t>gebruiken</a:t>
+            </a:r>
+            <a:r>
+              <a:rPr lang="en-GB" dirty="0"/>
+              <a:t>?</a:t>
+            </a:r>
+            <a:endParaRPr lang="en-BE" dirty="0"/>
+          </a:p>
+        </p:txBody>
+      </p:sp>
+      <p:sp>
+        <p:nvSpPr>
+          <p:cNvPr id="4" name="Slide Number Placeholder 3">
+            <a:extLst>
+              <a:ext uri="{FF2B5EF4-FFF2-40B4-BE49-F238E27FC236}">
+                <a16:creationId xmlns:a16="http://schemas.microsoft.com/office/drawing/2014/main" id="{82FD13A6-6C78-C986-47EE-60FD9580486F}"/>
               </a:ext>
             </a:extLst>
           </p:cNvPr>
@@ -8177,10 +8281,35 @@
           </a:p>
         </p:txBody>
       </p:sp>
+      <p:sp>
+        <p:nvSpPr>
+          <p:cNvPr id="5" name="Footer Placeholder 4">
+            <a:extLst>
+              <a:ext uri="{FF2B5EF4-FFF2-40B4-BE49-F238E27FC236}">
+                <a16:creationId xmlns:a16="http://schemas.microsoft.com/office/drawing/2014/main" id="{73241343-99D6-0EDA-AF58-A48168EE0E70}"/>
+              </a:ext>
+            </a:extLst>
+          </p:cNvPr>
+          <p:cNvSpPr>
+            <a:spLocks noGrp="1"/>
+          </p:cNvSpPr>
+          <p:nvPr>
+            <p:ph type="ftr" sz="quarter" idx="12"/>
+          </p:nvPr>
+        </p:nvSpPr>
+        <p:spPr/>
+        <p:txBody>
+          <a:bodyPr/>
+          <a:lstStyle/>
+          <a:p>
+            <a:endParaRPr lang="nl-BE"/>
+          </a:p>
+        </p:txBody>
+      </p:sp>
     </p:spTree>
     <p:extLst>
       <p:ext uri="{BB962C8B-B14F-4D97-AF65-F5344CB8AC3E}">
-        <p14:creationId xmlns:p14="http://schemas.microsoft.com/office/powerpoint/2010/main" val="1072698254"/>
+        <p14:creationId xmlns:p14="http://schemas.microsoft.com/office/powerpoint/2010/main" val="3642591930"/>
       </p:ext>
     </p:extLst>
   </p:cSld>
@@ -8209,95 +8338,10 @@
       </p:grpSpPr>
       <p:sp>
         <p:nvSpPr>
-          <p:cNvPr id="2" name="Content Placeholder 1">
-            <a:extLst>
-              <a:ext uri="{FF2B5EF4-FFF2-40B4-BE49-F238E27FC236}">
-                <a16:creationId xmlns:a16="http://schemas.microsoft.com/office/drawing/2014/main" id="{B1F8674E-90D1-B39D-B377-BBC3F9FFBC92}"/>
-              </a:ext>
-            </a:extLst>
-          </p:cNvPr>
-          <p:cNvSpPr>
-            <a:spLocks noGrp="1"/>
-          </p:cNvSpPr>
-          <p:nvPr>
-            <p:ph idx="1"/>
-          </p:nvPr>
-        </p:nvSpPr>
-        <p:spPr/>
-        <p:txBody>
-          <a:bodyPr/>
-          <a:lstStyle/>
-          <a:p>
-            <a:r>
-              <a:rPr lang="en-GB" dirty="0"/>
-              <a:t>WebSocket</a:t>
-            </a:r>
-          </a:p>
-          <a:p>
-            <a:r>
-              <a:rPr lang="en-GB" dirty="0" err="1"/>
-              <a:t>Communicatieprotocol</a:t>
-            </a:r>
-            <a:endParaRPr lang="en-GB" dirty="0"/>
-          </a:p>
-          <a:p>
-            <a:r>
-              <a:rPr lang="en-GB" dirty="0"/>
-              <a:t>Realtime van </a:t>
-            </a:r>
-            <a:r>
-              <a:rPr lang="en-GB" dirty="0" err="1"/>
-              <a:t>en</a:t>
-            </a:r>
-            <a:r>
-              <a:rPr lang="en-GB" dirty="0"/>
-              <a:t> </a:t>
-            </a:r>
-            <a:r>
-              <a:rPr lang="en-GB" dirty="0" err="1"/>
-              <a:t>naar</a:t>
-            </a:r>
-            <a:r>
-              <a:rPr lang="en-GB" dirty="0"/>
-              <a:t> server</a:t>
-            </a:r>
-          </a:p>
-          <a:p>
-            <a:r>
-              <a:rPr lang="en-GB" dirty="0"/>
-              <a:t>Consistent</a:t>
-            </a:r>
-          </a:p>
-          <a:p>
-            <a:r>
-              <a:rPr lang="en-GB" dirty="0" err="1"/>
-              <a:t>Bidirectioneel</a:t>
-            </a:r>
-            <a:endParaRPr lang="en-GB" dirty="0"/>
-          </a:p>
-          <a:p>
-            <a:r>
-              <a:rPr lang="en-GB" dirty="0" err="1"/>
-              <a:t>Tegelijk</a:t>
-            </a:r>
-            <a:r>
-              <a:rPr lang="en-GB" dirty="0"/>
-              <a:t> in twee </a:t>
-            </a:r>
-            <a:r>
-              <a:rPr lang="en-GB" dirty="0" err="1"/>
-              <a:t>richtingen</a:t>
-            </a:r>
-            <a:endParaRPr lang="en-BE" dirty="0"/>
-          </a:p>
-        </p:txBody>
-      </p:sp>
-      <p:sp>
-        <p:nvSpPr>
           <p:cNvPr id="3" name="Title 2">
             <a:extLst>
               <a:ext uri="{FF2B5EF4-FFF2-40B4-BE49-F238E27FC236}">
-                <a16:creationId xmlns:a16="http://schemas.microsoft.com/office/drawing/2014/main" id="{6C9F49D7-8F72-4792-4EBA-2292B774A4D7}"/>
+                <a16:creationId xmlns:a16="http://schemas.microsoft.com/office/drawing/2014/main" id="{2F42C553-B592-4464-A4B7-5EC8988D45F6}"/>
               </a:ext>
             </a:extLst>
           </p:cNvPr>
@@ -8314,27 +8358,52 @@
           <a:lstStyle/>
           <a:p>
             <a:r>
-              <a:rPr lang="en-GB" dirty="0" err="1"/>
-              <a:t>Automatisch</a:t>
-            </a:r>
-            <a:r>
-              <a:rPr lang="en-GB" dirty="0"/>
-              <a:t> </a:t>
-            </a:r>
-            <a:r>
-              <a:rPr lang="en-GB" dirty="0" err="1"/>
-              <a:t>verbindingsbeheer</a:t>
-            </a:r>
-            <a:endParaRPr lang="en-BE" dirty="0"/>
-          </a:p>
-        </p:txBody>
-      </p:sp>
-      <p:sp>
-        <p:nvSpPr>
-          <p:cNvPr id="4" name="Slide Number Placeholder 3">
-            <a:extLst>
-              <a:ext uri="{FF2B5EF4-FFF2-40B4-BE49-F238E27FC236}">
-                <a16:creationId xmlns:a16="http://schemas.microsoft.com/office/drawing/2014/main" id="{DB8B1029-AAC6-7307-444C-FBCF1919F80C}"/>
+              <a:rPr lang="en-US" dirty="0" err="1"/>
+              <a:t>Belangrijkste</a:t>
+            </a:r>
+            <a:r>
+              <a:rPr lang="en-US" dirty="0"/>
+              <a:t> features </a:t>
+            </a:r>
+            <a:r>
+              <a:rPr lang="en-US" dirty="0" err="1"/>
+              <a:t>signalr</a:t>
+            </a:r>
+            <a:endParaRPr lang="en-US" dirty="0"/>
+          </a:p>
+        </p:txBody>
+      </p:sp>
+      <p:sp>
+        <p:nvSpPr>
+          <p:cNvPr id="4" name="Footer Placeholder 3">
+            <a:extLst>
+              <a:ext uri="{FF2B5EF4-FFF2-40B4-BE49-F238E27FC236}">
+                <a16:creationId xmlns:a16="http://schemas.microsoft.com/office/drawing/2014/main" id="{9E41C3BC-E4E5-4D29-AD12-A6D8868395CD}"/>
+              </a:ext>
+            </a:extLst>
+          </p:cNvPr>
+          <p:cNvSpPr>
+            <a:spLocks noGrp="1"/>
+          </p:cNvSpPr>
+          <p:nvPr>
+            <p:ph type="ftr" sz="quarter" idx="12"/>
+          </p:nvPr>
+        </p:nvSpPr>
+        <p:spPr/>
+        <p:txBody>
+          <a:bodyPr/>
+          <a:lstStyle/>
+          <a:p>
+            <a:endParaRPr lang="nl-BE"/>
+          </a:p>
+        </p:txBody>
+      </p:sp>
+      <p:sp>
+        <p:nvSpPr>
+          <p:cNvPr id="5" name="Slide Number Placeholder 4">
+            <a:extLst>
+              <a:ext uri="{FF2B5EF4-FFF2-40B4-BE49-F238E27FC236}">
+                <a16:creationId xmlns:a16="http://schemas.microsoft.com/office/drawing/2014/main" id="{4E55B2F2-EDCE-4E6D-A170-16EBD9623D13}"/>
               </a:ext>
             </a:extLst>
           </p:cNvPr>
@@ -8359,35 +8428,10 @@
           </a:p>
         </p:txBody>
       </p:sp>
-      <p:sp>
-        <p:nvSpPr>
-          <p:cNvPr id="5" name="Footer Placeholder 4">
-            <a:extLst>
-              <a:ext uri="{FF2B5EF4-FFF2-40B4-BE49-F238E27FC236}">
-                <a16:creationId xmlns:a16="http://schemas.microsoft.com/office/drawing/2014/main" id="{D6DEA89D-B31B-CF5F-366F-0AA65C6039C1}"/>
-              </a:ext>
-            </a:extLst>
-          </p:cNvPr>
-          <p:cNvSpPr>
-            <a:spLocks noGrp="1"/>
-          </p:cNvSpPr>
-          <p:nvPr>
-            <p:ph type="ftr" sz="quarter" idx="12"/>
-          </p:nvPr>
-        </p:nvSpPr>
-        <p:spPr/>
-        <p:txBody>
-          <a:bodyPr/>
-          <a:lstStyle/>
-          <a:p>
-            <a:endParaRPr lang="nl-BE"/>
-          </a:p>
-        </p:txBody>
-      </p:sp>
     </p:spTree>
     <p:extLst>
       <p:ext uri="{BB962C8B-B14F-4D97-AF65-F5344CB8AC3E}">
-        <p14:creationId xmlns:p14="http://schemas.microsoft.com/office/powerpoint/2010/main" val="1276631472"/>
+        <p14:creationId xmlns:p14="http://schemas.microsoft.com/office/powerpoint/2010/main" val="1072698254"/>
       </p:ext>
     </p:extLst>
   </p:cSld>
@@ -8658,85 +8702,64 @@
           <a:p>
             <a:r>
               <a:rPr lang="en-GB" dirty="0"/>
-              <a:t>Hubs – </a:t>
-            </a:r>
+              <a:t>WebSocket</a:t>
+            </a:r>
+          </a:p>
+          <a:p>
             <a:r>
               <a:rPr lang="en-GB" dirty="0" err="1"/>
-              <a:t>pijplijnen</a:t>
+              <a:t>Communicatieprotocol</a:t>
             </a:r>
             <a:endParaRPr lang="en-GB" dirty="0"/>
           </a:p>
           <a:p>
             <a:r>
               <a:rPr lang="en-GB" dirty="0"/>
-              <a:t>JSON of </a:t>
+              <a:t>Realtime van </a:t>
             </a:r>
             <a:r>
               <a:rPr lang="en-GB" dirty="0" err="1"/>
-              <a:t>MessagePack</a:t>
-            </a:r>
-            <a:endParaRPr lang="en-GB" dirty="0"/>
-          </a:p>
-          <a:p>
-            <a:r>
-              <a:rPr lang="en-GB" dirty="0" err="1"/>
-              <a:t>Serverzijde</a:t>
+              <a:t>en</a:t>
             </a:r>
             <a:r>
               <a:rPr lang="en-GB" dirty="0"/>
               <a:t> </a:t>
             </a:r>
             <a:r>
-              <a:rPr lang="en-GB" dirty="0">
-                <a:sym typeface="Wingdings" panose="05000000000000000000" pitchFamily="2" charset="2"/>
-              </a:rPr>
-              <a:t> </a:t>
-            </a:r>
-            <a:r>
-              <a:rPr lang="en-GB" dirty="0" err="1">
-                <a:sym typeface="Wingdings" panose="05000000000000000000" pitchFamily="2" charset="2"/>
-              </a:rPr>
-              <a:t>methodes</a:t>
-            </a:r>
-            <a:r>
-              <a:rPr lang="en-GB" dirty="0">
-                <a:sym typeface="Wingdings" panose="05000000000000000000" pitchFamily="2" charset="2"/>
-              </a:rPr>
-              <a:t>, events, interfaces,…</a:t>
-            </a:r>
-          </a:p>
-          <a:p>
-            <a:r>
-              <a:rPr lang="en-GB" dirty="0" err="1">
-                <a:sym typeface="Wingdings" panose="05000000000000000000" pitchFamily="2" charset="2"/>
-              </a:rPr>
-              <a:t>SendMessage</a:t>
-            </a:r>
-            <a:endParaRPr lang="en-GB" dirty="0">
-              <a:sym typeface="Wingdings" panose="05000000000000000000" pitchFamily="2" charset="2"/>
-            </a:endParaRPr>
-          </a:p>
-          <a:p>
-            <a:r>
-              <a:rPr lang="en-GB" dirty="0" err="1">
-                <a:sym typeface="Wingdings" panose="05000000000000000000" pitchFamily="2" charset="2"/>
-              </a:rPr>
-              <a:t>SendMessageToCaller</a:t>
-            </a:r>
-            <a:endParaRPr lang="en-GB" dirty="0">
-              <a:sym typeface="Wingdings" panose="05000000000000000000" pitchFamily="2" charset="2"/>
-            </a:endParaRPr>
-          </a:p>
-          <a:p>
-            <a:r>
-              <a:rPr lang="en-GB" dirty="0" err="1">
-                <a:sym typeface="Wingdings" panose="05000000000000000000" pitchFamily="2" charset="2"/>
-              </a:rPr>
-              <a:t>SendMessageToGroup</a:t>
+              <a:rPr lang="en-GB" dirty="0" err="1"/>
+              <a:t>naar</a:t>
+            </a:r>
+            <a:r>
+              <a:rPr lang="en-GB" dirty="0"/>
+              <a:t> server</a:t>
+            </a:r>
+          </a:p>
+          <a:p>
+            <a:r>
+              <a:rPr lang="en-GB" dirty="0"/>
+              <a:t>Consistent</a:t>
+            </a:r>
+          </a:p>
+          <a:p>
+            <a:r>
+              <a:rPr lang="en-GB" dirty="0" err="1"/>
+              <a:t>Bidirectioneel</a:t>
             </a:r>
             <a:endParaRPr lang="en-GB" dirty="0"/>
           </a:p>
           <a:p>
+            <a:r>
+              <a:rPr lang="en-GB" dirty="0" err="1"/>
+              <a:t>Tegelijk</a:t>
+            </a:r>
+            <a:r>
+              <a:rPr lang="en-GB" dirty="0"/>
+              <a:t> in twee </a:t>
+            </a:r>
+            <a:r>
+              <a:rPr lang="en-GB" dirty="0" err="1"/>
+              <a:t>richtingen</a:t>
+            </a:r>
             <a:endParaRPr lang="en-BE" dirty="0"/>
           </a:p>
         </p:txBody>
@@ -8764,7 +8787,7 @@
           <a:p>
             <a:r>
               <a:rPr lang="en-GB" dirty="0" err="1"/>
-              <a:t>Berichten</a:t>
+              <a:t>Automatisch</a:t>
             </a:r>
             <a:r>
               <a:rPr lang="en-GB" dirty="0"/>
@@ -8772,23 +8795,7 @@
             </a:r>
             <a:r>
               <a:rPr lang="en-GB" dirty="0" err="1"/>
-              <a:t>naar</a:t>
-            </a:r>
-            <a:r>
-              <a:rPr lang="en-GB" dirty="0"/>
-              <a:t> </a:t>
-            </a:r>
-            <a:r>
-              <a:rPr lang="en-GB" dirty="0" err="1"/>
-              <a:t>specifieke</a:t>
-            </a:r>
-            <a:r>
-              <a:rPr lang="en-GB" dirty="0"/>
-              <a:t> </a:t>
-            </a:r>
-            <a:r>
-              <a:rPr lang="en-GB" dirty="0" err="1"/>
-              <a:t>gebruikers</a:t>
+              <a:t>verbindingsbeheer</a:t>
             </a:r>
             <a:endParaRPr lang="en-BE" dirty="0"/>
           </a:p>
@@ -8852,7 +8859,7 @@
     </p:spTree>
     <p:extLst>
       <p:ext uri="{BB962C8B-B14F-4D97-AF65-F5344CB8AC3E}">
-        <p14:creationId xmlns:p14="http://schemas.microsoft.com/office/powerpoint/2010/main" val="3805598785"/>
+        <p14:creationId xmlns:p14="http://schemas.microsoft.com/office/powerpoint/2010/main" val="1276631472"/>
       </p:ext>
     </p:extLst>
   </p:cSld>
@@ -8902,36 +8909,113 @@
           <a:p>
             <a:r>
               <a:rPr lang="en-GB" dirty="0"/>
-              <a:t>Alle </a:t>
+              <a:t>Hubs – </a:t>
             </a:r>
             <a:r>
               <a:rPr lang="en-GB" dirty="0" err="1"/>
-              <a:t>verbindingen</a:t>
+              <a:t>pijplijnen</a:t>
+            </a:r>
+            <a:endParaRPr lang="en-GB" dirty="0"/>
+          </a:p>
+          <a:p>
+            <a:r>
+              <a:rPr lang="en-GB" dirty="0"/>
+              <a:t>JSON of </a:t>
+            </a:r>
+            <a:r>
+              <a:rPr lang="en-GB" dirty="0" err="1"/>
+              <a:t>MessagePack</a:t>
+            </a:r>
+            <a:endParaRPr lang="en-GB" dirty="0"/>
+          </a:p>
+          <a:p>
+            <a:r>
+              <a:rPr lang="en-GB" dirty="0" err="1"/>
+              <a:t>Serverzijde</a:t>
             </a:r>
             <a:r>
               <a:rPr lang="en-GB" dirty="0"/>
               <a:t> </a:t>
             </a:r>
             <a:r>
+              <a:rPr lang="en-GB" dirty="0">
+                <a:sym typeface="Wingdings" panose="05000000000000000000" pitchFamily="2" charset="2"/>
+              </a:rPr>
+              <a:t> </a:t>
+            </a:r>
+            <a:r>
+              <a:rPr lang="en-GB" dirty="0" err="1">
+                <a:sym typeface="Wingdings" panose="05000000000000000000" pitchFamily="2" charset="2"/>
+              </a:rPr>
+              <a:t>methodes</a:t>
+            </a:r>
+            <a:r>
+              <a:rPr lang="en-GB" dirty="0">
+                <a:sym typeface="Wingdings" panose="05000000000000000000" pitchFamily="2" charset="2"/>
+              </a:rPr>
+              <a:t>, events, interfaces,…</a:t>
+            </a:r>
+          </a:p>
+          <a:p>
+            <a:r>
+              <a:rPr lang="en-GB" dirty="0" err="1">
+                <a:sym typeface="Wingdings" panose="05000000000000000000" pitchFamily="2" charset="2"/>
+              </a:rPr>
+              <a:t>SendMessage</a:t>
+            </a:r>
+            <a:endParaRPr lang="en-GB" dirty="0">
+              <a:sym typeface="Wingdings" panose="05000000000000000000" pitchFamily="2" charset="2"/>
+            </a:endParaRPr>
+          </a:p>
+          <a:p>
+            <a:r>
+              <a:rPr lang="en-GB" dirty="0" err="1">
+                <a:sym typeface="Wingdings" panose="05000000000000000000" pitchFamily="2" charset="2"/>
+              </a:rPr>
+              <a:t>SendMessageToCaller</a:t>
+            </a:r>
+            <a:endParaRPr lang="en-GB" dirty="0">
+              <a:sym typeface="Wingdings" panose="05000000000000000000" pitchFamily="2" charset="2"/>
+            </a:endParaRPr>
+          </a:p>
+          <a:p>
+            <a:r>
+              <a:rPr lang="en-GB" dirty="0" err="1">
+                <a:sym typeface="Wingdings" panose="05000000000000000000" pitchFamily="2" charset="2"/>
+              </a:rPr>
+              <a:t>SendMessageToGroup</a:t>
+            </a:r>
+            <a:endParaRPr lang="en-GB" dirty="0"/>
+          </a:p>
+          <a:p>
+            <a:endParaRPr lang="en-BE" dirty="0"/>
+          </a:p>
+        </p:txBody>
+      </p:sp>
+      <p:sp>
+        <p:nvSpPr>
+          <p:cNvPr id="3" name="Title 2">
+            <a:extLst>
+              <a:ext uri="{FF2B5EF4-FFF2-40B4-BE49-F238E27FC236}">
+                <a16:creationId xmlns:a16="http://schemas.microsoft.com/office/drawing/2014/main" id="{6C9F49D7-8F72-4792-4EBA-2292B774A4D7}"/>
+              </a:ext>
+            </a:extLst>
+          </p:cNvPr>
+          <p:cNvSpPr>
+            <a:spLocks noGrp="1"/>
+          </p:cNvSpPr>
+          <p:nvPr>
+            <p:ph type="title"/>
+          </p:nvPr>
+        </p:nvSpPr>
+        <p:spPr/>
+        <p:txBody>
+          <a:bodyPr/>
+          <a:lstStyle/>
+          <a:p>
+            <a:r>
               <a:rPr lang="en-GB" dirty="0" err="1"/>
-              <a:t>bijhouden</a:t>
-            </a:r>
-            <a:endParaRPr lang="en-GB" dirty="0"/>
-          </a:p>
-          <a:p>
-            <a:r>
-              <a:rPr lang="en-GB" dirty="0" err="1"/>
-              <a:t>Meerdere</a:t>
-            </a:r>
-            <a:r>
-              <a:rPr lang="en-GB" dirty="0"/>
-              <a:t> servers = problem</a:t>
-            </a:r>
-          </a:p>
-          <a:p>
-            <a:r>
-              <a:rPr lang="en-GB" dirty="0" err="1"/>
-              <a:t>Zelf</a:t>
+              <a:t>Berichten</a:t>
             </a:r>
             <a:r>
               <a:rPr lang="en-GB" dirty="0"/>
@@ -8939,60 +9023,7 @@
             </a:r>
             <a:r>
               <a:rPr lang="en-GB" dirty="0" err="1"/>
-              <a:t>implementeren</a:t>
-            </a:r>
-            <a:r>
-              <a:rPr lang="en-GB" dirty="0"/>
-              <a:t>?</a:t>
-            </a:r>
-          </a:p>
-          <a:p>
-            <a:r>
-              <a:rPr lang="en-GB" dirty="0"/>
-              <a:t>Azure </a:t>
-            </a:r>
-            <a:r>
-              <a:rPr lang="en-GB" dirty="0" err="1"/>
-              <a:t>SignalR</a:t>
-            </a:r>
-            <a:r>
-              <a:rPr lang="en-GB" dirty="0"/>
-              <a:t> Service</a:t>
-            </a:r>
-          </a:p>
-          <a:p>
-            <a:r>
-              <a:rPr lang="en-GB" dirty="0"/>
-              <a:t>Redis backplane</a:t>
-            </a:r>
-            <a:endParaRPr lang="en-BE" dirty="0"/>
-          </a:p>
-        </p:txBody>
-      </p:sp>
-      <p:sp>
-        <p:nvSpPr>
-          <p:cNvPr id="3" name="Title 2">
-            <a:extLst>
-              <a:ext uri="{FF2B5EF4-FFF2-40B4-BE49-F238E27FC236}">
-                <a16:creationId xmlns:a16="http://schemas.microsoft.com/office/drawing/2014/main" id="{6C9F49D7-8F72-4792-4EBA-2292B774A4D7}"/>
-              </a:ext>
-            </a:extLst>
-          </p:cNvPr>
-          <p:cNvSpPr>
-            <a:spLocks noGrp="1"/>
-          </p:cNvSpPr>
-          <p:nvPr>
-            <p:ph type="title"/>
-          </p:nvPr>
-        </p:nvSpPr>
-        <p:spPr/>
-        <p:txBody>
-          <a:bodyPr/>
-          <a:lstStyle/>
-          <a:p>
-            <a:r>
-              <a:rPr lang="en-GB" dirty="0" err="1"/>
-              <a:t>Schalen</a:t>
+              <a:t>naar</a:t>
             </a:r>
             <a:r>
               <a:rPr lang="en-GB" dirty="0"/>
@@ -9000,7 +9031,7 @@
             </a:r>
             <a:r>
               <a:rPr lang="en-GB" dirty="0" err="1"/>
-              <a:t>naar</a:t>
+              <a:t>specifieke</a:t>
             </a:r>
             <a:r>
               <a:rPr lang="en-GB" dirty="0"/>
@@ -9008,7 +9039,7 @@
             </a:r>
             <a:r>
               <a:rPr lang="en-GB" dirty="0" err="1"/>
-              <a:t>trafiek</a:t>
+              <a:t>gebruikers</a:t>
             </a:r>
             <a:endParaRPr lang="en-BE" dirty="0"/>
           </a:p>
@@ -9039,6 +9070,226 @@
               <a:rPr lang="nl-BE" smtClean="0"/>
               <a:pPr/>
               <a:t>21</a:t>
+            </a:fld>
+            <a:endParaRPr lang="nl-BE"/>
+          </a:p>
+        </p:txBody>
+      </p:sp>
+      <p:sp>
+        <p:nvSpPr>
+          <p:cNvPr id="5" name="Footer Placeholder 4">
+            <a:extLst>
+              <a:ext uri="{FF2B5EF4-FFF2-40B4-BE49-F238E27FC236}">
+                <a16:creationId xmlns:a16="http://schemas.microsoft.com/office/drawing/2014/main" id="{D6DEA89D-B31B-CF5F-366F-0AA65C6039C1}"/>
+              </a:ext>
+            </a:extLst>
+          </p:cNvPr>
+          <p:cNvSpPr>
+            <a:spLocks noGrp="1"/>
+          </p:cNvSpPr>
+          <p:nvPr>
+            <p:ph type="ftr" sz="quarter" idx="12"/>
+          </p:nvPr>
+        </p:nvSpPr>
+        <p:spPr/>
+        <p:txBody>
+          <a:bodyPr/>
+          <a:lstStyle/>
+          <a:p>
+            <a:endParaRPr lang="nl-BE"/>
+          </a:p>
+        </p:txBody>
+      </p:sp>
+    </p:spTree>
+    <p:extLst>
+      <p:ext uri="{BB962C8B-B14F-4D97-AF65-F5344CB8AC3E}">
+        <p14:creationId xmlns:p14="http://schemas.microsoft.com/office/powerpoint/2010/main" val="3805598785"/>
+      </p:ext>
+    </p:extLst>
+  </p:cSld>
+  <p:clrMapOvr>
+    <a:masterClrMapping/>
+  </p:clrMapOvr>
+</p:sld>
+</file>
+
+<file path=ppt/slides/slide22.xml><?xml version="1.0" encoding="utf-8"?>
+<p:sld xmlns:a="http://schemas.openxmlformats.org/drawingml/2006/main" xmlns:r="http://schemas.openxmlformats.org/officeDocument/2006/relationships" xmlns:p="http://schemas.openxmlformats.org/presentationml/2006/main">
+  <p:cSld>
+    <p:spTree>
+      <p:nvGrpSpPr>
+        <p:cNvPr id="1" name=""/>
+        <p:cNvGrpSpPr/>
+        <p:nvPr/>
+      </p:nvGrpSpPr>
+      <p:grpSpPr>
+        <a:xfrm>
+          <a:off x="0" y="0"/>
+          <a:ext cx="0" cy="0"/>
+          <a:chOff x="0" y="0"/>
+          <a:chExt cx="0" cy="0"/>
+        </a:xfrm>
+      </p:grpSpPr>
+      <p:sp>
+        <p:nvSpPr>
+          <p:cNvPr id="2" name="Content Placeholder 1">
+            <a:extLst>
+              <a:ext uri="{FF2B5EF4-FFF2-40B4-BE49-F238E27FC236}">
+                <a16:creationId xmlns:a16="http://schemas.microsoft.com/office/drawing/2014/main" id="{B1F8674E-90D1-B39D-B377-BBC3F9FFBC92}"/>
+              </a:ext>
+            </a:extLst>
+          </p:cNvPr>
+          <p:cNvSpPr>
+            <a:spLocks noGrp="1"/>
+          </p:cNvSpPr>
+          <p:nvPr>
+            <p:ph idx="1"/>
+          </p:nvPr>
+        </p:nvSpPr>
+        <p:spPr/>
+        <p:txBody>
+          <a:bodyPr/>
+          <a:lstStyle/>
+          <a:p>
+            <a:r>
+              <a:rPr lang="en-GB" dirty="0"/>
+              <a:t>Alle </a:t>
+            </a:r>
+            <a:r>
+              <a:rPr lang="en-GB" dirty="0" err="1"/>
+              <a:t>verbindingen</a:t>
+            </a:r>
+            <a:r>
+              <a:rPr lang="en-GB" dirty="0"/>
+              <a:t> </a:t>
+            </a:r>
+            <a:r>
+              <a:rPr lang="en-GB" dirty="0" err="1"/>
+              <a:t>bijhouden</a:t>
+            </a:r>
+            <a:endParaRPr lang="en-GB" dirty="0"/>
+          </a:p>
+          <a:p>
+            <a:r>
+              <a:rPr lang="en-GB" dirty="0" err="1"/>
+              <a:t>Meerdere</a:t>
+            </a:r>
+            <a:r>
+              <a:rPr lang="en-GB" dirty="0"/>
+              <a:t> servers = problem</a:t>
+            </a:r>
+          </a:p>
+          <a:p>
+            <a:r>
+              <a:rPr lang="en-GB" dirty="0" err="1"/>
+              <a:t>Zelf</a:t>
+            </a:r>
+            <a:r>
+              <a:rPr lang="en-GB" dirty="0"/>
+              <a:t> </a:t>
+            </a:r>
+            <a:r>
+              <a:rPr lang="en-GB" dirty="0" err="1"/>
+              <a:t>implementeren</a:t>
+            </a:r>
+            <a:r>
+              <a:rPr lang="en-GB" dirty="0"/>
+              <a:t>?</a:t>
+            </a:r>
+          </a:p>
+          <a:p>
+            <a:r>
+              <a:rPr lang="en-GB" dirty="0"/>
+              <a:t>Azure </a:t>
+            </a:r>
+            <a:r>
+              <a:rPr lang="en-GB" dirty="0" err="1"/>
+              <a:t>SignalR</a:t>
+            </a:r>
+            <a:r>
+              <a:rPr lang="en-GB" dirty="0"/>
+              <a:t> Service</a:t>
+            </a:r>
+          </a:p>
+          <a:p>
+            <a:r>
+              <a:rPr lang="en-GB" dirty="0"/>
+              <a:t>Redis backplane</a:t>
+            </a:r>
+            <a:endParaRPr lang="en-BE" dirty="0"/>
+          </a:p>
+        </p:txBody>
+      </p:sp>
+      <p:sp>
+        <p:nvSpPr>
+          <p:cNvPr id="3" name="Title 2">
+            <a:extLst>
+              <a:ext uri="{FF2B5EF4-FFF2-40B4-BE49-F238E27FC236}">
+                <a16:creationId xmlns:a16="http://schemas.microsoft.com/office/drawing/2014/main" id="{6C9F49D7-8F72-4792-4EBA-2292B774A4D7}"/>
+              </a:ext>
+            </a:extLst>
+          </p:cNvPr>
+          <p:cNvSpPr>
+            <a:spLocks noGrp="1"/>
+          </p:cNvSpPr>
+          <p:nvPr>
+            <p:ph type="title"/>
+          </p:nvPr>
+        </p:nvSpPr>
+        <p:spPr/>
+        <p:txBody>
+          <a:bodyPr/>
+          <a:lstStyle/>
+          <a:p>
+            <a:r>
+              <a:rPr lang="en-GB" dirty="0" err="1"/>
+              <a:t>Schalen</a:t>
+            </a:r>
+            <a:r>
+              <a:rPr lang="en-GB" dirty="0"/>
+              <a:t> </a:t>
+            </a:r>
+            <a:r>
+              <a:rPr lang="en-GB" dirty="0" err="1"/>
+              <a:t>naar</a:t>
+            </a:r>
+            <a:r>
+              <a:rPr lang="en-GB" dirty="0"/>
+              <a:t> </a:t>
+            </a:r>
+            <a:r>
+              <a:rPr lang="en-GB" dirty="0" err="1"/>
+              <a:t>trafiek</a:t>
+            </a:r>
+            <a:endParaRPr lang="en-BE" dirty="0"/>
+          </a:p>
+        </p:txBody>
+      </p:sp>
+      <p:sp>
+        <p:nvSpPr>
+          <p:cNvPr id="4" name="Slide Number Placeholder 3">
+            <a:extLst>
+              <a:ext uri="{FF2B5EF4-FFF2-40B4-BE49-F238E27FC236}">
+                <a16:creationId xmlns:a16="http://schemas.microsoft.com/office/drawing/2014/main" id="{DB8B1029-AAC6-7307-444C-FBCF1919F80C}"/>
+              </a:ext>
+            </a:extLst>
+          </p:cNvPr>
+          <p:cNvSpPr>
+            <a:spLocks noGrp="1"/>
+          </p:cNvSpPr>
+          <p:nvPr>
+            <p:ph type="sldNum" sz="quarter" idx="11"/>
+          </p:nvPr>
+        </p:nvSpPr>
+        <p:spPr/>
+        <p:txBody>
+          <a:bodyPr/>
+          <a:lstStyle/>
+          <a:p>
+            <a:fld id="{3B80295F-48CD-49FC-897A-CCEC919B8070}" type="slidenum">
+              <a:rPr lang="nl-BE" smtClean="0"/>
+              <a:pPr/>
+              <a:t>22</a:t>
             </a:fld>
             <a:endParaRPr lang="nl-BE"/>
           </a:p>
@@ -9118,7 +9369,7 @@
 </p:sld>
 </file>
 
-<file path=ppt/slides/slide22.xml><?xml version="1.0" encoding="utf-8"?>
+<file path=ppt/slides/slide23.xml><?xml version="1.0" encoding="utf-8"?>
 <p:sld xmlns:a="http://schemas.openxmlformats.org/drawingml/2006/main" xmlns:r="http://schemas.openxmlformats.org/officeDocument/2006/relationships" xmlns:p="http://schemas.openxmlformats.org/presentationml/2006/main">
   <p:cSld>
     <p:spTree>
@@ -9195,7 +9446,7 @@
             <a:fld id="{3B80295F-48CD-49FC-897A-CCEC919B8070}" type="slidenum">
               <a:rPr lang="nl-BE" smtClean="0"/>
               <a:pPr/>
-              <a:t>22</a:t>
+              <a:t>23</a:t>
             </a:fld>
             <a:endParaRPr lang="nl-BE"/>
           </a:p>
@@ -9346,7 +9597,7 @@
 </p:sld>
 </file>
 
-<file path=ppt/slides/slide23.xml><?xml version="1.0" encoding="utf-8"?>
+<file path=ppt/slides/slide24.xml><?xml version="1.0" encoding="utf-8"?>
 <p:sld xmlns:a="http://schemas.openxmlformats.org/drawingml/2006/main" xmlns:r="http://schemas.openxmlformats.org/officeDocument/2006/relationships" xmlns:p="http://schemas.openxmlformats.org/presentationml/2006/main">
   <p:cSld>
     <p:spTree>
@@ -9489,7 +9740,7 @@
             <a:fld id="{3B80295F-48CD-49FC-897A-CCEC919B8070}" type="slidenum">
               <a:rPr lang="nl-BE" smtClean="0"/>
               <a:pPr/>
-              <a:t>23</a:t>
+              <a:t>24</a:t>
             </a:fld>
             <a:endParaRPr lang="nl-BE"/>
           </a:p>
@@ -9569,7 +9820,7 @@
 </p:sld>
 </file>
 
-<file path=ppt/slides/slide24.xml><?xml version="1.0" encoding="utf-8"?>
+<file path=ppt/slides/slide25.xml><?xml version="1.0" encoding="utf-8"?>
 <p:sld xmlns:a="http://schemas.openxmlformats.org/drawingml/2006/main" xmlns:r="http://schemas.openxmlformats.org/officeDocument/2006/relationships" xmlns:p="http://schemas.openxmlformats.org/presentationml/2006/main">
   <p:cSld>
     <p:spTree>
@@ -9737,7 +9988,7 @@
             <a:fld id="{3B80295F-48CD-49FC-897A-CCEC919B8070}" type="slidenum">
               <a:rPr lang="nl-BE" smtClean="0"/>
               <a:pPr/>
-              <a:t>24</a:t>
+              <a:t>25</a:t>
             </a:fld>
             <a:endParaRPr lang="nl-BE"/>
           </a:p>
@@ -9811,7 +10062,7 @@
 </p:sld>
 </file>
 
-<file path=ppt/slides/slide25.xml><?xml version="1.0" encoding="utf-8"?>
+<file path=ppt/slides/slide26.xml><?xml version="1.0" encoding="utf-8"?>
 <p:sld xmlns:a="http://schemas.openxmlformats.org/drawingml/2006/main" xmlns:r="http://schemas.openxmlformats.org/officeDocument/2006/relationships" xmlns:p="http://schemas.openxmlformats.org/presentationml/2006/main">
   <p:cSld>
     <p:spTree>
@@ -10019,7 +10270,7 @@
             <a:fld id="{3B80295F-48CD-49FC-897A-CCEC919B8070}" type="slidenum">
               <a:rPr lang="nl-BE" smtClean="0"/>
               <a:pPr/>
-              <a:t>25</a:t>
+              <a:t>26</a:t>
             </a:fld>
             <a:endParaRPr lang="nl-BE"/>
           </a:p>
@@ -10093,124 +10344,6 @@
 </p:sld>
 </file>
 
-<file path=ppt/slides/slide26.xml><?xml version="1.0" encoding="utf-8"?>
-<p:sld xmlns:a="http://schemas.openxmlformats.org/drawingml/2006/main" xmlns:r="http://schemas.openxmlformats.org/officeDocument/2006/relationships" xmlns:p="http://schemas.openxmlformats.org/presentationml/2006/main">
-  <p:cSld>
-    <p:spTree>
-      <p:nvGrpSpPr>
-        <p:cNvPr id="1" name=""/>
-        <p:cNvGrpSpPr/>
-        <p:nvPr/>
-      </p:nvGrpSpPr>
-      <p:grpSpPr>
-        <a:xfrm>
-          <a:off x="0" y="0"/>
-          <a:ext cx="0" cy="0"/>
-          <a:chOff x="0" y="0"/>
-          <a:chExt cx="0" cy="0"/>
-        </a:xfrm>
-      </p:grpSpPr>
-      <p:sp>
-        <p:nvSpPr>
-          <p:cNvPr id="3" name="Title 2">
-            <a:extLst>
-              <a:ext uri="{FF2B5EF4-FFF2-40B4-BE49-F238E27FC236}">
-                <a16:creationId xmlns:a16="http://schemas.microsoft.com/office/drawing/2014/main" id="{2F42C553-B592-4464-A4B7-5EC8988D45F6}"/>
-              </a:ext>
-            </a:extLst>
-          </p:cNvPr>
-          <p:cNvSpPr>
-            <a:spLocks noGrp="1"/>
-          </p:cNvSpPr>
-          <p:nvPr>
-            <p:ph type="title"/>
-          </p:nvPr>
-        </p:nvSpPr>
-        <p:spPr/>
-        <p:txBody>
-          <a:bodyPr/>
-          <a:lstStyle/>
-          <a:p>
-            <a:r>
-              <a:rPr lang="en-US" dirty="0"/>
-              <a:t>WebSocket vs </a:t>
-            </a:r>
-            <a:r>
-              <a:rPr lang="en-US" dirty="0" err="1"/>
-              <a:t>signalr</a:t>
-            </a:r>
-            <a:endParaRPr lang="en-US" dirty="0"/>
-          </a:p>
-        </p:txBody>
-      </p:sp>
-      <p:sp>
-        <p:nvSpPr>
-          <p:cNvPr id="4" name="Footer Placeholder 3">
-            <a:extLst>
-              <a:ext uri="{FF2B5EF4-FFF2-40B4-BE49-F238E27FC236}">
-                <a16:creationId xmlns:a16="http://schemas.microsoft.com/office/drawing/2014/main" id="{9E41C3BC-E4E5-4D29-AD12-A6D8868395CD}"/>
-              </a:ext>
-            </a:extLst>
-          </p:cNvPr>
-          <p:cNvSpPr>
-            <a:spLocks noGrp="1"/>
-          </p:cNvSpPr>
-          <p:nvPr>
-            <p:ph type="ftr" sz="quarter" idx="12"/>
-          </p:nvPr>
-        </p:nvSpPr>
-        <p:spPr/>
-        <p:txBody>
-          <a:bodyPr/>
-          <a:lstStyle/>
-          <a:p>
-            <a:endParaRPr lang="nl-BE"/>
-          </a:p>
-        </p:txBody>
-      </p:sp>
-      <p:sp>
-        <p:nvSpPr>
-          <p:cNvPr id="5" name="Slide Number Placeholder 4">
-            <a:extLst>
-              <a:ext uri="{FF2B5EF4-FFF2-40B4-BE49-F238E27FC236}">
-                <a16:creationId xmlns:a16="http://schemas.microsoft.com/office/drawing/2014/main" id="{4E55B2F2-EDCE-4E6D-A170-16EBD9623D13}"/>
-              </a:ext>
-            </a:extLst>
-          </p:cNvPr>
-          <p:cNvSpPr>
-            <a:spLocks noGrp="1"/>
-          </p:cNvSpPr>
-          <p:nvPr>
-            <p:ph type="sldNum" sz="quarter" idx="11"/>
-          </p:nvPr>
-        </p:nvSpPr>
-        <p:spPr/>
-        <p:txBody>
-          <a:bodyPr/>
-          <a:lstStyle/>
-          <a:p>
-            <a:fld id="{3B80295F-48CD-49FC-897A-CCEC919B8070}" type="slidenum">
-              <a:rPr lang="nl-BE" smtClean="0"/>
-              <a:pPr/>
-              <a:t>26</a:t>
-            </a:fld>
-            <a:endParaRPr lang="nl-BE"/>
-          </a:p>
-        </p:txBody>
-      </p:sp>
-    </p:spTree>
-    <p:extLst>
-      <p:ext uri="{BB962C8B-B14F-4D97-AF65-F5344CB8AC3E}">
-        <p14:creationId xmlns:p14="http://schemas.microsoft.com/office/powerpoint/2010/main" val="1578344666"/>
-      </p:ext>
-    </p:extLst>
-  </p:cSld>
-  <p:clrMapOvr>
-    <a:masterClrMapping/>
-  </p:clrMapOvr>
-</p:sld>
-</file>
-
 <file path=ppt/slides/slide27.xml><?xml version="1.0" encoding="utf-8"?>
 <p:sld xmlns:a="http://schemas.openxmlformats.org/drawingml/2006/main" xmlns:r="http://schemas.openxmlformats.org/officeDocument/2006/relationships" xmlns:p="http://schemas.openxmlformats.org/presentationml/2006/main">
   <p:cSld>
@@ -10230,116 +10363,28 @@
       </p:grpSpPr>
       <p:sp>
         <p:nvSpPr>
-          <p:cNvPr id="2" name="Content Placeholder 1">
-            <a:extLst>
-              <a:ext uri="{FF2B5EF4-FFF2-40B4-BE49-F238E27FC236}">
-                <a16:creationId xmlns:a16="http://schemas.microsoft.com/office/drawing/2014/main" id="{49C96621-DDA2-43EB-9F25-F650BD381CFB}"/>
-              </a:ext>
-            </a:extLst>
-          </p:cNvPr>
-          <p:cNvSpPr>
-            <a:spLocks noGrp="1"/>
-          </p:cNvSpPr>
-          <p:nvPr>
-            <p:ph idx="1"/>
-          </p:nvPr>
-        </p:nvSpPr>
-        <p:spPr/>
-        <p:txBody>
-          <a:bodyPr/>
-          <a:lstStyle/>
-          <a:p>
-            <a:r>
-              <a:rPr lang="en-US" dirty="0" err="1"/>
-              <a:t>SignalR</a:t>
-            </a:r>
+          <p:cNvPr id="3" name="Title 2">
+            <a:extLst>
+              <a:ext uri="{FF2B5EF4-FFF2-40B4-BE49-F238E27FC236}">
+                <a16:creationId xmlns:a16="http://schemas.microsoft.com/office/drawing/2014/main" id="{2F42C553-B592-4464-A4B7-5EC8988D45F6}"/>
+              </a:ext>
+            </a:extLst>
+          </p:cNvPr>
+          <p:cNvSpPr>
+            <a:spLocks noGrp="1"/>
+          </p:cNvSpPr>
+          <p:nvPr>
+            <p:ph type="title"/>
+          </p:nvPr>
+        </p:nvSpPr>
+        <p:spPr/>
+        <p:txBody>
+          <a:bodyPr/>
+          <a:lstStyle/>
+          <a:p>
             <a:r>
               <a:rPr lang="en-US" dirty="0"/>
-              <a:t> – WebSocket?</a:t>
-            </a:r>
-          </a:p>
-          <a:p>
-            <a:r>
-              <a:rPr lang="en-US" dirty="0"/>
-              <a:t>HTTP (Hypertext Transfer Protocol)</a:t>
-            </a:r>
-          </a:p>
-          <a:p>
-            <a:r>
-              <a:rPr lang="en-US" dirty="0"/>
-              <a:t>Requests &amp; responses</a:t>
-            </a:r>
-          </a:p>
-          <a:p>
-            <a:r>
-              <a:rPr lang="en-US" dirty="0" err="1"/>
-              <a:t>Communicatie</a:t>
-            </a:r>
-            <a:r>
-              <a:rPr lang="en-US" dirty="0"/>
-              <a:t> server </a:t>
-            </a:r>
-            <a:r>
-              <a:rPr lang="en-US" dirty="0" err="1"/>
-              <a:t>en</a:t>
-            </a:r>
-            <a:r>
-              <a:rPr lang="en-US" dirty="0"/>
-              <a:t> </a:t>
-            </a:r>
-            <a:r>
-              <a:rPr lang="en-US" dirty="0" err="1"/>
-              <a:t>webpagina</a:t>
-            </a:r>
-            <a:endParaRPr lang="en-US" dirty="0"/>
-          </a:p>
-          <a:p>
-            <a:r>
-              <a:rPr lang="en-US" dirty="0"/>
-              <a:t>Handshake – link </a:t>
-            </a:r>
-            <a:r>
-              <a:rPr lang="en-US" dirty="0" err="1"/>
-              <a:t>opzetten</a:t>
-            </a:r>
-            <a:endParaRPr lang="en-US" dirty="0"/>
-          </a:p>
-          <a:p>
-            <a:r>
-              <a:rPr lang="en-US" dirty="0"/>
-              <a:t>HTTP 101 Switching Protocols</a:t>
-            </a:r>
-          </a:p>
-        </p:txBody>
-      </p:sp>
-      <p:sp>
-        <p:nvSpPr>
-          <p:cNvPr id="3" name="Title 2">
-            <a:extLst>
-              <a:ext uri="{FF2B5EF4-FFF2-40B4-BE49-F238E27FC236}">
-                <a16:creationId xmlns:a16="http://schemas.microsoft.com/office/drawing/2014/main" id="{B6282170-58B5-437A-B277-73F7EDEEAC48}"/>
-              </a:ext>
-            </a:extLst>
-          </p:cNvPr>
-          <p:cNvSpPr>
-            <a:spLocks noGrp="1"/>
-          </p:cNvSpPr>
-          <p:nvPr>
-            <p:ph type="title"/>
-          </p:nvPr>
-        </p:nvSpPr>
-        <p:spPr/>
-        <p:txBody>
-          <a:bodyPr/>
-          <a:lstStyle/>
-          <a:p>
-            <a:r>
-              <a:rPr lang="en-US" dirty="0" err="1"/>
-              <a:t>Websocket</a:t>
-            </a:r>
-            <a:r>
-              <a:rPr lang="en-US" dirty="0"/>
-              <a:t> vs </a:t>
+              <a:t>WebSocket vs </a:t>
             </a:r>
             <a:r>
               <a:rPr lang="en-US" dirty="0" err="1"/>
@@ -10351,10 +10396,35 @@
       </p:sp>
       <p:sp>
         <p:nvSpPr>
-          <p:cNvPr id="4" name="Slide Number Placeholder 3">
-            <a:extLst>
-              <a:ext uri="{FF2B5EF4-FFF2-40B4-BE49-F238E27FC236}">
-                <a16:creationId xmlns:a16="http://schemas.microsoft.com/office/drawing/2014/main" id="{49FE6B9F-285D-4793-8608-D799E7E68B2C}"/>
+          <p:cNvPr id="4" name="Footer Placeholder 3">
+            <a:extLst>
+              <a:ext uri="{FF2B5EF4-FFF2-40B4-BE49-F238E27FC236}">
+                <a16:creationId xmlns:a16="http://schemas.microsoft.com/office/drawing/2014/main" id="{9E41C3BC-E4E5-4D29-AD12-A6D8868395CD}"/>
+              </a:ext>
+            </a:extLst>
+          </p:cNvPr>
+          <p:cNvSpPr>
+            <a:spLocks noGrp="1"/>
+          </p:cNvSpPr>
+          <p:nvPr>
+            <p:ph type="ftr" sz="quarter" idx="12"/>
+          </p:nvPr>
+        </p:nvSpPr>
+        <p:spPr/>
+        <p:txBody>
+          <a:bodyPr/>
+          <a:lstStyle/>
+          <a:p>
+            <a:endParaRPr lang="nl-BE"/>
+          </a:p>
+        </p:txBody>
+      </p:sp>
+      <p:sp>
+        <p:nvSpPr>
+          <p:cNvPr id="5" name="Slide Number Placeholder 4">
+            <a:extLst>
+              <a:ext uri="{FF2B5EF4-FFF2-40B4-BE49-F238E27FC236}">
+                <a16:creationId xmlns:a16="http://schemas.microsoft.com/office/drawing/2014/main" id="{4E55B2F2-EDCE-4E6D-A170-16EBD9623D13}"/>
               </a:ext>
             </a:extLst>
           </p:cNvPr>
@@ -10379,35 +10449,10 @@
           </a:p>
         </p:txBody>
       </p:sp>
-      <p:sp>
-        <p:nvSpPr>
-          <p:cNvPr id="5" name="Footer Placeholder 4">
-            <a:extLst>
-              <a:ext uri="{FF2B5EF4-FFF2-40B4-BE49-F238E27FC236}">
-                <a16:creationId xmlns:a16="http://schemas.microsoft.com/office/drawing/2014/main" id="{03929003-0463-45B4-ACDA-5F5D41FBEC6A}"/>
-              </a:ext>
-            </a:extLst>
-          </p:cNvPr>
-          <p:cNvSpPr>
-            <a:spLocks noGrp="1"/>
-          </p:cNvSpPr>
-          <p:nvPr>
-            <p:ph type="ftr" sz="quarter" idx="12"/>
-          </p:nvPr>
-        </p:nvSpPr>
-        <p:spPr/>
-        <p:txBody>
-          <a:bodyPr/>
-          <a:lstStyle/>
-          <a:p>
-            <a:endParaRPr lang="nl-BE" dirty="0"/>
-          </a:p>
-        </p:txBody>
-      </p:sp>
     </p:spTree>
     <p:extLst>
       <p:ext uri="{BB962C8B-B14F-4D97-AF65-F5344CB8AC3E}">
-        <p14:creationId xmlns:p14="http://schemas.microsoft.com/office/powerpoint/2010/main" val="1894062114"/>
+        <p14:creationId xmlns:p14="http://schemas.microsoft.com/office/powerpoint/2010/main" val="1578344666"/>
       </p:ext>
     </p:extLst>
   </p:cSld>
@@ -10439,7 +10484,7 @@
           <p:cNvPr id="2" name="Content Placeholder 1">
             <a:extLst>
               <a:ext uri="{FF2B5EF4-FFF2-40B4-BE49-F238E27FC236}">
-                <a16:creationId xmlns:a16="http://schemas.microsoft.com/office/drawing/2014/main" id="{28843B08-D770-BC65-54ED-2B61989BE9B5}"/>
+                <a16:creationId xmlns:a16="http://schemas.microsoft.com/office/drawing/2014/main" id="{49C96621-DDA2-43EB-9F25-F650BD381CFB}"/>
               </a:ext>
             </a:extLst>
           </p:cNvPr>
@@ -10456,93 +10501,65 @@
           <a:lstStyle/>
           <a:p>
             <a:r>
-              <a:rPr lang="en-GB" dirty="0" err="1"/>
-              <a:t>Automatische</a:t>
-            </a:r>
-            <a:r>
-              <a:rPr lang="en-GB" dirty="0"/>
+              <a:rPr lang="en-US" dirty="0" err="1"/>
+              <a:t>SignalR</a:t>
+            </a:r>
+            <a:r>
+              <a:rPr lang="en-US" dirty="0"/>
+              <a:t> – WebSocket?</a:t>
+            </a:r>
+          </a:p>
+          <a:p>
+            <a:r>
+              <a:rPr lang="en-US" dirty="0"/>
+              <a:t>HTTP (Hypertext Transfer Protocol)</a:t>
+            </a:r>
+          </a:p>
+          <a:p>
+            <a:r>
+              <a:rPr lang="en-US" dirty="0"/>
+              <a:t>Requests &amp; responses</a:t>
+            </a:r>
+          </a:p>
+          <a:p>
+            <a:r>
+              <a:rPr lang="en-US" dirty="0" err="1"/>
+              <a:t>Communicatie</a:t>
+            </a:r>
+            <a:r>
+              <a:rPr lang="en-US" dirty="0"/>
+              <a:t> server </a:t>
+            </a:r>
+            <a:r>
+              <a:rPr lang="en-US" dirty="0" err="1"/>
+              <a:t>en</a:t>
+            </a:r>
+            <a:r>
+              <a:rPr lang="en-US" dirty="0"/>
               <a:t> </a:t>
             </a:r>
             <a:r>
-              <a:rPr lang="en-GB" dirty="0" err="1"/>
-              <a:t>herverbinding</a:t>
-            </a:r>
-            <a:endParaRPr lang="en-GB" dirty="0"/>
-          </a:p>
-          <a:p>
-            <a:r>
-              <a:rPr lang="en-GB" dirty="0"/>
-              <a:t>Ping-pong </a:t>
-            </a:r>
-            <a:r>
-              <a:rPr lang="en-GB" dirty="0" err="1"/>
-              <a:t>methode</a:t>
-            </a:r>
-            <a:endParaRPr lang="en-GB" dirty="0"/>
-          </a:p>
-          <a:p>
-            <a:r>
-              <a:rPr lang="en-GB" dirty="0"/>
-              <a:t>Binnen </a:t>
-            </a:r>
-            <a:r>
-              <a:rPr lang="en-GB" dirty="0" err="1"/>
-              <a:t>bepaalde</a:t>
-            </a:r>
-            <a:r>
-              <a:rPr lang="en-GB" dirty="0"/>
-              <a:t> </a:t>
-            </a:r>
-            <a:r>
-              <a:rPr lang="en-GB" dirty="0" err="1"/>
-              <a:t>tijd</a:t>
-            </a:r>
-            <a:endParaRPr lang="en-GB" dirty="0"/>
-          </a:p>
-          <a:p>
-            <a:r>
-              <a:rPr lang="en-GB" dirty="0" err="1"/>
-              <a:t>Onthoudt</a:t>
-            </a:r>
-            <a:r>
-              <a:rPr lang="en-GB" dirty="0"/>
-              <a:t> </a:t>
-            </a:r>
-            <a:r>
-              <a:rPr lang="en-GB" dirty="0" err="1"/>
-              <a:t>bepaalde</a:t>
-            </a:r>
-            <a:r>
-              <a:rPr lang="en-GB" dirty="0"/>
-              <a:t> </a:t>
-            </a:r>
-            <a:r>
-              <a:rPr lang="en-GB" dirty="0" err="1"/>
-              <a:t>informatie</a:t>
-            </a:r>
-            <a:endParaRPr lang="en-GB" dirty="0"/>
-          </a:p>
-          <a:p>
-            <a:r>
-              <a:rPr lang="en-GB" dirty="0" err="1"/>
-              <a:t>Connectie</a:t>
-            </a:r>
-            <a:r>
-              <a:rPr lang="en-GB" dirty="0"/>
-              <a:t> </a:t>
-            </a:r>
-            <a:r>
-              <a:rPr lang="en-GB" dirty="0" err="1"/>
-              <a:t>herstarten</a:t>
-            </a:r>
-            <a:endParaRPr lang="en-GB" dirty="0"/>
-          </a:p>
-          <a:p>
-            <a:r>
-              <a:rPr lang="en-GB" dirty="0"/>
-              <a:t>WebSocket, server-sent events of (long)pulling?</a:t>
-            </a:r>
-            <a:endParaRPr lang="en-BE" dirty="0"/>
+              <a:rPr lang="en-US" dirty="0" err="1"/>
+              <a:t>webpagina</a:t>
+            </a:r>
+            <a:endParaRPr lang="en-US" dirty="0"/>
+          </a:p>
+          <a:p>
+            <a:r>
+              <a:rPr lang="en-US" dirty="0"/>
+              <a:t>Handshake – link </a:t>
+            </a:r>
+            <a:r>
+              <a:rPr lang="en-US" dirty="0" err="1"/>
+              <a:t>opzetten</a:t>
+            </a:r>
+            <a:endParaRPr lang="en-US" dirty="0"/>
+          </a:p>
+          <a:p>
+            <a:r>
+              <a:rPr lang="en-US" dirty="0"/>
+              <a:t>HTTP 101 Switching Protocols</a:t>
+            </a:r>
           </a:p>
         </p:txBody>
       </p:sp>
@@ -10551,7 +10568,7 @@
           <p:cNvPr id="3" name="Title 2">
             <a:extLst>
               <a:ext uri="{FF2B5EF4-FFF2-40B4-BE49-F238E27FC236}">
-                <a16:creationId xmlns:a16="http://schemas.microsoft.com/office/drawing/2014/main" id="{93B460F9-2C1A-7FE0-E11E-CEFE3135B83E}"/>
+                <a16:creationId xmlns:a16="http://schemas.microsoft.com/office/drawing/2014/main" id="{B6282170-58B5-437A-B277-73F7EDEEAC48}"/>
               </a:ext>
             </a:extLst>
           </p:cNvPr>
@@ -10579,7 +10596,7 @@
               <a:rPr lang="en-US" dirty="0" err="1"/>
               <a:t>signalr</a:t>
             </a:r>
-            <a:endParaRPr lang="en-BE" dirty="0"/>
+            <a:endParaRPr lang="en-US" dirty="0"/>
           </a:p>
         </p:txBody>
       </p:sp>
@@ -10588,7 +10605,7 @@
           <p:cNvPr id="4" name="Slide Number Placeholder 3">
             <a:extLst>
               <a:ext uri="{FF2B5EF4-FFF2-40B4-BE49-F238E27FC236}">
-                <a16:creationId xmlns:a16="http://schemas.microsoft.com/office/drawing/2014/main" id="{C1088D0F-8EE0-4126-AD4B-E8F75AA25020}"/>
+                <a16:creationId xmlns:a16="http://schemas.microsoft.com/office/drawing/2014/main" id="{49FE6B9F-285D-4793-8608-D799E7E68B2C}"/>
               </a:ext>
             </a:extLst>
           </p:cNvPr>
@@ -10618,7 +10635,7 @@
           <p:cNvPr id="5" name="Footer Placeholder 4">
             <a:extLst>
               <a:ext uri="{FF2B5EF4-FFF2-40B4-BE49-F238E27FC236}">
-                <a16:creationId xmlns:a16="http://schemas.microsoft.com/office/drawing/2014/main" id="{075A9C62-CB60-92C5-70C9-349C0E5F1FCB}"/>
+                <a16:creationId xmlns:a16="http://schemas.microsoft.com/office/drawing/2014/main" id="{03929003-0463-45B4-ACDA-5F5D41FBEC6A}"/>
               </a:ext>
             </a:extLst>
           </p:cNvPr>
@@ -10634,14 +10651,14 @@
           <a:bodyPr/>
           <a:lstStyle/>
           <a:p>
-            <a:endParaRPr lang="nl-BE"/>
+            <a:endParaRPr lang="nl-BE" dirty="0"/>
           </a:p>
         </p:txBody>
       </p:sp>
     </p:spTree>
     <p:extLst>
       <p:ext uri="{BB962C8B-B14F-4D97-AF65-F5344CB8AC3E}">
-        <p14:creationId xmlns:p14="http://schemas.microsoft.com/office/powerpoint/2010/main" val="2902861733"/>
+        <p14:creationId xmlns:p14="http://schemas.microsoft.com/office/powerpoint/2010/main" val="1894062114"/>
       </p:ext>
     </p:extLst>
   </p:cSld>
@@ -10668,213 +10685,72 @@
           <a:chExt cx="0" cy="0"/>
         </a:xfrm>
       </p:grpSpPr>
-      <p:sp>
-        <p:nvSpPr>
-          <p:cNvPr id="2" name="Content Placeholder 1">
-            <a:extLst>
-              <a:ext uri="{FF2B5EF4-FFF2-40B4-BE49-F238E27FC236}">
-                <a16:creationId xmlns:a16="http://schemas.microsoft.com/office/drawing/2014/main" id="{28843B08-D770-BC65-54ED-2B61989BE9B5}"/>
-              </a:ext>
-            </a:extLst>
-          </p:cNvPr>
-          <p:cNvSpPr>
-            <a:spLocks noGrp="1"/>
-          </p:cNvSpPr>
+      <p:pic>
+        <p:nvPicPr>
+          <p:cNvPr id="7" name="Content Placeholder 6" descr="Graphical user interface, text, application, email&#10;&#10;Description automatically generated">
+            <a:extLst>
+              <a:ext uri="{FF2B5EF4-FFF2-40B4-BE49-F238E27FC236}">
+                <a16:creationId xmlns:a16="http://schemas.microsoft.com/office/drawing/2014/main" id="{1AB20492-DD39-93BB-A8C5-2DB2C23E26E3}"/>
+              </a:ext>
+            </a:extLst>
+          </p:cNvPr>
+          <p:cNvPicPr>
+            <a:picLocks noGrp="1" noChangeAspect="1"/>
+          </p:cNvPicPr>
           <p:nvPr>
             <p:ph idx="1"/>
           </p:nvPr>
-        </p:nvSpPr>
-        <p:spPr/>
-        <p:txBody>
-          <a:bodyPr/>
-          <a:lstStyle/>
-          <a:p>
+        </p:nvPicPr>
+        <p:blipFill>
+          <a:blip r:embed="rId2">
+            <a:extLst>
+              <a:ext uri="{28A0092B-C50C-407E-A947-70E740481C1C}">
+                <a14:useLocalDpi xmlns:a14="http://schemas.microsoft.com/office/drawing/2010/main" val="0"/>
+              </a:ext>
+            </a:extLst>
+          </a:blip>
+          <a:stretch>
+            <a:fillRect/>
+          </a:stretch>
+        </p:blipFill>
+        <p:spPr>
+          <a:xfrm>
+            <a:off x="3300414" y="1215231"/>
+            <a:ext cx="4981502" cy="4720980"/>
+          </a:xfrm>
+        </p:spPr>
+      </p:pic>
+      <p:sp>
+        <p:nvSpPr>
+          <p:cNvPr id="3" name="Title 2">
+            <a:extLst>
+              <a:ext uri="{FF2B5EF4-FFF2-40B4-BE49-F238E27FC236}">
+                <a16:creationId xmlns:a16="http://schemas.microsoft.com/office/drawing/2014/main" id="{3F5F782B-DA3C-3F90-BBC5-505B6E1C9611}"/>
+              </a:ext>
+            </a:extLst>
+          </p:cNvPr>
+          <p:cNvSpPr>
+            <a:spLocks noGrp="1"/>
+          </p:cNvSpPr>
+          <p:nvPr>
+            <p:ph type="title"/>
+          </p:nvPr>
+        </p:nvSpPr>
+        <p:spPr/>
+        <p:txBody>
+          <a:bodyPr/>
+          <a:lstStyle/>
+          <a:p>
+            <a:r>
+              <a:rPr lang="en-GB" dirty="0" err="1"/>
+              <a:t>Websocket</a:t>
+            </a:r>
             <a:r>
               <a:rPr lang="en-GB" dirty="0"/>
-              <a:t>Meer </a:t>
+              <a:t> vs </a:t>
             </a:r>
             <a:r>
               <a:rPr lang="en-GB" dirty="0" err="1"/>
-              <a:t>tijd</a:t>
-            </a:r>
-            <a:endParaRPr lang="en-GB" dirty="0"/>
-          </a:p>
-          <a:p>
-            <a:r>
-              <a:rPr lang="en-GB" dirty="0"/>
-              <a:t>WebSocket </a:t>
-            </a:r>
-            <a:r>
-              <a:rPr lang="en-GB" dirty="0">
-                <a:sym typeface="Wingdings" panose="05000000000000000000" pitchFamily="2" charset="2"/>
-              </a:rPr>
-              <a:t> </a:t>
-            </a:r>
-            <a:r>
-              <a:rPr lang="en-GB" dirty="0" err="1">
-                <a:sym typeface="Wingdings" panose="05000000000000000000" pitchFamily="2" charset="2"/>
-              </a:rPr>
-              <a:t>simpele</a:t>
-            </a:r>
-            <a:r>
-              <a:rPr lang="en-GB" dirty="0">
-                <a:sym typeface="Wingdings" panose="05000000000000000000" pitchFamily="2" charset="2"/>
-              </a:rPr>
-              <a:t> scenario’s</a:t>
-            </a:r>
-          </a:p>
-          <a:p>
-            <a:r>
-              <a:rPr lang="en-GB" dirty="0" err="1">
-                <a:sym typeface="Wingdings" panose="05000000000000000000" pitchFamily="2" charset="2"/>
-              </a:rPr>
-              <a:t>Sportwebsites</a:t>
-            </a:r>
-            <a:endParaRPr lang="en-GB" dirty="0">
-              <a:sym typeface="Wingdings" panose="05000000000000000000" pitchFamily="2" charset="2"/>
-            </a:endParaRPr>
-          </a:p>
-          <a:p>
-            <a:r>
-              <a:rPr lang="en-GB" dirty="0" err="1">
-                <a:sym typeface="Wingdings" panose="05000000000000000000" pitchFamily="2" charset="2"/>
-              </a:rPr>
-              <a:t>SignalR</a:t>
-            </a:r>
-            <a:r>
-              <a:rPr lang="en-GB" dirty="0">
-                <a:sym typeface="Wingdings" panose="05000000000000000000" pitchFamily="2" charset="2"/>
-              </a:rPr>
-              <a:t>  </a:t>
-            </a:r>
-            <a:r>
-              <a:rPr lang="en-GB" dirty="0" err="1">
-                <a:sym typeface="Wingdings" panose="05000000000000000000" pitchFamily="2" charset="2"/>
-              </a:rPr>
-              <a:t>realtime</a:t>
-            </a:r>
-            <a:r>
-              <a:rPr lang="en-GB" dirty="0">
-                <a:sym typeface="Wingdings" panose="05000000000000000000" pitchFamily="2" charset="2"/>
-              </a:rPr>
-              <a:t> met </a:t>
-            </a:r>
-            <a:r>
-              <a:rPr lang="en-GB" dirty="0" err="1">
-                <a:sym typeface="Wingdings" panose="05000000000000000000" pitchFamily="2" charset="2"/>
-              </a:rPr>
-              <a:t>herverbinding</a:t>
-            </a:r>
-            <a:endParaRPr lang="en-GB" dirty="0">
-              <a:sym typeface="Wingdings" panose="05000000000000000000" pitchFamily="2" charset="2"/>
-            </a:endParaRPr>
-          </a:p>
-          <a:p>
-            <a:r>
-              <a:rPr lang="en-GB" dirty="0" err="1">
-                <a:sym typeface="Wingdings" panose="05000000000000000000" pitchFamily="2" charset="2"/>
-              </a:rPr>
-              <a:t>Chatapplicatie</a:t>
-            </a:r>
-            <a:endParaRPr lang="en-GB" dirty="0">
-              <a:sym typeface="Wingdings" panose="05000000000000000000" pitchFamily="2" charset="2"/>
-            </a:endParaRPr>
-          </a:p>
-          <a:p>
-            <a:r>
-              <a:rPr lang="en-GB" dirty="0" err="1">
-                <a:sym typeface="Wingdings" panose="05000000000000000000" pitchFamily="2" charset="2"/>
-              </a:rPr>
-              <a:t>Flexibiliteit</a:t>
-            </a:r>
-            <a:r>
-              <a:rPr lang="en-GB" dirty="0">
-                <a:sym typeface="Wingdings" panose="05000000000000000000" pitchFamily="2" charset="2"/>
-              </a:rPr>
-              <a:t> </a:t>
-            </a:r>
-            <a:r>
-              <a:rPr lang="en-GB" dirty="0" err="1">
-                <a:sym typeface="Wingdings" panose="05000000000000000000" pitchFamily="2" charset="2"/>
-              </a:rPr>
-              <a:t>applicatie</a:t>
-            </a:r>
-            <a:endParaRPr lang="en-GB" dirty="0">
-              <a:sym typeface="Wingdings" panose="05000000000000000000" pitchFamily="2" charset="2"/>
-            </a:endParaRPr>
-          </a:p>
-          <a:p>
-            <a:r>
-              <a:rPr lang="en-GB" dirty="0">
-                <a:sym typeface="Wingdings" panose="05000000000000000000" pitchFamily="2" charset="2"/>
-              </a:rPr>
-              <a:t>Eigen/</a:t>
-            </a:r>
-            <a:r>
-              <a:rPr lang="en-GB" dirty="0" err="1">
-                <a:sym typeface="Wingdings" panose="05000000000000000000" pitchFamily="2" charset="2"/>
-              </a:rPr>
-              <a:t>vooraf</a:t>
-            </a:r>
-            <a:r>
-              <a:rPr lang="en-GB" dirty="0">
-                <a:sym typeface="Wingdings" panose="05000000000000000000" pitchFamily="2" charset="2"/>
-              </a:rPr>
-              <a:t> </a:t>
-            </a:r>
-            <a:r>
-              <a:rPr lang="en-GB" dirty="0" err="1">
-                <a:sym typeface="Wingdings" panose="05000000000000000000" pitchFamily="2" charset="2"/>
-              </a:rPr>
-              <a:t>bepaalde</a:t>
-            </a:r>
-            <a:r>
-              <a:rPr lang="en-GB" dirty="0">
-                <a:sym typeface="Wingdings" panose="05000000000000000000" pitchFamily="2" charset="2"/>
-              </a:rPr>
-              <a:t> </a:t>
-            </a:r>
-            <a:r>
-              <a:rPr lang="en-GB" dirty="0" err="1">
-                <a:sym typeface="Wingdings" panose="05000000000000000000" pitchFamily="2" charset="2"/>
-              </a:rPr>
-              <a:t>protocollen</a:t>
-            </a:r>
-            <a:endParaRPr lang="en-GB" dirty="0"/>
-          </a:p>
-        </p:txBody>
-      </p:sp>
-      <p:sp>
-        <p:nvSpPr>
-          <p:cNvPr id="3" name="Title 2">
-            <a:extLst>
-              <a:ext uri="{FF2B5EF4-FFF2-40B4-BE49-F238E27FC236}">
-                <a16:creationId xmlns:a16="http://schemas.microsoft.com/office/drawing/2014/main" id="{93B460F9-2C1A-7FE0-E11E-CEFE3135B83E}"/>
-              </a:ext>
-            </a:extLst>
-          </p:cNvPr>
-          <p:cNvSpPr>
-            <a:spLocks noGrp="1"/>
-          </p:cNvSpPr>
-          <p:nvPr>
-            <p:ph type="title"/>
-          </p:nvPr>
-        </p:nvSpPr>
-        <p:spPr/>
-        <p:txBody>
-          <a:bodyPr/>
-          <a:lstStyle/>
-          <a:p>
-            <a:r>
-              <a:rPr lang="en-US" dirty="0" err="1"/>
-              <a:t>Websocket</a:t>
-            </a:r>
-            <a:r>
-              <a:rPr lang="en-US" dirty="0"/>
-              <a:t> vs </a:t>
-            </a:r>
-            <a:r>
-              <a:rPr lang="en-US" dirty="0" err="1"/>
               <a:t>signalr</a:t>
             </a:r>
             <a:endParaRPr lang="en-BE" dirty="0"/>
@@ -10886,7 +10762,7 @@
           <p:cNvPr id="4" name="Slide Number Placeholder 3">
             <a:extLst>
               <a:ext uri="{FF2B5EF4-FFF2-40B4-BE49-F238E27FC236}">
-                <a16:creationId xmlns:a16="http://schemas.microsoft.com/office/drawing/2014/main" id="{C1088D0F-8EE0-4126-AD4B-E8F75AA25020}"/>
+                <a16:creationId xmlns:a16="http://schemas.microsoft.com/office/drawing/2014/main" id="{74DE5FB7-1FB4-A213-EDB3-35F3BC44E63D}"/>
               </a:ext>
             </a:extLst>
           </p:cNvPr>
@@ -10916,7 +10792,7 @@
           <p:cNvPr id="5" name="Footer Placeholder 4">
             <a:extLst>
               <a:ext uri="{FF2B5EF4-FFF2-40B4-BE49-F238E27FC236}">
-                <a16:creationId xmlns:a16="http://schemas.microsoft.com/office/drawing/2014/main" id="{075A9C62-CB60-92C5-70C9-349C0E5F1FCB}"/>
+                <a16:creationId xmlns:a16="http://schemas.microsoft.com/office/drawing/2014/main" id="{EC726B1E-C336-8D5A-89DE-6F9F5FF8F638}"/>
               </a:ext>
             </a:extLst>
           </p:cNvPr>
@@ -10939,7 +10815,7 @@
     </p:spTree>
     <p:extLst>
       <p:ext uri="{BB962C8B-B14F-4D97-AF65-F5344CB8AC3E}">
-        <p14:creationId xmlns:p14="http://schemas.microsoft.com/office/powerpoint/2010/main" val="2348020447"/>
+        <p14:creationId xmlns:p14="http://schemas.microsoft.com/office/powerpoint/2010/main" val="1318804231"/>
       </p:ext>
     </p:extLst>
   </p:cSld>
@@ -11081,10 +10957,122 @@
       </p:grpSpPr>
       <p:sp>
         <p:nvSpPr>
+          <p:cNvPr id="2" name="Content Placeholder 1">
+            <a:extLst>
+              <a:ext uri="{FF2B5EF4-FFF2-40B4-BE49-F238E27FC236}">
+                <a16:creationId xmlns:a16="http://schemas.microsoft.com/office/drawing/2014/main" id="{28843B08-D770-BC65-54ED-2B61989BE9B5}"/>
+              </a:ext>
+            </a:extLst>
+          </p:cNvPr>
+          <p:cNvSpPr>
+            <a:spLocks noGrp="1"/>
+          </p:cNvSpPr>
+          <p:nvPr>
+            <p:ph idx="1"/>
+          </p:nvPr>
+        </p:nvSpPr>
+        <p:spPr/>
+        <p:txBody>
+          <a:bodyPr/>
+          <a:lstStyle/>
+          <a:p>
+            <a:r>
+              <a:rPr lang="en-GB" dirty="0" err="1"/>
+              <a:t>Automatische</a:t>
+            </a:r>
+            <a:r>
+              <a:rPr lang="en-GB" dirty="0"/>
+              <a:t> </a:t>
+            </a:r>
+            <a:r>
+              <a:rPr lang="en-GB" dirty="0" err="1"/>
+              <a:t>herverbinding</a:t>
+            </a:r>
+            <a:endParaRPr lang="en-GB" dirty="0"/>
+          </a:p>
+          <a:p>
+            <a:r>
+              <a:rPr lang="en-GB" dirty="0"/>
+              <a:t>Ping-pong </a:t>
+            </a:r>
+            <a:r>
+              <a:rPr lang="en-GB" dirty="0" err="1"/>
+              <a:t>methode</a:t>
+            </a:r>
+            <a:endParaRPr lang="en-GB" dirty="0"/>
+          </a:p>
+          <a:p>
+            <a:r>
+              <a:rPr lang="en-GB" dirty="0"/>
+              <a:t>Binnen </a:t>
+            </a:r>
+            <a:r>
+              <a:rPr lang="en-GB" dirty="0" err="1"/>
+              <a:t>bepaalde</a:t>
+            </a:r>
+            <a:r>
+              <a:rPr lang="en-GB" dirty="0"/>
+              <a:t> </a:t>
+            </a:r>
+            <a:r>
+              <a:rPr lang="en-GB" dirty="0" err="1"/>
+              <a:t>tijd</a:t>
+            </a:r>
+            <a:endParaRPr lang="en-GB" dirty="0"/>
+          </a:p>
+          <a:p>
+            <a:r>
+              <a:rPr lang="en-GB" dirty="0" err="1"/>
+              <a:t>Onthoudt</a:t>
+            </a:r>
+            <a:r>
+              <a:rPr lang="en-GB" dirty="0"/>
+              <a:t> </a:t>
+            </a:r>
+            <a:r>
+              <a:rPr lang="en-GB" dirty="0" err="1"/>
+              <a:t>bepaalde</a:t>
+            </a:r>
+            <a:r>
+              <a:rPr lang="en-GB" dirty="0"/>
+              <a:t> </a:t>
+            </a:r>
+            <a:r>
+              <a:rPr lang="en-GB" dirty="0" err="1"/>
+              <a:t>informatie</a:t>
+            </a:r>
+            <a:endParaRPr lang="en-GB" dirty="0"/>
+          </a:p>
+          <a:p>
+            <a:r>
+              <a:rPr lang="en-GB" dirty="0" err="1"/>
+              <a:t>Connectie</a:t>
+            </a:r>
+            <a:r>
+              <a:rPr lang="en-GB" dirty="0"/>
+              <a:t> </a:t>
+            </a:r>
+            <a:r>
+              <a:rPr lang="en-GB" dirty="0" err="1"/>
+              <a:t>herstarten</a:t>
+            </a:r>
+            <a:endParaRPr lang="en-GB" dirty="0"/>
+          </a:p>
+          <a:p>
+            <a:r>
+              <a:rPr lang="en-GB" dirty="0"/>
+              <a:t>WebSocket, server-sent events of (long)pulling?</a:t>
+            </a:r>
+            <a:endParaRPr lang="en-BE" dirty="0"/>
+          </a:p>
+        </p:txBody>
+      </p:sp>
+      <p:sp>
+        <p:nvSpPr>
           <p:cNvPr id="3" name="Title 2">
             <a:extLst>
               <a:ext uri="{FF2B5EF4-FFF2-40B4-BE49-F238E27FC236}">
-                <a16:creationId xmlns:a16="http://schemas.microsoft.com/office/drawing/2014/main" id="{2F42C553-B592-4464-A4B7-5EC8988D45F6}"/>
+                <a16:creationId xmlns:a16="http://schemas.microsoft.com/office/drawing/2014/main" id="{93B460F9-2C1A-7FE0-E11E-CEFE3135B83E}"/>
               </a:ext>
             </a:extLst>
           </p:cNvPr>
@@ -11102,59 +11090,26 @@
           <a:p>
             <a:r>
               <a:rPr lang="en-US" dirty="0" err="1"/>
-              <a:t>Voor</a:t>
+              <a:t>Websocket</a:t>
             </a:r>
             <a:r>
               <a:rPr lang="en-US" dirty="0"/>
-              <a:t>- </a:t>
+              <a:t> vs </a:t>
             </a:r>
             <a:r>
               <a:rPr lang="en-US" dirty="0" err="1"/>
-              <a:t>en</a:t>
-            </a:r>
-            <a:r>
-              <a:rPr lang="en-US" dirty="0"/>
-              <a:t> </a:t>
-            </a:r>
-            <a:r>
-              <a:rPr lang="en-US" dirty="0" err="1"/>
-              <a:t>nadelen</a:t>
-            </a:r>
-            <a:endParaRPr lang="en-US" dirty="0"/>
-          </a:p>
-        </p:txBody>
-      </p:sp>
-      <p:sp>
-        <p:nvSpPr>
-          <p:cNvPr id="4" name="Footer Placeholder 3">
-            <a:extLst>
-              <a:ext uri="{FF2B5EF4-FFF2-40B4-BE49-F238E27FC236}">
-                <a16:creationId xmlns:a16="http://schemas.microsoft.com/office/drawing/2014/main" id="{9E41C3BC-E4E5-4D29-AD12-A6D8868395CD}"/>
-              </a:ext>
-            </a:extLst>
-          </p:cNvPr>
-          <p:cNvSpPr>
-            <a:spLocks noGrp="1"/>
-          </p:cNvSpPr>
-          <p:nvPr>
-            <p:ph type="ftr" sz="quarter" idx="12"/>
-          </p:nvPr>
-        </p:nvSpPr>
-        <p:spPr/>
-        <p:txBody>
-          <a:bodyPr/>
-          <a:lstStyle/>
-          <a:p>
-            <a:endParaRPr lang="nl-BE"/>
-          </a:p>
-        </p:txBody>
-      </p:sp>
-      <p:sp>
-        <p:nvSpPr>
-          <p:cNvPr id="5" name="Slide Number Placeholder 4">
-            <a:extLst>
-              <a:ext uri="{FF2B5EF4-FFF2-40B4-BE49-F238E27FC236}">
-                <a16:creationId xmlns:a16="http://schemas.microsoft.com/office/drawing/2014/main" id="{4E55B2F2-EDCE-4E6D-A170-16EBD9623D13}"/>
+              <a:t>signalr</a:t>
+            </a:r>
+            <a:endParaRPr lang="en-BE" dirty="0"/>
+          </a:p>
+        </p:txBody>
+      </p:sp>
+      <p:sp>
+        <p:nvSpPr>
+          <p:cNvPr id="4" name="Slide Number Placeholder 3">
+            <a:extLst>
+              <a:ext uri="{FF2B5EF4-FFF2-40B4-BE49-F238E27FC236}">
+                <a16:creationId xmlns:a16="http://schemas.microsoft.com/office/drawing/2014/main" id="{C1088D0F-8EE0-4126-AD4B-E8F75AA25020}"/>
               </a:ext>
             </a:extLst>
           </p:cNvPr>
@@ -11179,10 +11134,35 @@
           </a:p>
         </p:txBody>
       </p:sp>
+      <p:sp>
+        <p:nvSpPr>
+          <p:cNvPr id="5" name="Footer Placeholder 4">
+            <a:extLst>
+              <a:ext uri="{FF2B5EF4-FFF2-40B4-BE49-F238E27FC236}">
+                <a16:creationId xmlns:a16="http://schemas.microsoft.com/office/drawing/2014/main" id="{075A9C62-CB60-92C5-70C9-349C0E5F1FCB}"/>
+              </a:ext>
+            </a:extLst>
+          </p:cNvPr>
+          <p:cNvSpPr>
+            <a:spLocks noGrp="1"/>
+          </p:cNvSpPr>
+          <p:nvPr>
+            <p:ph type="ftr" sz="quarter" idx="12"/>
+          </p:nvPr>
+        </p:nvSpPr>
+        <p:spPr/>
+        <p:txBody>
+          <a:bodyPr/>
+          <a:lstStyle/>
+          <a:p>
+            <a:endParaRPr lang="nl-BE"/>
+          </a:p>
+        </p:txBody>
+      </p:sp>
     </p:spTree>
     <p:extLst>
       <p:ext uri="{BB962C8B-B14F-4D97-AF65-F5344CB8AC3E}">
-        <p14:creationId xmlns:p14="http://schemas.microsoft.com/office/powerpoint/2010/main" val="1616728586"/>
+        <p14:creationId xmlns:p14="http://schemas.microsoft.com/office/powerpoint/2010/main" val="2902861733"/>
       </p:ext>
     </p:extLst>
   </p:cSld>
@@ -11214,7 +11194,7 @@
           <p:cNvPr id="2" name="Content Placeholder 1">
             <a:extLst>
               <a:ext uri="{FF2B5EF4-FFF2-40B4-BE49-F238E27FC236}">
-                <a16:creationId xmlns:a16="http://schemas.microsoft.com/office/drawing/2014/main" id="{12D5C238-9CE5-D4B3-7D7C-2E2AB0E66EC7}"/>
+                <a16:creationId xmlns:a16="http://schemas.microsoft.com/office/drawing/2014/main" id="{28843B08-D770-BC65-54ED-2B61989BE9B5}"/>
               </a:ext>
             </a:extLst>
           </p:cNvPr>
@@ -11231,76 +11211,192 @@
           <a:lstStyle/>
           <a:p>
             <a:r>
+              <a:rPr lang="en-GB" dirty="0"/>
+              <a:t>Meer </a:t>
+            </a:r>
+            <a:r>
               <a:rPr lang="en-GB" dirty="0" err="1"/>
-              <a:t>Opties</a:t>
-            </a:r>
+              <a:t>tijd</a:t>
+            </a:r>
+            <a:endParaRPr lang="en-GB" dirty="0"/>
+          </a:p>
+          <a:p>
             <a:r>
               <a:rPr lang="en-GB" dirty="0"/>
+              <a:t>WebSocket </a:t>
+            </a:r>
+            <a:r>
+              <a:rPr lang="en-GB" dirty="0">
+                <a:sym typeface="Wingdings" panose="05000000000000000000" pitchFamily="2" charset="2"/>
+              </a:rPr>
+              <a:t> </a:t>
+            </a:r>
+            <a:r>
+              <a:rPr lang="en-GB" dirty="0" err="1">
+                <a:sym typeface="Wingdings" panose="05000000000000000000" pitchFamily="2" charset="2"/>
+              </a:rPr>
+              <a:t>simpele</a:t>
+            </a:r>
+            <a:r>
+              <a:rPr lang="en-GB" dirty="0">
+                <a:sym typeface="Wingdings" panose="05000000000000000000" pitchFamily="2" charset="2"/>
+              </a:rPr>
+              <a:t> scenario’s</a:t>
+            </a:r>
+          </a:p>
+          <a:p>
+            <a:r>
+              <a:rPr lang="en-GB" dirty="0" err="1">
+                <a:sym typeface="Wingdings" panose="05000000000000000000" pitchFamily="2" charset="2"/>
+              </a:rPr>
+              <a:t>Sportwebsites</a:t>
+            </a:r>
+            <a:endParaRPr lang="en-GB" dirty="0">
+              <a:sym typeface="Wingdings" panose="05000000000000000000" pitchFamily="2" charset="2"/>
+            </a:endParaRPr>
+          </a:p>
+          <a:p>
+            <a:r>
+              <a:rPr lang="en-GB" dirty="0" err="1">
+                <a:sym typeface="Wingdings" panose="05000000000000000000" pitchFamily="2" charset="2"/>
+              </a:rPr>
+              <a:t>SignalR</a:t>
+            </a:r>
+            <a:r>
+              <a:rPr lang="en-GB" dirty="0">
+                <a:sym typeface="Wingdings" panose="05000000000000000000" pitchFamily="2" charset="2"/>
+              </a:rPr>
+              <a:t>  </a:t>
+            </a:r>
+            <a:r>
+              <a:rPr lang="en-GB" dirty="0" err="1">
+                <a:sym typeface="Wingdings" panose="05000000000000000000" pitchFamily="2" charset="2"/>
+              </a:rPr>
+              <a:t>realtime</a:t>
+            </a:r>
+            <a:r>
+              <a:rPr lang="en-GB" dirty="0">
+                <a:sym typeface="Wingdings" panose="05000000000000000000" pitchFamily="2" charset="2"/>
+              </a:rPr>
+              <a:t> met </a:t>
+            </a:r>
+            <a:r>
+              <a:rPr lang="en-GB" dirty="0" err="1">
+                <a:sym typeface="Wingdings" panose="05000000000000000000" pitchFamily="2" charset="2"/>
+              </a:rPr>
+              <a:t>herverbinding</a:t>
+            </a:r>
+            <a:endParaRPr lang="en-GB" dirty="0">
+              <a:sym typeface="Wingdings" panose="05000000000000000000" pitchFamily="2" charset="2"/>
+            </a:endParaRPr>
+          </a:p>
+          <a:p>
+            <a:r>
+              <a:rPr lang="en-GB" dirty="0" err="1">
+                <a:sym typeface="Wingdings" panose="05000000000000000000" pitchFamily="2" charset="2"/>
+              </a:rPr>
+              <a:t>Chatapplicatie</a:t>
+            </a:r>
+            <a:endParaRPr lang="en-GB" dirty="0">
+              <a:sym typeface="Wingdings" panose="05000000000000000000" pitchFamily="2" charset="2"/>
+            </a:endParaRPr>
+          </a:p>
+          <a:p>
+            <a:r>
+              <a:rPr lang="en-GB" dirty="0" err="1">
+                <a:sym typeface="Wingdings" panose="05000000000000000000" pitchFamily="2" charset="2"/>
+              </a:rPr>
+              <a:t>Flexibiliteit</a:t>
+            </a:r>
+            <a:r>
+              <a:rPr lang="en-GB" dirty="0">
+                <a:sym typeface="Wingdings" panose="05000000000000000000" pitchFamily="2" charset="2"/>
+              </a:rPr>
               <a:t> </a:t>
             </a:r>
             <a:r>
-              <a:rPr lang="en-GB" dirty="0" err="1"/>
-              <a:t>schalen</a:t>
-            </a:r>
-            <a:r>
-              <a:rPr lang="en-GB" dirty="0"/>
+              <a:rPr lang="en-GB" dirty="0" err="1">
+                <a:sym typeface="Wingdings" panose="05000000000000000000" pitchFamily="2" charset="2"/>
+              </a:rPr>
+              <a:t>applicatie</a:t>
+            </a:r>
+            <a:endParaRPr lang="en-GB" dirty="0">
+              <a:sym typeface="Wingdings" panose="05000000000000000000" pitchFamily="2" charset="2"/>
+            </a:endParaRPr>
+          </a:p>
+          <a:p>
+            <a:r>
+              <a:rPr lang="en-GB" dirty="0">
+                <a:sym typeface="Wingdings" panose="05000000000000000000" pitchFamily="2" charset="2"/>
+              </a:rPr>
+              <a:t>Eigen/</a:t>
+            </a:r>
+            <a:r>
+              <a:rPr lang="en-GB" dirty="0" err="1">
+                <a:sym typeface="Wingdings" panose="05000000000000000000" pitchFamily="2" charset="2"/>
+              </a:rPr>
+              <a:t>vooraf</a:t>
+            </a:r>
+            <a:r>
+              <a:rPr lang="en-GB" dirty="0">
+                <a:sym typeface="Wingdings" panose="05000000000000000000" pitchFamily="2" charset="2"/>
+              </a:rPr>
               <a:t> </a:t>
             </a:r>
             <a:r>
-              <a:rPr lang="en-GB" dirty="0" err="1"/>
-              <a:t>naar</a:t>
-            </a:r>
-            <a:r>
-              <a:rPr lang="en-GB" dirty="0"/>
+              <a:rPr lang="en-GB" dirty="0" err="1">
+                <a:sym typeface="Wingdings" panose="05000000000000000000" pitchFamily="2" charset="2"/>
+              </a:rPr>
+              <a:t>bepaalde</a:t>
+            </a:r>
+            <a:r>
+              <a:rPr lang="en-GB" dirty="0">
+                <a:sym typeface="Wingdings" panose="05000000000000000000" pitchFamily="2" charset="2"/>
+              </a:rPr>
               <a:t> </a:t>
             </a:r>
             <a:r>
-              <a:rPr lang="en-GB" dirty="0" err="1"/>
-              <a:t>trafiek</a:t>
+              <a:rPr lang="en-GB" dirty="0" err="1">
+                <a:sym typeface="Wingdings" panose="05000000000000000000" pitchFamily="2" charset="2"/>
+              </a:rPr>
+              <a:t>protocollen</a:t>
             </a:r>
             <a:endParaRPr lang="en-GB" dirty="0"/>
           </a:p>
-          <a:p>
-            <a:r>
-              <a:rPr lang="en-GB" dirty="0"/>
-              <a:t>ASP.NET Framework</a:t>
-            </a:r>
-          </a:p>
-          <a:p>
-            <a:r>
-              <a:rPr lang="en-GB" dirty="0" err="1"/>
-              <a:t>Automatische</a:t>
-            </a:r>
-            <a:r>
-              <a:rPr lang="en-GB" dirty="0"/>
-              <a:t> </a:t>
-            </a:r>
-            <a:r>
-              <a:rPr lang="en-GB" dirty="0" err="1"/>
-              <a:t>verbinding</a:t>
-            </a:r>
-            <a:endParaRPr lang="en-GB" dirty="0"/>
-          </a:p>
-          <a:p>
-            <a:r>
-              <a:rPr lang="en-GB" dirty="0" err="1"/>
-              <a:t>Terugvallen</a:t>
-            </a:r>
-            <a:r>
-              <a:rPr lang="en-GB" dirty="0"/>
-              <a:t> op </a:t>
-            </a:r>
-            <a:r>
-              <a:rPr lang="en-GB" dirty="0" err="1"/>
-              <a:t>andere</a:t>
-            </a:r>
-            <a:r>
-              <a:rPr lang="en-GB" dirty="0"/>
-              <a:t> </a:t>
-            </a:r>
-            <a:r>
-              <a:rPr lang="en-GB" dirty="0" err="1"/>
-              <a:t>technologieën</a:t>
+        </p:txBody>
+      </p:sp>
+      <p:sp>
+        <p:nvSpPr>
+          <p:cNvPr id="3" name="Title 2">
+            <a:extLst>
+              <a:ext uri="{FF2B5EF4-FFF2-40B4-BE49-F238E27FC236}">
+                <a16:creationId xmlns:a16="http://schemas.microsoft.com/office/drawing/2014/main" id="{93B460F9-2C1A-7FE0-E11E-CEFE3135B83E}"/>
+              </a:ext>
+            </a:extLst>
+          </p:cNvPr>
+          <p:cNvSpPr>
+            <a:spLocks noGrp="1"/>
+          </p:cNvSpPr>
+          <p:nvPr>
+            <p:ph type="title"/>
+          </p:nvPr>
+        </p:nvSpPr>
+        <p:spPr/>
+        <p:txBody>
+          <a:bodyPr/>
+          <a:lstStyle/>
+          <a:p>
+            <a:r>
+              <a:rPr lang="en-US" dirty="0" err="1"/>
+              <a:t>Websocket</a:t>
+            </a:r>
+            <a:r>
+              <a:rPr lang="en-US" dirty="0"/>
+              <a:t> vs </a:t>
+            </a:r>
+            <a:r>
+              <a:rPr lang="en-US" dirty="0" err="1"/>
+              <a:t>signalr</a:t>
             </a:r>
             <a:endParaRPr lang="en-BE" dirty="0"/>
           </a:p>
@@ -11308,39 +11404,10 @@
       </p:sp>
       <p:sp>
         <p:nvSpPr>
-          <p:cNvPr id="3" name="Title 2">
-            <a:extLst>
-              <a:ext uri="{FF2B5EF4-FFF2-40B4-BE49-F238E27FC236}">
-                <a16:creationId xmlns:a16="http://schemas.microsoft.com/office/drawing/2014/main" id="{2C4E9981-32DD-8C2A-A83E-F117FE032223}"/>
-              </a:ext>
-            </a:extLst>
-          </p:cNvPr>
-          <p:cNvSpPr>
-            <a:spLocks noGrp="1"/>
-          </p:cNvSpPr>
-          <p:nvPr>
-            <p:ph type="title"/>
-          </p:nvPr>
-        </p:nvSpPr>
-        <p:spPr/>
-        <p:txBody>
-          <a:bodyPr/>
-          <a:lstStyle/>
-          <a:p>
-            <a:r>
-              <a:rPr lang="en-GB" dirty="0" err="1"/>
-              <a:t>voordelen</a:t>
-            </a:r>
-            <a:endParaRPr lang="en-BE" dirty="0"/>
-          </a:p>
-        </p:txBody>
-      </p:sp>
-      <p:sp>
-        <p:nvSpPr>
           <p:cNvPr id="4" name="Slide Number Placeholder 3">
             <a:extLst>
               <a:ext uri="{FF2B5EF4-FFF2-40B4-BE49-F238E27FC236}">
-                <a16:creationId xmlns:a16="http://schemas.microsoft.com/office/drawing/2014/main" id="{4E972868-6F95-5206-82BB-0EFAA96736A5}"/>
+                <a16:creationId xmlns:a16="http://schemas.microsoft.com/office/drawing/2014/main" id="{C1088D0F-8EE0-4126-AD4B-E8F75AA25020}"/>
               </a:ext>
             </a:extLst>
           </p:cNvPr>
@@ -11370,7 +11437,7 @@
           <p:cNvPr id="5" name="Footer Placeholder 4">
             <a:extLst>
               <a:ext uri="{FF2B5EF4-FFF2-40B4-BE49-F238E27FC236}">
-                <a16:creationId xmlns:a16="http://schemas.microsoft.com/office/drawing/2014/main" id="{E752F29C-CEBE-7E85-8A42-003CB6137EED}"/>
+                <a16:creationId xmlns:a16="http://schemas.microsoft.com/office/drawing/2014/main" id="{075A9C62-CB60-92C5-70C9-349C0E5F1FCB}"/>
               </a:ext>
             </a:extLst>
           </p:cNvPr>
@@ -11393,7 +11460,7 @@
     </p:spTree>
     <p:extLst>
       <p:ext uri="{BB962C8B-B14F-4D97-AF65-F5344CB8AC3E}">
-        <p14:creationId xmlns:p14="http://schemas.microsoft.com/office/powerpoint/2010/main" val="3125584062"/>
+        <p14:creationId xmlns:p14="http://schemas.microsoft.com/office/powerpoint/2010/main" val="2348020447"/>
       </p:ext>
     </p:extLst>
   </p:cSld>
@@ -11422,202 +11489,80 @@
       </p:grpSpPr>
       <p:sp>
         <p:nvSpPr>
-          <p:cNvPr id="2" name="Content Placeholder 1">
-            <a:extLst>
-              <a:ext uri="{FF2B5EF4-FFF2-40B4-BE49-F238E27FC236}">
-                <a16:creationId xmlns:a16="http://schemas.microsoft.com/office/drawing/2014/main" id="{12D5C238-9CE5-D4B3-7D7C-2E2AB0E66EC7}"/>
-              </a:ext>
-            </a:extLst>
-          </p:cNvPr>
-          <p:cNvSpPr>
-            <a:spLocks noGrp="1"/>
-          </p:cNvSpPr>
-          <p:nvPr>
-            <p:ph idx="1"/>
-          </p:nvPr>
-        </p:nvSpPr>
-        <p:spPr/>
-        <p:txBody>
-          <a:bodyPr/>
-          <a:lstStyle/>
-          <a:p>
-            <a:r>
-              <a:rPr lang="en-GB" dirty="0"/>
-              <a:t>Events </a:t>
-            </a:r>
-            <a:r>
-              <a:rPr lang="en-GB" dirty="0" err="1"/>
-              <a:t>zeer</a:t>
-            </a:r>
-            <a:r>
-              <a:rPr lang="en-GB" dirty="0"/>
+          <p:cNvPr id="3" name="Title 2">
+            <a:extLst>
+              <a:ext uri="{FF2B5EF4-FFF2-40B4-BE49-F238E27FC236}">
+                <a16:creationId xmlns:a16="http://schemas.microsoft.com/office/drawing/2014/main" id="{2F42C553-B592-4464-A4B7-5EC8988D45F6}"/>
+              </a:ext>
+            </a:extLst>
+          </p:cNvPr>
+          <p:cNvSpPr>
+            <a:spLocks noGrp="1"/>
+          </p:cNvSpPr>
+          <p:nvPr>
+            <p:ph type="title"/>
+          </p:nvPr>
+        </p:nvSpPr>
+        <p:spPr/>
+        <p:txBody>
+          <a:bodyPr/>
+          <a:lstStyle/>
+          <a:p>
+            <a:r>
+              <a:rPr lang="en-US" dirty="0" err="1"/>
+              <a:t>Voor</a:t>
+            </a:r>
+            <a:r>
+              <a:rPr lang="en-US" dirty="0"/>
+              <a:t>- </a:t>
+            </a:r>
+            <a:r>
+              <a:rPr lang="en-US" dirty="0" err="1"/>
+              <a:t>en</a:t>
+            </a:r>
+            <a:r>
+              <a:rPr lang="en-US" dirty="0"/>
               <a:t> </a:t>
             </a:r>
             <a:r>
-              <a:rPr lang="en-GB" dirty="0" err="1"/>
-              <a:t>snel</a:t>
-            </a:r>
-            <a:r>
-              <a:rPr lang="en-GB" dirty="0"/>
-              <a:t> op </a:t>
-            </a:r>
-            <a:r>
-              <a:rPr lang="en-GB" dirty="0" err="1"/>
-              <a:t>elkaar</a:t>
-            </a:r>
-            <a:endParaRPr lang="en-GB" dirty="0"/>
-          </a:p>
-          <a:p>
-            <a:r>
-              <a:rPr lang="en-GB" dirty="0" err="1"/>
-              <a:t>Berichten</a:t>
-            </a:r>
-            <a:r>
-              <a:rPr lang="en-GB" dirty="0"/>
-              <a:t> </a:t>
-            </a:r>
-            <a:r>
-              <a:rPr lang="en-GB" dirty="0" err="1"/>
-              <a:t>niet</a:t>
-            </a:r>
-            <a:r>
-              <a:rPr lang="en-GB" dirty="0"/>
-              <a:t> </a:t>
-            </a:r>
-            <a:r>
-              <a:rPr lang="en-GB" dirty="0" err="1"/>
-              <a:t>afgeleverd</a:t>
-            </a:r>
-            <a:r>
-              <a:rPr lang="en-GB" dirty="0"/>
-              <a:t> </a:t>
-            </a:r>
-            <a:r>
-              <a:rPr lang="en-GB" dirty="0" err="1"/>
-              <a:t>worden</a:t>
-            </a:r>
-            <a:endParaRPr lang="en-GB" dirty="0"/>
-          </a:p>
-          <a:p>
-            <a:r>
-              <a:rPr lang="en-GB" dirty="0"/>
-              <a:t>1000 </a:t>
-            </a:r>
-            <a:r>
-              <a:rPr lang="en-GB" dirty="0" err="1"/>
-              <a:t>berichten</a:t>
-            </a:r>
-            <a:r>
-              <a:rPr lang="en-GB" dirty="0"/>
-              <a:t> </a:t>
-            </a:r>
-            <a:r>
-              <a:rPr lang="en-GB" dirty="0" err="1"/>
-              <a:t>bufferen</a:t>
-            </a:r>
-            <a:endParaRPr lang="en-GB" dirty="0"/>
-          </a:p>
-          <a:p>
-            <a:r>
-              <a:rPr lang="en-GB" dirty="0"/>
-              <a:t>C#, Java, Python, </a:t>
-            </a:r>
-            <a:r>
-              <a:rPr lang="en-GB" dirty="0" err="1"/>
-              <a:t>en</a:t>
-            </a:r>
-            <a:r>
-              <a:rPr lang="en-GB" dirty="0"/>
-              <a:t> </a:t>
-            </a:r>
-            <a:r>
-              <a:rPr lang="en-GB" dirty="0" err="1"/>
-              <a:t>Javascript</a:t>
-            </a:r>
-            <a:r>
-              <a:rPr lang="en-GB" dirty="0"/>
-              <a:t> </a:t>
-            </a:r>
-            <a:r>
-              <a:rPr lang="en-GB" dirty="0" err="1"/>
-              <a:t>ondersteund</a:t>
-            </a:r>
-            <a:endParaRPr lang="en-GB" dirty="0"/>
-          </a:p>
-          <a:p>
-            <a:r>
-              <a:rPr lang="en-GB" dirty="0"/>
-              <a:t>Single-region </a:t>
-            </a:r>
-            <a:r>
-              <a:rPr lang="en-GB" dirty="0" err="1"/>
-              <a:t>gebruik</a:t>
-            </a:r>
-            <a:endParaRPr lang="en-GB" dirty="0"/>
-          </a:p>
-          <a:p>
-            <a:r>
-              <a:rPr lang="en-GB" dirty="0" err="1"/>
-              <a:t>Prestatie</a:t>
-            </a:r>
-            <a:r>
-              <a:rPr lang="en-GB" dirty="0"/>
-              <a:t>, </a:t>
-            </a:r>
-            <a:r>
-              <a:rPr lang="en-GB" dirty="0" err="1"/>
-              <a:t>betrouwbaarheid</a:t>
-            </a:r>
-            <a:r>
-              <a:rPr lang="en-GB" dirty="0"/>
-              <a:t>, </a:t>
-            </a:r>
-            <a:r>
-              <a:rPr lang="en-GB" dirty="0" err="1"/>
-              <a:t>beschikbaarheid</a:t>
-            </a:r>
-            <a:r>
-              <a:rPr lang="en-GB" dirty="0"/>
-              <a:t> - €?</a:t>
-            </a:r>
-          </a:p>
-        </p:txBody>
-      </p:sp>
-      <p:sp>
-        <p:nvSpPr>
-          <p:cNvPr id="3" name="Title 2">
-            <a:extLst>
-              <a:ext uri="{FF2B5EF4-FFF2-40B4-BE49-F238E27FC236}">
-                <a16:creationId xmlns:a16="http://schemas.microsoft.com/office/drawing/2014/main" id="{2C4E9981-32DD-8C2A-A83E-F117FE032223}"/>
-              </a:ext>
-            </a:extLst>
-          </p:cNvPr>
-          <p:cNvSpPr>
-            <a:spLocks noGrp="1"/>
-          </p:cNvSpPr>
-          <p:nvPr>
-            <p:ph type="title"/>
-          </p:nvPr>
-        </p:nvSpPr>
-        <p:spPr/>
-        <p:txBody>
-          <a:bodyPr/>
-          <a:lstStyle/>
-          <a:p>
-            <a:r>
-              <a:rPr lang="en-GB" dirty="0" err="1"/>
+              <a:rPr lang="en-US" dirty="0" err="1"/>
               <a:t>nadelen</a:t>
             </a:r>
-            <a:endParaRPr lang="en-BE" dirty="0"/>
-          </a:p>
-        </p:txBody>
-      </p:sp>
-      <p:sp>
-        <p:nvSpPr>
-          <p:cNvPr id="4" name="Slide Number Placeholder 3">
-            <a:extLst>
-              <a:ext uri="{FF2B5EF4-FFF2-40B4-BE49-F238E27FC236}">
-                <a16:creationId xmlns:a16="http://schemas.microsoft.com/office/drawing/2014/main" id="{4E972868-6F95-5206-82BB-0EFAA96736A5}"/>
+            <a:endParaRPr lang="en-US" dirty="0"/>
+          </a:p>
+        </p:txBody>
+      </p:sp>
+      <p:sp>
+        <p:nvSpPr>
+          <p:cNvPr id="4" name="Footer Placeholder 3">
+            <a:extLst>
+              <a:ext uri="{FF2B5EF4-FFF2-40B4-BE49-F238E27FC236}">
+                <a16:creationId xmlns:a16="http://schemas.microsoft.com/office/drawing/2014/main" id="{9E41C3BC-E4E5-4D29-AD12-A6D8868395CD}"/>
+              </a:ext>
+            </a:extLst>
+          </p:cNvPr>
+          <p:cNvSpPr>
+            <a:spLocks noGrp="1"/>
+          </p:cNvSpPr>
+          <p:nvPr>
+            <p:ph type="ftr" sz="quarter" idx="12"/>
+          </p:nvPr>
+        </p:nvSpPr>
+        <p:spPr/>
+        <p:txBody>
+          <a:bodyPr/>
+          <a:lstStyle/>
+          <a:p>
+            <a:endParaRPr lang="nl-BE"/>
+          </a:p>
+        </p:txBody>
+      </p:sp>
+      <p:sp>
+        <p:nvSpPr>
+          <p:cNvPr id="5" name="Slide Number Placeholder 4">
+            <a:extLst>
+              <a:ext uri="{FF2B5EF4-FFF2-40B4-BE49-F238E27FC236}">
+                <a16:creationId xmlns:a16="http://schemas.microsoft.com/office/drawing/2014/main" id="{4E55B2F2-EDCE-4E6D-A170-16EBD9623D13}"/>
               </a:ext>
             </a:extLst>
           </p:cNvPr>
@@ -11642,35 +11587,10 @@
           </a:p>
         </p:txBody>
       </p:sp>
-      <p:sp>
-        <p:nvSpPr>
-          <p:cNvPr id="5" name="Footer Placeholder 4">
-            <a:extLst>
-              <a:ext uri="{FF2B5EF4-FFF2-40B4-BE49-F238E27FC236}">
-                <a16:creationId xmlns:a16="http://schemas.microsoft.com/office/drawing/2014/main" id="{E752F29C-CEBE-7E85-8A42-003CB6137EED}"/>
-              </a:ext>
-            </a:extLst>
-          </p:cNvPr>
-          <p:cNvSpPr>
-            <a:spLocks noGrp="1"/>
-          </p:cNvSpPr>
-          <p:nvPr>
-            <p:ph type="ftr" sz="quarter" idx="12"/>
-          </p:nvPr>
-        </p:nvSpPr>
-        <p:spPr/>
-        <p:txBody>
-          <a:bodyPr/>
-          <a:lstStyle/>
-          <a:p>
-            <a:endParaRPr lang="nl-BE"/>
-          </a:p>
-        </p:txBody>
-      </p:sp>
     </p:spTree>
     <p:extLst>
       <p:ext uri="{BB962C8B-B14F-4D97-AF65-F5344CB8AC3E}">
-        <p14:creationId xmlns:p14="http://schemas.microsoft.com/office/powerpoint/2010/main" val="2784131695"/>
+        <p14:creationId xmlns:p14="http://schemas.microsoft.com/office/powerpoint/2010/main" val="1616728586"/>
       </p:ext>
     </p:extLst>
   </p:cSld>
@@ -11699,10 +11619,107 @@
       </p:grpSpPr>
       <p:sp>
         <p:nvSpPr>
+          <p:cNvPr id="2" name="Content Placeholder 1">
+            <a:extLst>
+              <a:ext uri="{FF2B5EF4-FFF2-40B4-BE49-F238E27FC236}">
+                <a16:creationId xmlns:a16="http://schemas.microsoft.com/office/drawing/2014/main" id="{12D5C238-9CE5-D4B3-7D7C-2E2AB0E66EC7}"/>
+              </a:ext>
+            </a:extLst>
+          </p:cNvPr>
+          <p:cNvSpPr>
+            <a:spLocks noGrp="1"/>
+          </p:cNvSpPr>
+          <p:nvPr>
+            <p:ph idx="1"/>
+          </p:nvPr>
+        </p:nvSpPr>
+        <p:spPr/>
+        <p:txBody>
+          <a:bodyPr/>
+          <a:lstStyle/>
+          <a:p>
+            <a:r>
+              <a:rPr lang="en-GB" dirty="0" err="1"/>
+              <a:t>Opties</a:t>
+            </a:r>
+            <a:r>
+              <a:rPr lang="en-GB" dirty="0"/>
+              <a:t> </a:t>
+            </a:r>
+            <a:r>
+              <a:rPr lang="en-GB" dirty="0" err="1"/>
+              <a:t>schalen</a:t>
+            </a:r>
+            <a:r>
+              <a:rPr lang="en-GB" dirty="0"/>
+              <a:t> </a:t>
+            </a:r>
+            <a:r>
+              <a:rPr lang="en-GB" dirty="0" err="1"/>
+              <a:t>naar</a:t>
+            </a:r>
+            <a:r>
+              <a:rPr lang="en-GB" dirty="0"/>
+              <a:t> </a:t>
+            </a:r>
+            <a:r>
+              <a:rPr lang="en-GB" dirty="0" err="1"/>
+              <a:t>trafiek</a:t>
+            </a:r>
+            <a:endParaRPr lang="en-GB" dirty="0"/>
+          </a:p>
+          <a:p>
+            <a:r>
+              <a:rPr lang="en-GB" dirty="0"/>
+              <a:t>ASP.NET Framework</a:t>
+            </a:r>
+          </a:p>
+          <a:p>
+            <a:r>
+              <a:rPr lang="en-GB" dirty="0" err="1"/>
+              <a:t>Automatische</a:t>
+            </a:r>
+            <a:r>
+              <a:rPr lang="en-GB" dirty="0"/>
+              <a:t> </a:t>
+            </a:r>
+            <a:r>
+              <a:rPr lang="en-GB" dirty="0" err="1"/>
+              <a:t>verbinding</a:t>
+            </a:r>
+            <a:endParaRPr lang="en-GB" dirty="0"/>
+          </a:p>
+          <a:p>
+            <a:r>
+              <a:rPr lang="en-GB" dirty="0" err="1"/>
+              <a:t>Terugvallen</a:t>
+            </a:r>
+            <a:r>
+              <a:rPr lang="en-GB" dirty="0"/>
+              <a:t> op </a:t>
+            </a:r>
+            <a:r>
+              <a:rPr lang="en-GB" dirty="0" err="1"/>
+              <a:t>andere</a:t>
+            </a:r>
+            <a:r>
+              <a:rPr lang="en-GB" dirty="0"/>
+              <a:t> </a:t>
+            </a:r>
+            <a:r>
+              <a:rPr lang="en-GB" dirty="0" err="1"/>
+              <a:t>technologieën</a:t>
+            </a:r>
+            <a:endParaRPr lang="en-BE" dirty="0"/>
+          </a:p>
+        </p:txBody>
+      </p:sp>
+      <p:sp>
+        <p:nvSpPr>
           <p:cNvPr id="3" name="Title 2">
             <a:extLst>
               <a:ext uri="{FF2B5EF4-FFF2-40B4-BE49-F238E27FC236}">
-                <a16:creationId xmlns:a16="http://schemas.microsoft.com/office/drawing/2014/main" id="{2F42C553-B592-4464-A4B7-5EC8988D45F6}"/>
+                <a16:creationId xmlns:a16="http://schemas.microsoft.com/office/drawing/2014/main" id="{2C4E9981-32DD-8C2A-A83E-F117FE032223}"/>
               </a:ext>
             </a:extLst>
           </p:cNvPr>
@@ -11719,52 +11736,19 @@
           <a:lstStyle/>
           <a:p>
             <a:r>
-              <a:rPr lang="en-US" dirty="0" err="1"/>
-              <a:t>Alternatieven</a:t>
-            </a:r>
-            <a:r>
-              <a:rPr lang="en-US" dirty="0"/>
-              <a:t> </a:t>
-            </a:r>
-            <a:r>
-              <a:rPr lang="en-US" dirty="0" err="1"/>
-              <a:t>signalr</a:t>
-            </a:r>
-            <a:endParaRPr lang="en-US" dirty="0"/>
-          </a:p>
-        </p:txBody>
-      </p:sp>
-      <p:sp>
-        <p:nvSpPr>
-          <p:cNvPr id="4" name="Footer Placeholder 3">
-            <a:extLst>
-              <a:ext uri="{FF2B5EF4-FFF2-40B4-BE49-F238E27FC236}">
-                <a16:creationId xmlns:a16="http://schemas.microsoft.com/office/drawing/2014/main" id="{9E41C3BC-E4E5-4D29-AD12-A6D8868395CD}"/>
-              </a:ext>
-            </a:extLst>
-          </p:cNvPr>
-          <p:cNvSpPr>
-            <a:spLocks noGrp="1"/>
-          </p:cNvSpPr>
-          <p:nvPr>
-            <p:ph type="ftr" sz="quarter" idx="12"/>
-          </p:nvPr>
-        </p:nvSpPr>
-        <p:spPr/>
-        <p:txBody>
-          <a:bodyPr/>
-          <a:lstStyle/>
-          <a:p>
-            <a:endParaRPr lang="nl-BE"/>
-          </a:p>
-        </p:txBody>
-      </p:sp>
-      <p:sp>
-        <p:nvSpPr>
-          <p:cNvPr id="5" name="Slide Number Placeholder 4">
-            <a:extLst>
-              <a:ext uri="{FF2B5EF4-FFF2-40B4-BE49-F238E27FC236}">
-                <a16:creationId xmlns:a16="http://schemas.microsoft.com/office/drawing/2014/main" id="{4E55B2F2-EDCE-4E6D-A170-16EBD9623D13}"/>
+              <a:rPr lang="en-GB" dirty="0" err="1"/>
+              <a:t>voordelen</a:t>
+            </a:r>
+            <a:endParaRPr lang="en-BE" dirty="0"/>
+          </a:p>
+        </p:txBody>
+      </p:sp>
+      <p:sp>
+        <p:nvSpPr>
+          <p:cNvPr id="4" name="Slide Number Placeholder 3">
+            <a:extLst>
+              <a:ext uri="{FF2B5EF4-FFF2-40B4-BE49-F238E27FC236}">
+                <a16:creationId xmlns:a16="http://schemas.microsoft.com/office/drawing/2014/main" id="{4E972868-6F95-5206-82BB-0EFAA96736A5}"/>
               </a:ext>
             </a:extLst>
           </p:cNvPr>
@@ -11789,10 +11773,35 @@
           </a:p>
         </p:txBody>
       </p:sp>
+      <p:sp>
+        <p:nvSpPr>
+          <p:cNvPr id="5" name="Footer Placeholder 4">
+            <a:extLst>
+              <a:ext uri="{FF2B5EF4-FFF2-40B4-BE49-F238E27FC236}">
+                <a16:creationId xmlns:a16="http://schemas.microsoft.com/office/drawing/2014/main" id="{E752F29C-CEBE-7E85-8A42-003CB6137EED}"/>
+              </a:ext>
+            </a:extLst>
+          </p:cNvPr>
+          <p:cNvSpPr>
+            <a:spLocks noGrp="1"/>
+          </p:cNvSpPr>
+          <p:nvPr>
+            <p:ph type="ftr" sz="quarter" idx="12"/>
+          </p:nvPr>
+        </p:nvSpPr>
+        <p:spPr/>
+        <p:txBody>
+          <a:bodyPr/>
+          <a:lstStyle/>
+          <a:p>
+            <a:endParaRPr lang="nl-BE"/>
+          </a:p>
+        </p:txBody>
+      </p:sp>
     </p:spTree>
     <p:extLst>
       <p:ext uri="{BB962C8B-B14F-4D97-AF65-F5344CB8AC3E}">
-        <p14:creationId xmlns:p14="http://schemas.microsoft.com/office/powerpoint/2010/main" val="4008829922"/>
+        <p14:creationId xmlns:p14="http://schemas.microsoft.com/office/powerpoint/2010/main" val="3125584062"/>
       </p:ext>
     </p:extLst>
   </p:cSld>
@@ -11824,7 +11833,7 @@
           <p:cNvPr id="2" name="Content Placeholder 1">
             <a:extLst>
               <a:ext uri="{FF2B5EF4-FFF2-40B4-BE49-F238E27FC236}">
-                <a16:creationId xmlns:a16="http://schemas.microsoft.com/office/drawing/2014/main" id="{D4003ED1-D6B4-5AD8-E698-DE0D3E622B02}"/>
+                <a16:creationId xmlns:a16="http://schemas.microsoft.com/office/drawing/2014/main" id="{12D5C238-9CE5-D4B3-7D7C-2E2AB0E66EC7}"/>
               </a:ext>
             </a:extLst>
           </p:cNvPr>
@@ -11842,19 +11851,11 @@
           <a:p>
             <a:r>
               <a:rPr lang="en-GB" dirty="0"/>
-              <a:t>WebSocket</a:t>
-            </a:r>
-          </a:p>
-          <a:p>
-            <a:r>
-              <a:rPr lang="en-GB" dirty="0"/>
-              <a:t>Amazon’s AWS</a:t>
-            </a:r>
-          </a:p>
-          <a:p>
+              <a:t>Events </a:t>
+            </a:r>
             <a:r>
               <a:rPr lang="en-GB" dirty="0" err="1"/>
-              <a:t>Ook</a:t>
+              <a:t>zeer</a:t>
             </a:r>
             <a:r>
               <a:rPr lang="en-GB" dirty="0"/>
@@ -11862,14 +11863,158 @@
             </a:r>
             <a:r>
               <a:rPr lang="en-GB" dirty="0" err="1"/>
-              <a:t>authorizatie</a:t>
+              <a:t>snel</a:t>
+            </a:r>
+            <a:r>
+              <a:rPr lang="en-GB" dirty="0"/>
+              <a:t> op </a:t>
+            </a:r>
+            <a:r>
+              <a:rPr lang="en-GB" dirty="0" err="1"/>
+              <a:t>elkaar</a:t>
             </a:r>
             <a:endParaRPr lang="en-GB" dirty="0"/>
           </a:p>
           <a:p>
             <a:r>
               <a:rPr lang="en-GB" dirty="0" err="1"/>
-              <a:t>Uitbreidbaar</a:t>
+              <a:t>Berichten</a:t>
+            </a:r>
+            <a:r>
+              <a:rPr lang="en-GB" dirty="0"/>
+              <a:t> </a:t>
+            </a:r>
+            <a:r>
+              <a:rPr lang="en-GB" dirty="0" err="1"/>
+              <a:t>niet</a:t>
+            </a:r>
+            <a:r>
+              <a:rPr lang="en-GB" dirty="0"/>
+              <a:t> </a:t>
+            </a:r>
+            <a:r>
+              <a:rPr lang="en-GB" dirty="0" err="1"/>
+              <a:t>afgeleverd</a:t>
+            </a:r>
+            <a:r>
+              <a:rPr lang="en-GB" dirty="0"/>
+              <a:t> </a:t>
+            </a:r>
+            <a:r>
+              <a:rPr lang="en-GB" dirty="0" err="1"/>
+              <a:t>worden</a:t>
+            </a:r>
+            <a:endParaRPr lang="en-GB" dirty="0"/>
+          </a:p>
+          <a:p>
+            <a:r>
+              <a:rPr lang="en-GB" dirty="0"/>
+              <a:t>1000 </a:t>
+            </a:r>
+            <a:r>
+              <a:rPr lang="en-GB" dirty="0" err="1"/>
+              <a:t>berichten</a:t>
+            </a:r>
+            <a:r>
+              <a:rPr lang="en-GB" dirty="0"/>
+              <a:t> </a:t>
+            </a:r>
+            <a:r>
+              <a:rPr lang="en-GB" dirty="0" err="1"/>
+              <a:t>bufferen</a:t>
+            </a:r>
+            <a:endParaRPr lang="en-GB" dirty="0"/>
+          </a:p>
+          <a:p>
+            <a:r>
+              <a:rPr lang="en-GB" dirty="0"/>
+              <a:t>C#, Java, Python, </a:t>
+            </a:r>
+            <a:r>
+              <a:rPr lang="en-GB" dirty="0" err="1"/>
+              <a:t>en</a:t>
+            </a:r>
+            <a:r>
+              <a:rPr lang="en-GB" dirty="0"/>
+              <a:t> </a:t>
+            </a:r>
+            <a:r>
+              <a:rPr lang="en-GB" dirty="0" err="1"/>
+              <a:t>Javascript</a:t>
+            </a:r>
+            <a:r>
+              <a:rPr lang="en-GB" dirty="0"/>
+              <a:t> </a:t>
+            </a:r>
+            <a:r>
+              <a:rPr lang="en-GB" dirty="0" err="1"/>
+              <a:t>ondersteund</a:t>
+            </a:r>
+            <a:endParaRPr lang="en-GB" dirty="0"/>
+          </a:p>
+          <a:p>
+            <a:r>
+              <a:rPr lang="en-GB" dirty="0"/>
+              <a:t>Single-region </a:t>
+            </a:r>
+            <a:r>
+              <a:rPr lang="en-GB" dirty="0" err="1"/>
+              <a:t>gebruik</a:t>
+            </a:r>
+            <a:endParaRPr lang="en-GB" dirty="0"/>
+          </a:p>
+          <a:p>
+            <a:r>
+              <a:rPr lang="en-GB" dirty="0" err="1"/>
+              <a:t>Prestatie</a:t>
+            </a:r>
+            <a:r>
+              <a:rPr lang="en-GB" dirty="0"/>
+              <a:t>, </a:t>
+            </a:r>
+            <a:r>
+              <a:rPr lang="en-GB" dirty="0" err="1"/>
+              <a:t>betrouwbaarheid</a:t>
+            </a:r>
+            <a:r>
+              <a:rPr lang="en-GB" dirty="0"/>
+              <a:t>, </a:t>
+            </a:r>
+            <a:r>
+              <a:rPr lang="en-GB" dirty="0" err="1"/>
+              <a:t>beschikbaarheid</a:t>
+            </a:r>
+            <a:r>
+              <a:rPr lang="en-GB" dirty="0"/>
+              <a:t> - €?</a:t>
+            </a:r>
+          </a:p>
+        </p:txBody>
+      </p:sp>
+      <p:sp>
+        <p:nvSpPr>
+          <p:cNvPr id="3" name="Title 2">
+            <a:extLst>
+              <a:ext uri="{FF2B5EF4-FFF2-40B4-BE49-F238E27FC236}">
+                <a16:creationId xmlns:a16="http://schemas.microsoft.com/office/drawing/2014/main" id="{2C4E9981-32DD-8C2A-A83E-F117FE032223}"/>
+              </a:ext>
+            </a:extLst>
+          </p:cNvPr>
+          <p:cNvSpPr>
+            <a:spLocks noGrp="1"/>
+          </p:cNvSpPr>
+          <p:nvPr>
+            <p:ph type="title"/>
+          </p:nvPr>
+        </p:nvSpPr>
+        <p:spPr/>
+        <p:txBody>
+          <a:bodyPr/>
+          <a:lstStyle/>
+          <a:p>
+            <a:r>
+              <a:rPr lang="en-GB" dirty="0" err="1"/>
+              <a:t>nadelen</a:t>
             </a:r>
             <a:endParaRPr lang="en-BE" dirty="0"/>
           </a:p>
@@ -11877,47 +12022,10 @@
       </p:sp>
       <p:sp>
         <p:nvSpPr>
-          <p:cNvPr id="3" name="Title 2">
-            <a:extLst>
-              <a:ext uri="{FF2B5EF4-FFF2-40B4-BE49-F238E27FC236}">
-                <a16:creationId xmlns:a16="http://schemas.microsoft.com/office/drawing/2014/main" id="{17331BA0-EF9C-F12C-F62F-5ACB6D59BC9B}"/>
-              </a:ext>
-            </a:extLst>
-          </p:cNvPr>
-          <p:cNvSpPr>
-            <a:spLocks noGrp="1"/>
-          </p:cNvSpPr>
-          <p:nvPr>
-            <p:ph type="title"/>
-          </p:nvPr>
-        </p:nvSpPr>
-        <p:spPr/>
-        <p:txBody>
-          <a:bodyPr/>
-          <a:lstStyle/>
-          <a:p>
-            <a:r>
-              <a:rPr lang="en-GB" dirty="0"/>
-              <a:t>Ably serverless </a:t>
-            </a:r>
-            <a:r>
-              <a:rPr lang="en-GB" dirty="0" err="1"/>
-              <a:t>websocket</a:t>
-            </a:r>
-            <a:r>
-              <a:rPr lang="en-GB" dirty="0"/>
-              <a:t> platform</a:t>
-            </a:r>
-            <a:endParaRPr lang="en-BE" dirty="0"/>
-          </a:p>
-        </p:txBody>
-      </p:sp>
-      <p:sp>
-        <p:nvSpPr>
           <p:cNvPr id="4" name="Slide Number Placeholder 3">
             <a:extLst>
               <a:ext uri="{FF2B5EF4-FFF2-40B4-BE49-F238E27FC236}">
-                <a16:creationId xmlns:a16="http://schemas.microsoft.com/office/drawing/2014/main" id="{D981FCED-D877-E872-BDAA-C2DA9EBC8081}"/>
+                <a16:creationId xmlns:a16="http://schemas.microsoft.com/office/drawing/2014/main" id="{4E972868-6F95-5206-82BB-0EFAA96736A5}"/>
               </a:ext>
             </a:extLst>
           </p:cNvPr>
@@ -11947,7 +12055,7 @@
           <p:cNvPr id="5" name="Footer Placeholder 4">
             <a:extLst>
               <a:ext uri="{FF2B5EF4-FFF2-40B4-BE49-F238E27FC236}">
-                <a16:creationId xmlns:a16="http://schemas.microsoft.com/office/drawing/2014/main" id="{1CD44A75-5511-0026-B824-63FBB845F963}"/>
+                <a16:creationId xmlns:a16="http://schemas.microsoft.com/office/drawing/2014/main" id="{E752F29C-CEBE-7E85-8A42-003CB6137EED}"/>
               </a:ext>
             </a:extLst>
           </p:cNvPr>
@@ -11970,7 +12078,7 @@
     </p:spTree>
     <p:extLst>
       <p:ext uri="{BB962C8B-B14F-4D97-AF65-F5344CB8AC3E}">
-        <p14:creationId xmlns:p14="http://schemas.microsoft.com/office/powerpoint/2010/main" val="1779556407"/>
+        <p14:creationId xmlns:p14="http://schemas.microsoft.com/office/powerpoint/2010/main" val="2784131695"/>
       </p:ext>
     </p:extLst>
   </p:cSld>
@@ -11999,78 +12107,10 @@
       </p:grpSpPr>
       <p:sp>
         <p:nvSpPr>
-          <p:cNvPr id="2" name="Content Placeholder 1">
-            <a:extLst>
-              <a:ext uri="{FF2B5EF4-FFF2-40B4-BE49-F238E27FC236}">
-                <a16:creationId xmlns:a16="http://schemas.microsoft.com/office/drawing/2014/main" id="{3DB7552B-C04A-AEB8-80B2-BFC13CD16DB5}"/>
-              </a:ext>
-            </a:extLst>
-          </p:cNvPr>
-          <p:cNvSpPr>
-            <a:spLocks noGrp="1"/>
-          </p:cNvSpPr>
-          <p:nvPr>
-            <p:ph idx="1"/>
-          </p:nvPr>
-        </p:nvSpPr>
-        <p:spPr/>
-        <p:txBody>
-          <a:bodyPr/>
-          <a:lstStyle/>
-          <a:p>
-            <a:r>
-              <a:rPr lang="en-GB" dirty="0"/>
-              <a:t>WebSocket</a:t>
-            </a:r>
-          </a:p>
-          <a:p>
-            <a:r>
-              <a:rPr lang="en-GB" dirty="0"/>
-              <a:t>Azure hosting, </a:t>
-            </a:r>
-            <a:r>
-              <a:rPr lang="en-GB" dirty="0" err="1"/>
-              <a:t>schaalbaarheid</a:t>
-            </a:r>
-            <a:r>
-              <a:rPr lang="en-GB" dirty="0"/>
-              <a:t> &amp; load balancing</a:t>
-            </a:r>
-          </a:p>
-          <a:p>
-            <a:r>
-              <a:rPr lang="en-GB" dirty="0" err="1"/>
-              <a:t>Andere</a:t>
-            </a:r>
-            <a:r>
-              <a:rPr lang="en-GB" dirty="0"/>
-              <a:t> Azure </a:t>
-            </a:r>
-            <a:r>
-              <a:rPr lang="en-GB" dirty="0" err="1"/>
-              <a:t>technologieën</a:t>
-            </a:r>
-            <a:endParaRPr lang="en-GB" dirty="0"/>
-          </a:p>
-          <a:p>
-            <a:r>
-              <a:rPr lang="en-GB" dirty="0" err="1"/>
-              <a:t>Kostprijs</a:t>
-            </a:r>
-            <a:r>
-              <a:rPr lang="en-GB" dirty="0"/>
-              <a:t>?</a:t>
-            </a:r>
-            <a:endParaRPr lang="en-BE" dirty="0"/>
-          </a:p>
-        </p:txBody>
-      </p:sp>
-      <p:sp>
-        <p:nvSpPr>
           <p:cNvPr id="3" name="Title 2">
             <a:extLst>
               <a:ext uri="{FF2B5EF4-FFF2-40B4-BE49-F238E27FC236}">
-                <a16:creationId xmlns:a16="http://schemas.microsoft.com/office/drawing/2014/main" id="{722EDC92-5E37-3C0E-1A36-281119378AD9}"/>
+                <a16:creationId xmlns:a16="http://schemas.microsoft.com/office/drawing/2014/main" id="{2F42C553-B592-4464-A4B7-5EC8988D45F6}"/>
               </a:ext>
             </a:extLst>
           </p:cNvPr>
@@ -12087,23 +12127,52 @@
           <a:lstStyle/>
           <a:p>
             <a:r>
-              <a:rPr lang="en-GB" dirty="0"/>
-              <a:t>Azure web </a:t>
-            </a:r>
-            <a:r>
-              <a:rPr lang="en-GB" dirty="0" err="1"/>
-              <a:t>pubsub</a:t>
-            </a:r>
-            <a:endParaRPr lang="en-BE" dirty="0"/>
-          </a:p>
-        </p:txBody>
-      </p:sp>
-      <p:sp>
-        <p:nvSpPr>
-          <p:cNvPr id="4" name="Slide Number Placeholder 3">
-            <a:extLst>
-              <a:ext uri="{FF2B5EF4-FFF2-40B4-BE49-F238E27FC236}">
-                <a16:creationId xmlns:a16="http://schemas.microsoft.com/office/drawing/2014/main" id="{752DACC0-C34E-61B3-5F1E-2D73A79B7370}"/>
+              <a:rPr lang="en-US" dirty="0" err="1"/>
+              <a:t>Alternatieven</a:t>
+            </a:r>
+            <a:r>
+              <a:rPr lang="en-US" dirty="0"/>
+              <a:t> </a:t>
+            </a:r>
+            <a:r>
+              <a:rPr lang="en-US" dirty="0" err="1"/>
+              <a:t>signalr</a:t>
+            </a:r>
+            <a:endParaRPr lang="en-US" dirty="0"/>
+          </a:p>
+        </p:txBody>
+      </p:sp>
+      <p:sp>
+        <p:nvSpPr>
+          <p:cNvPr id="4" name="Footer Placeholder 3">
+            <a:extLst>
+              <a:ext uri="{FF2B5EF4-FFF2-40B4-BE49-F238E27FC236}">
+                <a16:creationId xmlns:a16="http://schemas.microsoft.com/office/drawing/2014/main" id="{9E41C3BC-E4E5-4D29-AD12-A6D8868395CD}"/>
+              </a:ext>
+            </a:extLst>
+          </p:cNvPr>
+          <p:cNvSpPr>
+            <a:spLocks noGrp="1"/>
+          </p:cNvSpPr>
+          <p:nvPr>
+            <p:ph type="ftr" sz="quarter" idx="12"/>
+          </p:nvPr>
+        </p:nvSpPr>
+        <p:spPr/>
+        <p:txBody>
+          <a:bodyPr/>
+          <a:lstStyle/>
+          <a:p>
+            <a:endParaRPr lang="nl-BE"/>
+          </a:p>
+        </p:txBody>
+      </p:sp>
+      <p:sp>
+        <p:nvSpPr>
+          <p:cNvPr id="5" name="Slide Number Placeholder 4">
+            <a:extLst>
+              <a:ext uri="{FF2B5EF4-FFF2-40B4-BE49-F238E27FC236}">
+                <a16:creationId xmlns:a16="http://schemas.microsoft.com/office/drawing/2014/main" id="{4E55B2F2-EDCE-4E6D-A170-16EBD9623D13}"/>
               </a:ext>
             </a:extLst>
           </p:cNvPr>
@@ -12128,35 +12197,10 @@
           </a:p>
         </p:txBody>
       </p:sp>
-      <p:sp>
-        <p:nvSpPr>
-          <p:cNvPr id="5" name="Footer Placeholder 4">
-            <a:extLst>
-              <a:ext uri="{FF2B5EF4-FFF2-40B4-BE49-F238E27FC236}">
-                <a16:creationId xmlns:a16="http://schemas.microsoft.com/office/drawing/2014/main" id="{1EFBB50C-8211-7905-80A8-ECE37C9DB1D8}"/>
-              </a:ext>
-            </a:extLst>
-          </p:cNvPr>
-          <p:cNvSpPr>
-            <a:spLocks noGrp="1"/>
-          </p:cNvSpPr>
-          <p:nvPr>
-            <p:ph type="ftr" sz="quarter" idx="12"/>
-          </p:nvPr>
-        </p:nvSpPr>
-        <p:spPr/>
-        <p:txBody>
-          <a:bodyPr/>
-          <a:lstStyle/>
-          <a:p>
-            <a:endParaRPr lang="nl-BE"/>
-          </a:p>
-        </p:txBody>
-      </p:sp>
     </p:spTree>
     <p:extLst>
       <p:ext uri="{BB962C8B-B14F-4D97-AF65-F5344CB8AC3E}">
-        <p14:creationId xmlns:p14="http://schemas.microsoft.com/office/powerpoint/2010/main" val="677927851"/>
+        <p14:creationId xmlns:p14="http://schemas.microsoft.com/office/powerpoint/2010/main" val="4008829922"/>
       </p:ext>
     </p:extLst>
   </p:cSld>
@@ -12188,7 +12232,7 @@
           <p:cNvPr id="2" name="Content Placeholder 1">
             <a:extLst>
               <a:ext uri="{FF2B5EF4-FFF2-40B4-BE49-F238E27FC236}">
-                <a16:creationId xmlns:a16="http://schemas.microsoft.com/office/drawing/2014/main" id="{65D91E06-8DFC-EE2F-B437-AB65B578695E}"/>
+                <a16:creationId xmlns:a16="http://schemas.microsoft.com/office/drawing/2014/main" id="{D4003ED1-D6B4-5AD8-E698-DE0D3E622B02}"/>
               </a:ext>
             </a:extLst>
           </p:cNvPr>
@@ -12205,42 +12249,101 @@
           <a:lstStyle/>
           <a:p>
             <a:r>
+              <a:rPr lang="en-GB" dirty="0"/>
+              <a:t>WebSocket</a:t>
+            </a:r>
+          </a:p>
+          <a:p>
+            <a:r>
+              <a:rPr lang="en-GB" dirty="0"/>
+              <a:t>Amazon’s Web Services</a:t>
+            </a:r>
+          </a:p>
+          <a:p>
+            <a:r>
+              <a:rPr lang="en-GB" dirty="0"/>
+              <a:t>Storage, databases, hosting,…</a:t>
+            </a:r>
+          </a:p>
+          <a:p>
+            <a:r>
               <a:rPr lang="en-GB" dirty="0" err="1"/>
-              <a:t>Mobiel</a:t>
+              <a:t>Gemakkelijk</a:t>
             </a:r>
             <a:r>
               <a:rPr lang="en-GB" dirty="0"/>
-              <a:t> &amp; web</a:t>
-            </a:r>
-          </a:p>
-          <a:p>
+              <a:t> op </a:t>
+            </a:r>
             <a:r>
               <a:rPr lang="en-GB" dirty="0" err="1"/>
-              <a:t>Javascript</a:t>
+              <a:t>te</a:t>
             </a:r>
             <a:r>
               <a:rPr lang="en-GB" dirty="0"/>
-              <a:t>, PHP, .NET, Python </a:t>
+              <a:t> </a:t>
             </a:r>
             <a:r>
               <a:rPr lang="en-GB" dirty="0" err="1"/>
-              <a:t>en</a:t>
+              <a:t>zetten</a:t>
+            </a:r>
+            <a:endParaRPr lang="en-GB" dirty="0"/>
+          </a:p>
+          <a:p>
+            <a:r>
+              <a:rPr lang="en-GB" dirty="0" err="1"/>
+              <a:t>Ook</a:t>
             </a:r>
             <a:r>
               <a:rPr lang="en-GB" dirty="0"/>
-              <a:t> Java</a:t>
-            </a:r>
-          </a:p>
+              <a:t> </a:t>
+            </a:r>
+            <a:r>
+              <a:rPr lang="en-GB" dirty="0" err="1"/>
+              <a:t>authorizatie</a:t>
+            </a:r>
+            <a:endParaRPr lang="en-GB" dirty="0"/>
+          </a:p>
+          <a:p>
+            <a:r>
+              <a:rPr lang="en-GB" dirty="0" err="1"/>
+              <a:t>Uitbreidbaar</a:t>
+            </a:r>
+            <a:endParaRPr lang="en-BE" dirty="0"/>
+          </a:p>
+        </p:txBody>
+      </p:sp>
+      <p:sp>
+        <p:nvSpPr>
+          <p:cNvPr id="3" name="Title 2">
+            <a:extLst>
+              <a:ext uri="{FF2B5EF4-FFF2-40B4-BE49-F238E27FC236}">
+                <a16:creationId xmlns:a16="http://schemas.microsoft.com/office/drawing/2014/main" id="{17331BA0-EF9C-F12C-F62F-5ACB6D59BC9B}"/>
+              </a:ext>
+            </a:extLst>
+          </p:cNvPr>
+          <p:cNvSpPr>
+            <a:spLocks noGrp="1"/>
+          </p:cNvSpPr>
+          <p:nvPr>
+            <p:ph type="title"/>
+          </p:nvPr>
+        </p:nvSpPr>
+        <p:spPr/>
+        <p:txBody>
+          <a:bodyPr/>
+          <a:lstStyle/>
           <a:p>
             <a:r>
               <a:rPr lang="en-GB" dirty="0"/>
-              <a:t>Events</a:t>
-            </a:r>
-          </a:p>
-          <a:p>
+              <a:t>Ably serverless </a:t>
+            </a:r>
+            <a:r>
+              <a:rPr lang="en-GB" dirty="0" err="1"/>
+              <a:t>websocket</a:t>
+            </a:r>
             <a:r>
               <a:rPr lang="en-GB" dirty="0"/>
-              <a:t>New-price</a:t>
+              <a:t> platform</a:t>
             </a:r>
             <a:endParaRPr lang="en-BE" dirty="0"/>
           </a:p>
@@ -12248,39 +12351,10 @@
       </p:sp>
       <p:sp>
         <p:nvSpPr>
-          <p:cNvPr id="3" name="Title 2">
-            <a:extLst>
-              <a:ext uri="{FF2B5EF4-FFF2-40B4-BE49-F238E27FC236}">
-                <a16:creationId xmlns:a16="http://schemas.microsoft.com/office/drawing/2014/main" id="{23B51A81-8112-331E-D676-72618A709F5F}"/>
-              </a:ext>
-            </a:extLst>
-          </p:cNvPr>
-          <p:cNvSpPr>
-            <a:spLocks noGrp="1"/>
-          </p:cNvSpPr>
-          <p:nvPr>
-            <p:ph type="title"/>
-          </p:nvPr>
-        </p:nvSpPr>
-        <p:spPr/>
-        <p:txBody>
-          <a:bodyPr/>
-          <a:lstStyle/>
-          <a:p>
-            <a:r>
-              <a:rPr lang="en-GB" dirty="0"/>
-              <a:t>Pusher</a:t>
-            </a:r>
-            <a:endParaRPr lang="en-BE" dirty="0"/>
-          </a:p>
-        </p:txBody>
-      </p:sp>
-      <p:sp>
-        <p:nvSpPr>
           <p:cNvPr id="4" name="Slide Number Placeholder 3">
             <a:extLst>
               <a:ext uri="{FF2B5EF4-FFF2-40B4-BE49-F238E27FC236}">
-                <a16:creationId xmlns:a16="http://schemas.microsoft.com/office/drawing/2014/main" id="{1B15138B-FAC0-03AA-B690-9C20F944CA06}"/>
+                <a16:creationId xmlns:a16="http://schemas.microsoft.com/office/drawing/2014/main" id="{D981FCED-D877-E872-BDAA-C2DA9EBC8081}"/>
               </a:ext>
             </a:extLst>
           </p:cNvPr>
@@ -12310,7 +12384,7 @@
           <p:cNvPr id="5" name="Footer Placeholder 4">
             <a:extLst>
               <a:ext uri="{FF2B5EF4-FFF2-40B4-BE49-F238E27FC236}">
-                <a16:creationId xmlns:a16="http://schemas.microsoft.com/office/drawing/2014/main" id="{B8A37243-95B1-B476-B8DA-9DC40AB7EC64}"/>
+                <a16:creationId xmlns:a16="http://schemas.microsoft.com/office/drawing/2014/main" id="{1CD44A75-5511-0026-B824-63FBB845F963}"/>
               </a:ext>
             </a:extLst>
           </p:cNvPr>
@@ -12330,10 +12404,46 @@
           </a:p>
         </p:txBody>
       </p:sp>
+      <p:pic>
+        <p:nvPicPr>
+          <p:cNvPr id="7" name="Picture 6" descr="Shape, logo, arrow&#10;&#10;Description automatically generated">
+            <a:extLst>
+              <a:ext uri="{FF2B5EF4-FFF2-40B4-BE49-F238E27FC236}">
+                <a16:creationId xmlns:a16="http://schemas.microsoft.com/office/drawing/2014/main" id="{67C6C966-4F7D-F00C-D45D-3DEEABDB9FA5}"/>
+              </a:ext>
+            </a:extLst>
+          </p:cNvPr>
+          <p:cNvPicPr>
+            <a:picLocks noChangeAspect="1"/>
+          </p:cNvPicPr>
+          <p:nvPr/>
+        </p:nvPicPr>
+        <p:blipFill>
+          <a:blip r:embed="rId2" cstate="print">
+            <a:extLst>
+              <a:ext uri="{28A0092B-C50C-407E-A947-70E740481C1C}">
+                <a14:useLocalDpi xmlns:a14="http://schemas.microsoft.com/office/drawing/2010/main" val="0"/>
+              </a:ext>
+            </a:extLst>
+          </a:blip>
+          <a:stretch>
+            <a:fillRect/>
+          </a:stretch>
+        </p:blipFill>
+        <p:spPr>
+          <a:xfrm>
+            <a:off x="7894552" y="1278000"/>
+            <a:ext cx="3848930" cy="2365488"/>
+          </a:xfrm>
+          <a:prstGeom prst="rect">
+            <a:avLst/>
+          </a:prstGeom>
+        </p:spPr>
+      </p:pic>
     </p:spTree>
     <p:extLst>
       <p:ext uri="{BB962C8B-B14F-4D97-AF65-F5344CB8AC3E}">
-        <p14:creationId xmlns:p14="http://schemas.microsoft.com/office/powerpoint/2010/main" val="3153451546"/>
+        <p14:creationId xmlns:p14="http://schemas.microsoft.com/office/powerpoint/2010/main" val="1779556407"/>
       </p:ext>
     </p:extLst>
   </p:cSld>
@@ -12365,7 +12475,7 @@
           <p:cNvPr id="2" name="Content Placeholder 1">
             <a:extLst>
               <a:ext uri="{FF2B5EF4-FFF2-40B4-BE49-F238E27FC236}">
-                <a16:creationId xmlns:a16="http://schemas.microsoft.com/office/drawing/2014/main" id="{ACBC8A0F-21B4-FD91-3B48-4DAB103CB0B1}"/>
+                <a16:creationId xmlns:a16="http://schemas.microsoft.com/office/drawing/2014/main" id="{3DB7552B-C04A-AEB8-80B2-BFC13CD16DB5}"/>
               </a:ext>
             </a:extLst>
           </p:cNvPr>
@@ -12388,59 +12498,64 @@
           </a:p>
           <a:p>
             <a:r>
+              <a:rPr lang="en-GB" dirty="0" err="1"/>
+              <a:t>Gebouwd</a:t>
+            </a:r>
+            <a:r>
               <a:rPr lang="en-GB" dirty="0"/>
-              <a:t>Server </a:t>
-            </a:r>
-            <a:r>
-              <a:rPr lang="en-GB" dirty="0">
-                <a:sym typeface="Wingdings" panose="05000000000000000000" pitchFamily="2" charset="2"/>
-              </a:rPr>
-              <a:t> NODE.JS</a:t>
-            </a:r>
-          </a:p>
-          <a:p>
-            <a:r>
-              <a:rPr lang="en-GB" dirty="0" err="1">
-                <a:sym typeface="Wingdings" panose="05000000000000000000" pitchFamily="2" charset="2"/>
-              </a:rPr>
-              <a:t>Gebruiker</a:t>
-            </a:r>
-            <a:r>
-              <a:rPr lang="en-GB" dirty="0">
-                <a:sym typeface="Wingdings" panose="05000000000000000000" pitchFamily="2" charset="2"/>
-              </a:rPr>
               <a:t> </a:t>
             </a:r>
             <a:r>
-              <a:rPr lang="en-GB" dirty="0" err="1">
-                <a:sym typeface="Wingdings" panose="05000000000000000000" pitchFamily="2" charset="2"/>
-              </a:rPr>
-              <a:t>bibliotheek</a:t>
-            </a:r>
-            <a:endParaRPr lang="en-GB" dirty="0">
-              <a:sym typeface="Wingdings" panose="05000000000000000000" pitchFamily="2" charset="2"/>
-            </a:endParaRPr>
-          </a:p>
-          <a:p>
-            <a:r>
-              <a:rPr lang="en-GB" dirty="0">
-                <a:sym typeface="Wingdings" panose="05000000000000000000" pitchFamily="2" charset="2"/>
-              </a:rPr>
-              <a:t>Package manager</a:t>
-            </a:r>
-          </a:p>
-          <a:p>
-            <a:r>
-              <a:rPr lang="en-GB" dirty="0">
-                <a:sym typeface="Wingdings" panose="05000000000000000000" pitchFamily="2" charset="2"/>
-              </a:rPr>
-              <a:t>Fallback </a:t>
-            </a:r>
-            <a:r>
-              <a:rPr lang="en-GB" dirty="0" err="1">
-                <a:sym typeface="Wingdings" panose="05000000000000000000" pitchFamily="2" charset="2"/>
-              </a:rPr>
-              <a:t>systeem</a:t>
+              <a:rPr lang="en-GB" dirty="0" err="1"/>
+              <a:t>grote</a:t>
+            </a:r>
+            <a:r>
+              <a:rPr lang="en-GB" dirty="0"/>
+              <a:t> </a:t>
+            </a:r>
+            <a:r>
+              <a:rPr lang="en-GB" dirty="0" err="1"/>
+              <a:t>schaal</a:t>
+            </a:r>
+            <a:endParaRPr lang="en-GB" dirty="0"/>
+          </a:p>
+          <a:p>
+            <a:r>
+              <a:rPr lang="en-GB" dirty="0"/>
+              <a:t>Azure hosting, </a:t>
+            </a:r>
+            <a:r>
+              <a:rPr lang="en-GB" dirty="0" err="1"/>
+              <a:t>schaalbaarheid</a:t>
+            </a:r>
+            <a:r>
+              <a:rPr lang="en-GB" dirty="0"/>
+              <a:t> &amp; load balancing</a:t>
+            </a:r>
+          </a:p>
+          <a:p>
+            <a:r>
+              <a:rPr lang="en-GB" dirty="0" err="1"/>
+              <a:t>Andere</a:t>
+            </a:r>
+            <a:r>
+              <a:rPr lang="en-GB" dirty="0"/>
+              <a:t> Azure </a:t>
+            </a:r>
+            <a:r>
+              <a:rPr lang="en-GB" dirty="0" err="1"/>
+              <a:t>technologieën</a:t>
+            </a:r>
+            <a:endParaRPr lang="en-GB" dirty="0"/>
+          </a:p>
+          <a:p>
+            <a:r>
+              <a:rPr lang="en-GB" dirty="0" err="1"/>
+              <a:t>Kostprijs</a:t>
+            </a:r>
+            <a:r>
+              <a:rPr lang="en-GB" dirty="0"/>
+              <a:t>?</a:t>
             </a:r>
             <a:endParaRPr lang="en-BE" dirty="0"/>
           </a:p>
@@ -12451,7 +12566,7 @@
           <p:cNvPr id="3" name="Title 2">
             <a:extLst>
               <a:ext uri="{FF2B5EF4-FFF2-40B4-BE49-F238E27FC236}">
-                <a16:creationId xmlns:a16="http://schemas.microsoft.com/office/drawing/2014/main" id="{E4A6A291-7C1F-401B-7C4F-B179A2E228E1}"/>
+                <a16:creationId xmlns:a16="http://schemas.microsoft.com/office/drawing/2014/main" id="{722EDC92-5E37-3C0E-1A36-281119378AD9}"/>
               </a:ext>
             </a:extLst>
           </p:cNvPr>
@@ -12469,7 +12584,11 @@
           <a:p>
             <a:r>
               <a:rPr lang="en-GB" dirty="0"/>
-              <a:t>socket.io</a:t>
+              <a:t>Azure web </a:t>
+            </a:r>
+            <a:r>
+              <a:rPr lang="en-GB" dirty="0" err="1"/>
+              <a:t>pubsub</a:t>
             </a:r>
             <a:endParaRPr lang="en-BE" dirty="0"/>
           </a:p>
@@ -12480,7 +12599,7 @@
           <p:cNvPr id="4" name="Slide Number Placeholder 3">
             <a:extLst>
               <a:ext uri="{FF2B5EF4-FFF2-40B4-BE49-F238E27FC236}">
-                <a16:creationId xmlns:a16="http://schemas.microsoft.com/office/drawing/2014/main" id="{AA408B1D-28F2-13B2-0501-41366AF717EC}"/>
+                <a16:creationId xmlns:a16="http://schemas.microsoft.com/office/drawing/2014/main" id="{752DACC0-C34E-61B3-5F1E-2D73A79B7370}"/>
               </a:ext>
             </a:extLst>
           </p:cNvPr>
@@ -12510,7 +12629,7 @@
           <p:cNvPr id="5" name="Footer Placeholder 4">
             <a:extLst>
               <a:ext uri="{FF2B5EF4-FFF2-40B4-BE49-F238E27FC236}">
-                <a16:creationId xmlns:a16="http://schemas.microsoft.com/office/drawing/2014/main" id="{A24A5B7C-5A36-B2A0-C92C-8F7A079C85E0}"/>
+                <a16:creationId xmlns:a16="http://schemas.microsoft.com/office/drawing/2014/main" id="{1EFBB50C-8211-7905-80A8-ECE37C9DB1D8}"/>
               </a:ext>
             </a:extLst>
           </p:cNvPr>
@@ -12530,10 +12649,46 @@
           </a:p>
         </p:txBody>
       </p:sp>
+      <p:pic>
+        <p:nvPicPr>
+          <p:cNvPr id="7" name="Picture 6" descr="Icon&#10;&#10;Description automatically generated">
+            <a:extLst>
+              <a:ext uri="{FF2B5EF4-FFF2-40B4-BE49-F238E27FC236}">
+                <a16:creationId xmlns:a16="http://schemas.microsoft.com/office/drawing/2014/main" id="{2F9535AC-3EC8-8F10-6CF1-89E69874DDC8}"/>
+              </a:ext>
+            </a:extLst>
+          </p:cNvPr>
+          <p:cNvPicPr>
+            <a:picLocks noChangeAspect="1"/>
+          </p:cNvPicPr>
+          <p:nvPr/>
+        </p:nvPicPr>
+        <p:blipFill>
+          <a:blip r:embed="rId2">
+            <a:extLst>
+              <a:ext uri="{28A0092B-C50C-407E-A947-70E740481C1C}">
+                <a14:useLocalDpi xmlns:a14="http://schemas.microsoft.com/office/drawing/2010/main" val="0"/>
+              </a:ext>
+            </a:extLst>
+          </a:blip>
+          <a:stretch>
+            <a:fillRect/>
+          </a:stretch>
+        </p:blipFill>
+        <p:spPr>
+          <a:xfrm>
+            <a:off x="8382000" y="192849"/>
+            <a:ext cx="4133908" cy="2170301"/>
+          </a:xfrm>
+          <a:prstGeom prst="rect">
+            <a:avLst/>
+          </a:prstGeom>
+        </p:spPr>
+      </p:pic>
     </p:spTree>
     <p:extLst>
       <p:ext uri="{BB962C8B-B14F-4D97-AF65-F5344CB8AC3E}">
-        <p14:creationId xmlns:p14="http://schemas.microsoft.com/office/powerpoint/2010/main" val="1226964287"/>
+        <p14:creationId xmlns:p14="http://schemas.microsoft.com/office/powerpoint/2010/main" val="677927851"/>
       </p:ext>
     </p:extLst>
   </p:cSld>
@@ -12562,10 +12717,73 @@
       </p:grpSpPr>
       <p:sp>
         <p:nvSpPr>
+          <p:cNvPr id="2" name="Content Placeholder 1">
+            <a:extLst>
+              <a:ext uri="{FF2B5EF4-FFF2-40B4-BE49-F238E27FC236}">
+                <a16:creationId xmlns:a16="http://schemas.microsoft.com/office/drawing/2014/main" id="{65D91E06-8DFC-EE2F-B437-AB65B578695E}"/>
+              </a:ext>
+            </a:extLst>
+          </p:cNvPr>
+          <p:cNvSpPr>
+            <a:spLocks noGrp="1"/>
+          </p:cNvSpPr>
+          <p:nvPr>
+            <p:ph idx="1"/>
+          </p:nvPr>
+        </p:nvSpPr>
+        <p:spPr/>
+        <p:txBody>
+          <a:bodyPr/>
+          <a:lstStyle/>
+          <a:p>
+            <a:r>
+              <a:rPr lang="en-GB" dirty="0" err="1"/>
+              <a:t>Mobiel</a:t>
+            </a:r>
+            <a:r>
+              <a:rPr lang="en-GB" dirty="0"/>
+              <a:t> &amp; web</a:t>
+            </a:r>
+          </a:p>
+          <a:p>
+            <a:r>
+              <a:rPr lang="en-GB" dirty="0" err="1"/>
+              <a:t>Javascript</a:t>
+            </a:r>
+            <a:r>
+              <a:rPr lang="en-GB" dirty="0"/>
+              <a:t>, PHP, .NET, Python </a:t>
+            </a:r>
+            <a:r>
+              <a:rPr lang="en-GB" dirty="0" err="1"/>
+              <a:t>en</a:t>
+            </a:r>
+            <a:r>
+              <a:rPr lang="en-GB" dirty="0"/>
+              <a:t> Java</a:t>
+            </a:r>
+          </a:p>
+          <a:p>
+            <a:r>
+              <a:rPr lang="en-GB" dirty="0"/>
+              <a:t>Events</a:t>
+            </a:r>
+          </a:p>
+          <a:p>
+            <a:r>
+              <a:rPr lang="en-GB" dirty="0"/>
+              <a:t>New-price</a:t>
+            </a:r>
+            <a:endParaRPr lang="en-BE" dirty="0"/>
+          </a:p>
+        </p:txBody>
+      </p:sp>
+      <p:sp>
+        <p:nvSpPr>
           <p:cNvPr id="3" name="Title 2">
             <a:extLst>
               <a:ext uri="{FF2B5EF4-FFF2-40B4-BE49-F238E27FC236}">
-                <a16:creationId xmlns:a16="http://schemas.microsoft.com/office/drawing/2014/main" id="{2F42C553-B592-4464-A4B7-5EC8988D45F6}"/>
+                <a16:creationId xmlns:a16="http://schemas.microsoft.com/office/drawing/2014/main" id="{23B51A81-8112-331E-D676-72618A709F5F}"/>
               </a:ext>
             </a:extLst>
           </p:cNvPr>
@@ -12582,44 +12800,19 @@
           <a:lstStyle/>
           <a:p>
             <a:r>
-              <a:rPr lang="en-US" dirty="0" err="1"/>
-              <a:t>toekomst</a:t>
-            </a:r>
-            <a:endParaRPr lang="en-US" dirty="0"/>
-          </a:p>
-        </p:txBody>
-      </p:sp>
-      <p:sp>
-        <p:nvSpPr>
-          <p:cNvPr id="4" name="Footer Placeholder 3">
-            <a:extLst>
-              <a:ext uri="{FF2B5EF4-FFF2-40B4-BE49-F238E27FC236}">
-                <a16:creationId xmlns:a16="http://schemas.microsoft.com/office/drawing/2014/main" id="{9E41C3BC-E4E5-4D29-AD12-A6D8868395CD}"/>
-              </a:ext>
-            </a:extLst>
-          </p:cNvPr>
-          <p:cNvSpPr>
-            <a:spLocks noGrp="1"/>
-          </p:cNvSpPr>
-          <p:nvPr>
-            <p:ph type="ftr" sz="quarter" idx="12"/>
-          </p:nvPr>
-        </p:nvSpPr>
-        <p:spPr/>
-        <p:txBody>
-          <a:bodyPr/>
-          <a:lstStyle/>
-          <a:p>
-            <a:endParaRPr lang="nl-BE"/>
-          </a:p>
-        </p:txBody>
-      </p:sp>
-      <p:sp>
-        <p:nvSpPr>
-          <p:cNvPr id="5" name="Slide Number Placeholder 4">
-            <a:extLst>
-              <a:ext uri="{FF2B5EF4-FFF2-40B4-BE49-F238E27FC236}">
-                <a16:creationId xmlns:a16="http://schemas.microsoft.com/office/drawing/2014/main" id="{4E55B2F2-EDCE-4E6D-A170-16EBD9623D13}"/>
+              <a:rPr lang="en-GB" dirty="0"/>
+              <a:t>Pusher</a:t>
+            </a:r>
+            <a:endParaRPr lang="en-BE" dirty="0"/>
+          </a:p>
+        </p:txBody>
+      </p:sp>
+      <p:sp>
+        <p:nvSpPr>
+          <p:cNvPr id="4" name="Slide Number Placeholder 3">
+            <a:extLst>
+              <a:ext uri="{FF2B5EF4-FFF2-40B4-BE49-F238E27FC236}">
+                <a16:creationId xmlns:a16="http://schemas.microsoft.com/office/drawing/2014/main" id="{1B15138B-FAC0-03AA-B690-9C20F944CA06}"/>
               </a:ext>
             </a:extLst>
           </p:cNvPr>
@@ -12644,10 +12837,74 @@
           </a:p>
         </p:txBody>
       </p:sp>
+      <p:sp>
+        <p:nvSpPr>
+          <p:cNvPr id="5" name="Footer Placeholder 4">
+            <a:extLst>
+              <a:ext uri="{FF2B5EF4-FFF2-40B4-BE49-F238E27FC236}">
+                <a16:creationId xmlns:a16="http://schemas.microsoft.com/office/drawing/2014/main" id="{B8A37243-95B1-B476-B8DA-9DC40AB7EC64}"/>
+              </a:ext>
+            </a:extLst>
+          </p:cNvPr>
+          <p:cNvSpPr>
+            <a:spLocks noGrp="1"/>
+          </p:cNvSpPr>
+          <p:nvPr>
+            <p:ph type="ftr" sz="quarter" idx="12"/>
+          </p:nvPr>
+        </p:nvSpPr>
+        <p:spPr/>
+        <p:txBody>
+          <a:bodyPr/>
+          <a:lstStyle/>
+          <a:p>
+            <a:endParaRPr lang="nl-BE"/>
+          </a:p>
+        </p:txBody>
+      </p:sp>
+      <p:pic>
+        <p:nvPicPr>
+          <p:cNvPr id="7" name="Graphic 6">
+            <a:extLst>
+              <a:ext uri="{FF2B5EF4-FFF2-40B4-BE49-F238E27FC236}">
+                <a16:creationId xmlns:a16="http://schemas.microsoft.com/office/drawing/2014/main" id="{8F8F4682-96CB-215C-560A-0E07AE3996B0}"/>
+              </a:ext>
+            </a:extLst>
+          </p:cNvPr>
+          <p:cNvPicPr>
+            <a:picLocks noChangeAspect="1"/>
+          </p:cNvPicPr>
+          <p:nvPr/>
+        </p:nvPicPr>
+        <p:blipFill>
+          <a:blip r:embed="rId2">
+            <a:extLst>
+              <a:ext uri="{28A0092B-C50C-407E-A947-70E740481C1C}">
+                <a14:useLocalDpi xmlns:a14="http://schemas.microsoft.com/office/drawing/2010/main" val="0"/>
+              </a:ext>
+              <a:ext uri="{96DAC541-7B7A-43D3-8B79-37D633B846F1}">
+                <asvg:svgBlip xmlns:asvg="http://schemas.microsoft.com/office/drawing/2016/SVG/main" r:embed="rId3"/>
+              </a:ext>
+            </a:extLst>
+          </a:blip>
+          <a:stretch>
+            <a:fillRect/>
+          </a:stretch>
+        </p:blipFill>
+        <p:spPr>
+          <a:xfrm>
+            <a:off x="8748713" y="290513"/>
+            <a:ext cx="2952750" cy="1276350"/>
+          </a:xfrm>
+          <a:prstGeom prst="rect">
+            <a:avLst/>
+          </a:prstGeom>
+        </p:spPr>
+      </p:pic>
     </p:spTree>
     <p:extLst>
       <p:ext uri="{BB962C8B-B14F-4D97-AF65-F5344CB8AC3E}">
-        <p14:creationId xmlns:p14="http://schemas.microsoft.com/office/powerpoint/2010/main" val="3702091638"/>
+        <p14:creationId xmlns:p14="http://schemas.microsoft.com/office/powerpoint/2010/main" val="3153451546"/>
       </p:ext>
     </p:extLst>
   </p:cSld>
@@ -12679,7 +12936,7 @@
           <p:cNvPr id="2" name="Content Placeholder 1">
             <a:extLst>
               <a:ext uri="{FF2B5EF4-FFF2-40B4-BE49-F238E27FC236}">
-                <a16:creationId xmlns:a16="http://schemas.microsoft.com/office/drawing/2014/main" id="{49C96621-DDA2-43EB-9F25-F650BD381CFB}"/>
+                <a16:creationId xmlns:a16="http://schemas.microsoft.com/office/drawing/2014/main" id="{ACBC8A0F-21B4-FD91-3B48-4DAB103CB0B1}"/>
               </a:ext>
             </a:extLst>
           </p:cNvPr>
@@ -12696,95 +12953,67 @@
           <a:lstStyle/>
           <a:p>
             <a:r>
-              <a:rPr lang="en-US" dirty="0"/>
-              <a:t>.NET 5 in 2020</a:t>
-            </a:r>
-          </a:p>
-          <a:p>
-            <a:r>
-              <a:rPr lang="en-US" dirty="0"/>
-              <a:t>.NET 6 in 2021</a:t>
-            </a:r>
-          </a:p>
-          <a:p>
-            <a:r>
-              <a:rPr lang="en-US" dirty="0"/>
-              <a:t>.NET 7 in 2022</a:t>
-            </a:r>
-          </a:p>
-          <a:p>
-            <a:r>
-              <a:rPr lang="en-US" dirty="0"/>
-              <a:t>November .NET 8</a:t>
-            </a:r>
-          </a:p>
-          <a:p>
-            <a:r>
-              <a:rPr lang="en-US" dirty="0"/>
-              <a:t>Meer </a:t>
-            </a:r>
-            <a:r>
-              <a:rPr lang="en-US" dirty="0" err="1"/>
-              <a:t>weerbaar</a:t>
-            </a:r>
-            <a:r>
-              <a:rPr lang="en-US" dirty="0"/>
-              <a:t> &amp; </a:t>
-            </a:r>
-            <a:r>
-              <a:rPr lang="en-US" dirty="0" err="1"/>
-              <a:t>krachtig</a:t>
-            </a:r>
-            <a:endParaRPr lang="en-US" dirty="0"/>
-          </a:p>
-          <a:p>
-            <a:r>
-              <a:rPr lang="en-US" dirty="0" err="1"/>
-              <a:t>Kleine</a:t>
-            </a:r>
-            <a:r>
-              <a:rPr lang="en-US" dirty="0"/>
-              <a:t> updates </a:t>
-            </a:r>
-            <a:r>
-              <a:rPr lang="en-US" dirty="0">
+              <a:rPr lang="en-GB" dirty="0"/>
+              <a:t>WebSocket</a:t>
+            </a:r>
+          </a:p>
+          <a:p>
+            <a:r>
+              <a:rPr lang="en-GB" dirty="0"/>
+              <a:t>Server </a:t>
+            </a:r>
+            <a:r>
+              <a:rPr lang="en-GB" dirty="0">
                 <a:sym typeface="Wingdings" panose="05000000000000000000" pitchFamily="2" charset="2"/>
               </a:rPr>
-              <a:t> </a:t>
-            </a:r>
-            <a:r>
-              <a:rPr lang="en-US" dirty="0" err="1">
+              <a:t> NODE.JS</a:t>
+            </a:r>
+          </a:p>
+          <a:p>
+            <a:r>
+              <a:rPr lang="en-GB" dirty="0" err="1">
                 <a:sym typeface="Wingdings" panose="05000000000000000000" pitchFamily="2" charset="2"/>
               </a:rPr>
-              <a:t>oudere</a:t>
-            </a:r>
-            <a:r>
-              <a:rPr lang="en-US" dirty="0">
+              <a:t>Gebruiker</a:t>
+            </a:r>
+            <a:r>
+              <a:rPr lang="en-GB" dirty="0">
                 <a:sym typeface="Wingdings" panose="05000000000000000000" pitchFamily="2" charset="2"/>
               </a:rPr>
-              <a:t> systemin</a:t>
-            </a:r>
-          </a:p>
-          <a:p>
-            <a:r>
-              <a:rPr lang="en-US" dirty="0">
+              <a:t> </a:t>
+            </a:r>
+            <a:r>
+              <a:rPr lang="en-GB" dirty="0" err="1">
                 <a:sym typeface="Wingdings" panose="05000000000000000000" pitchFamily="2" charset="2"/>
               </a:rPr>
-              <a:t>Updates </a:t>
-            </a:r>
-            <a:r>
-              <a:rPr lang="en-US" dirty="0" err="1">
+              <a:t>bibliotheek</a:t>
+            </a:r>
+            <a:endParaRPr lang="en-GB" dirty="0">
+              <a:sym typeface="Wingdings" panose="05000000000000000000" pitchFamily="2" charset="2"/>
+            </a:endParaRPr>
+          </a:p>
+          <a:p>
+            <a:r>
+              <a:rPr lang="en-GB" dirty="0">
                 <a:sym typeface="Wingdings" panose="05000000000000000000" pitchFamily="2" charset="2"/>
               </a:rPr>
-              <a:t>SignalR</a:t>
-            </a:r>
-            <a:r>
-              <a:rPr lang="en-US" dirty="0">
+              <a:t>Package manager</a:t>
+            </a:r>
+          </a:p>
+          <a:p>
+            <a:r>
+              <a:rPr lang="en-GB" dirty="0">
                 <a:sym typeface="Wingdings" panose="05000000000000000000" pitchFamily="2" charset="2"/>
               </a:rPr>
-              <a:t>?</a:t>
-            </a:r>
-            <a:endParaRPr lang="en-US" dirty="0"/>
+              <a:t>Fallback </a:t>
+            </a:r>
+            <a:r>
+              <a:rPr lang="en-GB" dirty="0" err="1">
+                <a:sym typeface="Wingdings" panose="05000000000000000000" pitchFamily="2" charset="2"/>
+              </a:rPr>
+              <a:t>systeem</a:t>
+            </a:r>
+            <a:endParaRPr lang="en-BE" dirty="0"/>
           </a:p>
         </p:txBody>
       </p:sp>
@@ -12793,7 +13022,7 @@
           <p:cNvPr id="3" name="Title 2">
             <a:extLst>
               <a:ext uri="{FF2B5EF4-FFF2-40B4-BE49-F238E27FC236}">
-                <a16:creationId xmlns:a16="http://schemas.microsoft.com/office/drawing/2014/main" id="{B6282170-58B5-437A-B277-73F7EDEEAC48}"/>
+                <a16:creationId xmlns:a16="http://schemas.microsoft.com/office/drawing/2014/main" id="{E4A6A291-7C1F-401B-7C4F-B179A2E228E1}"/>
               </a:ext>
             </a:extLst>
           </p:cNvPr>
@@ -12810,10 +13039,10 @@
           <a:lstStyle/>
           <a:p>
             <a:r>
-              <a:rPr lang="en-US" dirty="0" err="1"/>
-              <a:t>toekomst</a:t>
-            </a:r>
-            <a:endParaRPr lang="en-US" dirty="0"/>
+              <a:rPr lang="en-GB" dirty="0"/>
+              <a:t>socket.io</a:t>
+            </a:r>
+            <a:endParaRPr lang="en-BE" dirty="0"/>
           </a:p>
         </p:txBody>
       </p:sp>
@@ -12822,7 +13051,7 @@
           <p:cNvPr id="4" name="Slide Number Placeholder 3">
             <a:extLst>
               <a:ext uri="{FF2B5EF4-FFF2-40B4-BE49-F238E27FC236}">
-                <a16:creationId xmlns:a16="http://schemas.microsoft.com/office/drawing/2014/main" id="{49FE6B9F-285D-4793-8608-D799E7E68B2C}"/>
+                <a16:creationId xmlns:a16="http://schemas.microsoft.com/office/drawing/2014/main" id="{AA408B1D-28F2-13B2-0501-41366AF717EC}"/>
               </a:ext>
             </a:extLst>
           </p:cNvPr>
@@ -12852,7 +13081,7 @@
           <p:cNvPr id="5" name="Footer Placeholder 4">
             <a:extLst>
               <a:ext uri="{FF2B5EF4-FFF2-40B4-BE49-F238E27FC236}">
-                <a16:creationId xmlns:a16="http://schemas.microsoft.com/office/drawing/2014/main" id="{03929003-0463-45B4-ACDA-5F5D41FBEC6A}"/>
+                <a16:creationId xmlns:a16="http://schemas.microsoft.com/office/drawing/2014/main" id="{A24A5B7C-5A36-B2A0-C92C-8F7A079C85E0}"/>
               </a:ext>
             </a:extLst>
           </p:cNvPr>
@@ -12868,14 +13097,50 @@
           <a:bodyPr/>
           <a:lstStyle/>
           <a:p>
-            <a:endParaRPr lang="nl-BE" dirty="0"/>
-          </a:p>
-        </p:txBody>
-      </p:sp>
+            <a:endParaRPr lang="nl-BE"/>
+          </a:p>
+        </p:txBody>
+      </p:sp>
+      <p:pic>
+        <p:nvPicPr>
+          <p:cNvPr id="7" name="Picture 6" descr="A picture containing logo&#10;&#10;Description automatically generated">
+            <a:extLst>
+              <a:ext uri="{FF2B5EF4-FFF2-40B4-BE49-F238E27FC236}">
+                <a16:creationId xmlns:a16="http://schemas.microsoft.com/office/drawing/2014/main" id="{32567181-BF31-C5CB-3422-66D8C6EB4AD8}"/>
+              </a:ext>
+            </a:extLst>
+          </p:cNvPr>
+          <p:cNvPicPr>
+            <a:picLocks noChangeAspect="1"/>
+          </p:cNvPicPr>
+          <p:nvPr/>
+        </p:nvPicPr>
+        <p:blipFill>
+          <a:blip r:embed="rId2">
+            <a:extLst>
+              <a:ext uri="{28A0092B-C50C-407E-A947-70E740481C1C}">
+                <a14:useLocalDpi xmlns:a14="http://schemas.microsoft.com/office/drawing/2010/main" val="0"/>
+              </a:ext>
+            </a:extLst>
+          </a:blip>
+          <a:stretch>
+            <a:fillRect/>
+          </a:stretch>
+        </p:blipFill>
+        <p:spPr>
+          <a:xfrm>
+            <a:off x="7679532" y="1278000"/>
+            <a:ext cx="3988180" cy="1871301"/>
+          </a:xfrm>
+          <a:prstGeom prst="rect">
+            <a:avLst/>
+          </a:prstGeom>
+        </p:spPr>
+      </p:pic>
     </p:spTree>
     <p:extLst>
       <p:ext uri="{BB962C8B-B14F-4D97-AF65-F5344CB8AC3E}">
-        <p14:creationId xmlns:p14="http://schemas.microsoft.com/office/powerpoint/2010/main" val="4129453725"/>
+        <p14:creationId xmlns:p14="http://schemas.microsoft.com/office/powerpoint/2010/main" val="1226964287"/>
       </p:ext>
     </p:extLst>
   </p:cSld>
@@ -12902,6 +13167,42 @@
           <a:chExt cx="0" cy="0"/>
         </a:xfrm>
       </p:grpSpPr>
+      <p:pic>
+        <p:nvPicPr>
+          <p:cNvPr id="7" name="Picture 6" descr="Icon&#10;&#10;Description automatically generated">
+            <a:extLst>
+              <a:ext uri="{FF2B5EF4-FFF2-40B4-BE49-F238E27FC236}">
+                <a16:creationId xmlns:a16="http://schemas.microsoft.com/office/drawing/2014/main" id="{2F4E2943-8640-0550-C343-EC4D8CDA224B}"/>
+              </a:ext>
+            </a:extLst>
+          </p:cNvPr>
+          <p:cNvPicPr>
+            <a:picLocks noChangeAspect="1"/>
+          </p:cNvPicPr>
+          <p:nvPr/>
+        </p:nvPicPr>
+        <p:blipFill>
+          <a:blip r:embed="rId2">
+            <a:extLst>
+              <a:ext uri="{28A0092B-C50C-407E-A947-70E740481C1C}">
+                <a14:useLocalDpi xmlns:a14="http://schemas.microsoft.com/office/drawing/2010/main" val="0"/>
+              </a:ext>
+            </a:extLst>
+          </a:blip>
+          <a:stretch>
+            <a:fillRect/>
+          </a:stretch>
+        </p:blipFill>
+        <p:spPr>
+          <a:xfrm>
+            <a:off x="9194007" y="44413"/>
+            <a:ext cx="2238374" cy="1054158"/>
+          </a:xfrm>
+          <a:prstGeom prst="rect">
+            <a:avLst/>
+          </a:prstGeom>
+        </p:spPr>
+      </p:pic>
       <p:sp>
         <p:nvSpPr>
           <p:cNvPr id="2" name="Content Placeholder 1">
@@ -13132,18 +13433,18 @@
       </p:grpSpPr>
       <p:sp>
         <p:nvSpPr>
-          <p:cNvPr id="2" name="Subtitle 1">
-            <a:extLst>
-              <a:ext uri="{FF2B5EF4-FFF2-40B4-BE49-F238E27FC236}">
-                <a16:creationId xmlns:a16="http://schemas.microsoft.com/office/drawing/2014/main" id="{3D2AD652-BD94-4869-85EB-51F39D4946F6}"/>
-              </a:ext>
-            </a:extLst>
-          </p:cNvPr>
-          <p:cNvSpPr>
-            <a:spLocks noGrp="1"/>
-          </p:cNvSpPr>
-          <p:nvPr>
-            <p:ph type="subTitle" idx="1"/>
+          <p:cNvPr id="3" name="Title 2">
+            <a:extLst>
+              <a:ext uri="{FF2B5EF4-FFF2-40B4-BE49-F238E27FC236}">
+                <a16:creationId xmlns:a16="http://schemas.microsoft.com/office/drawing/2014/main" id="{2F42C553-B592-4464-A4B7-5EC8988D45F6}"/>
+              </a:ext>
+            </a:extLst>
+          </p:cNvPr>
+          <p:cNvSpPr>
+            <a:spLocks noGrp="1"/>
+          </p:cNvSpPr>
+          <p:nvPr>
+            <p:ph type="title"/>
           </p:nvPr>
         </p:nvSpPr>
         <p:spPr/>
@@ -13153,79 +13454,7 @@
           <a:p>
             <a:r>
               <a:rPr lang="en-US" dirty="0" err="1"/>
-              <a:t>Zijn</a:t>
-            </a:r>
-            <a:r>
-              <a:rPr lang="en-US" dirty="0"/>
-              <a:t> er </a:t>
-            </a:r>
-            <a:r>
-              <a:rPr lang="en-US" dirty="0" err="1"/>
-              <a:t>nog</a:t>
-            </a:r>
-            <a:r>
-              <a:rPr lang="en-US" dirty="0"/>
-              <a:t> </a:t>
-            </a:r>
-            <a:r>
-              <a:rPr lang="en-US" dirty="0" err="1"/>
-              <a:t>vragen</a:t>
-            </a:r>
-            <a:r>
-              <a:rPr lang="en-US" dirty="0"/>
-              <a:t>?</a:t>
-            </a:r>
-          </a:p>
-        </p:txBody>
-      </p:sp>
-      <p:sp>
-        <p:nvSpPr>
-          <p:cNvPr id="3" name="Title 2">
-            <a:extLst>
-              <a:ext uri="{FF2B5EF4-FFF2-40B4-BE49-F238E27FC236}">
-                <a16:creationId xmlns:a16="http://schemas.microsoft.com/office/drawing/2014/main" id="{2F42C553-B592-4464-A4B7-5EC8988D45F6}"/>
-              </a:ext>
-            </a:extLst>
-          </p:cNvPr>
-          <p:cNvSpPr>
-            <a:spLocks noGrp="1"/>
-          </p:cNvSpPr>
-          <p:nvPr>
-            <p:ph type="title"/>
-          </p:nvPr>
-        </p:nvSpPr>
-        <p:spPr/>
-        <p:txBody>
-          <a:bodyPr/>
-          <a:lstStyle/>
-          <a:p>
-            <a:r>
-              <a:rPr lang="en-US" dirty="0" err="1"/>
-              <a:t>Bedankt</a:t>
-            </a:r>
-            <a:r>
-              <a:rPr lang="en-US" dirty="0"/>
-              <a:t> </a:t>
-            </a:r>
-            <a:r>
-              <a:rPr lang="en-US" dirty="0" err="1"/>
-              <a:t>voor</a:t>
-            </a:r>
-            <a:r>
-              <a:rPr lang="en-US" dirty="0"/>
-              <a:t> </a:t>
-            </a:r>
-            <a:r>
-              <a:rPr lang="en-US" dirty="0" err="1"/>
-              <a:t>jullie</a:t>
-            </a:r>
-            <a:r>
-              <a:rPr lang="en-US" dirty="0"/>
-              <a:t> </a:t>
-            </a:r>
-            <a:r>
-              <a:rPr lang="en-US" dirty="0" err="1"/>
-              <a:t>aandacht</a:t>
+              <a:t>toekomst</a:t>
             </a:r>
             <a:endParaRPr lang="en-US" dirty="0"/>
           </a:p>
@@ -13281,6 +13510,420 @@
               <a:rPr lang="nl-BE" smtClean="0"/>
               <a:pPr/>
               <a:t>40</a:t>
+            </a:fld>
+            <a:endParaRPr lang="nl-BE"/>
+          </a:p>
+        </p:txBody>
+      </p:sp>
+    </p:spTree>
+    <p:extLst>
+      <p:ext uri="{BB962C8B-B14F-4D97-AF65-F5344CB8AC3E}">
+        <p14:creationId xmlns:p14="http://schemas.microsoft.com/office/powerpoint/2010/main" val="3702091638"/>
+      </p:ext>
+    </p:extLst>
+  </p:cSld>
+  <p:clrMapOvr>
+    <a:masterClrMapping/>
+  </p:clrMapOvr>
+</p:sld>
+</file>
+
+<file path=ppt/slides/slide41.xml><?xml version="1.0" encoding="utf-8"?>
+<p:sld xmlns:a="http://schemas.openxmlformats.org/drawingml/2006/main" xmlns:r="http://schemas.openxmlformats.org/officeDocument/2006/relationships" xmlns:p="http://schemas.openxmlformats.org/presentationml/2006/main">
+  <p:cSld>
+    <p:spTree>
+      <p:nvGrpSpPr>
+        <p:cNvPr id="1" name=""/>
+        <p:cNvGrpSpPr/>
+        <p:nvPr/>
+      </p:nvGrpSpPr>
+      <p:grpSpPr>
+        <a:xfrm>
+          <a:off x="0" y="0"/>
+          <a:ext cx="0" cy="0"/>
+          <a:chOff x="0" y="0"/>
+          <a:chExt cx="0" cy="0"/>
+        </a:xfrm>
+      </p:grpSpPr>
+      <p:sp>
+        <p:nvSpPr>
+          <p:cNvPr id="2" name="Content Placeholder 1">
+            <a:extLst>
+              <a:ext uri="{FF2B5EF4-FFF2-40B4-BE49-F238E27FC236}">
+                <a16:creationId xmlns:a16="http://schemas.microsoft.com/office/drawing/2014/main" id="{49C96621-DDA2-43EB-9F25-F650BD381CFB}"/>
+              </a:ext>
+            </a:extLst>
+          </p:cNvPr>
+          <p:cNvSpPr>
+            <a:spLocks noGrp="1"/>
+          </p:cNvSpPr>
+          <p:nvPr>
+            <p:ph idx="1"/>
+          </p:nvPr>
+        </p:nvSpPr>
+        <p:spPr/>
+        <p:txBody>
+          <a:bodyPr/>
+          <a:lstStyle/>
+          <a:p>
+            <a:r>
+              <a:rPr lang="en-US" dirty="0"/>
+              <a:t>.NET 5 in 2020</a:t>
+            </a:r>
+          </a:p>
+          <a:p>
+            <a:r>
+              <a:rPr lang="en-US" dirty="0"/>
+              <a:t>.NET 6 in 2021</a:t>
+            </a:r>
+          </a:p>
+          <a:p>
+            <a:r>
+              <a:rPr lang="en-US" dirty="0"/>
+              <a:t>.NET 7 in 2022</a:t>
+            </a:r>
+          </a:p>
+          <a:p>
+            <a:r>
+              <a:rPr lang="en-US" dirty="0"/>
+              <a:t>November .NET 8</a:t>
+            </a:r>
+          </a:p>
+          <a:p>
+            <a:r>
+              <a:rPr lang="en-US" dirty="0"/>
+              <a:t>Meer </a:t>
+            </a:r>
+            <a:r>
+              <a:rPr lang="en-US" dirty="0" err="1"/>
+              <a:t>weerbaar</a:t>
+            </a:r>
+            <a:r>
+              <a:rPr lang="en-US" dirty="0"/>
+              <a:t> &amp; </a:t>
+            </a:r>
+            <a:r>
+              <a:rPr lang="en-US" dirty="0" err="1"/>
+              <a:t>krachtig</a:t>
+            </a:r>
+            <a:endParaRPr lang="en-US" dirty="0"/>
+          </a:p>
+          <a:p>
+            <a:r>
+              <a:rPr lang="en-US" dirty="0" err="1"/>
+              <a:t>Kleine</a:t>
+            </a:r>
+            <a:r>
+              <a:rPr lang="en-US" dirty="0"/>
+              <a:t> updates </a:t>
+            </a:r>
+            <a:r>
+              <a:rPr lang="en-US" dirty="0">
+                <a:sym typeface="Wingdings" panose="05000000000000000000" pitchFamily="2" charset="2"/>
+              </a:rPr>
+              <a:t> </a:t>
+            </a:r>
+            <a:r>
+              <a:rPr lang="en-US" dirty="0" err="1">
+                <a:sym typeface="Wingdings" panose="05000000000000000000" pitchFamily="2" charset="2"/>
+              </a:rPr>
+              <a:t>oudere</a:t>
+            </a:r>
+            <a:r>
+              <a:rPr lang="en-US" dirty="0">
+                <a:sym typeface="Wingdings" panose="05000000000000000000" pitchFamily="2" charset="2"/>
+              </a:rPr>
+              <a:t> systemin</a:t>
+            </a:r>
+          </a:p>
+          <a:p>
+            <a:r>
+              <a:rPr lang="en-US" dirty="0">
+                <a:sym typeface="Wingdings" panose="05000000000000000000" pitchFamily="2" charset="2"/>
+              </a:rPr>
+              <a:t>Updates </a:t>
+            </a:r>
+            <a:r>
+              <a:rPr lang="en-US" dirty="0" err="1">
+                <a:sym typeface="Wingdings" panose="05000000000000000000" pitchFamily="2" charset="2"/>
+              </a:rPr>
+              <a:t>SignalR</a:t>
+            </a:r>
+            <a:r>
+              <a:rPr lang="en-US" dirty="0">
+                <a:sym typeface="Wingdings" panose="05000000000000000000" pitchFamily="2" charset="2"/>
+              </a:rPr>
+              <a:t>?</a:t>
+            </a:r>
+            <a:endParaRPr lang="en-US" dirty="0"/>
+          </a:p>
+        </p:txBody>
+      </p:sp>
+      <p:sp>
+        <p:nvSpPr>
+          <p:cNvPr id="3" name="Title 2">
+            <a:extLst>
+              <a:ext uri="{FF2B5EF4-FFF2-40B4-BE49-F238E27FC236}">
+                <a16:creationId xmlns:a16="http://schemas.microsoft.com/office/drawing/2014/main" id="{B6282170-58B5-437A-B277-73F7EDEEAC48}"/>
+              </a:ext>
+            </a:extLst>
+          </p:cNvPr>
+          <p:cNvSpPr>
+            <a:spLocks noGrp="1"/>
+          </p:cNvSpPr>
+          <p:nvPr>
+            <p:ph type="title"/>
+          </p:nvPr>
+        </p:nvSpPr>
+        <p:spPr/>
+        <p:txBody>
+          <a:bodyPr/>
+          <a:lstStyle/>
+          <a:p>
+            <a:r>
+              <a:rPr lang="en-US" dirty="0" err="1"/>
+              <a:t>toekomst</a:t>
+            </a:r>
+            <a:endParaRPr lang="en-US" dirty="0"/>
+          </a:p>
+        </p:txBody>
+      </p:sp>
+      <p:sp>
+        <p:nvSpPr>
+          <p:cNvPr id="4" name="Slide Number Placeholder 3">
+            <a:extLst>
+              <a:ext uri="{FF2B5EF4-FFF2-40B4-BE49-F238E27FC236}">
+                <a16:creationId xmlns:a16="http://schemas.microsoft.com/office/drawing/2014/main" id="{49FE6B9F-285D-4793-8608-D799E7E68B2C}"/>
+              </a:ext>
+            </a:extLst>
+          </p:cNvPr>
+          <p:cNvSpPr>
+            <a:spLocks noGrp="1"/>
+          </p:cNvSpPr>
+          <p:nvPr>
+            <p:ph type="sldNum" sz="quarter" idx="11"/>
+          </p:nvPr>
+        </p:nvSpPr>
+        <p:spPr/>
+        <p:txBody>
+          <a:bodyPr/>
+          <a:lstStyle/>
+          <a:p>
+            <a:fld id="{3B80295F-48CD-49FC-897A-CCEC919B8070}" type="slidenum">
+              <a:rPr lang="nl-BE" smtClean="0"/>
+              <a:pPr/>
+              <a:t>41</a:t>
+            </a:fld>
+            <a:endParaRPr lang="nl-BE"/>
+          </a:p>
+        </p:txBody>
+      </p:sp>
+      <p:sp>
+        <p:nvSpPr>
+          <p:cNvPr id="5" name="Footer Placeholder 4">
+            <a:extLst>
+              <a:ext uri="{FF2B5EF4-FFF2-40B4-BE49-F238E27FC236}">
+                <a16:creationId xmlns:a16="http://schemas.microsoft.com/office/drawing/2014/main" id="{03929003-0463-45B4-ACDA-5F5D41FBEC6A}"/>
+              </a:ext>
+            </a:extLst>
+          </p:cNvPr>
+          <p:cNvSpPr>
+            <a:spLocks noGrp="1"/>
+          </p:cNvSpPr>
+          <p:nvPr>
+            <p:ph type="ftr" sz="quarter" idx="12"/>
+          </p:nvPr>
+        </p:nvSpPr>
+        <p:spPr/>
+        <p:txBody>
+          <a:bodyPr/>
+          <a:lstStyle/>
+          <a:p>
+            <a:endParaRPr lang="nl-BE" dirty="0"/>
+          </a:p>
+        </p:txBody>
+      </p:sp>
+    </p:spTree>
+    <p:extLst>
+      <p:ext uri="{BB962C8B-B14F-4D97-AF65-F5344CB8AC3E}">
+        <p14:creationId xmlns:p14="http://schemas.microsoft.com/office/powerpoint/2010/main" val="4129453725"/>
+      </p:ext>
+    </p:extLst>
+  </p:cSld>
+  <p:clrMapOvr>
+    <a:masterClrMapping/>
+  </p:clrMapOvr>
+</p:sld>
+</file>
+
+<file path=ppt/slides/slide42.xml><?xml version="1.0" encoding="utf-8"?>
+<p:sld xmlns:a="http://schemas.openxmlformats.org/drawingml/2006/main" xmlns:r="http://schemas.openxmlformats.org/officeDocument/2006/relationships" xmlns:p="http://schemas.openxmlformats.org/presentationml/2006/main">
+  <p:cSld>
+    <p:spTree>
+      <p:nvGrpSpPr>
+        <p:cNvPr id="1" name=""/>
+        <p:cNvGrpSpPr/>
+        <p:nvPr/>
+      </p:nvGrpSpPr>
+      <p:grpSpPr>
+        <a:xfrm>
+          <a:off x="0" y="0"/>
+          <a:ext cx="0" cy="0"/>
+          <a:chOff x="0" y="0"/>
+          <a:chExt cx="0" cy="0"/>
+        </a:xfrm>
+      </p:grpSpPr>
+      <p:sp>
+        <p:nvSpPr>
+          <p:cNvPr id="2" name="Subtitle 1">
+            <a:extLst>
+              <a:ext uri="{FF2B5EF4-FFF2-40B4-BE49-F238E27FC236}">
+                <a16:creationId xmlns:a16="http://schemas.microsoft.com/office/drawing/2014/main" id="{3D2AD652-BD94-4869-85EB-51F39D4946F6}"/>
+              </a:ext>
+            </a:extLst>
+          </p:cNvPr>
+          <p:cNvSpPr>
+            <a:spLocks noGrp="1"/>
+          </p:cNvSpPr>
+          <p:nvPr>
+            <p:ph type="subTitle" idx="1"/>
+          </p:nvPr>
+        </p:nvSpPr>
+        <p:spPr/>
+        <p:txBody>
+          <a:bodyPr/>
+          <a:lstStyle/>
+          <a:p>
+            <a:r>
+              <a:rPr lang="en-US" dirty="0" err="1"/>
+              <a:t>Zijn</a:t>
+            </a:r>
+            <a:r>
+              <a:rPr lang="en-US" dirty="0"/>
+              <a:t> er </a:t>
+            </a:r>
+            <a:r>
+              <a:rPr lang="en-US" dirty="0" err="1"/>
+              <a:t>nog</a:t>
+            </a:r>
+            <a:r>
+              <a:rPr lang="en-US" dirty="0"/>
+              <a:t> </a:t>
+            </a:r>
+            <a:r>
+              <a:rPr lang="en-US" dirty="0" err="1"/>
+              <a:t>vragen</a:t>
+            </a:r>
+            <a:r>
+              <a:rPr lang="en-US" dirty="0"/>
+              <a:t>?</a:t>
+            </a:r>
+          </a:p>
+        </p:txBody>
+      </p:sp>
+      <p:sp>
+        <p:nvSpPr>
+          <p:cNvPr id="3" name="Title 2">
+            <a:extLst>
+              <a:ext uri="{FF2B5EF4-FFF2-40B4-BE49-F238E27FC236}">
+                <a16:creationId xmlns:a16="http://schemas.microsoft.com/office/drawing/2014/main" id="{2F42C553-B592-4464-A4B7-5EC8988D45F6}"/>
+              </a:ext>
+            </a:extLst>
+          </p:cNvPr>
+          <p:cNvSpPr>
+            <a:spLocks noGrp="1"/>
+          </p:cNvSpPr>
+          <p:nvPr>
+            <p:ph type="title"/>
+          </p:nvPr>
+        </p:nvSpPr>
+        <p:spPr/>
+        <p:txBody>
+          <a:bodyPr/>
+          <a:lstStyle/>
+          <a:p>
+            <a:r>
+              <a:rPr lang="en-US" dirty="0" err="1"/>
+              <a:t>Bedankt</a:t>
+            </a:r>
+            <a:r>
+              <a:rPr lang="en-US" dirty="0"/>
+              <a:t> </a:t>
+            </a:r>
+            <a:r>
+              <a:rPr lang="en-US" dirty="0" err="1"/>
+              <a:t>voor</a:t>
+            </a:r>
+            <a:r>
+              <a:rPr lang="en-US" dirty="0"/>
+              <a:t> </a:t>
+            </a:r>
+            <a:r>
+              <a:rPr lang="en-US" dirty="0" err="1"/>
+              <a:t>jullie</a:t>
+            </a:r>
+            <a:r>
+              <a:rPr lang="en-US" dirty="0"/>
+              <a:t> </a:t>
+            </a:r>
+            <a:r>
+              <a:rPr lang="en-US" dirty="0" err="1"/>
+              <a:t>aandacht</a:t>
+            </a:r>
+            <a:endParaRPr lang="en-US" dirty="0"/>
+          </a:p>
+        </p:txBody>
+      </p:sp>
+      <p:sp>
+        <p:nvSpPr>
+          <p:cNvPr id="4" name="Footer Placeholder 3">
+            <a:extLst>
+              <a:ext uri="{FF2B5EF4-FFF2-40B4-BE49-F238E27FC236}">
+                <a16:creationId xmlns:a16="http://schemas.microsoft.com/office/drawing/2014/main" id="{9E41C3BC-E4E5-4D29-AD12-A6D8868395CD}"/>
+              </a:ext>
+            </a:extLst>
+          </p:cNvPr>
+          <p:cNvSpPr>
+            <a:spLocks noGrp="1"/>
+          </p:cNvSpPr>
+          <p:nvPr>
+            <p:ph type="ftr" sz="quarter" idx="12"/>
+          </p:nvPr>
+        </p:nvSpPr>
+        <p:spPr/>
+        <p:txBody>
+          <a:bodyPr/>
+          <a:lstStyle/>
+          <a:p>
+            <a:endParaRPr lang="nl-BE"/>
+          </a:p>
+        </p:txBody>
+      </p:sp>
+      <p:sp>
+        <p:nvSpPr>
+          <p:cNvPr id="5" name="Slide Number Placeholder 4">
+            <a:extLst>
+              <a:ext uri="{FF2B5EF4-FFF2-40B4-BE49-F238E27FC236}">
+                <a16:creationId xmlns:a16="http://schemas.microsoft.com/office/drawing/2014/main" id="{4E55B2F2-EDCE-4E6D-A170-16EBD9623D13}"/>
+              </a:ext>
+            </a:extLst>
+          </p:cNvPr>
+          <p:cNvSpPr>
+            <a:spLocks noGrp="1"/>
+          </p:cNvSpPr>
+          <p:nvPr>
+            <p:ph type="sldNum" sz="quarter" idx="11"/>
+          </p:nvPr>
+        </p:nvSpPr>
+        <p:spPr/>
+        <p:txBody>
+          <a:bodyPr/>
+          <a:lstStyle/>
+          <a:p>
+            <a:fld id="{3B80295F-48CD-49FC-897A-CCEC919B8070}" type="slidenum">
+              <a:rPr lang="nl-BE" smtClean="0"/>
+              <a:pPr/>
+              <a:t>42</a:t>
             </a:fld>
             <a:endParaRPr lang="nl-BE"/>
           </a:p>
@@ -13703,12 +14346,47 @@
           <a:chExt cx="0" cy="0"/>
         </a:xfrm>
       </p:grpSpPr>
+      <p:pic>
+        <p:nvPicPr>
+          <p:cNvPr id="7" name="Content Placeholder 6" descr="Text, letter&#10;&#10;Description automatically generated">
+            <a:extLst>
+              <a:ext uri="{FF2B5EF4-FFF2-40B4-BE49-F238E27FC236}">
+                <a16:creationId xmlns:a16="http://schemas.microsoft.com/office/drawing/2014/main" id="{366DC0F1-47E4-13BE-BC4A-601A1312E1CA}"/>
+              </a:ext>
+            </a:extLst>
+          </p:cNvPr>
+          <p:cNvPicPr>
+            <a:picLocks noGrp="1" noChangeAspect="1"/>
+          </p:cNvPicPr>
+          <p:nvPr>
+            <p:ph idx="1"/>
+          </p:nvPr>
+        </p:nvPicPr>
+        <p:blipFill>
+          <a:blip r:embed="rId2">
+            <a:extLst>
+              <a:ext uri="{28A0092B-C50C-407E-A947-70E740481C1C}">
+                <a14:useLocalDpi xmlns:a14="http://schemas.microsoft.com/office/drawing/2010/main" val="0"/>
+              </a:ext>
+            </a:extLst>
+          </a:blip>
+          <a:stretch>
+            <a:fillRect/>
+          </a:stretch>
+        </p:blipFill>
+        <p:spPr>
+          <a:xfrm>
+            <a:off x="528345" y="1215231"/>
+            <a:ext cx="11135310" cy="4427538"/>
+          </a:xfrm>
+        </p:spPr>
+      </p:pic>
       <p:sp>
         <p:nvSpPr>
           <p:cNvPr id="3" name="Title 2">
             <a:extLst>
               <a:ext uri="{FF2B5EF4-FFF2-40B4-BE49-F238E27FC236}">
-                <a16:creationId xmlns:a16="http://schemas.microsoft.com/office/drawing/2014/main" id="{2F42C553-B592-4464-A4B7-5EC8988D45F6}"/>
+                <a16:creationId xmlns:a16="http://schemas.microsoft.com/office/drawing/2014/main" id="{2F12F13F-41D1-40AA-C8F2-B9D9DB3F8D00}"/>
               </a:ext>
             </a:extLst>
           </p:cNvPr>
@@ -13725,44 +14403,19 @@
           <a:lstStyle/>
           <a:p>
             <a:r>
-              <a:rPr lang="en-US" dirty="0" err="1"/>
-              <a:t>ontstaan</a:t>
-            </a:r>
-            <a:endParaRPr lang="en-US" dirty="0"/>
-          </a:p>
-        </p:txBody>
-      </p:sp>
-      <p:sp>
-        <p:nvSpPr>
-          <p:cNvPr id="4" name="Footer Placeholder 3">
-            <a:extLst>
-              <a:ext uri="{FF2B5EF4-FFF2-40B4-BE49-F238E27FC236}">
-                <a16:creationId xmlns:a16="http://schemas.microsoft.com/office/drawing/2014/main" id="{9E41C3BC-E4E5-4D29-AD12-A6D8868395CD}"/>
-              </a:ext>
-            </a:extLst>
-          </p:cNvPr>
-          <p:cNvSpPr>
-            <a:spLocks noGrp="1"/>
-          </p:cNvSpPr>
-          <p:nvPr>
-            <p:ph type="ftr" sz="quarter" idx="12"/>
-          </p:nvPr>
-        </p:nvSpPr>
-        <p:spPr/>
-        <p:txBody>
-          <a:bodyPr/>
-          <a:lstStyle/>
-          <a:p>
-            <a:endParaRPr lang="nl-BE"/>
-          </a:p>
-        </p:txBody>
-      </p:sp>
-      <p:sp>
-        <p:nvSpPr>
-          <p:cNvPr id="5" name="Slide Number Placeholder 4">
-            <a:extLst>
-              <a:ext uri="{FF2B5EF4-FFF2-40B4-BE49-F238E27FC236}">
-                <a16:creationId xmlns:a16="http://schemas.microsoft.com/office/drawing/2014/main" id="{4E55B2F2-EDCE-4E6D-A170-16EBD9623D13}"/>
+              <a:rPr lang="en-GB" dirty="0"/>
+              <a:t>intro</a:t>
+            </a:r>
+            <a:endParaRPr lang="en-BE" dirty="0"/>
+          </a:p>
+        </p:txBody>
+      </p:sp>
+      <p:sp>
+        <p:nvSpPr>
+          <p:cNvPr id="4" name="Slide Number Placeholder 3">
+            <a:extLst>
+              <a:ext uri="{FF2B5EF4-FFF2-40B4-BE49-F238E27FC236}">
+                <a16:creationId xmlns:a16="http://schemas.microsoft.com/office/drawing/2014/main" id="{8EA6E566-0126-FB67-31E1-904428B3F919}"/>
               </a:ext>
             </a:extLst>
           </p:cNvPr>
@@ -13787,10 +14440,35 @@
           </a:p>
         </p:txBody>
       </p:sp>
+      <p:sp>
+        <p:nvSpPr>
+          <p:cNvPr id="5" name="Footer Placeholder 4">
+            <a:extLst>
+              <a:ext uri="{FF2B5EF4-FFF2-40B4-BE49-F238E27FC236}">
+                <a16:creationId xmlns:a16="http://schemas.microsoft.com/office/drawing/2014/main" id="{0B101F19-021A-BBAD-8A89-6A1492B5B81A}"/>
+              </a:ext>
+            </a:extLst>
+          </p:cNvPr>
+          <p:cNvSpPr>
+            <a:spLocks noGrp="1"/>
+          </p:cNvSpPr>
+          <p:nvPr>
+            <p:ph type="ftr" sz="quarter" idx="12"/>
+          </p:nvPr>
+        </p:nvSpPr>
+        <p:spPr/>
+        <p:txBody>
+          <a:bodyPr/>
+          <a:lstStyle/>
+          <a:p>
+            <a:endParaRPr lang="nl-BE"/>
+          </a:p>
+        </p:txBody>
+      </p:sp>
     </p:spTree>
     <p:extLst>
       <p:ext uri="{BB962C8B-B14F-4D97-AF65-F5344CB8AC3E}">
-        <p14:creationId xmlns:p14="http://schemas.microsoft.com/office/powerpoint/2010/main" val="2442908129"/>
+        <p14:creationId xmlns:p14="http://schemas.microsoft.com/office/powerpoint/2010/main" val="3415727862"/>
       </p:ext>
     </p:extLst>
   </p:cSld>
@@ -13819,96 +14497,10 @@
       </p:grpSpPr>
       <p:sp>
         <p:nvSpPr>
-          <p:cNvPr id="2" name="Content Placeholder 1">
-            <a:extLst>
-              <a:ext uri="{FF2B5EF4-FFF2-40B4-BE49-F238E27FC236}">
-                <a16:creationId xmlns:a16="http://schemas.microsoft.com/office/drawing/2014/main" id="{49C96621-DDA2-43EB-9F25-F650BD381CFB}"/>
-              </a:ext>
-            </a:extLst>
-          </p:cNvPr>
-          <p:cNvSpPr>
-            <a:spLocks noGrp="1"/>
-          </p:cNvSpPr>
-          <p:nvPr>
-            <p:ph idx="1"/>
-          </p:nvPr>
-        </p:nvSpPr>
-        <p:spPr/>
-        <p:txBody>
-          <a:bodyPr/>
-          <a:lstStyle/>
-          <a:p>
-            <a:r>
-              <a:rPr lang="en-US" dirty="0"/>
-              <a:t>2011 – David Fowler &amp; Damian Edwards</a:t>
-            </a:r>
-          </a:p>
-          <a:p>
-            <a:r>
-              <a:rPr lang="en-US" dirty="0"/>
-              <a:t>2013 ASP.NET</a:t>
-            </a:r>
-          </a:p>
-          <a:p>
-            <a:r>
-              <a:rPr lang="en-US" dirty="0"/>
-              <a:t>WebSocket</a:t>
-            </a:r>
-          </a:p>
-          <a:p>
-            <a:r>
-              <a:rPr lang="en-US" dirty="0" err="1"/>
-              <a:t>Meeste</a:t>
-            </a:r>
-            <a:r>
-              <a:rPr lang="en-US" dirty="0"/>
-              <a:t> browsers </a:t>
-            </a:r>
-            <a:r>
-              <a:rPr lang="en-US" dirty="0" err="1"/>
-              <a:t>ondersteunden</a:t>
-            </a:r>
-            <a:r>
-              <a:rPr lang="en-US" dirty="0"/>
-              <a:t> </a:t>
-            </a:r>
-            <a:r>
-              <a:rPr lang="en-US" dirty="0" err="1"/>
-              <a:t>dit</a:t>
-            </a:r>
-            <a:r>
-              <a:rPr lang="en-US" dirty="0"/>
-              <a:t> </a:t>
-            </a:r>
-            <a:r>
-              <a:rPr lang="en-US" dirty="0" err="1"/>
-              <a:t>niet</a:t>
-            </a:r>
-            <a:endParaRPr lang="en-US" dirty="0"/>
-          </a:p>
-          <a:p>
-            <a:r>
-              <a:rPr lang="en-US" dirty="0"/>
-              <a:t>AJAX (long) Polling</a:t>
-            </a:r>
-          </a:p>
-          <a:p>
-            <a:r>
-              <a:rPr lang="en-US" dirty="0"/>
-              <a:t>Server-sent events</a:t>
-            </a:r>
-          </a:p>
-          <a:p>
-            <a:endParaRPr lang="en-US" dirty="0"/>
-          </a:p>
-        </p:txBody>
-      </p:sp>
-      <p:sp>
-        <p:nvSpPr>
           <p:cNvPr id="3" name="Title 2">
             <a:extLst>
               <a:ext uri="{FF2B5EF4-FFF2-40B4-BE49-F238E27FC236}">
-                <a16:creationId xmlns:a16="http://schemas.microsoft.com/office/drawing/2014/main" id="{B6282170-58B5-437A-B277-73F7EDEEAC48}"/>
+                <a16:creationId xmlns:a16="http://schemas.microsoft.com/office/drawing/2014/main" id="{2F42C553-B592-4464-A4B7-5EC8988D45F6}"/>
               </a:ext>
             </a:extLst>
           </p:cNvPr>
@@ -13934,10 +14526,35 @@
       </p:sp>
       <p:sp>
         <p:nvSpPr>
-          <p:cNvPr id="4" name="Slide Number Placeholder 3">
-            <a:extLst>
-              <a:ext uri="{FF2B5EF4-FFF2-40B4-BE49-F238E27FC236}">
-                <a16:creationId xmlns:a16="http://schemas.microsoft.com/office/drawing/2014/main" id="{49FE6B9F-285D-4793-8608-D799E7E68B2C}"/>
+          <p:cNvPr id="4" name="Footer Placeholder 3">
+            <a:extLst>
+              <a:ext uri="{FF2B5EF4-FFF2-40B4-BE49-F238E27FC236}">
+                <a16:creationId xmlns:a16="http://schemas.microsoft.com/office/drawing/2014/main" id="{9E41C3BC-E4E5-4D29-AD12-A6D8868395CD}"/>
+              </a:ext>
+            </a:extLst>
+          </p:cNvPr>
+          <p:cNvSpPr>
+            <a:spLocks noGrp="1"/>
+          </p:cNvSpPr>
+          <p:nvPr>
+            <p:ph type="ftr" sz="quarter" idx="12"/>
+          </p:nvPr>
+        </p:nvSpPr>
+        <p:spPr/>
+        <p:txBody>
+          <a:bodyPr/>
+          <a:lstStyle/>
+          <a:p>
+            <a:endParaRPr lang="nl-BE"/>
+          </a:p>
+        </p:txBody>
+      </p:sp>
+      <p:sp>
+        <p:nvSpPr>
+          <p:cNvPr id="5" name="Slide Number Placeholder 4">
+            <a:extLst>
+              <a:ext uri="{FF2B5EF4-FFF2-40B4-BE49-F238E27FC236}">
+                <a16:creationId xmlns:a16="http://schemas.microsoft.com/office/drawing/2014/main" id="{4E55B2F2-EDCE-4E6D-A170-16EBD9623D13}"/>
               </a:ext>
             </a:extLst>
           </p:cNvPr>
@@ -13962,35 +14579,10 @@
           </a:p>
         </p:txBody>
       </p:sp>
-      <p:sp>
-        <p:nvSpPr>
-          <p:cNvPr id="5" name="Footer Placeholder 4">
-            <a:extLst>
-              <a:ext uri="{FF2B5EF4-FFF2-40B4-BE49-F238E27FC236}">
-                <a16:creationId xmlns:a16="http://schemas.microsoft.com/office/drawing/2014/main" id="{03929003-0463-45B4-ACDA-5F5D41FBEC6A}"/>
-              </a:ext>
-            </a:extLst>
-          </p:cNvPr>
-          <p:cNvSpPr>
-            <a:spLocks noGrp="1"/>
-          </p:cNvSpPr>
-          <p:nvPr>
-            <p:ph type="ftr" sz="quarter" idx="12"/>
-          </p:nvPr>
-        </p:nvSpPr>
-        <p:spPr/>
-        <p:txBody>
-          <a:bodyPr/>
-          <a:lstStyle/>
-          <a:p>
-            <a:endParaRPr lang="nl-BE" dirty="0"/>
-          </a:p>
-        </p:txBody>
-      </p:sp>
     </p:spTree>
     <p:extLst>
       <p:ext uri="{BB962C8B-B14F-4D97-AF65-F5344CB8AC3E}">
-        <p14:creationId xmlns:p14="http://schemas.microsoft.com/office/powerpoint/2010/main" val="3894248061"/>
+        <p14:creationId xmlns:p14="http://schemas.microsoft.com/office/powerpoint/2010/main" val="2442908129"/>
       </p:ext>
     </p:extLst>
   </p:cSld>
@@ -14022,7 +14614,7 @@
           <p:cNvPr id="2" name="Content Placeholder 1">
             <a:extLst>
               <a:ext uri="{FF2B5EF4-FFF2-40B4-BE49-F238E27FC236}">
-                <a16:creationId xmlns:a16="http://schemas.microsoft.com/office/drawing/2014/main" id="{92D60C2D-D92B-B9DD-16EC-DF8445E4CCF9}"/>
+                <a16:creationId xmlns:a16="http://schemas.microsoft.com/office/drawing/2014/main" id="{49C96621-DDA2-43EB-9F25-F650BD381CFB}"/>
               </a:ext>
             </a:extLst>
           </p:cNvPr>
@@ -14039,112 +14631,67 @@
           <a:lstStyle/>
           <a:p>
             <a:r>
-              <a:rPr lang="en-GB" dirty="0" err="1"/>
-              <a:t>Voorbeeld</a:t>
-            </a:r>
-            <a:r>
-              <a:rPr lang="en-GB" dirty="0"/>
-              <a:t> John </a:t>
-            </a:r>
-            <a:r>
-              <a:rPr lang="en-GB" dirty="0" err="1"/>
-              <a:t>en</a:t>
-            </a:r>
-            <a:r>
-              <a:rPr lang="en-GB" dirty="0"/>
-              <a:t> Mary</a:t>
-            </a:r>
-          </a:p>
-          <a:p>
-            <a:r>
-              <a:rPr lang="en-GB" dirty="0"/>
-              <a:t>Constant HTTP calls</a:t>
-            </a:r>
-          </a:p>
-          <a:p>
-            <a:r>
-              <a:rPr lang="en-GB" dirty="0" err="1"/>
-              <a:t>Wachten</a:t>
-            </a:r>
-            <a:r>
-              <a:rPr lang="en-GB" dirty="0"/>
-              <a:t> op </a:t>
-            </a:r>
-            <a:r>
-              <a:rPr lang="en-GB" dirty="0" err="1"/>
-              <a:t>antwoord</a:t>
-            </a:r>
-            <a:r>
-              <a:rPr lang="en-GB" dirty="0"/>
-              <a:t> server</a:t>
-            </a:r>
-          </a:p>
-          <a:p>
-            <a:r>
-              <a:rPr lang="en-GB" dirty="0" err="1"/>
-              <a:t>Geen</a:t>
-            </a:r>
-            <a:r>
-              <a:rPr lang="en-GB" dirty="0"/>
-              <a:t> data = </a:t>
-            </a:r>
-            <a:r>
-              <a:rPr lang="en-GB" dirty="0" err="1"/>
-              <a:t>leeg</a:t>
-            </a:r>
-            <a:r>
-              <a:rPr lang="en-GB" dirty="0"/>
+              <a:rPr lang="en-US" dirty="0"/>
+              <a:t>2011 – David Fowler &amp; Damian Edwards</a:t>
+            </a:r>
+          </a:p>
+          <a:p>
+            <a:r>
+              <a:rPr lang="en-US" dirty="0"/>
+              <a:t>2013 ASP.NET</a:t>
+            </a:r>
+          </a:p>
+          <a:p>
+            <a:r>
+              <a:rPr lang="en-US" dirty="0"/>
+              <a:t>WebSocket</a:t>
+            </a:r>
+          </a:p>
+          <a:p>
+            <a:r>
+              <a:rPr lang="en-US" dirty="0" err="1"/>
+              <a:t>Meeste</a:t>
+            </a:r>
+            <a:r>
+              <a:rPr lang="en-US" dirty="0"/>
+              <a:t> browsers </a:t>
+            </a:r>
+            <a:r>
+              <a:rPr lang="en-US" dirty="0" err="1"/>
+              <a:t>ondersteunden</a:t>
+            </a:r>
+            <a:r>
+              <a:rPr lang="en-US" dirty="0"/>
               <a:t> </a:t>
             </a:r>
             <a:r>
-              <a:rPr lang="en-GB" dirty="0" err="1"/>
-              <a:t>antwoord</a:t>
-            </a:r>
-            <a:endParaRPr lang="en-GB" dirty="0"/>
-          </a:p>
-          <a:p>
-            <a:r>
-              <a:rPr lang="en-GB" dirty="0"/>
-              <a:t>Request </a:t>
-            </a:r>
-            <a:r>
-              <a:rPr lang="en-GB" dirty="0" err="1"/>
-              <a:t>vasthouden</a:t>
-            </a:r>
-            <a:endParaRPr lang="en-GB" dirty="0"/>
-          </a:p>
-          <a:p>
-            <a:r>
-              <a:rPr lang="en-GB" dirty="0"/>
-              <a:t>“Hanging GET”</a:t>
-            </a:r>
-          </a:p>
-          <a:p>
-            <a:r>
-              <a:rPr lang="en-GB" dirty="0" err="1"/>
-              <a:t>Bijna</a:t>
-            </a:r>
-            <a:r>
-              <a:rPr lang="en-GB" dirty="0"/>
+              <a:rPr lang="en-US" dirty="0" err="1"/>
+              <a:t>dit</a:t>
+            </a:r>
+            <a:r>
+              <a:rPr lang="en-US" dirty="0"/>
               <a:t> </a:t>
             </a:r>
             <a:r>
-              <a:rPr lang="en-GB" dirty="0" err="1"/>
-              <a:t>altijd</a:t>
-            </a:r>
-            <a:r>
-              <a:rPr lang="en-GB" dirty="0"/>
-              <a:t> </a:t>
-            </a:r>
-            <a:r>
-              <a:rPr lang="en-GB" dirty="0" err="1"/>
-              <a:t>wachtende</a:t>
-            </a:r>
-            <a:r>
-              <a:rPr lang="en-GB" dirty="0"/>
-              <a:t> request</a:t>
-            </a:r>
-            <a:endParaRPr lang="en-BE" dirty="0"/>
+              <a:rPr lang="en-US" dirty="0" err="1"/>
+              <a:t>niet</a:t>
+            </a:r>
+            <a:endParaRPr lang="en-US" dirty="0"/>
+          </a:p>
+          <a:p>
+            <a:r>
+              <a:rPr lang="en-US" dirty="0"/>
+              <a:t>AJAX (long) Polling</a:t>
+            </a:r>
+          </a:p>
+          <a:p>
+            <a:r>
+              <a:rPr lang="en-US" dirty="0"/>
+              <a:t>Server-sent events</a:t>
+            </a:r>
+          </a:p>
+          <a:p>
+            <a:endParaRPr lang="en-US" dirty="0"/>
           </a:p>
         </p:txBody>
       </p:sp>
@@ -14153,7 +14700,7 @@
           <p:cNvPr id="3" name="Title 2">
             <a:extLst>
               <a:ext uri="{FF2B5EF4-FFF2-40B4-BE49-F238E27FC236}">
-                <a16:creationId xmlns:a16="http://schemas.microsoft.com/office/drawing/2014/main" id="{04F55D16-5466-66E9-9E8A-3376FCFBDDCE}"/>
+                <a16:creationId xmlns:a16="http://schemas.microsoft.com/office/drawing/2014/main" id="{B6282170-58B5-437A-B277-73F7EDEEAC48}"/>
               </a:ext>
             </a:extLst>
           </p:cNvPr>
@@ -14170,14 +14717,10 @@
           <a:lstStyle/>
           <a:p>
             <a:r>
-              <a:rPr lang="en-GB" dirty="0" err="1"/>
-              <a:t>Ontstaan</a:t>
-            </a:r>
-            <a:r>
-              <a:rPr lang="en-GB" dirty="0"/>
-              <a:t> – ajax (long) polling</a:t>
-            </a:r>
-            <a:endParaRPr lang="en-BE" dirty="0"/>
+              <a:rPr lang="en-US" dirty="0" err="1"/>
+              <a:t>ontstaan</a:t>
+            </a:r>
+            <a:endParaRPr lang="en-US" dirty="0"/>
           </a:p>
         </p:txBody>
       </p:sp>
@@ -14186,7 +14729,7 @@
           <p:cNvPr id="4" name="Slide Number Placeholder 3">
             <a:extLst>
               <a:ext uri="{FF2B5EF4-FFF2-40B4-BE49-F238E27FC236}">
-                <a16:creationId xmlns:a16="http://schemas.microsoft.com/office/drawing/2014/main" id="{9552D1EB-326C-6BFA-206B-7C88B3BE7B7C}"/>
+                <a16:creationId xmlns:a16="http://schemas.microsoft.com/office/drawing/2014/main" id="{49FE6B9F-285D-4793-8608-D799E7E68B2C}"/>
               </a:ext>
             </a:extLst>
           </p:cNvPr>
@@ -14216,7 +14759,7 @@
           <p:cNvPr id="5" name="Footer Placeholder 4">
             <a:extLst>
               <a:ext uri="{FF2B5EF4-FFF2-40B4-BE49-F238E27FC236}">
-                <a16:creationId xmlns:a16="http://schemas.microsoft.com/office/drawing/2014/main" id="{968EF55E-1F11-AED0-0C8A-43BEDB3B037A}"/>
+                <a16:creationId xmlns:a16="http://schemas.microsoft.com/office/drawing/2014/main" id="{03929003-0463-45B4-ACDA-5F5D41FBEC6A}"/>
               </a:ext>
             </a:extLst>
           </p:cNvPr>
@@ -14232,14 +14775,14 @@
           <a:bodyPr/>
           <a:lstStyle/>
           <a:p>
-            <a:endParaRPr lang="nl-BE"/>
+            <a:endParaRPr lang="nl-BE" dirty="0"/>
           </a:p>
         </p:txBody>
       </p:sp>
     </p:spTree>
     <p:extLst>
       <p:ext uri="{BB962C8B-B14F-4D97-AF65-F5344CB8AC3E}">
-        <p14:creationId xmlns:p14="http://schemas.microsoft.com/office/powerpoint/2010/main" val="425565436"/>
+        <p14:creationId xmlns:p14="http://schemas.microsoft.com/office/powerpoint/2010/main" val="3894248061"/>
       </p:ext>
     </p:extLst>
   </p:cSld>
